--- a/Lectures/4 Acquiring.pptx
+++ b/Lectures/4 Acquiring.pptx
@@ -5,10 +5,10 @@
     <p:sldMasterId id="2147483648" r:id="rId1"/>
   </p:sldMasterIdLst>
   <p:notesMasterIdLst>
-    <p:notesMasterId r:id="rId40"/>
+    <p:notesMasterId r:id="rId41"/>
   </p:notesMasterIdLst>
   <p:handoutMasterIdLst>
-    <p:handoutMasterId r:id="rId41"/>
+    <p:handoutMasterId r:id="rId42"/>
   </p:handoutMasterIdLst>
   <p:sldIdLst>
     <p:sldId id="256" r:id="rId2"/>
@@ -28,27 +28,28 @@
     <p:sldId id="438" r:id="rId16"/>
     <p:sldId id="439" r:id="rId17"/>
     <p:sldId id="430" r:id="rId18"/>
-    <p:sldId id="452" r:id="rId19"/>
-    <p:sldId id="453" r:id="rId20"/>
-    <p:sldId id="454" r:id="rId21"/>
-    <p:sldId id="455" r:id="rId22"/>
-    <p:sldId id="457" r:id="rId23"/>
-    <p:sldId id="456" r:id="rId24"/>
-    <p:sldId id="458" r:id="rId25"/>
-    <p:sldId id="459" r:id="rId26"/>
-    <p:sldId id="460" r:id="rId27"/>
-    <p:sldId id="463" r:id="rId28"/>
-    <p:sldId id="464" r:id="rId29"/>
-    <p:sldId id="465" r:id="rId30"/>
-    <p:sldId id="466" r:id="rId31"/>
-    <p:sldId id="471" r:id="rId32"/>
-    <p:sldId id="472" r:id="rId33"/>
-    <p:sldId id="473" r:id="rId34"/>
-    <p:sldId id="474" r:id="rId35"/>
-    <p:sldId id="476" r:id="rId36"/>
-    <p:sldId id="475" r:id="rId37"/>
-    <p:sldId id="477" r:id="rId38"/>
-    <p:sldId id="478" r:id="rId39"/>
+    <p:sldId id="479" r:id="rId19"/>
+    <p:sldId id="452" r:id="rId20"/>
+    <p:sldId id="453" r:id="rId21"/>
+    <p:sldId id="454" r:id="rId22"/>
+    <p:sldId id="455" r:id="rId23"/>
+    <p:sldId id="457" r:id="rId24"/>
+    <p:sldId id="456" r:id="rId25"/>
+    <p:sldId id="458" r:id="rId26"/>
+    <p:sldId id="459" r:id="rId27"/>
+    <p:sldId id="460" r:id="rId28"/>
+    <p:sldId id="463" r:id="rId29"/>
+    <p:sldId id="464" r:id="rId30"/>
+    <p:sldId id="465" r:id="rId31"/>
+    <p:sldId id="466" r:id="rId32"/>
+    <p:sldId id="471" r:id="rId33"/>
+    <p:sldId id="472" r:id="rId34"/>
+    <p:sldId id="473" r:id="rId35"/>
+    <p:sldId id="474" r:id="rId36"/>
+    <p:sldId id="476" r:id="rId37"/>
+    <p:sldId id="475" r:id="rId38"/>
+    <p:sldId id="477" r:id="rId39"/>
+    <p:sldId id="478" r:id="rId40"/>
   </p:sldIdLst>
   <p:sldSz cx="9144000" cy="6858000" type="screen4x3"/>
   <p:notesSz cx="6858000" cy="9144000"/>
@@ -264,11 +265,11 @@
           <c:showBubbleSize val="0"/>
         </c:dLbls>
         <c:gapWidth val="150"/>
-        <c:axId val="2085785224"/>
-        <c:axId val="2086527544"/>
+        <c:axId val="-2108129960"/>
+        <c:axId val="-2144645304"/>
       </c:barChart>
       <c:catAx>
-        <c:axId val="2085785224"/>
+        <c:axId val="-2108129960"/>
         <c:scaling>
           <c:orientation val="minMax"/>
         </c:scaling>
@@ -278,7 +279,7 @@
         <c:majorTickMark val="out"/>
         <c:minorTickMark val="none"/>
         <c:tickLblPos val="nextTo"/>
-        <c:crossAx val="2086527544"/>
+        <c:crossAx val="-2144645304"/>
         <c:crosses val="autoZero"/>
         <c:auto val="1"/>
         <c:lblAlgn val="ctr"/>
@@ -286,7 +287,7 @@
         <c:noMultiLvlLbl val="0"/>
       </c:catAx>
       <c:valAx>
-        <c:axId val="2086527544"/>
+        <c:axId val="-2144645304"/>
         <c:scaling>
           <c:orientation val="minMax"/>
         </c:scaling>
@@ -297,7 +298,7 @@
         <c:majorTickMark val="out"/>
         <c:minorTickMark val="none"/>
         <c:tickLblPos val="nextTo"/>
-        <c:crossAx val="2085785224"/>
+        <c:crossAx val="-2108129960"/>
         <c:crosses val="autoZero"/>
         <c:crossBetween val="between"/>
       </c:valAx>
@@ -442,11 +443,11 @@
           <c:showBubbleSize val="0"/>
         </c:dLbls>
         <c:gapWidth val="150"/>
-        <c:axId val="2145408712"/>
-        <c:axId val="2086076520"/>
+        <c:axId val="-2142134520"/>
+        <c:axId val="-2108421384"/>
       </c:barChart>
       <c:catAx>
-        <c:axId val="2145408712"/>
+        <c:axId val="-2142134520"/>
         <c:scaling>
           <c:orientation val="minMax"/>
         </c:scaling>
@@ -456,7 +457,7 @@
         <c:majorTickMark val="out"/>
         <c:minorTickMark val="none"/>
         <c:tickLblPos val="nextTo"/>
-        <c:crossAx val="2086076520"/>
+        <c:crossAx val="-2108421384"/>
         <c:crosses val="autoZero"/>
         <c:auto val="1"/>
         <c:lblAlgn val="ctr"/>
@@ -464,7 +465,7 @@
         <c:noMultiLvlLbl val="0"/>
       </c:catAx>
       <c:valAx>
-        <c:axId val="2086076520"/>
+        <c:axId val="-2108421384"/>
         <c:scaling>
           <c:orientation val="minMax"/>
         </c:scaling>
@@ -475,7 +476,7 @@
         <c:majorTickMark val="out"/>
         <c:minorTickMark val="none"/>
         <c:tickLblPos val="nextTo"/>
-        <c:crossAx val="2145408712"/>
+        <c:crossAx val="-2142134520"/>
         <c:crosses val="autoZero"/>
         <c:crossBetween val="between"/>
       </c:valAx>
@@ -619,11 +620,11 @@
           <c:showBubbleSize val="0"/>
         </c:dLbls>
         <c:gapWidth val="150"/>
-        <c:axId val="2145415848"/>
-        <c:axId val="2145421544"/>
+        <c:axId val="2122756472"/>
+        <c:axId val="-2144437960"/>
       </c:barChart>
       <c:catAx>
-        <c:axId val="2145415848"/>
+        <c:axId val="2122756472"/>
         <c:scaling>
           <c:orientation val="minMax"/>
         </c:scaling>
@@ -633,7 +634,7 @@
         <c:majorTickMark val="out"/>
         <c:minorTickMark val="none"/>
         <c:tickLblPos val="nextTo"/>
-        <c:crossAx val="2145421544"/>
+        <c:crossAx val="-2144437960"/>
         <c:crosses val="autoZero"/>
         <c:auto val="1"/>
         <c:lblAlgn val="ctr"/>
@@ -641,7 +642,7 @@
         <c:noMultiLvlLbl val="0"/>
       </c:catAx>
       <c:valAx>
-        <c:axId val="2145421544"/>
+        <c:axId val="-2144437960"/>
         <c:scaling>
           <c:orientation val="minMax"/>
         </c:scaling>
@@ -652,7 +653,7 @@
         <c:majorTickMark val="out"/>
         <c:minorTickMark val="none"/>
         <c:tickLblPos val="nextTo"/>
-        <c:crossAx val="2145415848"/>
+        <c:crossAx val="2122756472"/>
         <c:crosses val="autoZero"/>
         <c:crossBetween val="between"/>
       </c:valAx>
@@ -791,11 +792,11 @@
           <c:showBubbleSize val="0"/>
         </c:dLbls>
         <c:gapWidth val="150"/>
-        <c:axId val="2051870216"/>
-        <c:axId val="2051873048"/>
+        <c:axId val="2122714008"/>
+        <c:axId val="-2105897528"/>
       </c:barChart>
       <c:catAx>
-        <c:axId val="2051870216"/>
+        <c:axId val="2122714008"/>
         <c:scaling>
           <c:orientation val="minMax"/>
         </c:scaling>
@@ -805,7 +806,7 @@
         <c:majorTickMark val="out"/>
         <c:minorTickMark val="none"/>
         <c:tickLblPos val="nextTo"/>
-        <c:crossAx val="2051873048"/>
+        <c:crossAx val="-2105897528"/>
         <c:crosses val="autoZero"/>
         <c:auto val="1"/>
         <c:lblAlgn val="ctr"/>
@@ -813,7 +814,7 @@
         <c:noMultiLvlLbl val="0"/>
       </c:catAx>
       <c:valAx>
-        <c:axId val="2051873048"/>
+        <c:axId val="-2105897528"/>
         <c:scaling>
           <c:orientation val="minMax"/>
         </c:scaling>
@@ -824,7 +825,7 @@
         <c:majorTickMark val="out"/>
         <c:minorTickMark val="none"/>
         <c:tickLblPos val="nextTo"/>
-        <c:crossAx val="2051870216"/>
+        <c:crossAx val="2122714008"/>
         <c:crosses val="autoZero"/>
         <c:crossBetween val="between"/>
       </c:valAx>
@@ -968,11 +969,11 @@
           <c:showBubbleSize val="0"/>
         </c:dLbls>
         <c:gapWidth val="150"/>
-        <c:axId val="2051136456"/>
-        <c:axId val="2138900456"/>
+        <c:axId val="-2145189224"/>
+        <c:axId val="-2105888296"/>
       </c:barChart>
       <c:catAx>
-        <c:axId val="2051136456"/>
+        <c:axId val="-2145189224"/>
         <c:scaling>
           <c:orientation val="minMax"/>
         </c:scaling>
@@ -982,7 +983,7 @@
         <c:majorTickMark val="out"/>
         <c:minorTickMark val="none"/>
         <c:tickLblPos val="nextTo"/>
-        <c:crossAx val="2138900456"/>
+        <c:crossAx val="-2105888296"/>
         <c:crosses val="autoZero"/>
         <c:auto val="1"/>
         <c:lblAlgn val="ctr"/>
@@ -990,7 +991,7 @@
         <c:noMultiLvlLbl val="0"/>
       </c:catAx>
       <c:valAx>
-        <c:axId val="2138900456"/>
+        <c:axId val="-2105888296"/>
         <c:scaling>
           <c:orientation val="minMax"/>
         </c:scaling>
@@ -1001,7 +1002,7 @@
         <c:majorTickMark val="out"/>
         <c:minorTickMark val="none"/>
         <c:tickLblPos val="nextTo"/>
-        <c:crossAx val="2051136456"/>
+        <c:crossAx val="-2145189224"/>
         <c:crosses val="autoZero"/>
         <c:crossBetween val="between"/>
       </c:valAx>
@@ -3887,21 +3888,21 @@
     </dgm:pt>
   </dgm:ptLst>
   <dgm:cxnLst>
+    <dgm:cxn modelId="{BA662F92-01F8-D14F-9F10-8AE4A9407726}" srcId="{42D81CF2-D02F-8946-A6A0-250E7F3040E9}" destId="{92C49E94-34E0-2A41-8484-A9D4F6DBE1EA}" srcOrd="1" destOrd="0" parTransId="{C0331582-F413-5A41-B2B4-C489DB110E52}" sibTransId="{C604A724-87C4-1641-A5C5-F019D2713951}"/>
+    <dgm:cxn modelId="{6B1B9265-D71A-4B43-A0BA-4E7587087536}" type="presOf" srcId="{999B656F-DBDB-1943-B9F0-158C78A32C17}" destId="{F5CF512E-1AD1-724E-B731-57D66E80D6A5}" srcOrd="0" destOrd="0" presId="urn:microsoft.com/office/officeart/2005/8/layout/process1"/>
+    <dgm:cxn modelId="{66C90A28-5D58-6B4D-8855-2FB6C7CF06A0}" type="presOf" srcId="{999B656F-DBDB-1943-B9F0-158C78A32C17}" destId="{FF9EC301-3A68-DB43-BD0C-9F7120F18039}" srcOrd="1" destOrd="0" presId="urn:microsoft.com/office/officeart/2005/8/layout/process1"/>
     <dgm:cxn modelId="{2AF0BD6B-3020-AF41-A4B7-D21A3AF90E7D}" srcId="{42D81CF2-D02F-8946-A6A0-250E7F3040E9}" destId="{AA2EE4C4-2672-134B-A10E-24D0479226FD}" srcOrd="3" destOrd="0" parTransId="{A6FFB85A-5C65-C140-8402-F4F7A1FF496F}" sibTransId="{58173E36-07EF-544F-9A6E-0BAD533990FB}"/>
-    <dgm:cxn modelId="{70EE953C-8C35-214C-8B87-AFEEC8AA50C2}" type="presOf" srcId="{41B4A8F1-D113-5043-97A8-B6918095381E}" destId="{065B5A47-903E-9447-B9AD-6A34AC3DDA25}" srcOrd="1" destOrd="0" presId="urn:microsoft.com/office/officeart/2005/8/layout/process1"/>
     <dgm:cxn modelId="{BFAAAB81-2D07-2D4D-B071-112F3B794C97}" type="presOf" srcId="{C604A724-87C4-1641-A5C5-F019D2713951}" destId="{2A7A451B-E7CD-E64D-AD4D-C64E7A1F1921}" srcOrd="0" destOrd="0" presId="urn:microsoft.com/office/officeart/2005/8/layout/process1"/>
-    <dgm:cxn modelId="{8C05F526-F850-B845-8567-E9F9CD03A954}" srcId="{42D81CF2-D02F-8946-A6A0-250E7F3040E9}" destId="{15E5BE46-E928-244B-ABAC-F1543116E095}" srcOrd="0" destOrd="0" parTransId="{D4B17A15-ACC4-6B43-A7F6-1D9A3DFA0923}" sibTransId="{41B4A8F1-D113-5043-97A8-B6918095381E}"/>
+    <dgm:cxn modelId="{42933CA1-4067-E846-A887-1753D1268404}" srcId="{42D81CF2-D02F-8946-A6A0-250E7F3040E9}" destId="{D9842041-711C-A44C-B6A1-D37EE5D5EFEB}" srcOrd="2" destOrd="0" parTransId="{F9EC1153-7029-E14A-A0A6-1EBECDFB9FAF}" sibTransId="{999B656F-DBDB-1943-B9F0-158C78A32C17}"/>
+    <dgm:cxn modelId="{EB2BE677-8729-1643-8A56-B0E4C27AC6F5}" type="presOf" srcId="{AA2EE4C4-2672-134B-A10E-24D0479226FD}" destId="{7E47C9EC-8142-0A4E-AFBC-EADB5E13AA35}" srcOrd="0" destOrd="0" presId="urn:microsoft.com/office/officeart/2005/8/layout/process1"/>
     <dgm:cxn modelId="{BCDB28A5-AE91-944F-97DE-19EF83304FF2}" type="presOf" srcId="{42D81CF2-D02F-8946-A6A0-250E7F3040E9}" destId="{7CEEF8E4-3ADE-574C-B72A-56E56D8BE911}" srcOrd="0" destOrd="0" presId="urn:microsoft.com/office/officeart/2005/8/layout/process1"/>
+    <dgm:cxn modelId="{2907D63B-CF60-8A4D-B679-8A52E183ABEC}" type="presOf" srcId="{92C49E94-34E0-2A41-8484-A9D4F6DBE1EA}" destId="{42089EA5-C142-AD42-ABE6-822B746D7A0F}" srcOrd="0" destOrd="0" presId="urn:microsoft.com/office/officeart/2005/8/layout/process1"/>
+    <dgm:cxn modelId="{23C97F09-78AD-5D4E-A653-C222BF7E4385}" type="presOf" srcId="{15E5BE46-E928-244B-ABAC-F1543116E095}" destId="{5A21B2CD-C375-9247-88ED-4CC1CA1865D3}" srcOrd="0" destOrd="0" presId="urn:microsoft.com/office/officeart/2005/8/layout/process1"/>
     <dgm:cxn modelId="{2F83A802-D699-5743-B97D-A0280AB1D8FB}" type="presOf" srcId="{C604A724-87C4-1641-A5C5-F019D2713951}" destId="{481EE52C-64FC-CD48-9660-37F8016BDD19}" srcOrd="1" destOrd="0" presId="urn:microsoft.com/office/officeart/2005/8/layout/process1"/>
-    <dgm:cxn modelId="{66C90A28-5D58-6B4D-8855-2FB6C7CF06A0}" type="presOf" srcId="{999B656F-DBDB-1943-B9F0-158C78A32C17}" destId="{FF9EC301-3A68-DB43-BD0C-9F7120F18039}" srcOrd="1" destOrd="0" presId="urn:microsoft.com/office/officeart/2005/8/layout/process1"/>
-    <dgm:cxn modelId="{BA662F92-01F8-D14F-9F10-8AE4A9407726}" srcId="{42D81CF2-D02F-8946-A6A0-250E7F3040E9}" destId="{92C49E94-34E0-2A41-8484-A9D4F6DBE1EA}" srcOrd="1" destOrd="0" parTransId="{C0331582-F413-5A41-B2B4-C489DB110E52}" sibTransId="{C604A724-87C4-1641-A5C5-F019D2713951}"/>
-    <dgm:cxn modelId="{23C97F09-78AD-5D4E-A653-C222BF7E4385}" type="presOf" srcId="{15E5BE46-E928-244B-ABAC-F1543116E095}" destId="{5A21B2CD-C375-9247-88ED-4CC1CA1865D3}" srcOrd="0" destOrd="0" presId="urn:microsoft.com/office/officeart/2005/8/layout/process1"/>
-    <dgm:cxn modelId="{2907D63B-CF60-8A4D-B679-8A52E183ABEC}" type="presOf" srcId="{92C49E94-34E0-2A41-8484-A9D4F6DBE1EA}" destId="{42089EA5-C142-AD42-ABE6-822B746D7A0F}" srcOrd="0" destOrd="0" presId="urn:microsoft.com/office/officeart/2005/8/layout/process1"/>
-    <dgm:cxn modelId="{EB2BE677-8729-1643-8A56-B0E4C27AC6F5}" type="presOf" srcId="{AA2EE4C4-2672-134B-A10E-24D0479226FD}" destId="{7E47C9EC-8142-0A4E-AFBC-EADB5E13AA35}" srcOrd="0" destOrd="0" presId="urn:microsoft.com/office/officeart/2005/8/layout/process1"/>
-    <dgm:cxn modelId="{6B1B9265-D71A-4B43-A0BA-4E7587087536}" type="presOf" srcId="{999B656F-DBDB-1943-B9F0-158C78A32C17}" destId="{F5CF512E-1AD1-724E-B731-57D66E80D6A5}" srcOrd="0" destOrd="0" presId="urn:microsoft.com/office/officeart/2005/8/layout/process1"/>
-    <dgm:cxn modelId="{42933CA1-4067-E846-A887-1753D1268404}" srcId="{42D81CF2-D02F-8946-A6A0-250E7F3040E9}" destId="{D9842041-711C-A44C-B6A1-D37EE5D5EFEB}" srcOrd="2" destOrd="0" parTransId="{F9EC1153-7029-E14A-A0A6-1EBECDFB9FAF}" sibTransId="{999B656F-DBDB-1943-B9F0-158C78A32C17}"/>
     <dgm:cxn modelId="{A93FF16B-29D3-F24D-A5A6-D0EB5DD75A26}" type="presOf" srcId="{41B4A8F1-D113-5043-97A8-B6918095381E}" destId="{D61D47EA-EEF1-D144-915B-077C3FC305EF}" srcOrd="0" destOrd="0" presId="urn:microsoft.com/office/officeart/2005/8/layout/process1"/>
     <dgm:cxn modelId="{320DA76E-CADD-6A44-9E76-A70B82584731}" type="presOf" srcId="{D9842041-711C-A44C-B6A1-D37EE5D5EFEB}" destId="{143E674D-5043-1445-B5BB-4AEACBE0136D}" srcOrd="0" destOrd="0" presId="urn:microsoft.com/office/officeart/2005/8/layout/process1"/>
+    <dgm:cxn modelId="{70EE953C-8C35-214C-8B87-AFEEC8AA50C2}" type="presOf" srcId="{41B4A8F1-D113-5043-97A8-B6918095381E}" destId="{065B5A47-903E-9447-B9AD-6A34AC3DDA25}" srcOrd="1" destOrd="0" presId="urn:microsoft.com/office/officeart/2005/8/layout/process1"/>
+    <dgm:cxn modelId="{8C05F526-F850-B845-8567-E9F9CD03A954}" srcId="{42D81CF2-D02F-8946-A6A0-250E7F3040E9}" destId="{15E5BE46-E928-244B-ABAC-F1543116E095}" srcOrd="0" destOrd="0" parTransId="{D4B17A15-ACC4-6B43-A7F6-1D9A3DFA0923}" sibTransId="{41B4A8F1-D113-5043-97A8-B6918095381E}"/>
     <dgm:cxn modelId="{7ECC8D6E-3D37-884E-B922-B165C228E4C9}" type="presParOf" srcId="{7CEEF8E4-3ADE-574C-B72A-56E56D8BE911}" destId="{5A21B2CD-C375-9247-88ED-4CC1CA1865D3}" srcOrd="0" destOrd="0" presId="urn:microsoft.com/office/officeart/2005/8/layout/process1"/>
     <dgm:cxn modelId="{C152567D-44E3-5141-81CA-11C570A30D27}" type="presParOf" srcId="{7CEEF8E4-3ADE-574C-B72A-56E56D8BE911}" destId="{D61D47EA-EEF1-D144-915B-077C3FC305EF}" srcOrd="1" destOrd="0" presId="urn:microsoft.com/office/officeart/2005/8/layout/process1"/>
     <dgm:cxn modelId="{D264661C-AC3C-6B4D-9BE8-07057D2FC806}" type="presParOf" srcId="{D61D47EA-EEF1-D144-915B-077C3FC305EF}" destId="{065B5A47-903E-9447-B9AD-6A34AC3DDA25}" srcOrd="0" destOrd="0" presId="urn:microsoft.com/office/officeart/2005/8/layout/process1"/>
@@ -5413,571 +5414,6 @@
       <dsp:cNvGrpSpPr/>
     </dsp:nvGrpSpPr>
     <dsp:grpSpPr/>
-    <dsp:sp modelId="{5A21B2CD-C375-9247-88ED-4CC1CA1865D3}">
-      <dsp:nvSpPr>
-        <dsp:cNvPr id="0" name=""/>
-        <dsp:cNvSpPr/>
-      </dsp:nvSpPr>
-      <dsp:spPr>
-        <a:xfrm>
-          <a:off x="3652" y="2043297"/>
-          <a:ext cx="1597147" cy="1227806"/>
-        </a:xfrm>
-        <a:prstGeom prst="roundRect">
-          <a:avLst>
-            <a:gd name="adj" fmla="val 10000"/>
-          </a:avLst>
-        </a:prstGeom>
-        <a:solidFill>
-          <a:schemeClr val="accent1">
-            <a:hueOff val="0"/>
-            <a:satOff val="0"/>
-            <a:lumOff val="0"/>
-            <a:alphaOff val="0"/>
-          </a:schemeClr>
-        </a:solidFill>
-        <a:ln w="38100" cap="flat" cmpd="sng" algn="ctr">
-          <a:solidFill>
-            <a:schemeClr val="lt1">
-              <a:hueOff val="0"/>
-              <a:satOff val="0"/>
-              <a:lumOff val="0"/>
-              <a:alphaOff val="0"/>
-            </a:schemeClr>
-          </a:solidFill>
-          <a:prstDash val="solid"/>
-        </a:ln>
-        <a:effectLst>
-          <a:outerShdw blurRad="40000" dist="20000" dir="5400000" rotWithShape="0">
-            <a:srgbClr val="000000">
-              <a:alpha val="38000"/>
-            </a:srgbClr>
-          </a:outerShdw>
-        </a:effectLst>
-      </dsp:spPr>
-      <dsp:style>
-        <a:lnRef idx="3">
-          <a:scrgbClr r="0" g="0" b="0"/>
-        </a:lnRef>
-        <a:fillRef idx="1">
-          <a:scrgbClr r="0" g="0" b="0"/>
-        </a:fillRef>
-        <a:effectRef idx="1">
-          <a:scrgbClr r="0" g="0" b="0"/>
-        </a:effectRef>
-        <a:fontRef idx="minor">
-          <a:schemeClr val="lt1"/>
-        </a:fontRef>
-      </dsp:style>
-      <dsp:txBody>
-        <a:bodyPr spcFirstLastPara="0" vert="horz" wrap="square" lIns="68580" tIns="68580" rIns="68580" bIns="68580" numCol="1" spcCol="1270" anchor="ctr" anchorCtr="0">
-          <a:noAutofit/>
-        </a:bodyPr>
-        <a:lstStyle/>
-        <a:p>
-          <a:pPr lvl="0" algn="ctr" defTabSz="800100">
-            <a:lnSpc>
-              <a:spcPct val="90000"/>
-            </a:lnSpc>
-            <a:spcBef>
-              <a:spcPct val="0"/>
-            </a:spcBef>
-            <a:spcAft>
-              <a:spcPct val="35000"/>
-            </a:spcAft>
-          </a:pPr>
-          <a:r>
-            <a:rPr lang="en-US" sz="1800" kern="1200" dirty="0" smtClean="0"/>
-            <a:t>Construct a URL</a:t>
-          </a:r>
-          <a:endParaRPr lang="en-US" sz="1800" kern="1200" dirty="0"/>
-        </a:p>
-      </dsp:txBody>
-      <dsp:txXfrm>
-        <a:off x="39613" y="2079258"/>
-        <a:ext cx="1525225" cy="1155884"/>
-      </dsp:txXfrm>
-    </dsp:sp>
-    <dsp:sp modelId="{D61D47EA-EEF1-D144-915B-077C3FC305EF}">
-      <dsp:nvSpPr>
-        <dsp:cNvPr id="0" name=""/>
-        <dsp:cNvSpPr/>
-      </dsp:nvSpPr>
-      <dsp:spPr>
-        <a:xfrm>
-          <a:off x="1760514" y="2459154"/>
-          <a:ext cx="338595" cy="396092"/>
-        </a:xfrm>
-        <a:prstGeom prst="rightArrow">
-          <a:avLst>
-            <a:gd name="adj1" fmla="val 60000"/>
-            <a:gd name="adj2" fmla="val 50000"/>
-          </a:avLst>
-        </a:prstGeom>
-        <a:solidFill>
-          <a:schemeClr val="accent1">
-            <a:tint val="60000"/>
-            <a:hueOff val="0"/>
-            <a:satOff val="0"/>
-            <a:lumOff val="0"/>
-            <a:alphaOff val="0"/>
-          </a:schemeClr>
-        </a:solidFill>
-        <a:ln>
-          <a:noFill/>
-        </a:ln>
-        <a:effectLst>
-          <a:outerShdw blurRad="40000" dist="20000" dir="5400000" rotWithShape="0">
-            <a:srgbClr val="000000">
-              <a:alpha val="38000"/>
-            </a:srgbClr>
-          </a:outerShdw>
-        </a:effectLst>
-      </dsp:spPr>
-      <dsp:style>
-        <a:lnRef idx="0">
-          <a:scrgbClr r="0" g="0" b="0"/>
-        </a:lnRef>
-        <a:fillRef idx="1">
-          <a:scrgbClr r="0" g="0" b="0"/>
-        </a:fillRef>
-        <a:effectRef idx="1">
-          <a:scrgbClr r="0" g="0" b="0"/>
-        </a:effectRef>
-        <a:fontRef idx="minor">
-          <a:schemeClr val="lt1"/>
-        </a:fontRef>
-      </dsp:style>
-      <dsp:txBody>
-        <a:bodyPr spcFirstLastPara="0" vert="horz" wrap="square" lIns="0" tIns="0" rIns="0" bIns="0" numCol="1" spcCol="1270" anchor="ctr" anchorCtr="0">
-          <a:noAutofit/>
-        </a:bodyPr>
-        <a:lstStyle/>
-        <a:p>
-          <a:pPr lvl="0" algn="ctr" defTabSz="622300">
-            <a:lnSpc>
-              <a:spcPct val="90000"/>
-            </a:lnSpc>
-            <a:spcBef>
-              <a:spcPct val="0"/>
-            </a:spcBef>
-            <a:spcAft>
-              <a:spcPct val="35000"/>
-            </a:spcAft>
-          </a:pPr>
-          <a:endParaRPr lang="en-US" sz="1400" kern="1200"/>
-        </a:p>
-      </dsp:txBody>
-      <dsp:txXfrm>
-        <a:off x="1760514" y="2538372"/>
-        <a:ext cx="237017" cy="237656"/>
-      </dsp:txXfrm>
-    </dsp:sp>
-    <dsp:sp modelId="{42089EA5-C142-AD42-ABE6-822B746D7A0F}">
-      <dsp:nvSpPr>
-        <dsp:cNvPr id="0" name=""/>
-        <dsp:cNvSpPr/>
-      </dsp:nvSpPr>
-      <dsp:spPr>
-        <a:xfrm>
-          <a:off x="2239658" y="2043297"/>
-          <a:ext cx="1597147" cy="1227806"/>
-        </a:xfrm>
-        <a:prstGeom prst="roundRect">
-          <a:avLst>
-            <a:gd name="adj" fmla="val 10000"/>
-          </a:avLst>
-        </a:prstGeom>
-        <a:solidFill>
-          <a:schemeClr val="accent1">
-            <a:hueOff val="0"/>
-            <a:satOff val="0"/>
-            <a:lumOff val="0"/>
-            <a:alphaOff val="0"/>
-          </a:schemeClr>
-        </a:solidFill>
-        <a:ln w="38100" cap="flat" cmpd="sng" algn="ctr">
-          <a:solidFill>
-            <a:schemeClr val="lt1">
-              <a:hueOff val="0"/>
-              <a:satOff val="0"/>
-              <a:lumOff val="0"/>
-              <a:alphaOff val="0"/>
-            </a:schemeClr>
-          </a:solidFill>
-          <a:prstDash val="solid"/>
-        </a:ln>
-        <a:effectLst>
-          <a:outerShdw blurRad="40000" dist="20000" dir="5400000" rotWithShape="0">
-            <a:srgbClr val="000000">
-              <a:alpha val="38000"/>
-            </a:srgbClr>
-          </a:outerShdw>
-        </a:effectLst>
-      </dsp:spPr>
-      <dsp:style>
-        <a:lnRef idx="3">
-          <a:scrgbClr r="0" g="0" b="0"/>
-        </a:lnRef>
-        <a:fillRef idx="1">
-          <a:scrgbClr r="0" g="0" b="0"/>
-        </a:fillRef>
-        <a:effectRef idx="1">
-          <a:scrgbClr r="0" g="0" b="0"/>
-        </a:effectRef>
-        <a:fontRef idx="minor">
-          <a:schemeClr val="lt1"/>
-        </a:fontRef>
-      </dsp:style>
-      <dsp:txBody>
-        <a:bodyPr spcFirstLastPara="0" vert="horz" wrap="square" lIns="68580" tIns="68580" rIns="68580" bIns="68580" numCol="1" spcCol="1270" anchor="ctr" anchorCtr="0">
-          <a:noAutofit/>
-        </a:bodyPr>
-        <a:lstStyle/>
-        <a:p>
-          <a:pPr lvl="0" algn="ctr" defTabSz="800100">
-            <a:lnSpc>
-              <a:spcPct val="90000"/>
-            </a:lnSpc>
-            <a:spcBef>
-              <a:spcPct val="0"/>
-            </a:spcBef>
-            <a:spcAft>
-              <a:spcPct val="35000"/>
-            </a:spcAft>
-          </a:pPr>
-          <a:r>
-            <a:rPr lang="en-US" sz="1800" kern="1200" dirty="0" smtClean="0"/>
-            <a:t>Post it to the Server</a:t>
-          </a:r>
-          <a:endParaRPr lang="en-US" sz="1800" kern="1200" dirty="0"/>
-        </a:p>
-      </dsp:txBody>
-      <dsp:txXfrm>
-        <a:off x="2275619" y="2079258"/>
-        <a:ext cx="1525225" cy="1155884"/>
-      </dsp:txXfrm>
-    </dsp:sp>
-    <dsp:sp modelId="{2A7A451B-E7CD-E64D-AD4D-C64E7A1F1921}">
-      <dsp:nvSpPr>
-        <dsp:cNvPr id="0" name=""/>
-        <dsp:cNvSpPr/>
-      </dsp:nvSpPr>
-      <dsp:spPr>
-        <a:xfrm>
-          <a:off x="3996520" y="2459154"/>
-          <a:ext cx="338595" cy="396092"/>
-        </a:xfrm>
-        <a:prstGeom prst="rightArrow">
-          <a:avLst>
-            <a:gd name="adj1" fmla="val 60000"/>
-            <a:gd name="adj2" fmla="val 50000"/>
-          </a:avLst>
-        </a:prstGeom>
-        <a:solidFill>
-          <a:schemeClr val="accent1">
-            <a:tint val="60000"/>
-            <a:hueOff val="0"/>
-            <a:satOff val="0"/>
-            <a:lumOff val="0"/>
-            <a:alphaOff val="0"/>
-          </a:schemeClr>
-        </a:solidFill>
-        <a:ln>
-          <a:noFill/>
-        </a:ln>
-        <a:effectLst>
-          <a:outerShdw blurRad="40000" dist="20000" dir="5400000" rotWithShape="0">
-            <a:srgbClr val="000000">
-              <a:alpha val="38000"/>
-            </a:srgbClr>
-          </a:outerShdw>
-        </a:effectLst>
-      </dsp:spPr>
-      <dsp:style>
-        <a:lnRef idx="0">
-          <a:scrgbClr r="0" g="0" b="0"/>
-        </a:lnRef>
-        <a:fillRef idx="1">
-          <a:scrgbClr r="0" g="0" b="0"/>
-        </a:fillRef>
-        <a:effectRef idx="1">
-          <a:scrgbClr r="0" g="0" b="0"/>
-        </a:effectRef>
-        <a:fontRef idx="minor">
-          <a:schemeClr val="lt1"/>
-        </a:fontRef>
-      </dsp:style>
-      <dsp:txBody>
-        <a:bodyPr spcFirstLastPara="0" vert="horz" wrap="square" lIns="0" tIns="0" rIns="0" bIns="0" numCol="1" spcCol="1270" anchor="ctr" anchorCtr="0">
-          <a:noAutofit/>
-        </a:bodyPr>
-        <a:lstStyle/>
-        <a:p>
-          <a:pPr lvl="0" algn="ctr" defTabSz="622300">
-            <a:lnSpc>
-              <a:spcPct val="90000"/>
-            </a:lnSpc>
-            <a:spcBef>
-              <a:spcPct val="0"/>
-            </a:spcBef>
-            <a:spcAft>
-              <a:spcPct val="35000"/>
-            </a:spcAft>
-          </a:pPr>
-          <a:endParaRPr lang="en-US" sz="1400" kern="1200"/>
-        </a:p>
-      </dsp:txBody>
-      <dsp:txXfrm>
-        <a:off x="3996520" y="2538372"/>
-        <a:ext cx="237017" cy="237656"/>
-      </dsp:txXfrm>
-    </dsp:sp>
-    <dsp:sp modelId="{143E674D-5043-1445-B5BB-4AEACBE0136D}">
-      <dsp:nvSpPr>
-        <dsp:cNvPr id="0" name=""/>
-        <dsp:cNvSpPr/>
-      </dsp:nvSpPr>
-      <dsp:spPr>
-        <a:xfrm>
-          <a:off x="4475664" y="2043297"/>
-          <a:ext cx="1597147" cy="1227806"/>
-        </a:xfrm>
-        <a:prstGeom prst="roundRect">
-          <a:avLst>
-            <a:gd name="adj" fmla="val 10000"/>
-          </a:avLst>
-        </a:prstGeom>
-        <a:solidFill>
-          <a:schemeClr val="accent1">
-            <a:hueOff val="0"/>
-            <a:satOff val="0"/>
-            <a:lumOff val="0"/>
-            <a:alphaOff val="0"/>
-          </a:schemeClr>
-        </a:solidFill>
-        <a:ln w="38100" cap="flat" cmpd="sng" algn="ctr">
-          <a:solidFill>
-            <a:schemeClr val="lt1">
-              <a:hueOff val="0"/>
-              <a:satOff val="0"/>
-              <a:lumOff val="0"/>
-              <a:alphaOff val="0"/>
-            </a:schemeClr>
-          </a:solidFill>
-          <a:prstDash val="solid"/>
-        </a:ln>
-        <a:effectLst>
-          <a:outerShdw blurRad="40000" dist="20000" dir="5400000" rotWithShape="0">
-            <a:srgbClr val="000000">
-              <a:alpha val="38000"/>
-            </a:srgbClr>
-          </a:outerShdw>
-        </a:effectLst>
-      </dsp:spPr>
-      <dsp:style>
-        <a:lnRef idx="3">
-          <a:scrgbClr r="0" g="0" b="0"/>
-        </a:lnRef>
-        <a:fillRef idx="1">
-          <a:scrgbClr r="0" g="0" b="0"/>
-        </a:fillRef>
-        <a:effectRef idx="1">
-          <a:scrgbClr r="0" g="0" b="0"/>
-        </a:effectRef>
-        <a:fontRef idx="minor">
-          <a:schemeClr val="lt1"/>
-        </a:fontRef>
-      </dsp:style>
-      <dsp:txBody>
-        <a:bodyPr spcFirstLastPara="0" vert="horz" wrap="square" lIns="68580" tIns="68580" rIns="68580" bIns="68580" numCol="1" spcCol="1270" anchor="ctr" anchorCtr="0">
-          <a:noAutofit/>
-        </a:bodyPr>
-        <a:lstStyle/>
-        <a:p>
-          <a:pPr lvl="0" algn="ctr" defTabSz="800100">
-            <a:lnSpc>
-              <a:spcPct val="90000"/>
-            </a:lnSpc>
-            <a:spcBef>
-              <a:spcPct val="0"/>
-            </a:spcBef>
-            <a:spcAft>
-              <a:spcPct val="35000"/>
-            </a:spcAft>
-          </a:pPr>
-          <a:r>
-            <a:rPr lang="en-US" sz="1800" kern="1200" dirty="0" smtClean="0"/>
-            <a:t>Collect the Response (often XML or JSON)</a:t>
-          </a:r>
-          <a:endParaRPr lang="en-US" sz="1800" kern="1200" dirty="0"/>
-        </a:p>
-      </dsp:txBody>
-      <dsp:txXfrm>
-        <a:off x="4511625" y="2079258"/>
-        <a:ext cx="1525225" cy="1155884"/>
-      </dsp:txXfrm>
-    </dsp:sp>
-    <dsp:sp modelId="{F5CF512E-1AD1-724E-B731-57D66E80D6A5}">
-      <dsp:nvSpPr>
-        <dsp:cNvPr id="0" name=""/>
-        <dsp:cNvSpPr/>
-      </dsp:nvSpPr>
-      <dsp:spPr>
-        <a:xfrm>
-          <a:off x="6232526" y="2459154"/>
-          <a:ext cx="338595" cy="396092"/>
-        </a:xfrm>
-        <a:prstGeom prst="rightArrow">
-          <a:avLst>
-            <a:gd name="adj1" fmla="val 60000"/>
-            <a:gd name="adj2" fmla="val 50000"/>
-          </a:avLst>
-        </a:prstGeom>
-        <a:solidFill>
-          <a:schemeClr val="accent1">
-            <a:tint val="60000"/>
-            <a:hueOff val="0"/>
-            <a:satOff val="0"/>
-            <a:lumOff val="0"/>
-            <a:alphaOff val="0"/>
-          </a:schemeClr>
-        </a:solidFill>
-        <a:ln>
-          <a:noFill/>
-        </a:ln>
-        <a:effectLst>
-          <a:outerShdw blurRad="40000" dist="20000" dir="5400000" rotWithShape="0">
-            <a:srgbClr val="000000">
-              <a:alpha val="38000"/>
-            </a:srgbClr>
-          </a:outerShdw>
-        </a:effectLst>
-      </dsp:spPr>
-      <dsp:style>
-        <a:lnRef idx="0">
-          <a:scrgbClr r="0" g="0" b="0"/>
-        </a:lnRef>
-        <a:fillRef idx="1">
-          <a:scrgbClr r="0" g="0" b="0"/>
-        </a:fillRef>
-        <a:effectRef idx="1">
-          <a:scrgbClr r="0" g="0" b="0"/>
-        </a:effectRef>
-        <a:fontRef idx="minor">
-          <a:schemeClr val="lt1"/>
-        </a:fontRef>
-      </dsp:style>
-      <dsp:txBody>
-        <a:bodyPr spcFirstLastPara="0" vert="horz" wrap="square" lIns="0" tIns="0" rIns="0" bIns="0" numCol="1" spcCol="1270" anchor="ctr" anchorCtr="0">
-          <a:noAutofit/>
-        </a:bodyPr>
-        <a:lstStyle/>
-        <a:p>
-          <a:pPr lvl="0" algn="ctr" defTabSz="622300">
-            <a:lnSpc>
-              <a:spcPct val="90000"/>
-            </a:lnSpc>
-            <a:spcBef>
-              <a:spcPct val="0"/>
-            </a:spcBef>
-            <a:spcAft>
-              <a:spcPct val="35000"/>
-            </a:spcAft>
-          </a:pPr>
-          <a:endParaRPr lang="en-US" sz="1400" kern="1200"/>
-        </a:p>
-      </dsp:txBody>
-      <dsp:txXfrm>
-        <a:off x="6232526" y="2538372"/>
-        <a:ext cx="237017" cy="237656"/>
-      </dsp:txXfrm>
-    </dsp:sp>
-    <dsp:sp modelId="{7E47C9EC-8142-0A4E-AFBC-EADB5E13AA35}">
-      <dsp:nvSpPr>
-        <dsp:cNvPr id="0" name=""/>
-        <dsp:cNvSpPr/>
-      </dsp:nvSpPr>
-      <dsp:spPr>
-        <a:xfrm>
-          <a:off x="6711670" y="2043297"/>
-          <a:ext cx="1597147" cy="1227806"/>
-        </a:xfrm>
-        <a:prstGeom prst="roundRect">
-          <a:avLst>
-            <a:gd name="adj" fmla="val 10000"/>
-          </a:avLst>
-        </a:prstGeom>
-        <a:solidFill>
-          <a:schemeClr val="accent1">
-            <a:hueOff val="0"/>
-            <a:satOff val="0"/>
-            <a:lumOff val="0"/>
-            <a:alphaOff val="0"/>
-          </a:schemeClr>
-        </a:solidFill>
-        <a:ln w="38100" cap="flat" cmpd="sng" algn="ctr">
-          <a:solidFill>
-            <a:schemeClr val="lt1">
-              <a:hueOff val="0"/>
-              <a:satOff val="0"/>
-              <a:lumOff val="0"/>
-              <a:alphaOff val="0"/>
-            </a:schemeClr>
-          </a:solidFill>
-          <a:prstDash val="solid"/>
-        </a:ln>
-        <a:effectLst>
-          <a:outerShdw blurRad="40000" dist="20000" dir="5400000" rotWithShape="0">
-            <a:srgbClr val="000000">
-              <a:alpha val="38000"/>
-            </a:srgbClr>
-          </a:outerShdw>
-        </a:effectLst>
-      </dsp:spPr>
-      <dsp:style>
-        <a:lnRef idx="3">
-          <a:scrgbClr r="0" g="0" b="0"/>
-        </a:lnRef>
-        <a:fillRef idx="1">
-          <a:scrgbClr r="0" g="0" b="0"/>
-        </a:fillRef>
-        <a:effectRef idx="1">
-          <a:scrgbClr r="0" g="0" b="0"/>
-        </a:effectRef>
-        <a:fontRef idx="minor">
-          <a:schemeClr val="lt1"/>
-        </a:fontRef>
-      </dsp:style>
-      <dsp:txBody>
-        <a:bodyPr spcFirstLastPara="0" vert="horz" wrap="square" lIns="68580" tIns="68580" rIns="68580" bIns="68580" numCol="1" spcCol="1270" anchor="ctr" anchorCtr="0">
-          <a:noAutofit/>
-        </a:bodyPr>
-        <a:lstStyle/>
-        <a:p>
-          <a:pPr lvl="0" algn="ctr" defTabSz="800100">
-            <a:lnSpc>
-              <a:spcPct val="90000"/>
-            </a:lnSpc>
-            <a:spcBef>
-              <a:spcPct val="0"/>
-            </a:spcBef>
-            <a:spcAft>
-              <a:spcPct val="35000"/>
-            </a:spcAft>
-          </a:pPr>
-          <a:r>
-            <a:rPr lang="en-US" sz="1800" kern="1200" smtClean="0"/>
-            <a:t>Parse and Act</a:t>
-          </a:r>
-          <a:endParaRPr lang="en-US" sz="1800" kern="1200" dirty="0"/>
-        </a:p>
-      </dsp:txBody>
-      <dsp:txXfrm>
-        <a:off x="6747631" y="2079258"/>
-        <a:ext cx="1525225" cy="1155884"/>
-      </dsp:txXfrm>
-    </dsp:sp>
   </dsp:spTree>
 </dsp:drawing>
 </file>
@@ -9604,7 +9040,7 @@
           <a:p>
             <a:fld id="{D3AAB66F-B1B7-D045-B4E8-4F60236F228D}" type="datetimeFigureOut">
               <a:rPr lang="en-US" smtClean="0"/>
-              <a:t>1/22/14</a:t>
+              <a:t>1/26/14</a:t>
             </a:fld>
             <a:endParaRPr lang="en-US"/>
           </a:p>
@@ -9770,7 +9206,7 @@
           <a:p>
             <a:fld id="{BCCF8E76-06A6-164E-A6FA-EC32C13EB232}" type="datetimeFigureOut">
               <a:rPr lang="en-US" smtClean="0"/>
-              <a:t>1/22/14</a:t>
+              <a:t>1/26/14</a:t>
             </a:fld>
             <a:endParaRPr lang="en-US"/>
           </a:p>
@@ -10728,7 +10164,7 @@
           <a:p>
             <a:fld id="{FD66F34B-9C4D-8640-BB34-4C24A79C9FFB}" type="slidenum">
               <a:rPr lang="en-US" smtClean="0"/>
-              <a:t>20</a:t>
+              <a:t>21</a:t>
             </a:fld>
             <a:endParaRPr lang="en-US"/>
           </a:p>
@@ -10816,7 +10252,7 @@
           <a:p>
             <a:fld id="{FD66F34B-9C4D-8640-BB34-4C24A79C9FFB}" type="slidenum">
               <a:rPr lang="en-US" smtClean="0"/>
-              <a:t>21</a:t>
+              <a:t>22</a:t>
             </a:fld>
             <a:endParaRPr lang="en-US"/>
           </a:p>
@@ -10916,7 +10352,7 @@
           <a:p>
             <a:fld id="{FD66F34B-9C4D-8640-BB34-4C24A79C9FFB}" type="slidenum">
               <a:rPr lang="en-US" smtClean="0"/>
-              <a:t>24</a:t>
+              <a:t>25</a:t>
             </a:fld>
             <a:endParaRPr lang="en-US"/>
           </a:p>
@@ -11000,7 +10436,7 @@
           <a:p>
             <a:fld id="{FD66F34B-9C4D-8640-BB34-4C24A79C9FFB}" type="slidenum">
               <a:rPr lang="en-US" smtClean="0"/>
-              <a:t>26</a:t>
+              <a:t>27</a:t>
             </a:fld>
             <a:endParaRPr lang="en-US"/>
           </a:p>
@@ -11084,7 +10520,7 @@
           <a:p>
             <a:fld id="{FD66F34B-9C4D-8640-BB34-4C24A79C9FFB}" type="slidenum">
               <a:rPr lang="en-US" smtClean="0"/>
-              <a:t>27</a:t>
+              <a:t>28</a:t>
             </a:fld>
             <a:endParaRPr lang="en-US"/>
           </a:p>
@@ -11284,7 +10720,7 @@
           <a:p>
             <a:fld id="{FD66F34B-9C4D-8640-BB34-4C24A79C9FFB}" type="slidenum">
               <a:rPr lang="en-US" smtClean="0"/>
-              <a:t>28</a:t>
+              <a:t>29</a:t>
             </a:fld>
             <a:endParaRPr lang="en-US"/>
           </a:p>
@@ -11368,7 +10804,7 @@
           <a:p>
             <a:fld id="{FD66F34B-9C4D-8640-BB34-4C24A79C9FFB}" type="slidenum">
               <a:rPr lang="en-US" smtClean="0"/>
-              <a:t>29</a:t>
+              <a:t>30</a:t>
             </a:fld>
             <a:endParaRPr lang="en-US"/>
           </a:p>
@@ -11452,7 +10888,7 @@
           <a:p>
             <a:fld id="{FD66F34B-9C4D-8640-BB34-4C24A79C9FFB}" type="slidenum">
               <a:rPr lang="en-US" smtClean="0"/>
-              <a:t>30</a:t>
+              <a:t>31</a:t>
             </a:fld>
             <a:endParaRPr lang="en-US"/>
           </a:p>
@@ -11536,7 +10972,7 @@
           <a:p>
             <a:fld id="{FD66F34B-9C4D-8640-BB34-4C24A79C9FFB}" type="slidenum">
               <a:rPr lang="en-US" smtClean="0"/>
-              <a:t>31</a:t>
+              <a:t>32</a:t>
             </a:fld>
             <a:endParaRPr lang="en-US"/>
           </a:p>
@@ -11620,7 +11056,7 @@
           <a:p>
             <a:fld id="{FD66F34B-9C4D-8640-BB34-4C24A79C9FFB}" type="slidenum">
               <a:rPr lang="en-US" smtClean="0"/>
-              <a:t>32</a:t>
+              <a:t>33</a:t>
             </a:fld>
             <a:endParaRPr lang="en-US"/>
           </a:p>
@@ -11704,7 +11140,7 @@
           <a:p>
             <a:fld id="{FD66F34B-9C4D-8640-BB34-4C24A79C9FFB}" type="slidenum">
               <a:rPr lang="en-US" smtClean="0"/>
-              <a:t>34</a:t>
+              <a:t>35</a:t>
             </a:fld>
             <a:endParaRPr lang="en-US"/>
           </a:p>
@@ -11788,7 +11224,7 @@
           <a:p>
             <a:fld id="{FD66F34B-9C4D-8640-BB34-4C24A79C9FFB}" type="slidenum">
               <a:rPr lang="en-US" smtClean="0"/>
-              <a:t>35</a:t>
+              <a:t>36</a:t>
             </a:fld>
             <a:endParaRPr lang="en-US"/>
           </a:p>
@@ -11876,7 +11312,7 @@
           <a:p>
             <a:fld id="{FD66F34B-9C4D-8640-BB34-4C24A79C9FFB}" type="slidenum">
               <a:rPr lang="en-US" smtClean="0"/>
-              <a:t>36</a:t>
+              <a:t>37</a:t>
             </a:fld>
             <a:endParaRPr lang="en-US"/>
           </a:p>
@@ -11980,7 +11416,7 @@
           <a:p>
             <a:fld id="{FD66F34B-9C4D-8640-BB34-4C24A79C9FFB}" type="slidenum">
               <a:rPr lang="en-US" smtClean="0"/>
-              <a:t>37</a:t>
+              <a:t>38</a:t>
             </a:fld>
             <a:endParaRPr lang="en-US"/>
           </a:p>
@@ -13210,7 +12646,7 @@
             <a:fld id="{FA3C144B-2939-9A49-B014-915EC3E81866}" type="datetime1">
               <a:rPr lang="en-US" smtClean="0"/>
               <a:pPr/>
-              <a:t>1/22/14</a:t>
+              <a:t>1/26/14</a:t>
             </a:fld>
             <a:endParaRPr lang="en-US" dirty="0"/>
           </a:p>
@@ -13639,7 +13075,7 @@
           <a:p>
             <a:fld id="{76838339-A875-5E45-AB3F-AAABD270346A}" type="datetime1">
               <a:rPr lang="en-US" smtClean="0"/>
-              <a:t>1/22/14</a:t>
+              <a:t>1/26/14</a:t>
             </a:fld>
             <a:endParaRPr lang="en-US"/>
           </a:p>
@@ -13925,7 +13361,7 @@
             <a:fld id="{FA3C144B-2939-9A49-B014-915EC3E81866}" type="datetime1">
               <a:rPr lang="en-US" smtClean="0"/>
               <a:pPr/>
-              <a:t>1/22/14</a:t>
+              <a:t>1/26/14</a:t>
             </a:fld>
             <a:endParaRPr lang="en-US" dirty="0"/>
           </a:p>
@@ -14407,7 +13843,7 @@
           <a:p>
             <a:fld id="{A73F672F-A5FB-5745-934A-1BF51CA5539C}" type="datetime1">
               <a:rPr lang="en-US" smtClean="0"/>
-              <a:t>1/22/14</a:t>
+              <a:t>1/26/14</a:t>
             </a:fld>
             <a:endParaRPr lang="en-US"/>
           </a:p>
@@ -14749,7 +14185,7 @@
             <a:fld id="{FA3C144B-2939-9A49-B014-915EC3E81866}" type="datetime1">
               <a:rPr lang="en-US" smtClean="0"/>
               <a:pPr/>
-              <a:t>1/22/14</a:t>
+              <a:t>1/26/14</a:t>
             </a:fld>
             <a:endParaRPr lang="en-US" dirty="0"/>
           </a:p>
@@ -15213,7 +14649,7 @@
           <a:p>
             <a:fld id="{6AFE6A63-5EBE-3E48-B0AE-DF655A1ECE76}" type="datetime1">
               <a:rPr lang="en-US" smtClean="0"/>
-              <a:t>1/22/14</a:t>
+              <a:t>1/26/14</a:t>
             </a:fld>
             <a:endParaRPr lang="en-US"/>
           </a:p>
@@ -15532,7 +14968,7 @@
           <a:p>
             <a:fld id="{4A019F0C-9D18-B54A-9AC9-18AA74EDB034}" type="datetime1">
               <a:rPr lang="en-US" smtClean="0"/>
-              <a:t>1/22/14</a:t>
+              <a:t>1/26/14</a:t>
             </a:fld>
             <a:endParaRPr lang="en-US"/>
           </a:p>
@@ -15842,7 +15278,7 @@
             <a:fld id="{FA3C144B-2939-9A49-B014-915EC3E81866}" type="datetime1">
               <a:rPr lang="en-US" smtClean="0"/>
               <a:pPr/>
-              <a:t>1/22/14</a:t>
+              <a:t>1/26/14</a:t>
             </a:fld>
             <a:endParaRPr lang="en-US" dirty="0"/>
           </a:p>
@@ -16105,7 +15541,7 @@
           <a:p>
             <a:fld id="{FA3C144B-2939-9A49-B014-915EC3E81866}" type="datetime1">
               <a:rPr lang="en-US" smtClean="0"/>
-              <a:t>1/22/14</a:t>
+              <a:t>1/26/14</a:t>
             </a:fld>
             <a:endParaRPr lang="en-US" dirty="0"/>
           </a:p>
@@ -16367,7 +15803,7 @@
           <a:p>
             <a:fld id="{31ABE473-7551-0F4A-ACC5-906E2044C6C8}" type="datetimeFigureOut">
               <a:rPr lang="en-US" smtClean="0"/>
-              <a:t>1/22/14</a:t>
+              <a:t>1/26/14</a:t>
             </a:fld>
             <a:endParaRPr lang="en-US"/>
           </a:p>
@@ -16568,7 +16004,7 @@
           <a:p>
             <a:fld id="{7053BEFA-1175-F644-B249-7D41D72BD3FF}" type="datetime1">
               <a:rPr lang="en-US" smtClean="0"/>
-              <a:t>1/22/14</a:t>
+              <a:t>1/26/14</a:t>
             </a:fld>
             <a:endParaRPr lang="en-US"/>
           </a:p>
@@ -16687,7 +16123,7 @@
             <a:fld id="{FA3C144B-2939-9A49-B014-915EC3E81866}" type="datetime1">
               <a:rPr lang="en-US" smtClean="0"/>
               <a:pPr/>
-              <a:t>1/22/14</a:t>
+              <a:t>1/26/14</a:t>
             </a:fld>
             <a:endParaRPr lang="en-US" dirty="0"/>
           </a:p>
@@ -16904,7 +16340,7 @@
             <a:fld id="{FA3C144B-2939-9A49-B014-915EC3E81866}" type="datetime1">
               <a:rPr lang="en-US" smtClean="0"/>
               <a:pPr/>
-              <a:t>1/22/14</a:t>
+              <a:t>1/26/14</a:t>
             </a:fld>
             <a:endParaRPr lang="en-US" dirty="0"/>
           </a:p>
@@ -17149,7 +16585,7 @@
             <a:fld id="{FA3C144B-2939-9A49-B014-915EC3E81866}" type="datetime1">
               <a:rPr lang="en-US" smtClean="0"/>
               <a:pPr/>
-              <a:t>1/22/14</a:t>
+              <a:t>1/26/14</a:t>
             </a:fld>
             <a:endParaRPr lang="en-US" dirty="0"/>
           </a:p>
@@ -17527,7 +16963,7 @@
           <a:p>
             <a:fld id="{111EEF3B-ABF2-AA4E-9E24-0C6256942674}" type="datetime1">
               <a:rPr lang="en-US" smtClean="0"/>
-              <a:t>1/22/14</a:t>
+              <a:t>1/26/14</a:t>
             </a:fld>
             <a:endParaRPr lang="en-US"/>
           </a:p>
@@ -17691,7 +17127,7 @@
             <a:fld id="{FA3C144B-2939-9A49-B014-915EC3E81866}" type="datetime1">
               <a:rPr lang="en-US" smtClean="0"/>
               <a:pPr/>
-              <a:t>1/22/14</a:t>
+              <a:t>1/26/14</a:t>
             </a:fld>
             <a:endParaRPr lang="en-US" dirty="0"/>
           </a:p>
@@ -18108,7 +17544,7 @@
             <a:fld id="{FA3C144B-2939-9A49-B014-915EC3E81866}" type="datetime1">
               <a:rPr lang="en-US" smtClean="0"/>
               <a:pPr/>
-              <a:t>1/22/14</a:t>
+              <a:t>1/26/14</a:t>
             </a:fld>
             <a:endParaRPr lang="en-US" dirty="0"/>
           </a:p>
@@ -18424,7 +17860,7 @@
             <a:fld id="{FA3C144B-2939-9A49-B014-915EC3E81866}" type="datetime1">
               <a:rPr lang="en-US" smtClean="0"/>
               <a:pPr/>
-              <a:t>1/22/14</a:t>
+              <a:t>1/26/14</a:t>
             </a:fld>
             <a:endParaRPr lang="en-US" dirty="0"/>
           </a:p>
@@ -19090,7 +18526,7 @@
             <a:fld id="{FA3C144B-2939-9A49-B014-915EC3E81866}" type="datetime1">
               <a:rPr lang="en-US" smtClean="0"/>
               <a:pPr/>
-              <a:t>1/22/14</a:t>
+              <a:t>1/26/14</a:t>
             </a:fld>
             <a:endParaRPr lang="en-US" dirty="0"/>
           </a:p>
@@ -20560,7 +19996,7 @@
           <a:p>
             <a:fld id="{7053BEFA-1175-F644-B249-7D41D72BD3FF}" type="datetime1">
               <a:rPr lang="en-US" smtClean="0"/>
-              <a:t>1/22/14</a:t>
+              <a:t>1/26/14</a:t>
             </a:fld>
             <a:endParaRPr lang="en-US"/>
           </a:p>
@@ -21424,7 +20860,7 @@
           <a:p>
             <a:fld id="{111EEF3B-ABF2-AA4E-9E24-0C6256942674}" type="datetime1">
               <a:rPr lang="en-US" smtClean="0"/>
-              <a:t>1/22/14</a:t>
+              <a:t>1/26/14</a:t>
             </a:fld>
             <a:endParaRPr lang="en-US"/>
           </a:p>
@@ -22650,33 +22086,11 @@
             </a:r>
             <a:r>
               <a:rPr lang="en-US" dirty="0"/>
-              <a:t>in the population</a:t>
-            </a:r>
-          </a:p>
-          <a:p>
-            <a:pPr marL="0" indent="0">
-              <a:buNone/>
-            </a:pPr>
+              <a:t>in the </a:t>
+            </a:r>
             <a:r>
               <a:rPr lang="en-US" dirty="0" smtClean="0"/>
-              <a:t>Address when you </a:t>
-            </a:r>
-            <a:r>
-              <a:rPr lang="en-US" i="1" dirty="0" smtClean="0"/>
-              <a:t>plan </a:t>
-            </a:r>
-            <a:r>
-              <a:rPr lang="en-US" dirty="0" smtClean="0"/>
-              <a:t>your sample</a:t>
-            </a:r>
-          </a:p>
-          <a:p>
-            <a:pPr marL="0" indent="0">
-              <a:buNone/>
-            </a:pPr>
-            <a:r>
-              <a:rPr lang="en-US" dirty="0" smtClean="0"/>
-              <a:t>Measure so you know what you have</a:t>
+              <a:t>population</a:t>
             </a:r>
             <a:endParaRPr lang="en-US" dirty="0"/>
           </a:p>
@@ -22699,7 +22113,7 @@
           <a:p>
             <a:fld id="{7053BEFA-1175-F644-B249-7D41D72BD3FF}" type="datetime1">
               <a:rPr lang="en-US" smtClean="0"/>
-              <a:t>1/22/14</a:t>
+              <a:t>1/26/14</a:t>
             </a:fld>
             <a:endParaRPr lang="en-US"/>
           </a:p>
@@ -22801,7 +22215,7 @@
           <a:p>
             <a:r>
               <a:rPr lang="en-US" dirty="0" smtClean="0"/>
-              <a:t>How does data collection affect the sample?</a:t>
+              <a:t>Bias</a:t>
             </a:r>
             <a:endParaRPr lang="en-US" dirty="0"/>
           </a:p>
@@ -22826,43 +22240,23 @@
               <a:buNone/>
             </a:pPr>
             <a:r>
-              <a:rPr lang="en-US" dirty="0" smtClean="0"/>
-              <a:t>We surveyed people in online mailing lists &amp; used ‘snowball’ sampling</a:t>
+              <a:rPr lang="en-US" dirty="0"/>
+              <a:t>Address when you </a:t>
+            </a:r>
+            <a:r>
+              <a:rPr lang="en-US" i="1" dirty="0"/>
+              <a:t>plan </a:t>
+            </a:r>
+            <a:r>
+              <a:rPr lang="en-US" dirty="0"/>
+              <a:t>your sample</a:t>
             </a:r>
           </a:p>
           <a:p>
             <a:pPr marL="0" indent="0">
               <a:buNone/>
             </a:pPr>
-            <a:r>
-              <a:rPr lang="en-US" dirty="0" smtClean="0"/>
-              <a:t>Other options?</a:t>
-            </a:r>
-          </a:p>
-          <a:p>
-            <a:pPr lvl="1"/>
-            <a:r>
-              <a:rPr lang="en-US" dirty="0" smtClean="0"/>
-              <a:t>Randomly call phone numbers in different regions</a:t>
-            </a:r>
-          </a:p>
-          <a:p>
-            <a:pPr lvl="1"/>
-            <a:r>
-              <a:rPr lang="en-US" dirty="0" smtClean="0"/>
-              <a:t>Hang out in doctors’ offices</a:t>
-            </a:r>
-          </a:p>
-          <a:p>
-            <a:pPr lvl="1"/>
-            <a:r>
-              <a:rPr lang="en-US" dirty="0" smtClean="0"/>
-              <a:t>Advertise on buses and billboards</a:t>
-            </a:r>
-          </a:p>
-          <a:p>
-            <a:pPr lvl="1"/>
-            <a:endParaRPr lang="en-US" dirty="0" smtClean="0"/>
+            <a:endParaRPr lang="en-US" dirty="0"/>
           </a:p>
         </p:txBody>
       </p:sp>
@@ -22883,7 +22277,7 @@
           <a:p>
             <a:fld id="{7053BEFA-1175-F644-B249-7D41D72BD3FF}" type="datetime1">
               <a:rPr lang="en-US" smtClean="0"/>
-              <a:t>1/22/14</a:t>
+              <a:t>1/26/14</a:t>
             </a:fld>
             <a:endParaRPr lang="en-US"/>
           </a:p>
@@ -22934,20 +22328,13 @@
     </p:spTree>
     <p:extLst>
       <p:ext uri="{BB962C8B-B14F-4D97-AF65-F5344CB8AC3E}">
-        <p14:creationId xmlns:p14="http://schemas.microsoft.com/office/powerpoint/2010/main" val="1732393437"/>
+        <p14:creationId xmlns:p14="http://schemas.microsoft.com/office/powerpoint/2010/main" val="2300799934"/>
       </p:ext>
     </p:extLst>
   </p:cSld>
   <p:clrMapOvr>
     <a:masterClrMapping/>
   </p:clrMapOvr>
-  <p:timing>
-    <p:tnLst>
-      <p:par>
-        <p:cTn xmlns:p14="http://schemas.microsoft.com/office/powerpoint/2010/main" id="1" dur="indefinite" restart="never" nodeType="tmRoot"/>
-      </p:par>
-    </p:tnLst>
-  </p:timing>
 </p:sld>
 </file>
 
@@ -22985,7 +22372,7 @@
           <a:p>
             <a:r>
               <a:rPr lang="en-US" dirty="0" smtClean="0"/>
-              <a:t>What if you are not doing a survey?</a:t>
+              <a:t>How does data collection affect the sample?</a:t>
             </a:r>
             <a:endParaRPr lang="en-US" dirty="0"/>
           </a:p>
@@ -23011,27 +22398,7 @@
             </a:pPr>
             <a:r>
               <a:rPr lang="en-US" dirty="0" smtClean="0"/>
-              <a:t>Personal data can piggyback on existing devices (</a:t>
-            </a:r>
-            <a:r>
-              <a:rPr lang="en-US" i="1" dirty="0" smtClean="0"/>
-              <a:t>e.g., </a:t>
-            </a:r>
-            <a:r>
-              <a:rPr lang="en-US" dirty="0"/>
-              <a:t>Make an android app people want to use (</a:t>
-            </a:r>
-            <a:r>
-              <a:rPr lang="en-US" i="1" dirty="0"/>
-              <a:t>e.g. </a:t>
-            </a:r>
-            <a:r>
-              <a:rPr lang="en-US" dirty="0"/>
-              <a:t>battery alerts) and give it free in return for </a:t>
-            </a:r>
-            <a:r>
-              <a:rPr lang="en-US" dirty="0" smtClean="0"/>
-              <a:t>data)</a:t>
+              <a:t>We surveyed people in online mailing lists &amp; used ‘snowball’ sampling</a:t>
             </a:r>
           </a:p>
           <a:p>
@@ -23040,19 +22407,32 @@
             </a:pPr>
             <a:r>
               <a:rPr lang="en-US" dirty="0" smtClean="0"/>
-              <a:t>Public data can too (satellite data for example; or our current work with the Gates building)</a:t>
-            </a:r>
-          </a:p>
-          <a:p>
-            <a:pPr marL="0" indent="0">
-              <a:buNone/>
-            </a:pPr>
-            <a:endParaRPr lang="en-US" dirty="0"/>
-          </a:p>
-          <a:p>
-            <a:pPr marL="0" indent="0">
-              <a:buNone/>
-            </a:pPr>
+              <a:t>Other options?</a:t>
+            </a:r>
+          </a:p>
+          <a:p>
+            <a:pPr lvl="1"/>
+            <a:r>
+              <a:rPr lang="en-US" dirty="0" smtClean="0"/>
+              <a:t>Randomly call phone numbers in different regions</a:t>
+            </a:r>
+          </a:p>
+          <a:p>
+            <a:pPr lvl="1"/>
+            <a:r>
+              <a:rPr lang="en-US" dirty="0" smtClean="0"/>
+              <a:t>Hang out in doctors’ offices</a:t>
+            </a:r>
+          </a:p>
+          <a:p>
+            <a:pPr lvl="1"/>
+            <a:r>
+              <a:rPr lang="en-US" dirty="0" smtClean="0"/>
+              <a:t>Advertise on buses and billboards</a:t>
+            </a:r>
+          </a:p>
+          <a:p>
+            <a:pPr lvl="1"/>
             <a:endParaRPr lang="en-US" dirty="0" smtClean="0"/>
           </a:p>
         </p:txBody>
@@ -23074,7 +22454,7 @@
           <a:p>
             <a:fld id="{7053BEFA-1175-F644-B249-7D41D72BD3FF}" type="datetime1">
               <a:rPr lang="en-US" smtClean="0"/>
-              <a:t>1/22/14</a:t>
+              <a:t>1/26/14</a:t>
             </a:fld>
             <a:endParaRPr lang="en-US"/>
           </a:p>
@@ -23125,7 +22505,7 @@
     </p:spTree>
     <p:extLst>
       <p:ext uri="{BB962C8B-B14F-4D97-AF65-F5344CB8AC3E}">
-        <p14:creationId xmlns:p14="http://schemas.microsoft.com/office/powerpoint/2010/main" val="3391453722"/>
+        <p14:creationId xmlns:p14="http://schemas.microsoft.com/office/powerpoint/2010/main" val="1732393437"/>
       </p:ext>
     </p:extLst>
   </p:cSld>
@@ -23218,7 +22598,7 @@
           <a:p>
             <a:fld id="{111EEF3B-ABF2-AA4E-9E24-0C6256942674}" type="datetime1">
               <a:rPr lang="en-US" smtClean="0"/>
-              <a:t>1/22/14</a:t>
+              <a:t>1/26/14</a:t>
             </a:fld>
             <a:endParaRPr lang="en-US"/>
           </a:p>
@@ -23327,54 +22707,26 @@
             </a:pPr>
             <a:r>
               <a:rPr lang="en-US" dirty="0" smtClean="0"/>
-              <a:t>Personal data can piggyback on existing devices </a:t>
-            </a:r>
-            <a:r>
-              <a:rPr lang="en-US" b="1" dirty="0" smtClean="0">
-                <a:solidFill>
-                  <a:schemeClr val="accent1"/>
-                </a:solidFill>
-              </a:rPr>
-              <a:t>(</a:t>
-            </a:r>
-            <a:r>
-              <a:rPr lang="en-US" b="1" i="1" dirty="0" smtClean="0">
-                <a:solidFill>
-                  <a:schemeClr val="accent1"/>
-                </a:solidFill>
-              </a:rPr>
+              <a:t>Personal data can piggyback on existing devices (</a:t>
+            </a:r>
+            <a:r>
+              <a:rPr lang="en-US" i="1" dirty="0" smtClean="0"/>
               <a:t>e.g., </a:t>
             </a:r>
             <a:r>
-              <a:rPr lang="en-US" b="1" dirty="0">
-                <a:solidFill>
-                  <a:schemeClr val="accent1"/>
-                </a:solidFill>
-              </a:rPr>
+              <a:rPr lang="en-US" dirty="0"/>
               <a:t>Make an android app people want to use (</a:t>
             </a:r>
             <a:r>
-              <a:rPr lang="en-US" b="1" i="1" dirty="0">
-                <a:solidFill>
-                  <a:schemeClr val="accent1"/>
-                </a:solidFill>
-              </a:rPr>
+              <a:rPr lang="en-US" i="1" dirty="0"/>
               <a:t>e.g. </a:t>
             </a:r>
             <a:r>
-              <a:rPr lang="en-US" b="1" dirty="0">
-                <a:solidFill>
-                  <a:schemeClr val="accent1"/>
-                </a:solidFill>
-              </a:rPr>
+              <a:rPr lang="en-US" dirty="0"/>
               <a:t>battery alerts) and give it free in return for </a:t>
             </a:r>
             <a:r>
-              <a:rPr lang="en-US" b="1" dirty="0" smtClean="0">
-                <a:solidFill>
-                  <a:schemeClr val="accent1"/>
-                </a:solidFill>
-              </a:rPr>
+              <a:rPr lang="en-US" dirty="0" smtClean="0"/>
               <a:t>data)</a:t>
             </a:r>
           </a:p>
@@ -23418,7 +22770,7 @@
           <a:p>
             <a:fld id="{7053BEFA-1175-F644-B249-7D41D72BD3FF}" type="datetime1">
               <a:rPr lang="en-US" smtClean="0"/>
-              <a:t>1/22/14</a:t>
+              <a:t>1/26/14</a:t>
             </a:fld>
             <a:endParaRPr lang="en-US"/>
           </a:p>
@@ -23469,7 +22821,7 @@
     </p:spTree>
     <p:extLst>
       <p:ext uri="{BB962C8B-B14F-4D97-AF65-F5344CB8AC3E}">
-        <p14:creationId xmlns:p14="http://schemas.microsoft.com/office/powerpoint/2010/main" val="3131266341"/>
+        <p14:creationId xmlns:p14="http://schemas.microsoft.com/office/powerpoint/2010/main" val="3391453722"/>
       </p:ext>
     </p:extLst>
   </p:cSld>
@@ -23546,36 +22898,7 @@
             </a:pPr>
             <a:r>
               <a:rPr lang="en-US" dirty="0" smtClean="0"/>
-              <a:t>Personal data can piggyback on existing devices (</a:t>
-            </a:r>
-            <a:r>
-              <a:rPr lang="en-US" i="1" dirty="0" smtClean="0"/>
-              <a:t>e.g., </a:t>
-            </a:r>
-            <a:r>
-              <a:rPr lang="en-US" dirty="0"/>
-              <a:t>Make an android app people want to use (</a:t>
-            </a:r>
-            <a:r>
-              <a:rPr lang="en-US" i="1" dirty="0"/>
-              <a:t>e.g. </a:t>
-            </a:r>
-            <a:r>
-              <a:rPr lang="en-US" dirty="0"/>
-              <a:t>battery alerts) and give it free in return for </a:t>
-            </a:r>
-            <a:r>
-              <a:rPr lang="en-US" dirty="0" smtClean="0"/>
-              <a:t>data)</a:t>
-            </a:r>
-          </a:p>
-          <a:p>
-            <a:pPr marL="0" indent="0">
-              <a:buNone/>
-            </a:pPr>
-            <a:r>
-              <a:rPr lang="en-US" dirty="0" smtClean="0"/>
-              <a:t>Public data can too (satellite data for example; or </a:t>
+              <a:t>Personal data can piggyback on existing devices </a:t>
             </a:r>
             <a:r>
               <a:rPr lang="en-US" b="1" dirty="0" smtClean="0">
@@ -23583,7 +22906,56 @@
                   <a:schemeClr val="accent1"/>
                 </a:solidFill>
               </a:rPr>
-              <a:t>our current work with the Gates building)</a:t>
+              <a:t>(</a:t>
+            </a:r>
+            <a:r>
+              <a:rPr lang="en-US" b="1" i="1" dirty="0" smtClean="0">
+                <a:solidFill>
+                  <a:schemeClr val="accent1"/>
+                </a:solidFill>
+              </a:rPr>
+              <a:t>e.g., </a:t>
+            </a:r>
+            <a:r>
+              <a:rPr lang="en-US" b="1" dirty="0">
+                <a:solidFill>
+                  <a:schemeClr val="accent1"/>
+                </a:solidFill>
+              </a:rPr>
+              <a:t>Make an android app people want to use (</a:t>
+            </a:r>
+            <a:r>
+              <a:rPr lang="en-US" b="1" i="1" dirty="0">
+                <a:solidFill>
+                  <a:schemeClr val="accent1"/>
+                </a:solidFill>
+              </a:rPr>
+              <a:t>e.g. </a:t>
+            </a:r>
+            <a:r>
+              <a:rPr lang="en-US" b="1" dirty="0">
+                <a:solidFill>
+                  <a:schemeClr val="accent1"/>
+                </a:solidFill>
+              </a:rPr>
+              <a:t>battery alerts) and give it free in return for </a:t>
+            </a:r>
+            <a:r>
+              <a:rPr lang="en-US" b="1" dirty="0" smtClean="0">
+                <a:solidFill>
+                  <a:schemeClr val="accent1"/>
+                </a:solidFill>
+              </a:rPr>
+              <a:t>data)</a:t>
+            </a:r>
+          </a:p>
+          <a:p>
+            <a:pPr marL="0" indent="0">
+              <a:buNone/>
+            </a:pPr>
+            <a:r>
+              <a:rPr lang="en-US" dirty="0" smtClean="0"/>
+              <a:t>Public data can too (satellite data for example; or our current work with the Gates building)</a:t>
             </a:r>
           </a:p>
           <a:p>
@@ -23617,7 +22989,7 @@
           <a:p>
             <a:fld id="{7053BEFA-1175-F644-B249-7D41D72BD3FF}" type="datetime1">
               <a:rPr lang="en-US" smtClean="0"/>
-              <a:t>1/22/14</a:t>
+              <a:t>1/26/14</a:t>
             </a:fld>
             <a:endParaRPr lang="en-US"/>
           </a:p>
@@ -23668,7 +23040,7 @@
     </p:spTree>
     <p:extLst>
       <p:ext uri="{BB962C8B-B14F-4D97-AF65-F5344CB8AC3E}">
-        <p14:creationId xmlns:p14="http://schemas.microsoft.com/office/powerpoint/2010/main" val="2465198812"/>
+        <p14:creationId xmlns:p14="http://schemas.microsoft.com/office/powerpoint/2010/main" val="3131266341"/>
       </p:ext>
     </p:extLst>
   </p:cSld>
@@ -23719,7 +23091,7 @@
           <a:p>
             <a:r>
               <a:rPr lang="en-US" dirty="0" smtClean="0"/>
-              <a:t>Practice: Getting at data</a:t>
+              <a:t>What if you are not doing a survey?</a:t>
             </a:r>
             <a:endParaRPr lang="en-US" dirty="0"/>
           </a:p>
@@ -23727,12 +23099,12 @@
       </p:sp>
       <p:sp>
         <p:nvSpPr>
-          <p:cNvPr id="3" name="Text Placeholder 2"/>
+          <p:cNvPr id="3" name="Content Placeholder 2"/>
           <p:cNvSpPr>
             <a:spLocks noGrp="1"/>
           </p:cNvSpPr>
           <p:nvPr>
-            <p:ph type="body" idx="1"/>
+            <p:ph idx="1"/>
           </p:nvPr>
         </p:nvSpPr>
         <p:spPr/>
@@ -23740,7 +23112,62 @@
           <a:bodyPr/>
           <a:lstStyle/>
           <a:p>
-            <a:endParaRPr lang="en-US"/>
+            <a:pPr marL="0" indent="0">
+              <a:buNone/>
+            </a:pPr>
+            <a:r>
+              <a:rPr lang="en-US" dirty="0" smtClean="0"/>
+              <a:t>Personal data can piggyback on existing devices (</a:t>
+            </a:r>
+            <a:r>
+              <a:rPr lang="en-US" i="1" dirty="0" smtClean="0"/>
+              <a:t>e.g., </a:t>
+            </a:r>
+            <a:r>
+              <a:rPr lang="en-US" dirty="0"/>
+              <a:t>Make an android app people want to use (</a:t>
+            </a:r>
+            <a:r>
+              <a:rPr lang="en-US" i="1" dirty="0"/>
+              <a:t>e.g. </a:t>
+            </a:r>
+            <a:r>
+              <a:rPr lang="en-US" dirty="0"/>
+              <a:t>battery alerts) and give it free in return for </a:t>
+            </a:r>
+            <a:r>
+              <a:rPr lang="en-US" dirty="0" smtClean="0"/>
+              <a:t>data)</a:t>
+            </a:r>
+          </a:p>
+          <a:p>
+            <a:pPr marL="0" indent="0">
+              <a:buNone/>
+            </a:pPr>
+            <a:r>
+              <a:rPr lang="en-US" dirty="0" smtClean="0"/>
+              <a:t>Public data can too (satellite data for example; or </a:t>
+            </a:r>
+            <a:r>
+              <a:rPr lang="en-US" b="1" dirty="0" smtClean="0">
+                <a:solidFill>
+                  <a:schemeClr val="accent1"/>
+                </a:solidFill>
+              </a:rPr>
+              <a:t>our current work with the Gates building)</a:t>
+            </a:r>
+          </a:p>
+          <a:p>
+            <a:pPr marL="0" indent="0">
+              <a:buNone/>
+            </a:pPr>
+            <a:endParaRPr lang="en-US" dirty="0"/>
+          </a:p>
+          <a:p>
+            <a:pPr marL="0" indent="0">
+              <a:buNone/>
+            </a:pPr>
+            <a:endParaRPr lang="en-US" dirty="0" smtClean="0"/>
           </a:p>
         </p:txBody>
       </p:sp>
@@ -23759,9 +23186,9 @@
           <a:bodyPr/>
           <a:lstStyle/>
           <a:p>
-            <a:fld id="{111EEF3B-ABF2-AA4E-9E24-0C6256942674}" type="datetime1">
+            <a:fld id="{7053BEFA-1175-F644-B249-7D41D72BD3FF}" type="datetime1">
               <a:rPr lang="en-US" smtClean="0"/>
-              <a:t>1/22/14</a:t>
+              <a:t>1/26/14</a:t>
             </a:fld>
             <a:endParaRPr lang="en-US"/>
           </a:p>
@@ -23769,7 +23196,26 @@
       </p:sp>
       <p:sp>
         <p:nvSpPr>
-          <p:cNvPr id="5" name="Slide Number Placeholder 4"/>
+          <p:cNvPr id="5" name="Footer Placeholder 4"/>
+          <p:cNvSpPr>
+            <a:spLocks noGrp="1"/>
+          </p:cNvSpPr>
+          <p:nvPr>
+            <p:ph type="ftr" sz="quarter" idx="11"/>
+          </p:nvPr>
+        </p:nvSpPr>
+        <p:spPr/>
+        <p:txBody>
+          <a:bodyPr/>
+          <a:lstStyle/>
+          <a:p>
+            <a:endParaRPr lang="en-US" dirty="0"/>
+          </a:p>
+        </p:txBody>
+      </p:sp>
+      <p:sp>
+        <p:nvSpPr>
+          <p:cNvPr id="6" name="Slide Number Placeholder 5"/>
           <p:cNvSpPr>
             <a:spLocks noGrp="1"/>
           </p:cNvSpPr>
@@ -23793,7 +23239,7 @@
     </p:spTree>
     <p:extLst>
       <p:ext uri="{BB962C8B-B14F-4D97-AF65-F5344CB8AC3E}">
-        <p14:creationId xmlns:p14="http://schemas.microsoft.com/office/powerpoint/2010/main" val="992993271"/>
+        <p14:creationId xmlns:p14="http://schemas.microsoft.com/office/powerpoint/2010/main" val="2465198812"/>
       </p:ext>
     </p:extLst>
   </p:cSld>
@@ -23844,7 +23290,7 @@
           <a:p>
             <a:r>
               <a:rPr lang="en-US" dirty="0" smtClean="0"/>
-              <a:t>Lots of ‘existing’ data</a:t>
+              <a:t>Practice: Getting at data</a:t>
             </a:r>
             <a:endParaRPr lang="en-US" dirty="0"/>
           </a:p>
@@ -23852,12 +23298,12 @@
       </p:sp>
       <p:sp>
         <p:nvSpPr>
-          <p:cNvPr id="3" name="Content Placeholder 2"/>
+          <p:cNvPr id="3" name="Text Placeholder 2"/>
           <p:cNvSpPr>
             <a:spLocks noGrp="1"/>
           </p:cNvSpPr>
           <p:nvPr>
-            <p:ph idx="1"/>
+            <p:ph type="body" idx="1"/>
           </p:nvPr>
         </p:nvSpPr>
         <p:spPr/>
@@ -23865,46 +23311,7 @@
           <a:bodyPr/>
           <a:lstStyle/>
           <a:p>
-            <a:pPr marL="0" indent="0">
-              <a:buNone/>
-            </a:pPr>
-            <a:r>
-              <a:rPr lang="en-US" dirty="0" smtClean="0">
-                <a:hlinkClick r:id="rId2"/>
-              </a:rPr>
-              <a:t>http</a:t>
-            </a:r>
-            <a:r>
-              <a:rPr lang="en-US" dirty="0">
-                <a:hlinkClick r:id="rId2"/>
-              </a:rPr>
-              <a:t>://</a:t>
-            </a:r>
-            <a:r>
-              <a:rPr lang="en-US" dirty="0" err="1">
-                <a:hlinkClick r:id="rId2"/>
-              </a:rPr>
-              <a:t>data.cmubi.org</a:t>
-            </a:r>
-            <a:r>
-              <a:rPr lang="en-US" dirty="0">
-                <a:hlinkClick r:id="rId2"/>
-              </a:rPr>
-              <a:t>/classroom-news/</a:t>
-            </a:r>
-            <a:r>
-              <a:rPr lang="en-US" dirty="0" err="1" smtClean="0">
-                <a:hlinkClick r:id="rId2"/>
-              </a:rPr>
-              <a:t>somegreatsourcesofdata</a:t>
-            </a:r>
-            <a:endParaRPr lang="en-US" dirty="0" smtClean="0"/>
-          </a:p>
-          <a:p>
-            <a:pPr marL="0" indent="0">
-              <a:buNone/>
-            </a:pPr>
-            <a:endParaRPr lang="en-US" dirty="0" smtClean="0"/>
+            <a:endParaRPr lang="en-US"/>
           </a:p>
         </p:txBody>
       </p:sp>
@@ -23923,9 +23330,9 @@
           <a:bodyPr/>
           <a:lstStyle/>
           <a:p>
-            <a:fld id="{7053BEFA-1175-F644-B249-7D41D72BD3FF}" type="datetime1">
+            <a:fld id="{111EEF3B-ABF2-AA4E-9E24-0C6256942674}" type="datetime1">
               <a:rPr lang="en-US" smtClean="0"/>
-              <a:t>1/22/14</a:t>
+              <a:t>1/26/14</a:t>
             </a:fld>
             <a:endParaRPr lang="en-US"/>
           </a:p>
@@ -23933,26 +23340,7 @@
       </p:sp>
       <p:sp>
         <p:nvSpPr>
-          <p:cNvPr id="5" name="Footer Placeholder 4"/>
-          <p:cNvSpPr>
-            <a:spLocks noGrp="1"/>
-          </p:cNvSpPr>
-          <p:nvPr>
-            <p:ph type="ftr" sz="quarter" idx="11"/>
-          </p:nvPr>
-        </p:nvSpPr>
-        <p:spPr/>
-        <p:txBody>
-          <a:bodyPr/>
-          <a:lstStyle/>
-          <a:p>
-            <a:endParaRPr lang="en-US" dirty="0"/>
-          </a:p>
-        </p:txBody>
-      </p:sp>
-      <p:sp>
-        <p:nvSpPr>
-          <p:cNvPr id="6" name="Slide Number Placeholder 5"/>
+          <p:cNvPr id="5" name="Slide Number Placeholder 4"/>
           <p:cNvSpPr>
             <a:spLocks noGrp="1"/>
           </p:cNvSpPr>
@@ -23976,7 +23364,7 @@
     </p:spTree>
     <p:extLst>
       <p:ext uri="{BB962C8B-B14F-4D97-AF65-F5344CB8AC3E}">
-        <p14:creationId xmlns:p14="http://schemas.microsoft.com/office/powerpoint/2010/main" val="3809136668"/>
+        <p14:creationId xmlns:p14="http://schemas.microsoft.com/office/powerpoint/2010/main" val="992993271"/>
       </p:ext>
     </p:extLst>
   </p:cSld>
@@ -24027,7 +23415,7 @@
           <a:p>
             <a:r>
               <a:rPr lang="en-US" dirty="0" smtClean="0"/>
-              <a:t>Not all of it is packaged up for you</a:t>
+              <a:t>Lots of ‘existing’ data</a:t>
             </a:r>
             <a:endParaRPr lang="en-US" dirty="0"/>
           </a:p>
@@ -24052,137 +23440,42 @@
               <a:buNone/>
             </a:pPr>
             <a:r>
-              <a:rPr lang="en-US" dirty="0" smtClean="0"/>
-              <a:t>Web Scraping</a:t>
-            </a:r>
+              <a:rPr lang="en-US" dirty="0" smtClean="0">
+                <a:hlinkClick r:id="rId2"/>
+              </a:rPr>
+              <a:t>http</a:t>
+            </a:r>
+            <a:r>
+              <a:rPr lang="en-US" dirty="0">
+                <a:hlinkClick r:id="rId2"/>
+              </a:rPr>
+              <a:t>://</a:t>
+            </a:r>
+            <a:r>
+              <a:rPr lang="en-US" dirty="0" err="1">
+                <a:hlinkClick r:id="rId2"/>
+              </a:rPr>
+              <a:t>data.cmubi.org</a:t>
+            </a:r>
+            <a:r>
+              <a:rPr lang="en-US" dirty="0">
+                <a:hlinkClick r:id="rId2"/>
+              </a:rPr>
+              <a:t>/classroom-news/</a:t>
+            </a:r>
+            <a:r>
+              <a:rPr lang="en-US" dirty="0" err="1" smtClean="0">
+                <a:hlinkClick r:id="rId2"/>
+              </a:rPr>
+              <a:t>somegreatsourcesofdata</a:t>
+            </a:r>
+            <a:endParaRPr lang="en-US" dirty="0" smtClean="0"/>
           </a:p>
           <a:p>
             <a:pPr marL="0" indent="0">
               <a:buNone/>
             </a:pPr>
-            <a:r>
-              <a:rPr lang="en-US" dirty="0" smtClean="0"/>
-              <a:t>Web APIs</a:t>
-            </a:r>
-          </a:p>
-          <a:p>
-            <a:pPr lvl="1"/>
-            <a:r>
-              <a:rPr lang="en-US" dirty="0" smtClean="0"/>
-              <a:t>Programmatic interface to server side data </a:t>
-            </a:r>
-            <a:r>
-              <a:rPr lang="en-US" i="1" dirty="0" smtClean="0"/>
-              <a:t>and </a:t>
-            </a:r>
-            <a:r>
-              <a:rPr lang="en-US" dirty="0" smtClean="0"/>
-              <a:t>functionality</a:t>
-            </a:r>
-          </a:p>
-          <a:p>
-            <a:pPr lvl="1"/>
-            <a:r>
-              <a:rPr lang="en-US" dirty="0" smtClean="0"/>
-              <a:t>We like REST APIs best</a:t>
-            </a:r>
-          </a:p>
-          <a:p>
-            <a:pPr marL="0" indent="0">
-              <a:buNone/>
-            </a:pPr>
-            <a:r>
-              <a:rPr lang="en-US" dirty="0" smtClean="0"/>
-              <a:t>Lots of websites have them</a:t>
-            </a:r>
-          </a:p>
-          <a:p>
-            <a:pPr marL="228600" lvl="1" indent="0">
-              <a:buNone/>
-            </a:pPr>
-            <a:r>
-              <a:rPr lang="en-US" sz="2000" dirty="0"/>
-              <a:t>http://</a:t>
-            </a:r>
-            <a:r>
-              <a:rPr lang="en-US" sz="2000" dirty="0" err="1"/>
-              <a:t>en.wikipedia.org</a:t>
-            </a:r>
-            <a:r>
-              <a:rPr lang="en-US" sz="2000" dirty="0"/>
-              <a:t>/wiki/</a:t>
-            </a:r>
-            <a:r>
-              <a:rPr lang="en-US" sz="2000" dirty="0" err="1"/>
-              <a:t>List_of_open_APIs</a:t>
-            </a:r>
-            <a:endParaRPr lang="en-US" sz="2000" dirty="0" smtClean="0"/>
-          </a:p>
-          <a:p>
-            <a:pPr marL="228600" lvl="1" indent="0">
-              <a:buNone/>
-            </a:pPr>
-            <a:r>
-              <a:rPr lang="en-US" sz="2000" dirty="0"/>
-              <a:t>http://</a:t>
-            </a:r>
-            <a:r>
-              <a:rPr lang="en-US" sz="2000" dirty="0" err="1"/>
-              <a:t>www.programmableweb.com</a:t>
-            </a:r>
-            <a:r>
-              <a:rPr lang="en-US" sz="2000" dirty="0"/>
-              <a:t>/</a:t>
-            </a:r>
-            <a:r>
-              <a:rPr lang="en-US" sz="2000" dirty="0" err="1"/>
-              <a:t>apis</a:t>
-            </a:r>
-            <a:r>
-              <a:rPr lang="en-US" sz="2000" dirty="0"/>
-              <a:t>/directory </a:t>
-            </a:r>
-            <a:endParaRPr lang="en-US" sz="2000" dirty="0" smtClean="0"/>
-          </a:p>
-          <a:p>
-            <a:pPr marL="228600" lvl="1" indent="0">
-              <a:buNone/>
-            </a:pPr>
-            <a:r>
-              <a:rPr lang="en-US" sz="2000" dirty="0">
-                <a:hlinkClick r:id="rId3"/>
-              </a:rPr>
-              <a:t>http://www.webdesignerdepot.com/2011/07/40-useful-apis-for-web-designers-and-developers</a:t>
-            </a:r>
-            <a:r>
-              <a:rPr lang="en-US" sz="2000" dirty="0" smtClean="0">
-                <a:hlinkClick r:id="rId3"/>
-              </a:rPr>
-              <a:t>/</a:t>
-            </a:r>
-            <a:endParaRPr lang="en-US" sz="2000" dirty="0" smtClean="0"/>
-          </a:p>
-          <a:p>
-            <a:pPr marL="228600" lvl="1" indent="0">
-              <a:buNone/>
-            </a:pPr>
-            <a:r>
-              <a:rPr lang="en-US" sz="2000" dirty="0"/>
-              <a:t>https://</a:t>
-            </a:r>
-            <a:r>
-              <a:rPr lang="en-US" sz="2000" dirty="0" err="1"/>
-              <a:t>www.data.gov</a:t>
-            </a:r>
-            <a:r>
-              <a:rPr lang="en-US" sz="2000" dirty="0"/>
-              <a:t>/developers/</a:t>
-            </a:r>
-            <a:r>
-              <a:rPr lang="en-US" sz="2000" dirty="0" err="1"/>
-              <a:t>apis</a:t>
-            </a:r>
-            <a:endParaRPr lang="en-US" sz="2000" dirty="0" smtClean="0"/>
+            <a:endParaRPr lang="en-US" dirty="0" smtClean="0"/>
           </a:p>
         </p:txBody>
       </p:sp>
@@ -24203,7 +23496,7 @@
           <a:p>
             <a:fld id="{7053BEFA-1175-F644-B249-7D41D72BD3FF}" type="datetime1">
               <a:rPr lang="en-US" smtClean="0"/>
-              <a:t>1/22/14</a:t>
+              <a:t>1/26/14</a:t>
             </a:fld>
             <a:endParaRPr lang="en-US"/>
           </a:p>
@@ -24254,7 +23547,7 @@
     </p:spTree>
     <p:extLst>
       <p:ext uri="{BB962C8B-B14F-4D97-AF65-F5344CB8AC3E}">
-        <p14:creationId xmlns:p14="http://schemas.microsoft.com/office/powerpoint/2010/main" val="656773709"/>
+        <p14:creationId xmlns:p14="http://schemas.microsoft.com/office/powerpoint/2010/main" val="3809136668"/>
       </p:ext>
     </p:extLst>
   </p:cSld>
@@ -24305,7 +23598,7 @@
           <a:p>
             <a:r>
               <a:rPr lang="en-US" dirty="0" smtClean="0"/>
-              <a:t>Using a Web API</a:t>
+              <a:t>Not all of it is packaged up for you</a:t>
             </a:r>
             <a:endParaRPr lang="en-US" dirty="0"/>
           </a:p>
@@ -24331,7 +23624,7 @@
             </a:pPr>
             <a:r>
               <a:rPr lang="en-US" dirty="0" smtClean="0"/>
-              <a:t>Have to start with the documentation</a:t>
+              <a:t>Web Scraping</a:t>
             </a:r>
           </a:p>
           <a:p>
@@ -24340,18 +23633,127 @@
             </a:pPr>
             <a:r>
               <a:rPr lang="en-US" dirty="0" smtClean="0"/>
-              <a:t>Typical flow</a:t>
+              <a:t>Web APIs</a:t>
+            </a:r>
+          </a:p>
+          <a:p>
+            <a:pPr lvl="1"/>
+            <a:r>
+              <a:rPr lang="en-US" dirty="0" smtClean="0"/>
+              <a:t>Programmatic interface to server side data </a:t>
+            </a:r>
+            <a:r>
+              <a:rPr lang="en-US" i="1" dirty="0" smtClean="0"/>
+              <a:t>and </a:t>
+            </a:r>
+            <a:r>
+              <a:rPr lang="en-US" dirty="0" smtClean="0"/>
+              <a:t>functionality</a:t>
+            </a:r>
+          </a:p>
+          <a:p>
+            <a:pPr lvl="1"/>
+            <a:r>
+              <a:rPr lang="en-US" dirty="0" smtClean="0"/>
+              <a:t>We like REST APIs best</a:t>
             </a:r>
           </a:p>
           <a:p>
             <a:pPr marL="0" indent="0">
               <a:buNone/>
             </a:pPr>
-            <a:endParaRPr lang="en-US" dirty="0" smtClean="0"/>
-          </a:p>
-          <a:p>
-            <a:pPr lvl="1"/>
-            <a:endParaRPr lang="en-US" dirty="0"/>
+            <a:r>
+              <a:rPr lang="en-US" dirty="0" smtClean="0"/>
+              <a:t>Lots of websites have them</a:t>
+            </a:r>
+          </a:p>
+          <a:p>
+            <a:pPr marL="228600" lvl="1" indent="0">
+              <a:buNone/>
+            </a:pPr>
+            <a:r>
+              <a:rPr lang="en-US" sz="2000" dirty="0"/>
+              <a:t>http://</a:t>
+            </a:r>
+            <a:r>
+              <a:rPr lang="en-US" sz="2000" dirty="0" err="1"/>
+              <a:t>en.wikipedia.org</a:t>
+            </a:r>
+            <a:r>
+              <a:rPr lang="en-US" sz="2000" dirty="0"/>
+              <a:t>/wiki/</a:t>
+            </a:r>
+            <a:r>
+              <a:rPr lang="en-US" sz="2000" dirty="0" err="1"/>
+              <a:t>List_of_open_APIs</a:t>
+            </a:r>
+            <a:endParaRPr lang="en-US" sz="2000" dirty="0" smtClean="0"/>
+          </a:p>
+          <a:p>
+            <a:pPr marL="228600" lvl="1" indent="0">
+              <a:buNone/>
+            </a:pPr>
+            <a:r>
+              <a:rPr lang="en-US" sz="2000" dirty="0"/>
+              <a:t>http://</a:t>
+            </a:r>
+            <a:r>
+              <a:rPr lang="en-US" sz="2000" dirty="0" err="1"/>
+              <a:t>www.programmableweb.com</a:t>
+            </a:r>
+            <a:r>
+              <a:rPr lang="en-US" sz="2000" dirty="0"/>
+              <a:t>/</a:t>
+            </a:r>
+            <a:r>
+              <a:rPr lang="en-US" sz="2000" dirty="0" err="1"/>
+              <a:t>apis</a:t>
+            </a:r>
+            <a:r>
+              <a:rPr lang="en-US" sz="2000" dirty="0"/>
+              <a:t>/directory </a:t>
+            </a:r>
+            <a:endParaRPr lang="en-US" sz="2000" dirty="0" smtClean="0"/>
+          </a:p>
+          <a:p>
+            <a:pPr marL="228600" lvl="1" indent="0">
+              <a:buNone/>
+            </a:pPr>
+            <a:r>
+              <a:rPr lang="en-US" sz="2000" dirty="0">
+                <a:hlinkClick r:id="rId3"/>
+              </a:rPr>
+              <a:t>http://www.webdesignerdepot.com/2011/07/40-useful-apis-for-web-designers-and-developers</a:t>
+            </a:r>
+            <a:r>
+              <a:rPr lang="en-US" sz="2000" dirty="0" smtClean="0">
+                <a:hlinkClick r:id="rId3"/>
+              </a:rPr>
+              <a:t>/</a:t>
+            </a:r>
+            <a:endParaRPr lang="en-US" sz="2000" dirty="0" smtClean="0"/>
+          </a:p>
+          <a:p>
+            <a:pPr marL="228600" lvl="1" indent="0">
+              <a:buNone/>
+            </a:pPr>
+            <a:r>
+              <a:rPr lang="en-US" sz="2000" dirty="0"/>
+              <a:t>https://</a:t>
+            </a:r>
+            <a:r>
+              <a:rPr lang="en-US" sz="2000" dirty="0" err="1"/>
+              <a:t>www.data.gov</a:t>
+            </a:r>
+            <a:r>
+              <a:rPr lang="en-US" sz="2000" dirty="0"/>
+              <a:t>/developers/</a:t>
+            </a:r>
+            <a:r>
+              <a:rPr lang="en-US" sz="2000" dirty="0" err="1"/>
+              <a:t>apis</a:t>
+            </a:r>
+            <a:endParaRPr lang="en-US" sz="2000" dirty="0" smtClean="0"/>
           </a:p>
         </p:txBody>
       </p:sp>
@@ -24372,7 +23774,7 @@
           <a:p>
             <a:fld id="{7053BEFA-1175-F644-B249-7D41D72BD3FF}" type="datetime1">
               <a:rPr lang="en-US" smtClean="0"/>
-              <a:t>1/22/14</a:t>
+              <a:t>1/26/14</a:t>
             </a:fld>
             <a:endParaRPr lang="en-US"/>
           </a:p>
@@ -24420,32 +23822,10 @@
           </a:p>
         </p:txBody>
       </p:sp>
-      <p:graphicFrame>
-        <p:nvGraphicFramePr>
-          <p:cNvPr id="8" name="Diagram 7"/>
-          <p:cNvGraphicFramePr/>
-          <p:nvPr>
-            <p:extLst>
-              <p:ext uri="{D42A27DB-BD31-4B8C-83A1-F6EECF244321}">
-                <p14:modId xmlns:p14="http://schemas.microsoft.com/office/powerpoint/2010/main" val="2218507259"/>
-              </p:ext>
-            </p:extLst>
-          </p:nvPr>
-        </p:nvGraphicFramePr>
-        <p:xfrm>
-          <a:off x="357902" y="1446525"/>
-          <a:ext cx="8312471" cy="5314401"/>
-        </p:xfrm>
-        <a:graphic>
-          <a:graphicData uri="http://schemas.openxmlformats.org/drawingml/2006/diagram">
-            <dgm:relIds xmlns:dgm="http://schemas.openxmlformats.org/drawingml/2006/diagram" xmlns:r="http://schemas.openxmlformats.org/officeDocument/2006/relationships" r:dm="rId2" r:lo="rId3" r:qs="rId4" r:cs="rId5"/>
-          </a:graphicData>
-        </a:graphic>
-      </p:graphicFrame>
     </p:spTree>
     <p:extLst>
       <p:ext uri="{BB962C8B-B14F-4D97-AF65-F5344CB8AC3E}">
-        <p14:creationId xmlns:p14="http://schemas.microsoft.com/office/powerpoint/2010/main" val="3331848107"/>
+        <p14:creationId xmlns:p14="http://schemas.microsoft.com/office/powerpoint/2010/main" val="656773709"/>
       </p:ext>
     </p:extLst>
   </p:cSld>
@@ -24496,7 +23876,7 @@
           <a:p>
             <a:r>
               <a:rPr lang="en-US" dirty="0" smtClean="0"/>
-              <a:t>Why should the server trust you?</a:t>
+              <a:t>Using a Web API</a:t>
             </a:r>
             <a:endParaRPr lang="en-US" dirty="0"/>
           </a:p>
@@ -24522,28 +23902,16 @@
             </a:pPr>
             <a:r>
               <a:rPr lang="en-US" dirty="0" smtClean="0"/>
-              <a:t>You have the user’s password (should you?)</a:t>
-            </a:r>
-          </a:p>
-          <a:p>
-            <a:pPr lvl="1"/>
-            <a:r>
-              <a:rPr lang="en-US" dirty="0"/>
-              <a:t>Would you store it? </a:t>
-            </a:r>
-          </a:p>
-          <a:p>
-            <a:pPr lvl="1"/>
-            <a:r>
-              <a:rPr lang="en-US" dirty="0"/>
-              <a:t>What else could you do with it? </a:t>
-            </a:r>
-          </a:p>
-          <a:p>
-            <a:pPr lvl="1"/>
-            <a:r>
-              <a:rPr lang="en-US" dirty="0"/>
-              <a:t>How do users revoke access?</a:t>
+              <a:t>Have to start with the documentation</a:t>
+            </a:r>
+          </a:p>
+          <a:p>
+            <a:pPr marL="0" indent="0">
+              <a:buNone/>
+            </a:pPr>
+            <a:r>
+              <a:rPr lang="en-US" dirty="0" smtClean="0"/>
+              <a:t>Typical flow</a:t>
             </a:r>
           </a:p>
           <a:p>
@@ -24553,9 +23921,7 @@
             <a:endParaRPr lang="en-US" dirty="0" smtClean="0"/>
           </a:p>
           <a:p>
-            <a:pPr marL="0" indent="0">
-              <a:buNone/>
-            </a:pPr>
+            <a:pPr lvl="1"/>
             <a:endParaRPr lang="en-US" dirty="0"/>
           </a:p>
         </p:txBody>
@@ -24577,7 +23943,7 @@
           <a:p>
             <a:fld id="{7053BEFA-1175-F644-B249-7D41D72BD3FF}" type="datetime1">
               <a:rPr lang="en-US" smtClean="0"/>
-              <a:t>1/22/14</a:t>
+              <a:t>1/26/14</a:t>
             </a:fld>
             <a:endParaRPr lang="en-US"/>
           </a:p>
@@ -24625,10 +23991,32 @@
           </a:p>
         </p:txBody>
       </p:sp>
+      <p:graphicFrame>
+        <p:nvGraphicFramePr>
+          <p:cNvPr id="8" name="Diagram 7"/>
+          <p:cNvGraphicFramePr/>
+          <p:nvPr>
+            <p:extLst>
+              <p:ext uri="{D42A27DB-BD31-4B8C-83A1-F6EECF244321}">
+                <p14:modId xmlns:p14="http://schemas.microsoft.com/office/powerpoint/2010/main" val="2218507259"/>
+              </p:ext>
+            </p:extLst>
+          </p:nvPr>
+        </p:nvGraphicFramePr>
+        <p:xfrm>
+          <a:off x="357902" y="1446525"/>
+          <a:ext cx="8312471" cy="5314401"/>
+        </p:xfrm>
+        <a:graphic>
+          <a:graphicData uri="http://schemas.openxmlformats.org/drawingml/2006/diagram">
+            <dgm:relIds xmlns:dgm="http://schemas.openxmlformats.org/drawingml/2006/diagram" xmlns:r="http://schemas.openxmlformats.org/officeDocument/2006/relationships" r:dm="rId2" r:lo="rId3" r:qs="rId4" r:cs="rId5"/>
+          </a:graphicData>
+        </a:graphic>
+      </p:graphicFrame>
     </p:spTree>
     <p:extLst>
       <p:ext uri="{BB962C8B-B14F-4D97-AF65-F5344CB8AC3E}">
-        <p14:creationId xmlns:p14="http://schemas.microsoft.com/office/powerpoint/2010/main" val="326319157"/>
+        <p14:creationId xmlns:p14="http://schemas.microsoft.com/office/powerpoint/2010/main" val="3331848107"/>
       </p:ext>
     </p:extLst>
   </p:cSld>
@@ -24709,26 +24097,24 @@
             </a:r>
           </a:p>
           <a:p>
-            <a:pPr marL="0" indent="0">
-              <a:buNone/>
-            </a:pPr>
-            <a:r>
-              <a:rPr lang="en-US" dirty="0" smtClean="0"/>
-              <a:t>You have an API key</a:t>
-            </a:r>
-          </a:p>
-          <a:p>
             <a:pPr lvl="1"/>
             <a:r>
-              <a:rPr lang="en-US" dirty="0" smtClean="0"/>
-              <a:t>Reasonable for publicly available data</a:t>
+              <a:rPr lang="en-US" dirty="0"/>
+              <a:t>Would you store it? </a:t>
             </a:r>
           </a:p>
           <a:p>
             <a:pPr lvl="1"/>
             <a:r>
-              <a:rPr lang="en-US" dirty="0" smtClean="0"/>
-              <a:t>Lets the owner of the application track use; enforce rules &amp; revoke access</a:t>
+              <a:rPr lang="en-US" dirty="0"/>
+              <a:t>What else could you do with it? </a:t>
+            </a:r>
+          </a:p>
+          <a:p>
+            <a:pPr lvl="1"/>
+            <a:r>
+              <a:rPr lang="en-US" dirty="0"/>
+              <a:t>How do users revoke access?</a:t>
             </a:r>
           </a:p>
           <a:p>
@@ -24762,7 +24148,7 @@
           <a:p>
             <a:fld id="{7053BEFA-1175-F644-B249-7D41D72BD3FF}" type="datetime1">
               <a:rPr lang="en-US" smtClean="0"/>
-              <a:t>1/22/14</a:t>
+              <a:t>1/26/14</a:t>
             </a:fld>
             <a:endParaRPr lang="en-US"/>
           </a:p>
@@ -24813,7 +24199,7 @@
     </p:spTree>
     <p:extLst>
       <p:ext uri="{BB962C8B-B14F-4D97-AF65-F5344CB8AC3E}">
-        <p14:creationId xmlns:p14="http://schemas.microsoft.com/office/powerpoint/2010/main" val="1372213930"/>
+        <p14:creationId xmlns:p14="http://schemas.microsoft.com/office/powerpoint/2010/main" val="326319157"/>
       </p:ext>
     </p:extLst>
   </p:cSld>
@@ -24899,17 +24285,28 @@
             </a:pPr>
             <a:r>
               <a:rPr lang="en-US" dirty="0" smtClean="0"/>
-              <a:t>You have an API key (how do you get it?)</a:t>
+              <a:t>You have an API key</a:t>
+            </a:r>
+          </a:p>
+          <a:p>
+            <a:pPr lvl="1"/>
+            <a:r>
+              <a:rPr lang="en-US" dirty="0" smtClean="0"/>
+              <a:t>Reasonable for publicly available data</a:t>
+            </a:r>
+          </a:p>
+          <a:p>
+            <a:pPr lvl="1"/>
+            <a:r>
+              <a:rPr lang="en-US" dirty="0" smtClean="0"/>
+              <a:t>Lets the owner of the application track use; enforce rules &amp; revoke access</a:t>
             </a:r>
           </a:p>
           <a:p>
             <a:pPr marL="0" indent="0">
               <a:buNone/>
             </a:pPr>
-            <a:r>
-              <a:rPr lang="en-US" dirty="0" smtClean="0"/>
-              <a:t>Once:</a:t>
-            </a:r>
+            <a:endParaRPr lang="en-US" dirty="0" smtClean="0"/>
           </a:p>
           <a:p>
             <a:pPr marL="0" indent="0">
@@ -24917,22 +24314,6 @@
             </a:pPr>
             <a:endParaRPr lang="en-US" dirty="0"/>
           </a:p>
-          <a:p>
-            <a:pPr marL="0" indent="0">
-              <a:buNone/>
-            </a:pPr>
-            <a:endParaRPr lang="en-US" dirty="0" smtClean="0"/>
-          </a:p>
-          <a:p>
-            <a:pPr marL="0" indent="0">
-              <a:buNone/>
-            </a:pPr>
-            <a:r>
-              <a:rPr lang="en-US" dirty="0" smtClean="0"/>
-              <a:t>Every URL: includes the key</a:t>
-            </a:r>
-            <a:endParaRPr lang="en-US" dirty="0"/>
-          </a:p>
         </p:txBody>
       </p:sp>
       <p:sp>
@@ -24952,7 +24333,7 @@
           <a:p>
             <a:fld id="{7053BEFA-1175-F644-B249-7D41D72BD3FF}" type="datetime1">
               <a:rPr lang="en-US" smtClean="0"/>
-              <a:t>1/22/14</a:t>
+              <a:t>1/26/14</a:t>
             </a:fld>
             <a:endParaRPr lang="en-US"/>
           </a:p>
@@ -25000,74 +24381,10 @@
           </a:p>
         </p:txBody>
       </p:sp>
-      <p:graphicFrame>
-        <p:nvGraphicFramePr>
-          <p:cNvPr id="7" name="Diagram 6"/>
-          <p:cNvGraphicFramePr/>
-          <p:nvPr>
-            <p:extLst>
-              <p:ext uri="{D42A27DB-BD31-4B8C-83A1-F6EECF244321}">
-                <p14:modId xmlns:p14="http://schemas.microsoft.com/office/powerpoint/2010/main" val="1716516943"/>
-              </p:ext>
-            </p:extLst>
-          </p:nvPr>
-        </p:nvGraphicFramePr>
-        <p:xfrm>
-          <a:off x="357902" y="2978464"/>
-          <a:ext cx="8312471" cy="5314401"/>
-        </p:xfrm>
-        <a:graphic>
-          <a:graphicData uri="http://schemas.openxmlformats.org/drawingml/2006/diagram">
-            <dgm:relIds xmlns:dgm="http://schemas.openxmlformats.org/drawingml/2006/diagram" xmlns:r="http://schemas.openxmlformats.org/officeDocument/2006/relationships" r:dm="rId3" r:lo="rId4" r:qs="rId5" r:cs="rId6"/>
-          </a:graphicData>
-        </a:graphic>
-      </p:graphicFrame>
-      <p:sp>
-        <p:nvSpPr>
-          <p:cNvPr id="8" name="Rounded Rectangle 7"/>
-          <p:cNvSpPr/>
-          <p:nvPr/>
-        </p:nvSpPr>
-        <p:spPr>
-          <a:xfrm>
-            <a:off x="2389902" y="2978464"/>
-            <a:ext cx="1521698" cy="1143000"/>
-          </a:xfrm>
-          <a:prstGeom prst="roundRect">
-            <a:avLst/>
-          </a:prstGeom>
-        </p:spPr>
-        <p:style>
-          <a:lnRef idx="3">
-            <a:schemeClr val="lt1"/>
-          </a:lnRef>
-          <a:fillRef idx="1">
-            <a:schemeClr val="accent1"/>
-          </a:fillRef>
-          <a:effectRef idx="1">
-            <a:schemeClr val="accent1"/>
-          </a:effectRef>
-          <a:fontRef idx="minor">
-            <a:schemeClr val="lt1"/>
-          </a:fontRef>
-        </p:style>
-        <p:txBody>
-          <a:bodyPr rtlCol="0" anchor="ctr"/>
-          <a:lstStyle/>
-          <a:p>
-            <a:pPr algn="ctr"/>
-            <a:r>
-              <a:rPr lang="en-US" dirty="0" smtClean="0"/>
-              <a:t>Manually Register for Key</a:t>
-            </a:r>
-            <a:endParaRPr lang="en-US" dirty="0"/>
-          </a:p>
-        </p:txBody>
-      </p:sp>
     </p:spTree>
     <p:extLst>
       <p:ext uri="{BB962C8B-B14F-4D97-AF65-F5344CB8AC3E}">
-        <p14:creationId xmlns:p14="http://schemas.microsoft.com/office/powerpoint/2010/main" val="1612594849"/>
+        <p14:creationId xmlns:p14="http://schemas.microsoft.com/office/powerpoint/2010/main" val="1372213930"/>
       </p:ext>
     </p:extLst>
   </p:cSld>
@@ -25153,7 +24470,7 @@
             </a:pPr>
             <a:r>
               <a:rPr lang="en-US" dirty="0" smtClean="0"/>
-              <a:t>You have an API key</a:t>
+              <a:t>You have an API key (how do you get it?)</a:t>
             </a:r>
           </a:p>
           <a:p>
@@ -25162,76 +24479,8 @@
             </a:pPr>
             <a:r>
               <a:rPr lang="en-US" dirty="0" smtClean="0"/>
-              <a:t>You use </a:t>
-            </a:r>
-            <a:r>
-              <a:rPr lang="en-US" dirty="0" err="1" smtClean="0"/>
-              <a:t>Oauth</a:t>
-            </a:r>
-            <a:r>
-              <a:rPr lang="en-US" dirty="0" smtClean="0"/>
-              <a:t> 2.0</a:t>
-            </a:r>
-          </a:p>
-          <a:p>
-            <a:pPr lvl="1"/>
-            <a:r>
-              <a:rPr lang="en-US" dirty="0" smtClean="0"/>
-              <a:t>Gives the </a:t>
-            </a:r>
-            <a:r>
-              <a:rPr lang="en-US" i="1" dirty="0" smtClean="0"/>
-              <a:t>Resource Owner </a:t>
-            </a:r>
-            <a:r>
-              <a:rPr lang="en-US" dirty="0" smtClean="0"/>
-              <a:t>control</a:t>
-            </a:r>
-          </a:p>
-          <a:p>
-            <a:pPr lvl="1"/>
-            <a:r>
-              <a:rPr lang="en-US" dirty="0" smtClean="0"/>
-              <a:t>Gives the application owner control: </a:t>
-            </a:r>
-            <a:br>
-              <a:rPr lang="en-US" dirty="0" smtClean="0"/>
-            </a:br>
-            <a:r>
-              <a:rPr lang="en-US" i="1" dirty="0" smtClean="0"/>
-              <a:t>Resource Server </a:t>
-            </a:r>
-            <a:r>
-              <a:rPr lang="en-US" dirty="0" smtClean="0"/>
-              <a:t>serves the API</a:t>
-            </a:r>
-            <a:br>
-              <a:rPr lang="en-US" dirty="0" smtClean="0"/>
-            </a:br>
-            <a:r>
-              <a:rPr lang="en-US" i="1" dirty="0" smtClean="0"/>
-              <a:t>Authorization Server </a:t>
-            </a:r>
-            <a:r>
-              <a:rPr lang="en-US" dirty="0" smtClean="0"/>
-              <a:t>serves the key</a:t>
-            </a:r>
-          </a:p>
-          <a:p>
-            <a:pPr lvl="1"/>
-            <a:r>
-              <a:rPr lang="en-US" dirty="0" smtClean="0"/>
-              <a:t>You are the </a:t>
-            </a:r>
-            <a:r>
-              <a:rPr lang="en-US" i="1" dirty="0" smtClean="0"/>
-              <a:t>Client</a:t>
-            </a:r>
-            <a:endParaRPr lang="en-US" dirty="0" smtClean="0"/>
-          </a:p>
-          <a:p>
-            <a:pPr lvl="1"/>
-            <a:endParaRPr lang="en-US" dirty="0" smtClean="0"/>
+              <a:t>Once:</a:t>
+            </a:r>
           </a:p>
           <a:p>
             <a:pPr marL="0" indent="0">
@@ -25239,6 +24488,22 @@
             </a:pPr>
             <a:endParaRPr lang="en-US" dirty="0"/>
           </a:p>
+          <a:p>
+            <a:pPr marL="0" indent="0">
+              <a:buNone/>
+            </a:pPr>
+            <a:endParaRPr lang="en-US" dirty="0" smtClean="0"/>
+          </a:p>
+          <a:p>
+            <a:pPr marL="0" indent="0">
+              <a:buNone/>
+            </a:pPr>
+            <a:r>
+              <a:rPr lang="en-US" dirty="0" smtClean="0"/>
+              <a:t>Every URL: includes the key</a:t>
+            </a:r>
+            <a:endParaRPr lang="en-US" dirty="0"/>
+          </a:p>
         </p:txBody>
       </p:sp>
       <p:sp>
@@ -25258,7 +24523,7 @@
           <a:p>
             <a:fld id="{7053BEFA-1175-F644-B249-7D41D72BD3FF}" type="datetime1">
               <a:rPr lang="en-US" smtClean="0"/>
-              <a:t>1/22/14</a:t>
+              <a:t>1/26/14</a:t>
             </a:fld>
             <a:endParaRPr lang="en-US"/>
           </a:p>
@@ -25306,10 +24571,74 @@
           </a:p>
         </p:txBody>
       </p:sp>
+      <p:graphicFrame>
+        <p:nvGraphicFramePr>
+          <p:cNvPr id="7" name="Diagram 6"/>
+          <p:cNvGraphicFramePr/>
+          <p:nvPr>
+            <p:extLst>
+              <p:ext uri="{D42A27DB-BD31-4B8C-83A1-F6EECF244321}">
+                <p14:modId xmlns:p14="http://schemas.microsoft.com/office/powerpoint/2010/main" val="1716516943"/>
+              </p:ext>
+            </p:extLst>
+          </p:nvPr>
+        </p:nvGraphicFramePr>
+        <p:xfrm>
+          <a:off x="357902" y="2978464"/>
+          <a:ext cx="8312471" cy="5314401"/>
+        </p:xfrm>
+        <a:graphic>
+          <a:graphicData uri="http://schemas.openxmlformats.org/drawingml/2006/diagram">
+            <dgm:relIds xmlns:dgm="http://schemas.openxmlformats.org/drawingml/2006/diagram" xmlns:r="http://schemas.openxmlformats.org/officeDocument/2006/relationships" r:dm="rId3" r:lo="rId4" r:qs="rId5" r:cs="rId6"/>
+          </a:graphicData>
+        </a:graphic>
+      </p:graphicFrame>
+      <p:sp>
+        <p:nvSpPr>
+          <p:cNvPr id="8" name="Rounded Rectangle 7"/>
+          <p:cNvSpPr/>
+          <p:nvPr/>
+        </p:nvSpPr>
+        <p:spPr>
+          <a:xfrm>
+            <a:off x="2389902" y="2978464"/>
+            <a:ext cx="1521698" cy="1143000"/>
+          </a:xfrm>
+          <a:prstGeom prst="roundRect">
+            <a:avLst/>
+          </a:prstGeom>
+        </p:spPr>
+        <p:style>
+          <a:lnRef idx="3">
+            <a:schemeClr val="lt1"/>
+          </a:lnRef>
+          <a:fillRef idx="1">
+            <a:schemeClr val="accent1"/>
+          </a:fillRef>
+          <a:effectRef idx="1">
+            <a:schemeClr val="accent1"/>
+          </a:effectRef>
+          <a:fontRef idx="minor">
+            <a:schemeClr val="lt1"/>
+          </a:fontRef>
+        </p:style>
+        <p:txBody>
+          <a:bodyPr rtlCol="0" anchor="ctr"/>
+          <a:lstStyle/>
+          <a:p>
+            <a:pPr algn="ctr"/>
+            <a:r>
+              <a:rPr lang="en-US" dirty="0" smtClean="0"/>
+              <a:t>Manually Register for Key</a:t>
+            </a:r>
+            <a:endParaRPr lang="en-US" dirty="0"/>
+          </a:p>
+        </p:txBody>
+      </p:sp>
     </p:spTree>
     <p:extLst>
       <p:ext uri="{BB962C8B-B14F-4D97-AF65-F5344CB8AC3E}">
-        <p14:creationId xmlns:p14="http://schemas.microsoft.com/office/powerpoint/2010/main" val="3932398159"/>
+        <p14:creationId xmlns:p14="http://schemas.microsoft.com/office/powerpoint/2010/main" val="1612594849"/>
       </p:ext>
     </p:extLst>
   </p:cSld>
@@ -25383,7 +24712,7 @@
           <a:p>
             <a:fld id="{111EEF3B-ABF2-AA4E-9E24-0C6256942674}" type="datetime1">
               <a:rPr lang="en-US" smtClean="0"/>
-              <a:t>1/22/14</a:t>
+              <a:t>1/26/14</a:t>
             </a:fld>
             <a:endParaRPr lang="en-US"/>
           </a:p>
@@ -25602,16 +24931,125 @@
           <a:p>
             <a:r>
               <a:rPr lang="en-US" dirty="0" smtClean="0"/>
-              <a:t>Typical </a:t>
+              <a:t>Why should the server trust you?</a:t>
+            </a:r>
+            <a:endParaRPr lang="en-US" dirty="0"/>
+          </a:p>
+        </p:txBody>
+      </p:sp>
+      <p:sp>
+        <p:nvSpPr>
+          <p:cNvPr id="3" name="Content Placeholder 2"/>
+          <p:cNvSpPr>
+            <a:spLocks noGrp="1"/>
+          </p:cNvSpPr>
+          <p:nvPr>
+            <p:ph idx="1"/>
+          </p:nvPr>
+        </p:nvSpPr>
+        <p:spPr/>
+        <p:txBody>
+          <a:bodyPr/>
+          <a:lstStyle/>
+          <a:p>
+            <a:pPr marL="0" indent="0">
+              <a:buNone/>
+            </a:pPr>
+            <a:r>
+              <a:rPr lang="en-US" dirty="0" smtClean="0"/>
+              <a:t>You have the user’s password (should you?)</a:t>
+            </a:r>
+          </a:p>
+          <a:p>
+            <a:pPr marL="0" indent="0">
+              <a:buNone/>
+            </a:pPr>
+            <a:r>
+              <a:rPr lang="en-US" dirty="0" smtClean="0"/>
+              <a:t>You have an API key</a:t>
+            </a:r>
+          </a:p>
+          <a:p>
+            <a:pPr marL="0" indent="0">
+              <a:buNone/>
+            </a:pPr>
+            <a:r>
+              <a:rPr lang="en-US" dirty="0" smtClean="0"/>
+              <a:t>You use </a:t>
             </a:r>
             <a:r>
               <a:rPr lang="en-US" dirty="0" err="1" smtClean="0"/>
-              <a:t>OAuth</a:t>
+              <a:t>Oauth</a:t>
             </a:r>
             <a:r>
               <a:rPr lang="en-US" dirty="0" smtClean="0"/>
-              <a:t> 2.0 Flow</a:t>
-            </a:r>
+              <a:t> 2.0</a:t>
+            </a:r>
+          </a:p>
+          <a:p>
+            <a:pPr lvl="1"/>
+            <a:r>
+              <a:rPr lang="en-US" dirty="0" smtClean="0"/>
+              <a:t>Gives the </a:t>
+            </a:r>
+            <a:r>
+              <a:rPr lang="en-US" i="1" dirty="0" smtClean="0"/>
+              <a:t>Resource Owner </a:t>
+            </a:r>
+            <a:r>
+              <a:rPr lang="en-US" dirty="0" smtClean="0"/>
+              <a:t>control</a:t>
+            </a:r>
+          </a:p>
+          <a:p>
+            <a:pPr lvl="1"/>
+            <a:r>
+              <a:rPr lang="en-US" dirty="0" smtClean="0"/>
+              <a:t>Gives the application owner control: </a:t>
+            </a:r>
+            <a:br>
+              <a:rPr lang="en-US" dirty="0" smtClean="0"/>
+            </a:br>
+            <a:r>
+              <a:rPr lang="en-US" i="1" dirty="0" smtClean="0"/>
+              <a:t>Resource Server </a:t>
+            </a:r>
+            <a:r>
+              <a:rPr lang="en-US" dirty="0" smtClean="0"/>
+              <a:t>serves the API</a:t>
+            </a:r>
+            <a:br>
+              <a:rPr lang="en-US" dirty="0" smtClean="0"/>
+            </a:br>
+            <a:r>
+              <a:rPr lang="en-US" i="1" dirty="0" smtClean="0"/>
+              <a:t>Authorization Server </a:t>
+            </a:r>
+            <a:r>
+              <a:rPr lang="en-US" dirty="0" smtClean="0"/>
+              <a:t>serves the key</a:t>
+            </a:r>
+          </a:p>
+          <a:p>
+            <a:pPr lvl="1"/>
+            <a:r>
+              <a:rPr lang="en-US" dirty="0" smtClean="0"/>
+              <a:t>You are the </a:t>
+            </a:r>
+            <a:r>
+              <a:rPr lang="en-US" i="1" dirty="0" smtClean="0"/>
+              <a:t>Client</a:t>
+            </a:r>
+            <a:endParaRPr lang="en-US" dirty="0" smtClean="0"/>
+          </a:p>
+          <a:p>
+            <a:pPr lvl="1"/>
+            <a:endParaRPr lang="en-US" dirty="0" smtClean="0"/>
+          </a:p>
+          <a:p>
+            <a:pPr marL="0" indent="0">
+              <a:buNone/>
+            </a:pPr>
             <a:endParaRPr lang="en-US" dirty="0"/>
           </a:p>
         </p:txBody>
@@ -25633,7 +25071,7 @@
           <a:p>
             <a:fld id="{7053BEFA-1175-F644-B249-7D41D72BD3FF}" type="datetime1">
               <a:rPr lang="en-US" smtClean="0"/>
-              <a:t>1/22/14</a:t>
+              <a:t>1/26/14</a:t>
             </a:fld>
             <a:endParaRPr lang="en-US"/>
           </a:p>
@@ -25678,263 +25116,6 @@
               <a:t>30</a:t>
             </a:fld>
             <a:endParaRPr lang="en-US" dirty="0"/>
-          </a:p>
-        </p:txBody>
-      </p:sp>
-      <p:sp>
-        <p:nvSpPr>
-          <p:cNvPr id="9" name="TextBox 8"/>
-          <p:cNvSpPr txBox="1"/>
-          <p:nvPr/>
-        </p:nvSpPr>
-        <p:spPr>
-          <a:xfrm>
-            <a:off x="304800" y="1422400"/>
-            <a:ext cx="184666" cy="461665"/>
-          </a:xfrm>
-          <a:prstGeom prst="rect">
-            <a:avLst/>
-          </a:prstGeom>
-          <a:solidFill>
-            <a:srgbClr val="FFFFFF"/>
-          </a:solidFill>
-        </p:spPr>
-        <p:txBody>
-          <a:bodyPr wrap="none" rtlCol="0">
-            <a:spAutoFit/>
-          </a:bodyPr>
-          <a:lstStyle/>
-          <a:p>
-            <a:endParaRPr lang="en-US" sz="2400" dirty="0"/>
-          </a:p>
-        </p:txBody>
-      </p:sp>
-      <p:sp>
-        <p:nvSpPr>
-          <p:cNvPr id="10" name="Rectangle 9"/>
-          <p:cNvSpPr/>
-          <p:nvPr/>
-        </p:nvSpPr>
-        <p:spPr>
-          <a:xfrm>
-            <a:off x="465996" y="4546600"/>
-            <a:ext cx="1900436" cy="1668659"/>
-          </a:xfrm>
-          <a:prstGeom prst="rect">
-            <a:avLst/>
-          </a:prstGeom>
-        </p:spPr>
-        <p:style>
-          <a:lnRef idx="2">
-            <a:schemeClr val="accent1">
-              <a:shade val="50000"/>
-            </a:schemeClr>
-          </a:lnRef>
-          <a:fillRef idx="1">
-            <a:schemeClr val="accent1"/>
-          </a:fillRef>
-          <a:effectRef idx="0">
-            <a:schemeClr val="accent1"/>
-          </a:effectRef>
-          <a:fontRef idx="minor">
-            <a:schemeClr val="lt1"/>
-          </a:fontRef>
-        </p:style>
-        <p:txBody>
-          <a:bodyPr rtlCol="0" anchor="ctr"/>
-          <a:lstStyle/>
-          <a:p>
-            <a:pPr algn="ctr"/>
-            <a:endParaRPr lang="en-US"/>
-          </a:p>
-        </p:txBody>
-      </p:sp>
-      <p:sp>
-        <p:nvSpPr>
-          <p:cNvPr id="13" name="TextBox 12"/>
-          <p:cNvSpPr txBox="1"/>
-          <p:nvPr/>
-        </p:nvSpPr>
-        <p:spPr>
-          <a:xfrm>
-            <a:off x="465996" y="4070663"/>
-            <a:ext cx="907971" cy="461665"/>
-          </a:xfrm>
-          <a:prstGeom prst="rect">
-            <a:avLst/>
-          </a:prstGeom>
-          <a:solidFill>
-            <a:srgbClr val="FFFFFF"/>
-          </a:solidFill>
-        </p:spPr>
-        <p:txBody>
-          <a:bodyPr wrap="none" rtlCol="0">
-            <a:spAutoFit/>
-          </a:bodyPr>
-          <a:lstStyle/>
-          <a:p>
-            <a:r>
-              <a:rPr lang="en-US" sz="2400" dirty="0" smtClean="0"/>
-              <a:t>Client</a:t>
-            </a:r>
-            <a:endParaRPr lang="en-US" sz="2400" dirty="0"/>
-          </a:p>
-        </p:txBody>
-      </p:sp>
-      <p:sp>
-        <p:nvSpPr>
-          <p:cNvPr id="16" name="Rounded Rectangle 15"/>
-          <p:cNvSpPr/>
-          <p:nvPr/>
-        </p:nvSpPr>
-        <p:spPr>
-          <a:xfrm>
-            <a:off x="1373967" y="1422400"/>
-            <a:ext cx="1521698" cy="1143000"/>
-          </a:xfrm>
-          <a:prstGeom prst="roundRect">
-            <a:avLst/>
-          </a:prstGeom>
-        </p:spPr>
-        <p:style>
-          <a:lnRef idx="3">
-            <a:schemeClr val="lt1"/>
-          </a:lnRef>
-          <a:fillRef idx="1">
-            <a:schemeClr val="accent1"/>
-          </a:fillRef>
-          <a:effectRef idx="1">
-            <a:schemeClr val="accent1"/>
-          </a:effectRef>
-          <a:fontRef idx="minor">
-            <a:schemeClr val="lt1"/>
-          </a:fontRef>
-        </p:style>
-        <p:txBody>
-          <a:bodyPr rtlCol="0" anchor="ctr"/>
-          <a:lstStyle/>
-          <a:p>
-            <a:pPr algn="ctr"/>
-            <a:r>
-              <a:rPr lang="en-US" dirty="0" smtClean="0"/>
-              <a:t>Manually Register Client</a:t>
-            </a:r>
-            <a:endParaRPr lang="en-US" dirty="0"/>
-          </a:p>
-        </p:txBody>
-      </p:sp>
-      <p:sp>
-        <p:nvSpPr>
-          <p:cNvPr id="17" name="TextBox 16"/>
-          <p:cNvSpPr txBox="1"/>
-          <p:nvPr/>
-        </p:nvSpPr>
-        <p:spPr>
-          <a:xfrm>
-            <a:off x="3175000" y="1468566"/>
-            <a:ext cx="1794482" cy="830997"/>
-          </a:xfrm>
-          <a:prstGeom prst="rect">
-            <a:avLst/>
-          </a:prstGeom>
-          <a:solidFill>
-            <a:srgbClr val="FFFFFF"/>
-          </a:solidFill>
-        </p:spPr>
-        <p:txBody>
-          <a:bodyPr wrap="none" rtlCol="0">
-            <a:spAutoFit/>
-          </a:bodyPr>
-          <a:lstStyle/>
-          <a:p>
-            <a:r>
-              <a:rPr lang="en-US" sz="2400" dirty="0" err="1" smtClean="0"/>
-              <a:t>client_id</a:t>
-            </a:r>
-            <a:endParaRPr lang="en-US" sz="2400" dirty="0" smtClean="0"/>
-          </a:p>
-          <a:p>
-            <a:r>
-              <a:rPr lang="en-US" sz="2400" dirty="0" err="1" smtClean="0"/>
-              <a:t>client_secret</a:t>
-            </a:r>
-            <a:endParaRPr lang="en-US" sz="2400" dirty="0"/>
-          </a:p>
-        </p:txBody>
-      </p:sp>
-      <p:sp>
-        <p:nvSpPr>
-          <p:cNvPr id="26" name="TextBox 25"/>
-          <p:cNvSpPr txBox="1"/>
-          <p:nvPr/>
-        </p:nvSpPr>
-        <p:spPr>
-          <a:xfrm>
-            <a:off x="4961796" y="4059535"/>
-            <a:ext cx="2122997" cy="461665"/>
-          </a:xfrm>
-          <a:prstGeom prst="rect">
-            <a:avLst/>
-          </a:prstGeom>
-          <a:solidFill>
-            <a:srgbClr val="FFFFFF"/>
-          </a:solidFill>
-        </p:spPr>
-        <p:txBody>
-          <a:bodyPr wrap="none" rtlCol="0">
-            <a:spAutoFit/>
-          </a:bodyPr>
-          <a:lstStyle/>
-          <a:p>
-            <a:r>
-              <a:rPr lang="en-US" sz="2400" dirty="0" err="1" smtClean="0"/>
-              <a:t>OAuth</a:t>
-            </a:r>
-            <a:r>
-              <a:rPr lang="en-US" sz="2400" dirty="0" smtClean="0"/>
-              <a:t> Provider</a:t>
-            </a:r>
-            <a:endParaRPr lang="en-US" sz="2400" dirty="0"/>
-          </a:p>
-        </p:txBody>
-      </p:sp>
-      <p:sp>
-        <p:nvSpPr>
-          <p:cNvPr id="27" name="Rectangle 26"/>
-          <p:cNvSpPr/>
-          <p:nvPr/>
-        </p:nvSpPr>
-        <p:spPr>
-          <a:xfrm>
-            <a:off x="4961796" y="4546600"/>
-            <a:ext cx="1900436" cy="1668659"/>
-          </a:xfrm>
-          <a:prstGeom prst="rect">
-            <a:avLst/>
-          </a:prstGeom>
-        </p:spPr>
-        <p:style>
-          <a:lnRef idx="2">
-            <a:schemeClr val="accent1">
-              <a:shade val="50000"/>
-            </a:schemeClr>
-          </a:lnRef>
-          <a:fillRef idx="1">
-            <a:schemeClr val="accent1"/>
-          </a:fillRef>
-          <a:effectRef idx="0">
-            <a:schemeClr val="accent1"/>
-          </a:effectRef>
-          <a:fontRef idx="minor">
-            <a:schemeClr val="lt1"/>
-          </a:fontRef>
-        </p:style>
-        <p:txBody>
-          <a:bodyPr rtlCol="0" anchor="ctr"/>
-          <a:lstStyle/>
-          <a:p>
-            <a:pPr algn="ctr"/>
-            <a:endParaRPr lang="en-US"/>
           </a:p>
         </p:txBody>
       </p:sp>
@@ -25977,6 +25158,396 @@
       </p:grpSpPr>
       <p:sp>
         <p:nvSpPr>
+          <p:cNvPr id="2" name="Title 1"/>
+          <p:cNvSpPr>
+            <a:spLocks noGrp="1"/>
+          </p:cNvSpPr>
+          <p:nvPr>
+            <p:ph type="title"/>
+          </p:nvPr>
+        </p:nvSpPr>
+        <p:spPr/>
+        <p:txBody>
+          <a:bodyPr/>
+          <a:lstStyle/>
+          <a:p>
+            <a:r>
+              <a:rPr lang="en-US" dirty="0" smtClean="0"/>
+              <a:t>Typical </a:t>
+            </a:r>
+            <a:r>
+              <a:rPr lang="en-US" dirty="0" err="1" smtClean="0"/>
+              <a:t>OAuth</a:t>
+            </a:r>
+            <a:r>
+              <a:rPr lang="en-US" dirty="0" smtClean="0"/>
+              <a:t> 2.0 Flow</a:t>
+            </a:r>
+            <a:endParaRPr lang="en-US" dirty="0"/>
+          </a:p>
+        </p:txBody>
+      </p:sp>
+      <p:sp>
+        <p:nvSpPr>
+          <p:cNvPr id="4" name="Date Placeholder 3"/>
+          <p:cNvSpPr>
+            <a:spLocks noGrp="1"/>
+          </p:cNvSpPr>
+          <p:nvPr>
+            <p:ph type="dt" sz="half" idx="10"/>
+          </p:nvPr>
+        </p:nvSpPr>
+        <p:spPr/>
+        <p:txBody>
+          <a:bodyPr/>
+          <a:lstStyle/>
+          <a:p>
+            <a:fld id="{7053BEFA-1175-F644-B249-7D41D72BD3FF}" type="datetime1">
+              <a:rPr lang="en-US" smtClean="0"/>
+              <a:t>1/26/14</a:t>
+            </a:fld>
+            <a:endParaRPr lang="en-US"/>
+          </a:p>
+        </p:txBody>
+      </p:sp>
+      <p:sp>
+        <p:nvSpPr>
+          <p:cNvPr id="5" name="Footer Placeholder 4"/>
+          <p:cNvSpPr>
+            <a:spLocks noGrp="1"/>
+          </p:cNvSpPr>
+          <p:nvPr>
+            <p:ph type="ftr" sz="quarter" idx="11"/>
+          </p:nvPr>
+        </p:nvSpPr>
+        <p:spPr/>
+        <p:txBody>
+          <a:bodyPr/>
+          <a:lstStyle/>
+          <a:p>
+            <a:endParaRPr lang="en-US" dirty="0"/>
+          </a:p>
+        </p:txBody>
+      </p:sp>
+      <p:sp>
+        <p:nvSpPr>
+          <p:cNvPr id="6" name="Slide Number Placeholder 5"/>
+          <p:cNvSpPr>
+            <a:spLocks noGrp="1"/>
+          </p:cNvSpPr>
+          <p:nvPr>
+            <p:ph type="sldNum" sz="quarter" idx="12"/>
+          </p:nvPr>
+        </p:nvSpPr>
+        <p:spPr/>
+        <p:txBody>
+          <a:bodyPr/>
+          <a:lstStyle/>
+          <a:p>
+            <a:fld id="{17E276FA-8F89-B34D-A726-BE3FA1F8DD97}" type="slidenum">
+              <a:rPr lang="en-US" smtClean="0"/>
+              <a:t>31</a:t>
+            </a:fld>
+            <a:endParaRPr lang="en-US" dirty="0"/>
+          </a:p>
+        </p:txBody>
+      </p:sp>
+      <p:sp>
+        <p:nvSpPr>
+          <p:cNvPr id="9" name="TextBox 8"/>
+          <p:cNvSpPr txBox="1"/>
+          <p:nvPr/>
+        </p:nvSpPr>
+        <p:spPr>
+          <a:xfrm>
+            <a:off x="304800" y="1422400"/>
+            <a:ext cx="184666" cy="461665"/>
+          </a:xfrm>
+          <a:prstGeom prst="rect">
+            <a:avLst/>
+          </a:prstGeom>
+          <a:solidFill>
+            <a:srgbClr val="FFFFFF"/>
+          </a:solidFill>
+        </p:spPr>
+        <p:txBody>
+          <a:bodyPr wrap="none" rtlCol="0">
+            <a:spAutoFit/>
+          </a:bodyPr>
+          <a:lstStyle/>
+          <a:p>
+            <a:endParaRPr lang="en-US" sz="2400" dirty="0"/>
+          </a:p>
+        </p:txBody>
+      </p:sp>
+      <p:sp>
+        <p:nvSpPr>
+          <p:cNvPr id="10" name="Rectangle 9"/>
+          <p:cNvSpPr/>
+          <p:nvPr/>
+        </p:nvSpPr>
+        <p:spPr>
+          <a:xfrm>
+            <a:off x="465996" y="4546600"/>
+            <a:ext cx="1900436" cy="1668659"/>
+          </a:xfrm>
+          <a:prstGeom prst="rect">
+            <a:avLst/>
+          </a:prstGeom>
+        </p:spPr>
+        <p:style>
+          <a:lnRef idx="2">
+            <a:schemeClr val="accent1">
+              <a:shade val="50000"/>
+            </a:schemeClr>
+          </a:lnRef>
+          <a:fillRef idx="1">
+            <a:schemeClr val="accent1"/>
+          </a:fillRef>
+          <a:effectRef idx="0">
+            <a:schemeClr val="accent1"/>
+          </a:effectRef>
+          <a:fontRef idx="minor">
+            <a:schemeClr val="lt1"/>
+          </a:fontRef>
+        </p:style>
+        <p:txBody>
+          <a:bodyPr rtlCol="0" anchor="ctr"/>
+          <a:lstStyle/>
+          <a:p>
+            <a:pPr algn="ctr"/>
+            <a:endParaRPr lang="en-US"/>
+          </a:p>
+        </p:txBody>
+      </p:sp>
+      <p:sp>
+        <p:nvSpPr>
+          <p:cNvPr id="13" name="TextBox 12"/>
+          <p:cNvSpPr txBox="1"/>
+          <p:nvPr/>
+        </p:nvSpPr>
+        <p:spPr>
+          <a:xfrm>
+            <a:off x="465996" y="4070663"/>
+            <a:ext cx="907971" cy="461665"/>
+          </a:xfrm>
+          <a:prstGeom prst="rect">
+            <a:avLst/>
+          </a:prstGeom>
+          <a:solidFill>
+            <a:srgbClr val="FFFFFF"/>
+          </a:solidFill>
+        </p:spPr>
+        <p:txBody>
+          <a:bodyPr wrap="none" rtlCol="0">
+            <a:spAutoFit/>
+          </a:bodyPr>
+          <a:lstStyle/>
+          <a:p>
+            <a:r>
+              <a:rPr lang="en-US" sz="2400" dirty="0" smtClean="0"/>
+              <a:t>Client</a:t>
+            </a:r>
+            <a:endParaRPr lang="en-US" sz="2400" dirty="0"/>
+          </a:p>
+        </p:txBody>
+      </p:sp>
+      <p:sp>
+        <p:nvSpPr>
+          <p:cNvPr id="16" name="Rounded Rectangle 15"/>
+          <p:cNvSpPr/>
+          <p:nvPr/>
+        </p:nvSpPr>
+        <p:spPr>
+          <a:xfrm>
+            <a:off x="1373967" y="1422400"/>
+            <a:ext cx="1521698" cy="1143000"/>
+          </a:xfrm>
+          <a:prstGeom prst="roundRect">
+            <a:avLst/>
+          </a:prstGeom>
+        </p:spPr>
+        <p:style>
+          <a:lnRef idx="3">
+            <a:schemeClr val="lt1"/>
+          </a:lnRef>
+          <a:fillRef idx="1">
+            <a:schemeClr val="accent1"/>
+          </a:fillRef>
+          <a:effectRef idx="1">
+            <a:schemeClr val="accent1"/>
+          </a:effectRef>
+          <a:fontRef idx="minor">
+            <a:schemeClr val="lt1"/>
+          </a:fontRef>
+        </p:style>
+        <p:txBody>
+          <a:bodyPr rtlCol="0" anchor="ctr"/>
+          <a:lstStyle/>
+          <a:p>
+            <a:pPr algn="ctr"/>
+            <a:r>
+              <a:rPr lang="en-US" dirty="0" smtClean="0"/>
+              <a:t>Manually Register Client</a:t>
+            </a:r>
+            <a:endParaRPr lang="en-US" dirty="0"/>
+          </a:p>
+        </p:txBody>
+      </p:sp>
+      <p:sp>
+        <p:nvSpPr>
+          <p:cNvPr id="17" name="TextBox 16"/>
+          <p:cNvSpPr txBox="1"/>
+          <p:nvPr/>
+        </p:nvSpPr>
+        <p:spPr>
+          <a:xfrm>
+            <a:off x="3175000" y="1468566"/>
+            <a:ext cx="1794482" cy="830997"/>
+          </a:xfrm>
+          <a:prstGeom prst="rect">
+            <a:avLst/>
+          </a:prstGeom>
+          <a:solidFill>
+            <a:srgbClr val="FFFFFF"/>
+          </a:solidFill>
+        </p:spPr>
+        <p:txBody>
+          <a:bodyPr wrap="none" rtlCol="0">
+            <a:spAutoFit/>
+          </a:bodyPr>
+          <a:lstStyle/>
+          <a:p>
+            <a:r>
+              <a:rPr lang="en-US" sz="2400" dirty="0" err="1" smtClean="0"/>
+              <a:t>client_id</a:t>
+            </a:r>
+            <a:endParaRPr lang="en-US" sz="2400" dirty="0" smtClean="0"/>
+          </a:p>
+          <a:p>
+            <a:r>
+              <a:rPr lang="en-US" sz="2400" dirty="0" err="1" smtClean="0"/>
+              <a:t>client_secret</a:t>
+            </a:r>
+            <a:endParaRPr lang="en-US" sz="2400" dirty="0"/>
+          </a:p>
+        </p:txBody>
+      </p:sp>
+      <p:sp>
+        <p:nvSpPr>
+          <p:cNvPr id="26" name="TextBox 25"/>
+          <p:cNvSpPr txBox="1"/>
+          <p:nvPr/>
+        </p:nvSpPr>
+        <p:spPr>
+          <a:xfrm>
+            <a:off x="4961796" y="4059535"/>
+            <a:ext cx="2122997" cy="461665"/>
+          </a:xfrm>
+          <a:prstGeom prst="rect">
+            <a:avLst/>
+          </a:prstGeom>
+          <a:solidFill>
+            <a:srgbClr val="FFFFFF"/>
+          </a:solidFill>
+        </p:spPr>
+        <p:txBody>
+          <a:bodyPr wrap="none" rtlCol="0">
+            <a:spAutoFit/>
+          </a:bodyPr>
+          <a:lstStyle/>
+          <a:p>
+            <a:r>
+              <a:rPr lang="en-US" sz="2400" dirty="0" err="1" smtClean="0"/>
+              <a:t>OAuth</a:t>
+            </a:r>
+            <a:r>
+              <a:rPr lang="en-US" sz="2400" dirty="0" smtClean="0"/>
+              <a:t> Provider</a:t>
+            </a:r>
+            <a:endParaRPr lang="en-US" sz="2400" dirty="0"/>
+          </a:p>
+        </p:txBody>
+      </p:sp>
+      <p:sp>
+        <p:nvSpPr>
+          <p:cNvPr id="27" name="Rectangle 26"/>
+          <p:cNvSpPr/>
+          <p:nvPr/>
+        </p:nvSpPr>
+        <p:spPr>
+          <a:xfrm>
+            <a:off x="4961796" y="4546600"/>
+            <a:ext cx="1900436" cy="1668659"/>
+          </a:xfrm>
+          <a:prstGeom prst="rect">
+            <a:avLst/>
+          </a:prstGeom>
+        </p:spPr>
+        <p:style>
+          <a:lnRef idx="2">
+            <a:schemeClr val="accent1">
+              <a:shade val="50000"/>
+            </a:schemeClr>
+          </a:lnRef>
+          <a:fillRef idx="1">
+            <a:schemeClr val="accent1"/>
+          </a:fillRef>
+          <a:effectRef idx="0">
+            <a:schemeClr val="accent1"/>
+          </a:effectRef>
+          <a:fontRef idx="minor">
+            <a:schemeClr val="lt1"/>
+          </a:fontRef>
+        </p:style>
+        <p:txBody>
+          <a:bodyPr rtlCol="0" anchor="ctr"/>
+          <a:lstStyle/>
+          <a:p>
+            <a:pPr algn="ctr"/>
+            <a:endParaRPr lang="en-US"/>
+          </a:p>
+        </p:txBody>
+      </p:sp>
+    </p:spTree>
+    <p:extLst>
+      <p:ext uri="{BB962C8B-B14F-4D97-AF65-F5344CB8AC3E}">
+        <p14:creationId xmlns:p14="http://schemas.microsoft.com/office/powerpoint/2010/main" val="3932398159"/>
+      </p:ext>
+    </p:extLst>
+  </p:cSld>
+  <p:clrMapOvr>
+    <a:masterClrMapping/>
+  </p:clrMapOvr>
+  <p:timing>
+    <p:tnLst>
+      <p:par>
+        <p:cTn xmlns:p14="http://schemas.microsoft.com/office/powerpoint/2010/main" id="1" dur="indefinite" restart="never" nodeType="tmRoot"/>
+      </p:par>
+    </p:tnLst>
+  </p:timing>
+</p:sld>
+</file>
+
+<file path=ppt/slides/slide32.xml><?xml version="1.0" encoding="utf-8"?>
+<p:sld xmlns:a="http://schemas.openxmlformats.org/drawingml/2006/main" xmlns:r="http://schemas.openxmlformats.org/officeDocument/2006/relationships" xmlns:p="http://schemas.openxmlformats.org/presentationml/2006/main">
+  <p:cSld>
+    <p:spTree>
+      <p:nvGrpSpPr>
+        <p:cNvPr id="1" name=""/>
+        <p:cNvGrpSpPr/>
+        <p:nvPr/>
+      </p:nvGrpSpPr>
+      <p:grpSpPr>
+        <a:xfrm>
+          <a:off x="0" y="0"/>
+          <a:ext cx="0" cy="0"/>
+          <a:chOff x="0" y="0"/>
+          <a:chExt cx="0" cy="0"/>
+        </a:xfrm>
+      </p:grpSpPr>
+      <p:sp>
+        <p:nvSpPr>
           <p:cNvPr id="19" name="TextBox 18"/>
           <p:cNvSpPr txBox="1"/>
           <p:nvPr/>
@@ -26078,7 +25649,7 @@
           <a:p>
             <a:fld id="{7053BEFA-1175-F644-B249-7D41D72BD3FF}" type="datetime1">
               <a:rPr lang="en-US" smtClean="0"/>
-              <a:t>1/22/14</a:t>
+              <a:t>1/26/14</a:t>
             </a:fld>
             <a:endParaRPr lang="en-US"/>
           </a:p>
@@ -26120,7 +25691,7 @@
           <a:p>
             <a:fld id="{17E276FA-8F89-B34D-A726-BE3FA1F8DD97}" type="slidenum">
               <a:rPr lang="en-US" smtClean="0"/>
-              <a:t>31</a:t>
+              <a:t>32</a:t>
             </a:fld>
             <a:endParaRPr lang="en-US" dirty="0"/>
           </a:p>
@@ -26436,7 +26007,7 @@
 </p:sld>
 </file>
 
-<file path=ppt/slides/slide32.xml><?xml version="1.0" encoding="utf-8"?>
+<file path=ppt/slides/slide33.xml><?xml version="1.0" encoding="utf-8"?>
 <p:sld xmlns:a="http://schemas.openxmlformats.org/drawingml/2006/main" xmlns:r="http://schemas.openxmlformats.org/officeDocument/2006/relationships" xmlns:p="http://schemas.openxmlformats.org/presentationml/2006/main">
   <p:cSld>
     <p:spTree>
@@ -26501,7 +26072,7 @@
           <a:p>
             <a:fld id="{7053BEFA-1175-F644-B249-7D41D72BD3FF}" type="datetime1">
               <a:rPr lang="en-US" smtClean="0"/>
-              <a:t>1/22/14</a:t>
+              <a:t>1/26/14</a:t>
             </a:fld>
             <a:endParaRPr lang="en-US"/>
           </a:p>
@@ -26543,7 +26114,7 @@
           <a:p>
             <a:fld id="{17E276FA-8F89-B34D-A726-BE3FA1F8DD97}" type="slidenum">
               <a:rPr lang="en-US" smtClean="0"/>
-              <a:t>32</a:t>
+              <a:t>33</a:t>
             </a:fld>
             <a:endParaRPr lang="en-US" dirty="0"/>
           </a:p>
@@ -26854,268 +26425,6 @@
     <p:extLst>
       <p:ext uri="{BB962C8B-B14F-4D97-AF65-F5344CB8AC3E}">
         <p14:creationId xmlns:p14="http://schemas.microsoft.com/office/powerpoint/2010/main" val="866809042"/>
-      </p:ext>
-    </p:extLst>
-  </p:cSld>
-  <p:clrMapOvr>
-    <a:masterClrMapping/>
-  </p:clrMapOvr>
-  <p:timing>
-    <p:tnLst>
-      <p:par>
-        <p:cTn xmlns:p14="http://schemas.microsoft.com/office/powerpoint/2010/main" id="1" dur="indefinite" restart="never" nodeType="tmRoot"/>
-      </p:par>
-    </p:tnLst>
-  </p:timing>
-</p:sld>
-</file>
-
-<file path=ppt/slides/slide33.xml><?xml version="1.0" encoding="utf-8"?>
-<p:sld xmlns:a="http://schemas.openxmlformats.org/drawingml/2006/main" xmlns:r="http://schemas.openxmlformats.org/officeDocument/2006/relationships" xmlns:p="http://schemas.openxmlformats.org/presentationml/2006/main">
-  <p:cSld>
-    <p:spTree>
-      <p:nvGrpSpPr>
-        <p:cNvPr id="1" name=""/>
-        <p:cNvGrpSpPr/>
-        <p:nvPr/>
-      </p:nvGrpSpPr>
-      <p:grpSpPr>
-        <a:xfrm>
-          <a:off x="0" y="0"/>
-          <a:ext cx="0" cy="0"/>
-          <a:chOff x="0" y="0"/>
-          <a:chExt cx="0" cy="0"/>
-        </a:xfrm>
-      </p:grpSpPr>
-      <p:sp>
-        <p:nvSpPr>
-          <p:cNvPr id="2" name="Title 1"/>
-          <p:cNvSpPr>
-            <a:spLocks noGrp="1"/>
-          </p:cNvSpPr>
-          <p:nvPr>
-            <p:ph type="title"/>
-          </p:nvPr>
-        </p:nvSpPr>
-        <p:spPr/>
-        <p:txBody>
-          <a:bodyPr/>
-          <a:lstStyle/>
-          <a:p>
-            <a:r>
-              <a:rPr lang="en-US" dirty="0" smtClean="0"/>
-              <a:t>Hi user!</a:t>
-            </a:r>
-            <a:endParaRPr lang="en-US" dirty="0"/>
-          </a:p>
-        </p:txBody>
-      </p:sp>
-      <p:sp>
-        <p:nvSpPr>
-          <p:cNvPr id="3" name="Content Placeholder 2"/>
-          <p:cNvSpPr>
-            <a:spLocks noGrp="1"/>
-          </p:cNvSpPr>
-          <p:nvPr>
-            <p:ph idx="1"/>
-          </p:nvPr>
-        </p:nvSpPr>
-        <p:spPr/>
-        <p:txBody>
-          <a:bodyPr/>
-          <a:lstStyle/>
-          <a:p>
-            <a:pPr marL="0" indent="0">
-              <a:buNone/>
-            </a:pPr>
-            <a:r>
-              <a:rPr lang="en-US" dirty="0" smtClean="0"/>
-              <a:t>[served by </a:t>
-            </a:r>
-            <a:r>
-              <a:rPr lang="en-US" i="1" dirty="0" smtClean="0"/>
-              <a:t>Authorization Server, </a:t>
-            </a:r>
-            <a:r>
-              <a:rPr lang="en-US" dirty="0" smtClean="0"/>
-              <a:t>not you]</a:t>
-            </a:r>
-            <a:endParaRPr lang="en-US" i="1" dirty="0" smtClean="0"/>
-          </a:p>
-          <a:p>
-            <a:pPr marL="0" indent="0">
-              <a:buNone/>
-            </a:pPr>
-            <a:endParaRPr lang="en-US" dirty="0"/>
-          </a:p>
-          <a:p>
-            <a:pPr marL="0" indent="0">
-              <a:buNone/>
-            </a:pPr>
-            <a:endParaRPr lang="en-US" dirty="0"/>
-          </a:p>
-        </p:txBody>
-      </p:sp>
-      <p:sp>
-        <p:nvSpPr>
-          <p:cNvPr id="4" name="Date Placeholder 3"/>
-          <p:cNvSpPr>
-            <a:spLocks noGrp="1"/>
-          </p:cNvSpPr>
-          <p:nvPr>
-            <p:ph type="dt" sz="half" idx="10"/>
-          </p:nvPr>
-        </p:nvSpPr>
-        <p:spPr/>
-        <p:txBody>
-          <a:bodyPr/>
-          <a:lstStyle/>
-          <a:p>
-            <a:fld id="{7053BEFA-1175-F644-B249-7D41D72BD3FF}" type="datetime1">
-              <a:rPr lang="en-US" smtClean="0"/>
-              <a:t>1/22/14</a:t>
-            </a:fld>
-            <a:endParaRPr lang="en-US"/>
-          </a:p>
-        </p:txBody>
-      </p:sp>
-      <p:sp>
-        <p:nvSpPr>
-          <p:cNvPr id="5" name="Footer Placeholder 4"/>
-          <p:cNvSpPr>
-            <a:spLocks noGrp="1"/>
-          </p:cNvSpPr>
-          <p:nvPr>
-            <p:ph type="ftr" sz="quarter" idx="11"/>
-          </p:nvPr>
-        </p:nvSpPr>
-        <p:spPr/>
-        <p:txBody>
-          <a:bodyPr/>
-          <a:lstStyle/>
-          <a:p>
-            <a:endParaRPr lang="en-US" dirty="0"/>
-          </a:p>
-        </p:txBody>
-      </p:sp>
-      <p:sp>
-        <p:nvSpPr>
-          <p:cNvPr id="6" name="Slide Number Placeholder 5"/>
-          <p:cNvSpPr>
-            <a:spLocks noGrp="1"/>
-          </p:cNvSpPr>
-          <p:nvPr>
-            <p:ph type="sldNum" sz="quarter" idx="12"/>
-          </p:nvPr>
-        </p:nvSpPr>
-        <p:spPr/>
-        <p:txBody>
-          <a:bodyPr/>
-          <a:lstStyle/>
-          <a:p>
-            <a:fld id="{17E276FA-8F89-B34D-A726-BE3FA1F8DD97}" type="slidenum">
-              <a:rPr lang="en-US" smtClean="0"/>
-              <a:t>33</a:t>
-            </a:fld>
-            <a:endParaRPr lang="en-US" dirty="0"/>
-          </a:p>
-        </p:txBody>
-      </p:sp>
-      <p:sp>
-        <p:nvSpPr>
-          <p:cNvPr id="7" name="Action Button: Custom 6">
-            <a:hlinkClick r:id="" action="ppaction://noaction" highlightClick="1"/>
-          </p:cNvPr>
-          <p:cNvSpPr/>
-          <p:nvPr/>
-        </p:nvSpPr>
-        <p:spPr>
-          <a:xfrm>
-            <a:off x="2895600" y="3352800"/>
-            <a:ext cx="2565400" cy="685800"/>
-          </a:xfrm>
-          <a:prstGeom prst="actionButtonBlank">
-            <a:avLst/>
-          </a:prstGeom>
-          <a:solidFill>
-            <a:schemeClr val="accent2"/>
-          </a:solidFill>
-        </p:spPr>
-        <p:style>
-          <a:lnRef idx="1">
-            <a:schemeClr val="accent2"/>
-          </a:lnRef>
-          <a:fillRef idx="3">
-            <a:schemeClr val="accent2"/>
-          </a:fillRef>
-          <a:effectRef idx="2">
-            <a:schemeClr val="accent2"/>
-          </a:effectRef>
-          <a:fontRef idx="minor">
-            <a:schemeClr val="lt1"/>
-          </a:fontRef>
-        </p:style>
-        <p:txBody>
-          <a:bodyPr rtlCol="0" anchor="ctr"/>
-          <a:lstStyle/>
-          <a:p>
-            <a:pPr algn="ctr"/>
-            <a:r>
-              <a:rPr lang="en-US" dirty="0" smtClean="0"/>
-              <a:t>Yes, I grant access</a:t>
-            </a:r>
-            <a:endParaRPr lang="en-US" dirty="0"/>
-          </a:p>
-        </p:txBody>
-      </p:sp>
-      <p:sp>
-        <p:nvSpPr>
-          <p:cNvPr id="8" name="Action Button: Custom 7">
-            <a:hlinkClick r:id="" action="ppaction://noaction" highlightClick="1"/>
-          </p:cNvPr>
-          <p:cNvSpPr/>
-          <p:nvPr/>
-        </p:nvSpPr>
-        <p:spPr>
-          <a:xfrm>
-            <a:off x="2895600" y="4241800"/>
-            <a:ext cx="2565400" cy="685800"/>
-          </a:xfrm>
-          <a:prstGeom prst="actionButtonBlank">
-            <a:avLst/>
-          </a:prstGeom>
-        </p:spPr>
-        <p:style>
-          <a:lnRef idx="1">
-            <a:schemeClr val="accent1"/>
-          </a:lnRef>
-          <a:fillRef idx="3">
-            <a:schemeClr val="accent1"/>
-          </a:fillRef>
-          <a:effectRef idx="2">
-            <a:schemeClr val="accent1"/>
-          </a:effectRef>
-          <a:fontRef idx="minor">
-            <a:schemeClr val="lt1"/>
-          </a:fontRef>
-        </p:style>
-        <p:txBody>
-          <a:bodyPr rtlCol="0" anchor="ctr"/>
-          <a:lstStyle/>
-          <a:p>
-            <a:pPr algn="ctr"/>
-            <a:r>
-              <a:rPr lang="en-US" dirty="0" smtClean="0"/>
-              <a:t>No, I don’t grant access</a:t>
-            </a:r>
-            <a:endParaRPr lang="en-US" dirty="0"/>
-          </a:p>
-        </p:txBody>
-      </p:sp>
-    </p:spTree>
-    <p:extLst>
-      <p:ext uri="{BB962C8B-B14F-4D97-AF65-F5344CB8AC3E}">
-        <p14:creationId xmlns:p14="http://schemas.microsoft.com/office/powerpoint/2010/main" val="429954321"/>
       </p:ext>
     </p:extLst>
   </p:cSld>
@@ -27166,16 +26475,54 @@
           <a:p>
             <a:r>
               <a:rPr lang="en-US" dirty="0" smtClean="0"/>
-              <a:t>Typical </a:t>
-            </a:r>
-            <a:r>
-              <a:rPr lang="en-US" dirty="0" err="1" smtClean="0"/>
-              <a:t>OAuth</a:t>
-            </a:r>
+              <a:t>Hi user!</a:t>
+            </a:r>
+            <a:endParaRPr lang="en-US" dirty="0"/>
+          </a:p>
+        </p:txBody>
+      </p:sp>
+      <p:sp>
+        <p:nvSpPr>
+          <p:cNvPr id="3" name="Content Placeholder 2"/>
+          <p:cNvSpPr>
+            <a:spLocks noGrp="1"/>
+          </p:cNvSpPr>
+          <p:nvPr>
+            <p:ph idx="1"/>
+          </p:nvPr>
+        </p:nvSpPr>
+        <p:spPr/>
+        <p:txBody>
+          <a:bodyPr/>
+          <a:lstStyle/>
+          <a:p>
+            <a:pPr marL="0" indent="0">
+              <a:buNone/>
+            </a:pPr>
             <a:r>
               <a:rPr lang="en-US" dirty="0" smtClean="0"/>
-              <a:t> 2.0 Flow</a:t>
-            </a:r>
+              <a:t>[served by </a:t>
+            </a:r>
+            <a:r>
+              <a:rPr lang="en-US" i="1" dirty="0" smtClean="0"/>
+              <a:t>Authorization Server, </a:t>
+            </a:r>
+            <a:r>
+              <a:rPr lang="en-US" dirty="0" smtClean="0"/>
+              <a:t>not you]</a:t>
+            </a:r>
+            <a:endParaRPr lang="en-US" i="1" dirty="0" smtClean="0"/>
+          </a:p>
+          <a:p>
+            <a:pPr marL="0" indent="0">
+              <a:buNone/>
+            </a:pPr>
+            <a:endParaRPr lang="en-US" dirty="0"/>
+          </a:p>
+          <a:p>
+            <a:pPr marL="0" indent="0">
+              <a:buNone/>
+            </a:pPr>
             <a:endParaRPr lang="en-US" dirty="0"/>
           </a:p>
         </p:txBody>
@@ -27197,7 +26544,7 @@
           <a:p>
             <a:fld id="{7053BEFA-1175-F644-B249-7D41D72BD3FF}" type="datetime1">
               <a:rPr lang="en-US" smtClean="0"/>
-              <a:t>1/22/14</a:t>
+              <a:t>1/26/14</a:t>
             </a:fld>
             <a:endParaRPr lang="en-US"/>
           </a:p>
@@ -27240,6 +26587,230 @@
             <a:fld id="{17E276FA-8F89-B34D-A726-BE3FA1F8DD97}" type="slidenum">
               <a:rPr lang="en-US" smtClean="0"/>
               <a:t>34</a:t>
+            </a:fld>
+            <a:endParaRPr lang="en-US" dirty="0"/>
+          </a:p>
+        </p:txBody>
+      </p:sp>
+      <p:sp>
+        <p:nvSpPr>
+          <p:cNvPr id="7" name="Action Button: Custom 6">
+            <a:hlinkClick r:id="" action="ppaction://noaction" highlightClick="1"/>
+          </p:cNvPr>
+          <p:cNvSpPr/>
+          <p:nvPr/>
+        </p:nvSpPr>
+        <p:spPr>
+          <a:xfrm>
+            <a:off x="2895600" y="3352800"/>
+            <a:ext cx="2565400" cy="685800"/>
+          </a:xfrm>
+          <a:prstGeom prst="actionButtonBlank">
+            <a:avLst/>
+          </a:prstGeom>
+          <a:solidFill>
+            <a:schemeClr val="accent2"/>
+          </a:solidFill>
+        </p:spPr>
+        <p:style>
+          <a:lnRef idx="1">
+            <a:schemeClr val="accent2"/>
+          </a:lnRef>
+          <a:fillRef idx="3">
+            <a:schemeClr val="accent2"/>
+          </a:fillRef>
+          <a:effectRef idx="2">
+            <a:schemeClr val="accent2"/>
+          </a:effectRef>
+          <a:fontRef idx="minor">
+            <a:schemeClr val="lt1"/>
+          </a:fontRef>
+        </p:style>
+        <p:txBody>
+          <a:bodyPr rtlCol="0" anchor="ctr"/>
+          <a:lstStyle/>
+          <a:p>
+            <a:pPr algn="ctr"/>
+            <a:r>
+              <a:rPr lang="en-US" dirty="0" smtClean="0"/>
+              <a:t>Yes, I grant access</a:t>
+            </a:r>
+            <a:endParaRPr lang="en-US" dirty="0"/>
+          </a:p>
+        </p:txBody>
+      </p:sp>
+      <p:sp>
+        <p:nvSpPr>
+          <p:cNvPr id="8" name="Action Button: Custom 7">
+            <a:hlinkClick r:id="" action="ppaction://noaction" highlightClick="1"/>
+          </p:cNvPr>
+          <p:cNvSpPr/>
+          <p:nvPr/>
+        </p:nvSpPr>
+        <p:spPr>
+          <a:xfrm>
+            <a:off x="2895600" y="4241800"/>
+            <a:ext cx="2565400" cy="685800"/>
+          </a:xfrm>
+          <a:prstGeom prst="actionButtonBlank">
+            <a:avLst/>
+          </a:prstGeom>
+        </p:spPr>
+        <p:style>
+          <a:lnRef idx="1">
+            <a:schemeClr val="accent1"/>
+          </a:lnRef>
+          <a:fillRef idx="3">
+            <a:schemeClr val="accent1"/>
+          </a:fillRef>
+          <a:effectRef idx="2">
+            <a:schemeClr val="accent1"/>
+          </a:effectRef>
+          <a:fontRef idx="minor">
+            <a:schemeClr val="lt1"/>
+          </a:fontRef>
+        </p:style>
+        <p:txBody>
+          <a:bodyPr rtlCol="0" anchor="ctr"/>
+          <a:lstStyle/>
+          <a:p>
+            <a:pPr algn="ctr"/>
+            <a:r>
+              <a:rPr lang="en-US" dirty="0" smtClean="0"/>
+              <a:t>No, I don’t grant access</a:t>
+            </a:r>
+            <a:endParaRPr lang="en-US" dirty="0"/>
+          </a:p>
+        </p:txBody>
+      </p:sp>
+    </p:spTree>
+    <p:extLst>
+      <p:ext uri="{BB962C8B-B14F-4D97-AF65-F5344CB8AC3E}">
+        <p14:creationId xmlns:p14="http://schemas.microsoft.com/office/powerpoint/2010/main" val="429954321"/>
+      </p:ext>
+    </p:extLst>
+  </p:cSld>
+  <p:clrMapOvr>
+    <a:masterClrMapping/>
+  </p:clrMapOvr>
+  <p:timing>
+    <p:tnLst>
+      <p:par>
+        <p:cTn xmlns:p14="http://schemas.microsoft.com/office/powerpoint/2010/main" id="1" dur="indefinite" restart="never" nodeType="tmRoot"/>
+      </p:par>
+    </p:tnLst>
+  </p:timing>
+</p:sld>
+</file>
+
+<file path=ppt/slides/slide35.xml><?xml version="1.0" encoding="utf-8"?>
+<p:sld xmlns:a="http://schemas.openxmlformats.org/drawingml/2006/main" xmlns:r="http://schemas.openxmlformats.org/officeDocument/2006/relationships" xmlns:p="http://schemas.openxmlformats.org/presentationml/2006/main">
+  <p:cSld>
+    <p:spTree>
+      <p:nvGrpSpPr>
+        <p:cNvPr id="1" name=""/>
+        <p:cNvGrpSpPr/>
+        <p:nvPr/>
+      </p:nvGrpSpPr>
+      <p:grpSpPr>
+        <a:xfrm>
+          <a:off x="0" y="0"/>
+          <a:ext cx="0" cy="0"/>
+          <a:chOff x="0" y="0"/>
+          <a:chExt cx="0" cy="0"/>
+        </a:xfrm>
+      </p:grpSpPr>
+      <p:sp>
+        <p:nvSpPr>
+          <p:cNvPr id="2" name="Title 1"/>
+          <p:cNvSpPr>
+            <a:spLocks noGrp="1"/>
+          </p:cNvSpPr>
+          <p:nvPr>
+            <p:ph type="title"/>
+          </p:nvPr>
+        </p:nvSpPr>
+        <p:spPr/>
+        <p:txBody>
+          <a:bodyPr/>
+          <a:lstStyle/>
+          <a:p>
+            <a:r>
+              <a:rPr lang="en-US" dirty="0" smtClean="0"/>
+              <a:t>Typical </a:t>
+            </a:r>
+            <a:r>
+              <a:rPr lang="en-US" dirty="0" err="1" smtClean="0"/>
+              <a:t>OAuth</a:t>
+            </a:r>
+            <a:r>
+              <a:rPr lang="en-US" dirty="0" smtClean="0"/>
+              <a:t> 2.0 Flow</a:t>
+            </a:r>
+            <a:endParaRPr lang="en-US" dirty="0"/>
+          </a:p>
+        </p:txBody>
+      </p:sp>
+      <p:sp>
+        <p:nvSpPr>
+          <p:cNvPr id="4" name="Date Placeholder 3"/>
+          <p:cNvSpPr>
+            <a:spLocks noGrp="1"/>
+          </p:cNvSpPr>
+          <p:nvPr>
+            <p:ph type="dt" sz="half" idx="10"/>
+          </p:nvPr>
+        </p:nvSpPr>
+        <p:spPr/>
+        <p:txBody>
+          <a:bodyPr/>
+          <a:lstStyle/>
+          <a:p>
+            <a:fld id="{7053BEFA-1175-F644-B249-7D41D72BD3FF}" type="datetime1">
+              <a:rPr lang="en-US" smtClean="0"/>
+              <a:t>1/26/14</a:t>
+            </a:fld>
+            <a:endParaRPr lang="en-US"/>
+          </a:p>
+        </p:txBody>
+      </p:sp>
+      <p:sp>
+        <p:nvSpPr>
+          <p:cNvPr id="5" name="Footer Placeholder 4"/>
+          <p:cNvSpPr>
+            <a:spLocks noGrp="1"/>
+          </p:cNvSpPr>
+          <p:nvPr>
+            <p:ph type="ftr" sz="quarter" idx="11"/>
+          </p:nvPr>
+        </p:nvSpPr>
+        <p:spPr/>
+        <p:txBody>
+          <a:bodyPr/>
+          <a:lstStyle/>
+          <a:p>
+            <a:endParaRPr lang="en-US" dirty="0"/>
+          </a:p>
+        </p:txBody>
+      </p:sp>
+      <p:sp>
+        <p:nvSpPr>
+          <p:cNvPr id="6" name="Slide Number Placeholder 5"/>
+          <p:cNvSpPr>
+            <a:spLocks noGrp="1"/>
+          </p:cNvSpPr>
+          <p:nvPr>
+            <p:ph type="sldNum" sz="quarter" idx="12"/>
+          </p:nvPr>
+        </p:nvSpPr>
+        <p:spPr/>
+        <p:txBody>
+          <a:bodyPr/>
+          <a:lstStyle/>
+          <a:p>
+            <a:fld id="{17E276FA-8F89-B34D-A726-BE3FA1F8DD97}" type="slidenum">
+              <a:rPr lang="en-US" smtClean="0"/>
+              <a:t>35</a:t>
             </a:fld>
             <a:endParaRPr lang="en-US" dirty="0"/>
           </a:p>
@@ -27592,7 +27163,7 @@
 </p:sld>
 </file>
 
-<file path=ppt/slides/slide35.xml><?xml version="1.0" encoding="utf-8"?>
+<file path=ppt/slides/slide36.xml><?xml version="1.0" encoding="utf-8"?>
 <p:sld xmlns:a="http://schemas.openxmlformats.org/drawingml/2006/main" xmlns:r="http://schemas.openxmlformats.org/officeDocument/2006/relationships" xmlns:p="http://schemas.openxmlformats.org/presentationml/2006/main">
   <p:cSld>
     <p:spTree>
@@ -27657,7 +27228,7 @@
           <a:p>
             <a:fld id="{7053BEFA-1175-F644-B249-7D41D72BD3FF}" type="datetime1">
               <a:rPr lang="en-US" smtClean="0"/>
-              <a:t>1/22/14</a:t>
+              <a:t>1/26/14</a:t>
             </a:fld>
             <a:endParaRPr lang="en-US"/>
           </a:p>
@@ -27699,7 +27270,7 @@
           <a:p>
             <a:fld id="{17E276FA-8F89-B34D-A726-BE3FA1F8DD97}" type="slidenum">
               <a:rPr lang="en-US" smtClean="0"/>
-              <a:t>35</a:t>
+              <a:t>36</a:t>
             </a:fld>
             <a:endParaRPr lang="en-US" dirty="0"/>
           </a:p>
@@ -28076,7 +27647,7 @@
 </p:sld>
 </file>
 
-<file path=ppt/slides/slide36.xml><?xml version="1.0" encoding="utf-8"?>
+<file path=ppt/slides/slide37.xml><?xml version="1.0" encoding="utf-8"?>
 <p:sld xmlns:a="http://schemas.openxmlformats.org/drawingml/2006/main" xmlns:r="http://schemas.openxmlformats.org/officeDocument/2006/relationships" xmlns:p="http://schemas.openxmlformats.org/presentationml/2006/main">
   <p:cSld>
     <p:spTree>
@@ -28141,7 +27712,7 @@
           <a:p>
             <a:fld id="{7053BEFA-1175-F644-B249-7D41D72BD3FF}" type="datetime1">
               <a:rPr lang="en-US" smtClean="0"/>
-              <a:t>1/23/14</a:t>
+              <a:t>1/26/14</a:t>
             </a:fld>
             <a:endParaRPr lang="en-US"/>
           </a:p>
@@ -28183,7 +27754,7 @@
           <a:p>
             <a:fld id="{17E276FA-8F89-B34D-A726-BE3FA1F8DD97}" type="slidenum">
               <a:rPr lang="en-US" smtClean="0"/>
-              <a:t>36</a:t>
+              <a:t>37</a:t>
             </a:fld>
             <a:endParaRPr lang="en-US" dirty="0"/>
           </a:p>
@@ -28554,7 +28125,7 @@
 </p:sld>
 </file>
 
-<file path=ppt/slides/slide37.xml><?xml version="1.0" encoding="utf-8"?>
+<file path=ppt/slides/slide38.xml><?xml version="1.0" encoding="utf-8"?>
 <p:sld xmlns:a="http://schemas.openxmlformats.org/drawingml/2006/main" xmlns:r="http://schemas.openxmlformats.org/officeDocument/2006/relationships" xmlns:p="http://schemas.openxmlformats.org/presentationml/2006/main">
   <p:cSld>
     <p:spTree>
@@ -28614,11 +28185,7 @@
             </a:pPr>
             <a:r>
               <a:rPr lang="en-US" dirty="0" smtClean="0"/>
-              <a:t>                   (1)</a:t>
-            </a:r>
-            <a:r>
-              <a:rPr lang="en-US" dirty="0" smtClean="0"/>
-              <a:t>	</a:t>
+              <a:t>                   (1)	</a:t>
             </a:r>
             <a:r>
               <a:rPr lang="en-US" dirty="0"/>
@@ -28626,13 +28193,8 @@
             </a:r>
             <a:r>
               <a:rPr lang="en-US" dirty="0" smtClean="0"/>
-              <a:t>		</a:t>
-            </a:r>
-            <a:r>
-              <a:rPr lang="en-US" dirty="0" smtClean="0"/>
-              <a:t>(1+)  </a:t>
-            </a:r>
-            <a:endParaRPr lang="en-US" dirty="0" smtClean="0"/>
+              <a:t>		(1+)  </a:t>
+            </a:r>
           </a:p>
           <a:p>
             <a:pPr marL="0" indent="0">
@@ -28679,7 +28241,7 @@
           <a:p>
             <a:fld id="{7053BEFA-1175-F644-B249-7D41D72BD3FF}" type="datetime1">
               <a:rPr lang="en-US" smtClean="0"/>
-              <a:t>1/23/14</a:t>
+              <a:t>1/26/14</a:t>
             </a:fld>
             <a:endParaRPr lang="en-US"/>
           </a:p>
@@ -28721,7 +28283,7 @@
           <a:p>
             <a:fld id="{17E276FA-8F89-B34D-A726-BE3FA1F8DD97}" type="slidenum">
               <a:rPr lang="en-US" smtClean="0"/>
-              <a:t>37</a:t>
+              <a:t>38</a:t>
             </a:fld>
             <a:endParaRPr lang="en-US" dirty="0"/>
           </a:p>
@@ -28857,7 +28419,7 @@
 </p:sld>
 </file>
 
-<file path=ppt/slides/slide38.xml><?xml version="1.0" encoding="utf-8"?>
+<file path=ppt/slides/slide39.xml><?xml version="1.0" encoding="utf-8"?>
 <p:sld xmlns:a="http://schemas.openxmlformats.org/drawingml/2006/main" xmlns:r="http://schemas.openxmlformats.org/officeDocument/2006/relationships" xmlns:p="http://schemas.openxmlformats.org/presentationml/2006/main">
   <p:cSld>
     <p:spTree>
@@ -28971,7 +28533,7 @@
           <a:p>
             <a:fld id="{7053BEFA-1175-F644-B249-7D41D72BD3FF}" type="datetime1">
               <a:rPr lang="en-US" smtClean="0"/>
-              <a:t>1/22/14</a:t>
+              <a:t>1/26/14</a:t>
             </a:fld>
             <a:endParaRPr lang="en-US"/>
           </a:p>
@@ -29013,7 +28575,7 @@
           <a:p>
             <a:fld id="{17E276FA-8F89-B34D-A726-BE3FA1F8DD97}" type="slidenum">
               <a:rPr lang="en-US" smtClean="0"/>
-              <a:t>38</a:t>
+              <a:t>39</a:t>
             </a:fld>
             <a:endParaRPr lang="en-US" dirty="0"/>
           </a:p>
@@ -29096,7 +28658,7 @@
           <a:p>
             <a:fld id="{111EEF3B-ABF2-AA4E-9E24-0C6256942674}" type="datetime1">
               <a:rPr lang="en-US" smtClean="0"/>
-              <a:t>1/22/14</a:t>
+              <a:t>1/26/14</a:t>
             </a:fld>
             <a:endParaRPr lang="en-US"/>
           </a:p>
@@ -29434,7 +28996,7 @@
           <a:p>
             <a:fld id="{111EEF3B-ABF2-AA4E-9E24-0C6256942674}" type="datetime1">
               <a:rPr lang="en-US" smtClean="0"/>
-              <a:t>1/22/14</a:t>
+              <a:t>1/26/14</a:t>
             </a:fld>
             <a:endParaRPr lang="en-US"/>
           </a:p>
@@ -32486,7 +32048,7 @@
           <a:p>
             <a:fld id="{7053BEFA-1175-F644-B249-7D41D72BD3FF}" type="datetime1">
               <a:rPr lang="en-US" smtClean="0"/>
-              <a:t>1/22/14</a:t>
+              <a:t>1/26/14</a:t>
             </a:fld>
             <a:endParaRPr lang="en-US"/>
           </a:p>
@@ -32794,7 +32356,7 @@
           <a:p>
             <a:fld id="{7053BEFA-1175-F644-B249-7D41D72BD3FF}" type="datetime1">
               <a:rPr lang="en-US" smtClean="0"/>
-              <a:t>1/22/14</a:t>
+              <a:t>1/26/14</a:t>
             </a:fld>
             <a:endParaRPr lang="en-US"/>
           </a:p>

--- a/Lectures/4 Acquiring.pptx
+++ b/Lectures/4 Acquiring.pptx
@@ -5,10 +5,10 @@
     <p:sldMasterId id="2147483648" r:id="rId1"/>
   </p:sldMasterIdLst>
   <p:notesMasterIdLst>
-    <p:notesMasterId r:id="rId39"/>
+    <p:notesMasterId r:id="rId43"/>
   </p:notesMasterIdLst>
   <p:handoutMasterIdLst>
-    <p:handoutMasterId r:id="rId40"/>
+    <p:handoutMasterId r:id="rId44"/>
   </p:handoutMasterIdLst>
   <p:sldIdLst>
     <p:sldId id="256" r:id="rId2"/>
@@ -21,33 +21,37 @@
     <p:sldId id="462" r:id="rId9"/>
     <p:sldId id="480" r:id="rId10"/>
     <p:sldId id="481" r:id="rId11"/>
-    <p:sldId id="451" r:id="rId12"/>
-    <p:sldId id="447" r:id="rId13"/>
-    <p:sldId id="440" r:id="rId14"/>
-    <p:sldId id="441" r:id="rId15"/>
-    <p:sldId id="445" r:id="rId16"/>
-    <p:sldId id="482" r:id="rId17"/>
-    <p:sldId id="436" r:id="rId18"/>
-    <p:sldId id="437" r:id="rId19"/>
-    <p:sldId id="444" r:id="rId20"/>
-    <p:sldId id="438" r:id="rId21"/>
-    <p:sldId id="439" r:id="rId22"/>
-    <p:sldId id="483" r:id="rId23"/>
-    <p:sldId id="484" r:id="rId24"/>
-    <p:sldId id="485" r:id="rId25"/>
-    <p:sldId id="486" r:id="rId26"/>
-    <p:sldId id="487" r:id="rId27"/>
-    <p:sldId id="488" r:id="rId28"/>
-    <p:sldId id="489" r:id="rId29"/>
-    <p:sldId id="490" r:id="rId30"/>
-    <p:sldId id="491" r:id="rId31"/>
-    <p:sldId id="492" r:id="rId32"/>
-    <p:sldId id="493" r:id="rId33"/>
-    <p:sldId id="494" r:id="rId34"/>
-    <p:sldId id="495" r:id="rId35"/>
-    <p:sldId id="496" r:id="rId36"/>
-    <p:sldId id="497" r:id="rId37"/>
-    <p:sldId id="479" r:id="rId38"/>
+    <p:sldId id="501" r:id="rId12"/>
+    <p:sldId id="502" r:id="rId13"/>
+    <p:sldId id="503" r:id="rId14"/>
+    <p:sldId id="504" r:id="rId15"/>
+    <p:sldId id="451" r:id="rId16"/>
+    <p:sldId id="447" r:id="rId17"/>
+    <p:sldId id="440" r:id="rId18"/>
+    <p:sldId id="441" r:id="rId19"/>
+    <p:sldId id="445" r:id="rId20"/>
+    <p:sldId id="482" r:id="rId21"/>
+    <p:sldId id="436" r:id="rId22"/>
+    <p:sldId id="437" r:id="rId23"/>
+    <p:sldId id="444" r:id="rId24"/>
+    <p:sldId id="438" r:id="rId25"/>
+    <p:sldId id="439" r:id="rId26"/>
+    <p:sldId id="483" r:id="rId27"/>
+    <p:sldId id="484" r:id="rId28"/>
+    <p:sldId id="485" r:id="rId29"/>
+    <p:sldId id="486" r:id="rId30"/>
+    <p:sldId id="487" r:id="rId31"/>
+    <p:sldId id="488" r:id="rId32"/>
+    <p:sldId id="489" r:id="rId33"/>
+    <p:sldId id="490" r:id="rId34"/>
+    <p:sldId id="491" r:id="rId35"/>
+    <p:sldId id="492" r:id="rId36"/>
+    <p:sldId id="493" r:id="rId37"/>
+    <p:sldId id="494" r:id="rId38"/>
+    <p:sldId id="495" r:id="rId39"/>
+    <p:sldId id="496" r:id="rId40"/>
+    <p:sldId id="497" r:id="rId41"/>
+    <p:sldId id="479" r:id="rId42"/>
   </p:sldIdLst>
   <p:sldSz cx="9144000" cy="6858000" type="screen4x3"/>
   <p:notesSz cx="6858000" cy="9144000"/>
@@ -263,11 +267,11 @@
           <c:showBubbleSize val="0"/>
         </c:dLbls>
         <c:gapWidth val="150"/>
-        <c:axId val="-2117940264"/>
-        <c:axId val="-2117821880"/>
+        <c:axId val="-2090802488"/>
+        <c:axId val="-2090776456"/>
       </c:barChart>
       <c:catAx>
-        <c:axId val="-2117940264"/>
+        <c:axId val="-2090802488"/>
         <c:scaling>
           <c:orientation val="minMax"/>
         </c:scaling>
@@ -277,7 +281,7 @@
         <c:majorTickMark val="out"/>
         <c:minorTickMark val="none"/>
         <c:tickLblPos val="nextTo"/>
-        <c:crossAx val="-2117821880"/>
+        <c:crossAx val="-2090776456"/>
         <c:crosses val="autoZero"/>
         <c:auto val="1"/>
         <c:lblAlgn val="ctr"/>
@@ -285,7 +289,7 @@
         <c:noMultiLvlLbl val="0"/>
       </c:catAx>
       <c:valAx>
-        <c:axId val="-2117821880"/>
+        <c:axId val="-2090776456"/>
         <c:scaling>
           <c:orientation val="minMax"/>
         </c:scaling>
@@ -296,7 +300,7 @@
         <c:majorTickMark val="out"/>
         <c:minorTickMark val="none"/>
         <c:tickLblPos val="nextTo"/>
-        <c:crossAx val="-2117940264"/>
+        <c:crossAx val="-2090802488"/>
         <c:crosses val="autoZero"/>
         <c:crossBetween val="between"/>
       </c:valAx>
@@ -441,11 +445,11 @@
           <c:showBubbleSize val="0"/>
         </c:dLbls>
         <c:gapWidth val="150"/>
-        <c:axId val="-2147454168"/>
-        <c:axId val="-2146909944"/>
+        <c:axId val="-2062836888"/>
+        <c:axId val="-2063530984"/>
       </c:barChart>
       <c:catAx>
-        <c:axId val="-2147454168"/>
+        <c:axId val="-2062836888"/>
         <c:scaling>
           <c:orientation val="minMax"/>
         </c:scaling>
@@ -455,7 +459,7 @@
         <c:majorTickMark val="out"/>
         <c:minorTickMark val="none"/>
         <c:tickLblPos val="nextTo"/>
-        <c:crossAx val="-2146909944"/>
+        <c:crossAx val="-2063530984"/>
         <c:crosses val="autoZero"/>
         <c:auto val="1"/>
         <c:lblAlgn val="ctr"/>
@@ -463,7 +467,7 @@
         <c:noMultiLvlLbl val="0"/>
       </c:catAx>
       <c:valAx>
-        <c:axId val="-2146909944"/>
+        <c:axId val="-2063530984"/>
         <c:scaling>
           <c:orientation val="minMax"/>
         </c:scaling>
@@ -474,7 +478,7 @@
         <c:majorTickMark val="out"/>
         <c:minorTickMark val="none"/>
         <c:tickLblPos val="nextTo"/>
-        <c:crossAx val="-2147454168"/>
+        <c:crossAx val="-2062836888"/>
         <c:crosses val="autoZero"/>
         <c:crossBetween val="between"/>
       </c:valAx>
@@ -618,11 +622,11 @@
           <c:showBubbleSize val="0"/>
         </c:dLbls>
         <c:gapWidth val="150"/>
-        <c:axId val="2135064600"/>
-        <c:axId val="-2146083192"/>
+        <c:axId val="-2059628792"/>
+        <c:axId val="-2059583592"/>
       </c:barChart>
       <c:catAx>
-        <c:axId val="2135064600"/>
+        <c:axId val="-2059628792"/>
         <c:scaling>
           <c:orientation val="minMax"/>
         </c:scaling>
@@ -632,7 +636,7 @@
         <c:majorTickMark val="out"/>
         <c:minorTickMark val="none"/>
         <c:tickLblPos val="nextTo"/>
-        <c:crossAx val="-2146083192"/>
+        <c:crossAx val="-2059583592"/>
         <c:crosses val="autoZero"/>
         <c:auto val="1"/>
         <c:lblAlgn val="ctr"/>
@@ -640,7 +644,7 @@
         <c:noMultiLvlLbl val="0"/>
       </c:catAx>
       <c:valAx>
-        <c:axId val="-2146083192"/>
+        <c:axId val="-2059583592"/>
         <c:scaling>
           <c:orientation val="minMax"/>
         </c:scaling>
@@ -651,7 +655,7 @@
         <c:majorTickMark val="out"/>
         <c:minorTickMark val="none"/>
         <c:tickLblPos val="nextTo"/>
-        <c:crossAx val="2135064600"/>
+        <c:crossAx val="-2059628792"/>
         <c:crosses val="autoZero"/>
         <c:crossBetween val="between"/>
       </c:valAx>
@@ -790,11 +794,11 @@
           <c:showBubbleSize val="0"/>
         </c:dLbls>
         <c:gapWidth val="150"/>
-        <c:axId val="-2119682840"/>
-        <c:axId val="-2119199336"/>
+        <c:axId val="-2059861288"/>
+        <c:axId val="-2059858280"/>
       </c:barChart>
       <c:catAx>
-        <c:axId val="-2119682840"/>
+        <c:axId val="-2059861288"/>
         <c:scaling>
           <c:orientation val="minMax"/>
         </c:scaling>
@@ -804,7 +808,7 @@
         <c:majorTickMark val="out"/>
         <c:minorTickMark val="none"/>
         <c:tickLblPos val="nextTo"/>
-        <c:crossAx val="-2119199336"/>
+        <c:crossAx val="-2059858280"/>
         <c:crosses val="autoZero"/>
         <c:auto val="1"/>
         <c:lblAlgn val="ctr"/>
@@ -812,7 +816,7 @@
         <c:noMultiLvlLbl val="0"/>
       </c:catAx>
       <c:valAx>
-        <c:axId val="-2119199336"/>
+        <c:axId val="-2059858280"/>
         <c:scaling>
           <c:orientation val="minMax"/>
         </c:scaling>
@@ -823,7 +827,7 @@
         <c:majorTickMark val="out"/>
         <c:minorTickMark val="none"/>
         <c:tickLblPos val="nextTo"/>
-        <c:crossAx val="-2119682840"/>
+        <c:crossAx val="-2059861288"/>
         <c:crosses val="autoZero"/>
         <c:crossBetween val="between"/>
       </c:valAx>
@@ -967,11 +971,11 @@
           <c:showBubbleSize val="0"/>
         </c:dLbls>
         <c:gapWidth val="150"/>
-        <c:axId val="-2116800184"/>
-        <c:axId val="-2116832072"/>
+        <c:axId val="-2059883512"/>
+        <c:axId val="-2059889192"/>
       </c:barChart>
       <c:catAx>
-        <c:axId val="-2116800184"/>
+        <c:axId val="-2059883512"/>
         <c:scaling>
           <c:orientation val="minMax"/>
         </c:scaling>
@@ -981,7 +985,7 @@
         <c:majorTickMark val="out"/>
         <c:minorTickMark val="none"/>
         <c:tickLblPos val="nextTo"/>
-        <c:crossAx val="-2116832072"/>
+        <c:crossAx val="-2059889192"/>
         <c:crosses val="autoZero"/>
         <c:auto val="1"/>
         <c:lblAlgn val="ctr"/>
@@ -989,7 +993,7 @@
         <c:noMultiLvlLbl val="0"/>
       </c:catAx>
       <c:valAx>
-        <c:axId val="-2116832072"/>
+        <c:axId val="-2059889192"/>
         <c:scaling>
           <c:orientation val="minMax"/>
         </c:scaling>
@@ -1000,7 +1004,7 @@
         <c:majorTickMark val="out"/>
         <c:minorTickMark val="none"/>
         <c:tickLblPos val="nextTo"/>
-        <c:crossAx val="-2116800184"/>
+        <c:crossAx val="-2059883512"/>
         <c:crosses val="autoZero"/>
         <c:crossBetween val="between"/>
       </c:valAx>
@@ -1107,7 +1111,7 @@
           <a:p>
             <a:fld id="{D3AAB66F-B1B7-D045-B4E8-4F60236F228D}" type="datetimeFigureOut">
               <a:rPr lang="en-US" smtClean="0"/>
-              <a:t>1/20/15</a:t>
+              <a:t>1/25/15</a:t>
             </a:fld>
             <a:endParaRPr lang="en-US"/>
           </a:p>
@@ -1273,7 +1277,7 @@
           <a:p>
             <a:fld id="{BCCF8E76-06A6-164E-A6FA-EC32C13EB232}" type="datetimeFigureOut">
               <a:rPr lang="en-US" smtClean="0"/>
-              <a:t>1/20/15</a:t>
+              <a:t>1/25/15</a:t>
             </a:fld>
             <a:endParaRPr lang="en-US"/>
           </a:p>
@@ -1701,14 +1705,6 @@
           <a:bodyPr/>
           <a:lstStyle/>
           <a:p>
-            <a:r>
-              <a:rPr lang="en-US" dirty="0" smtClean="0"/>
-              <a:t>What dimension matters here? How chronic their illness</a:t>
-            </a:r>
-            <a:r>
-              <a:rPr lang="en-US" baseline="0" dirty="0" smtClean="0"/>
-              <a:t> is!</a:t>
-            </a:r>
             <a:endParaRPr lang="en-US" dirty="0"/>
           </a:p>
         </p:txBody>
@@ -1730,7 +1726,7 @@
           <a:p>
             <a:fld id="{01E1901B-601C-024E-95CE-E29C7123EE44}" type="slidenum">
               <a:rPr lang="en-US" smtClean="0"/>
-              <a:t>15</a:t>
+              <a:t>18</a:t>
             </a:fld>
             <a:endParaRPr lang="en-US"/>
           </a:p>
@@ -1793,19 +1789,15 @@
           <a:bodyPr/>
           <a:lstStyle/>
           <a:p>
-            <a:endParaRPr lang="en-US"/>
-          </a:p>
-          <a:p>
-            <a:r>
-              <a:rPr lang="en-US"/>
-              <a:t>----- Meeting Notes (1/22/15 10:04) -----</a:t>
-            </a:r>
-          </a:p>
-          <a:p>
-            <a:r>
-              <a:rPr lang="en-US"/>
-              <a:t>multiple samples</a:t>
-            </a:r>
+            <a:r>
+              <a:rPr lang="en-US" dirty="0" smtClean="0"/>
+              <a:t>What dimension matters here? How chronic their illness</a:t>
+            </a:r>
+            <a:r>
+              <a:rPr lang="en-US" baseline="0" dirty="0" smtClean="0"/>
+              <a:t> is!</a:t>
+            </a:r>
+            <a:endParaRPr lang="en-US" dirty="0"/>
           </a:p>
         </p:txBody>
       </p:sp>
@@ -1824,9 +1816,9 @@
           <a:bodyPr/>
           <a:lstStyle/>
           <a:p>
-            <a:fld id="{FD66F34B-9C4D-8640-BB34-4C24A79C9FFB}" type="slidenum">
+            <a:fld id="{01E1901B-601C-024E-95CE-E29C7123EE44}" type="slidenum">
               <a:rPr lang="en-US" smtClean="0"/>
-              <a:t>16</a:t>
+              <a:t>19</a:t>
             </a:fld>
             <a:endParaRPr lang="en-US"/>
           </a:p>
@@ -1835,7 +1827,7 @@
     </p:spTree>
     <p:extLst>
       <p:ext uri="{BB962C8B-B14F-4D97-AF65-F5344CB8AC3E}">
-        <p14:creationId xmlns:p14="http://schemas.microsoft.com/office/powerpoint/2010/main" val="2591332674"/>
+        <p14:creationId xmlns:p14="http://schemas.microsoft.com/office/powerpoint/2010/main" val="3175656336"/>
       </p:ext>
     </p:extLst>
   </p:cSld>
@@ -1889,7 +1881,19 @@
           <a:bodyPr/>
           <a:lstStyle/>
           <a:p>
-            <a:endParaRPr lang="en-US" dirty="0"/>
+            <a:endParaRPr lang="en-US"/>
+          </a:p>
+          <a:p>
+            <a:r>
+              <a:rPr lang="en-US"/>
+              <a:t>----- Meeting Notes (1/22/15 10:04) -----</a:t>
+            </a:r>
+          </a:p>
+          <a:p>
+            <a:r>
+              <a:rPr lang="en-US"/>
+              <a:t>multiple samples</a:t>
+            </a:r>
           </a:p>
         </p:txBody>
       </p:sp>
@@ -1908,9 +1912,9 @@
           <a:bodyPr/>
           <a:lstStyle/>
           <a:p>
-            <a:fld id="{01E1901B-601C-024E-95CE-E29C7123EE44}" type="slidenum">
+            <a:fld id="{FD66F34B-9C4D-8640-BB34-4C24A79C9FFB}" type="slidenum">
               <a:rPr lang="en-US" smtClean="0"/>
-              <a:t>17</a:t>
+              <a:t>20</a:t>
             </a:fld>
             <a:endParaRPr lang="en-US"/>
           </a:p>
@@ -1919,7 +1923,7 @@
     </p:spTree>
     <p:extLst>
       <p:ext uri="{BB962C8B-B14F-4D97-AF65-F5344CB8AC3E}">
-        <p14:creationId xmlns:p14="http://schemas.microsoft.com/office/powerpoint/2010/main" val="3175656336"/>
+        <p14:creationId xmlns:p14="http://schemas.microsoft.com/office/powerpoint/2010/main" val="2591332674"/>
       </p:ext>
     </p:extLst>
   </p:cSld>
@@ -1994,7 +1998,7 @@
           <a:p>
             <a:fld id="{01E1901B-601C-024E-95CE-E29C7123EE44}" type="slidenum">
               <a:rPr lang="en-US" smtClean="0"/>
-              <a:t>18</a:t>
+              <a:t>21</a:t>
             </a:fld>
             <a:endParaRPr lang="en-US"/>
           </a:p>
@@ -2057,10 +2061,6 @@
           <a:bodyPr/>
           <a:lstStyle/>
           <a:p>
-            <a:r>
-              <a:rPr lang="en-US" dirty="0" smtClean="0"/>
-              <a:t>Bias in your sample…</a:t>
-            </a:r>
             <a:endParaRPr lang="en-US" dirty="0"/>
           </a:p>
         </p:txBody>
@@ -2080,9 +2080,9 @@
           <a:bodyPr/>
           <a:lstStyle/>
           <a:p>
-            <a:fld id="{FD66F34B-9C4D-8640-BB34-4C24A79C9FFB}" type="slidenum">
+            <a:fld id="{01E1901B-601C-024E-95CE-E29C7123EE44}" type="slidenum">
               <a:rPr lang="en-US" smtClean="0"/>
-              <a:t>19</a:t>
+              <a:t>22</a:t>
             </a:fld>
             <a:endParaRPr lang="en-US"/>
           </a:p>
@@ -2091,7 +2091,7 @@
     </p:spTree>
     <p:extLst>
       <p:ext uri="{BB962C8B-B14F-4D97-AF65-F5344CB8AC3E}">
-        <p14:creationId xmlns:p14="http://schemas.microsoft.com/office/powerpoint/2010/main" val="2174548988"/>
+        <p14:creationId xmlns:p14="http://schemas.microsoft.com/office/powerpoint/2010/main" val="3175656336"/>
       </p:ext>
     </p:extLst>
   </p:cSld>
@@ -2147,7 +2147,7 @@
           <a:p>
             <a:r>
               <a:rPr lang="en-US" dirty="0" smtClean="0"/>
-              <a:t>What does this tell us about the 5,000 person sample (if estimates are correct?)</a:t>
+              <a:t>Bias in your sample…</a:t>
             </a:r>
             <a:endParaRPr lang="en-US" dirty="0"/>
           </a:p>
@@ -2168,9 +2168,9 @@
           <a:bodyPr/>
           <a:lstStyle/>
           <a:p>
-            <a:fld id="{01E1901B-601C-024E-95CE-E29C7123EE44}" type="slidenum">
+            <a:fld id="{FD66F34B-9C4D-8640-BB34-4C24A79C9FFB}" type="slidenum">
               <a:rPr lang="en-US" smtClean="0"/>
-              <a:t>20</a:t>
+              <a:t>23</a:t>
             </a:fld>
             <a:endParaRPr lang="en-US"/>
           </a:p>
@@ -2179,7 +2179,7 @@
     </p:spTree>
     <p:extLst>
       <p:ext uri="{BB962C8B-B14F-4D97-AF65-F5344CB8AC3E}">
-        <p14:creationId xmlns:p14="http://schemas.microsoft.com/office/powerpoint/2010/main" val="3175656336"/>
+        <p14:creationId xmlns:p14="http://schemas.microsoft.com/office/powerpoint/2010/main" val="2174548988"/>
       </p:ext>
     </p:extLst>
   </p:cSld>
@@ -2233,6 +2233,10 @@
           <a:bodyPr/>
           <a:lstStyle/>
           <a:p>
+            <a:r>
+              <a:rPr lang="en-US" dirty="0" smtClean="0"/>
+              <a:t>What does this tell us about the 5,000 person sample (if estimates are correct?)</a:t>
+            </a:r>
             <a:endParaRPr lang="en-US" dirty="0"/>
           </a:p>
         </p:txBody>
@@ -2254,7 +2258,7 @@
           <a:p>
             <a:fld id="{01E1901B-601C-024E-95CE-E29C7123EE44}" type="slidenum">
               <a:rPr lang="en-US" smtClean="0"/>
-              <a:t>21</a:t>
+              <a:t>24</a:t>
             </a:fld>
             <a:endParaRPr lang="en-US"/>
           </a:p>
@@ -2274,6 +2278,90 @@
 </file>
 
 <file path=ppt/notesSlides/notesSlide17.xml><?xml version="1.0" encoding="utf-8"?>
+<p:notes xmlns:a="http://schemas.openxmlformats.org/drawingml/2006/main" xmlns:r="http://schemas.openxmlformats.org/officeDocument/2006/relationships" xmlns:p="http://schemas.openxmlformats.org/presentationml/2006/main">
+  <p:cSld>
+    <p:spTree>
+      <p:nvGrpSpPr>
+        <p:cNvPr id="1" name=""/>
+        <p:cNvGrpSpPr/>
+        <p:nvPr/>
+      </p:nvGrpSpPr>
+      <p:grpSpPr>
+        <a:xfrm>
+          <a:off x="0" y="0"/>
+          <a:ext cx="0" cy="0"/>
+          <a:chOff x="0" y="0"/>
+          <a:chExt cx="0" cy="0"/>
+        </a:xfrm>
+      </p:grpSpPr>
+      <p:sp>
+        <p:nvSpPr>
+          <p:cNvPr id="2" name="Slide Image Placeholder 1"/>
+          <p:cNvSpPr>
+            <a:spLocks noGrp="1" noRot="1" noChangeAspect="1"/>
+          </p:cNvSpPr>
+          <p:nvPr>
+            <p:ph type="sldImg"/>
+          </p:nvPr>
+        </p:nvSpPr>
+        <p:spPr/>
+      </p:sp>
+      <p:sp>
+        <p:nvSpPr>
+          <p:cNvPr id="3" name="Notes Placeholder 2"/>
+          <p:cNvSpPr>
+            <a:spLocks noGrp="1"/>
+          </p:cNvSpPr>
+          <p:nvPr>
+            <p:ph type="body" idx="1"/>
+          </p:nvPr>
+        </p:nvSpPr>
+        <p:spPr/>
+        <p:txBody>
+          <a:bodyPr/>
+          <a:lstStyle/>
+          <a:p>
+            <a:endParaRPr lang="en-US" dirty="0"/>
+          </a:p>
+        </p:txBody>
+      </p:sp>
+      <p:sp>
+        <p:nvSpPr>
+          <p:cNvPr id="4" name="Slide Number Placeholder 3"/>
+          <p:cNvSpPr>
+            <a:spLocks noGrp="1"/>
+          </p:cNvSpPr>
+          <p:nvPr>
+            <p:ph type="sldNum" sz="quarter" idx="10"/>
+          </p:nvPr>
+        </p:nvSpPr>
+        <p:spPr/>
+        <p:txBody>
+          <a:bodyPr/>
+          <a:lstStyle/>
+          <a:p>
+            <a:fld id="{01E1901B-601C-024E-95CE-E29C7123EE44}" type="slidenum">
+              <a:rPr lang="en-US" smtClean="0"/>
+              <a:t>25</a:t>
+            </a:fld>
+            <a:endParaRPr lang="en-US"/>
+          </a:p>
+        </p:txBody>
+      </p:sp>
+    </p:spTree>
+    <p:extLst>
+      <p:ext uri="{BB962C8B-B14F-4D97-AF65-F5344CB8AC3E}">
+        <p14:creationId xmlns:p14="http://schemas.microsoft.com/office/powerpoint/2010/main" val="3175656336"/>
+      </p:ext>
+    </p:extLst>
+  </p:cSld>
+  <p:clrMapOvr>
+    <a:masterClrMapping/>
+  </p:clrMapOvr>
+</p:notes>
+</file>
+
+<file path=ppt/notesSlides/notesSlide18.xml><?xml version="1.0" encoding="utf-8"?>
 <p:notes xmlns:a="http://schemas.openxmlformats.org/drawingml/2006/main" xmlns:r="http://schemas.openxmlformats.org/officeDocument/2006/relationships" xmlns:p="http://schemas.openxmlformats.org/presentationml/2006/main">
   <p:cSld>
     <p:spTree>
@@ -2484,7 +2572,7 @@
                 <a:latin typeface="Times New Roman" panose="02020603050405020304" pitchFamily="18" charset="0"/>
               </a:rPr>
               <a:pPr/>
-              <a:t>23</a:t>
+              <a:t>27</a:t>
             </a:fld>
             <a:endParaRPr lang="en-US">
               <a:latin typeface="Times New Roman" panose="02020603050405020304" pitchFamily="18" charset="0"/>
@@ -2505,7 +2593,7 @@
 </p:notes>
 </file>
 
-<file path=ppt/notesSlides/notesSlide18.xml><?xml version="1.0" encoding="utf-8"?>
+<file path=ppt/notesSlides/notesSlide19.xml><?xml version="1.0" encoding="utf-8"?>
 <p:notes xmlns:a="http://schemas.openxmlformats.org/drawingml/2006/main" xmlns:r="http://schemas.openxmlformats.org/officeDocument/2006/relationships" xmlns:p="http://schemas.openxmlformats.org/presentationml/2006/main">
   <p:cSld>
     <p:spTree>
@@ -2716,7 +2804,7 @@
                 <a:latin typeface="Times New Roman" panose="02020603050405020304" pitchFamily="18" charset="0"/>
               </a:rPr>
               <a:pPr/>
-              <a:t>24</a:t>
+              <a:t>28</a:t>
             </a:fld>
             <a:endParaRPr lang="en-US">
               <a:latin typeface="Times New Roman" panose="02020603050405020304" pitchFamily="18" charset="0"/>
@@ -2737,7 +2825,119 @@
 </p:notes>
 </file>
 
-<file path=ppt/notesSlides/notesSlide19.xml><?xml version="1.0" encoding="utf-8"?>
+<file path=ppt/notesSlides/notesSlide2.xml><?xml version="1.0" encoding="utf-8"?>
+<p:notes xmlns:a="http://schemas.openxmlformats.org/drawingml/2006/main" xmlns:r="http://schemas.openxmlformats.org/officeDocument/2006/relationships" xmlns:p="http://schemas.openxmlformats.org/presentationml/2006/main">
+  <p:cSld>
+    <p:spTree>
+      <p:nvGrpSpPr>
+        <p:cNvPr id="1" name=""/>
+        <p:cNvGrpSpPr/>
+        <p:nvPr/>
+      </p:nvGrpSpPr>
+      <p:grpSpPr>
+        <a:xfrm>
+          <a:off x="0" y="0"/>
+          <a:ext cx="0" cy="0"/>
+          <a:chOff x="0" y="0"/>
+          <a:chExt cx="0" cy="0"/>
+        </a:xfrm>
+      </p:grpSpPr>
+      <p:sp>
+        <p:nvSpPr>
+          <p:cNvPr id="2" name="Slide Image Placeholder 1"/>
+          <p:cNvSpPr>
+            <a:spLocks noGrp="1" noRot="1" noChangeAspect="1"/>
+          </p:cNvSpPr>
+          <p:nvPr>
+            <p:ph type="sldImg"/>
+          </p:nvPr>
+        </p:nvSpPr>
+        <p:spPr/>
+      </p:sp>
+      <p:sp>
+        <p:nvSpPr>
+          <p:cNvPr id="3" name="Notes Placeholder 2"/>
+          <p:cNvSpPr>
+            <a:spLocks noGrp="1"/>
+          </p:cNvSpPr>
+          <p:nvPr>
+            <p:ph type="body" idx="1"/>
+          </p:nvPr>
+        </p:nvSpPr>
+        <p:spPr/>
+        <p:txBody>
+          <a:bodyPr/>
+          <a:lstStyle/>
+          <a:p>
+            <a:r>
+              <a:rPr lang="en-US" dirty="0" smtClean="0"/>
+              <a:t>Examples of what this could be?</a:t>
+            </a:r>
+          </a:p>
+          <a:p>
+            <a:endParaRPr lang="en-US" dirty="0" smtClean="0"/>
+          </a:p>
+          <a:p>
+            <a:r>
+              <a:rPr lang="en-US" dirty="0" smtClean="0"/>
+              <a:t>‘response’ is the data they generate</a:t>
+            </a:r>
+          </a:p>
+          <a:p>
+            <a:r>
+              <a:rPr lang="en-US" dirty="0" smtClean="0"/>
+              <a:t>‘statistic’ is a measure of that variable </a:t>
+            </a:r>
+            <a:r>
+              <a:rPr lang="en-US" baseline="0" dirty="0" smtClean="0"/>
+              <a:t>across the entire sample</a:t>
+            </a:r>
+          </a:p>
+          <a:p>
+            <a:r>
+              <a:rPr lang="en-US" baseline="0" dirty="0" smtClean="0"/>
+              <a:t>‘parameter’ is a a measure of that variable across the entire population</a:t>
+            </a:r>
+          </a:p>
+        </p:txBody>
+      </p:sp>
+      <p:sp>
+        <p:nvSpPr>
+          <p:cNvPr id="4" name="Slide Number Placeholder 3"/>
+          <p:cNvSpPr>
+            <a:spLocks noGrp="1"/>
+          </p:cNvSpPr>
+          <p:nvPr>
+            <p:ph type="sldNum" sz="quarter" idx="10"/>
+          </p:nvPr>
+        </p:nvSpPr>
+        <p:spPr/>
+        <p:txBody>
+          <a:bodyPr/>
+          <a:lstStyle/>
+          <a:p>
+            <a:fld id="{FD66F34B-9C4D-8640-BB34-4C24A79C9FFB}" type="slidenum">
+              <a:rPr lang="en-US" smtClean="0"/>
+              <a:t>7</a:t>
+            </a:fld>
+            <a:endParaRPr lang="en-US"/>
+          </a:p>
+        </p:txBody>
+      </p:sp>
+    </p:spTree>
+    <p:extLst>
+      <p:ext uri="{BB962C8B-B14F-4D97-AF65-F5344CB8AC3E}">
+        <p14:creationId xmlns:p14="http://schemas.microsoft.com/office/powerpoint/2010/main" val="2174548988"/>
+      </p:ext>
+    </p:extLst>
+  </p:cSld>
+  <p:clrMapOvr>
+    <a:masterClrMapping/>
+  </p:clrMapOvr>
+</p:notes>
+</file>
+
+<file path=ppt/notesSlides/notesSlide20.xml><?xml version="1.0" encoding="utf-8"?>
 <p:notes xmlns:a="http://schemas.openxmlformats.org/drawingml/2006/main" xmlns:r="http://schemas.openxmlformats.org/officeDocument/2006/relationships" xmlns:p="http://schemas.openxmlformats.org/presentationml/2006/main">
   <p:cSld>
     <p:spTree>
@@ -2948,7 +3148,7 @@
                 <a:latin typeface="Times New Roman" panose="02020603050405020304" pitchFamily="18" charset="0"/>
               </a:rPr>
               <a:pPr/>
-              <a:t>25</a:t>
+              <a:t>29</a:t>
             </a:fld>
             <a:endParaRPr lang="en-US">
               <a:latin typeface="Times New Roman" panose="02020603050405020304" pitchFamily="18" charset="0"/>
@@ -2969,119 +3169,7 @@
 </p:notes>
 </file>
 
-<file path=ppt/notesSlides/notesSlide2.xml><?xml version="1.0" encoding="utf-8"?>
-<p:notes xmlns:a="http://schemas.openxmlformats.org/drawingml/2006/main" xmlns:r="http://schemas.openxmlformats.org/officeDocument/2006/relationships" xmlns:p="http://schemas.openxmlformats.org/presentationml/2006/main">
-  <p:cSld>
-    <p:spTree>
-      <p:nvGrpSpPr>
-        <p:cNvPr id="1" name=""/>
-        <p:cNvGrpSpPr/>
-        <p:nvPr/>
-      </p:nvGrpSpPr>
-      <p:grpSpPr>
-        <a:xfrm>
-          <a:off x="0" y="0"/>
-          <a:ext cx="0" cy="0"/>
-          <a:chOff x="0" y="0"/>
-          <a:chExt cx="0" cy="0"/>
-        </a:xfrm>
-      </p:grpSpPr>
-      <p:sp>
-        <p:nvSpPr>
-          <p:cNvPr id="2" name="Slide Image Placeholder 1"/>
-          <p:cNvSpPr>
-            <a:spLocks noGrp="1" noRot="1" noChangeAspect="1"/>
-          </p:cNvSpPr>
-          <p:nvPr>
-            <p:ph type="sldImg"/>
-          </p:nvPr>
-        </p:nvSpPr>
-        <p:spPr/>
-      </p:sp>
-      <p:sp>
-        <p:nvSpPr>
-          <p:cNvPr id="3" name="Notes Placeholder 2"/>
-          <p:cNvSpPr>
-            <a:spLocks noGrp="1"/>
-          </p:cNvSpPr>
-          <p:nvPr>
-            <p:ph type="body" idx="1"/>
-          </p:nvPr>
-        </p:nvSpPr>
-        <p:spPr/>
-        <p:txBody>
-          <a:bodyPr/>
-          <a:lstStyle/>
-          <a:p>
-            <a:r>
-              <a:rPr lang="en-US" dirty="0" smtClean="0"/>
-              <a:t>Examples of what this could be?</a:t>
-            </a:r>
-          </a:p>
-          <a:p>
-            <a:endParaRPr lang="en-US" dirty="0" smtClean="0"/>
-          </a:p>
-          <a:p>
-            <a:r>
-              <a:rPr lang="en-US" dirty="0" smtClean="0"/>
-              <a:t>‘response’ is the data they generate</a:t>
-            </a:r>
-          </a:p>
-          <a:p>
-            <a:r>
-              <a:rPr lang="en-US" dirty="0" smtClean="0"/>
-              <a:t>‘statistic’ is a measure of that variable </a:t>
-            </a:r>
-            <a:r>
-              <a:rPr lang="en-US" baseline="0" dirty="0" smtClean="0"/>
-              <a:t>across the entire sample</a:t>
-            </a:r>
-          </a:p>
-          <a:p>
-            <a:r>
-              <a:rPr lang="en-US" baseline="0" dirty="0" smtClean="0"/>
-              <a:t>‘parameter’ is a a measure of that variable across the entire population</a:t>
-            </a:r>
-          </a:p>
-        </p:txBody>
-      </p:sp>
-      <p:sp>
-        <p:nvSpPr>
-          <p:cNvPr id="4" name="Slide Number Placeholder 3"/>
-          <p:cNvSpPr>
-            <a:spLocks noGrp="1"/>
-          </p:cNvSpPr>
-          <p:nvPr>
-            <p:ph type="sldNum" sz="quarter" idx="10"/>
-          </p:nvPr>
-        </p:nvSpPr>
-        <p:spPr/>
-        <p:txBody>
-          <a:bodyPr/>
-          <a:lstStyle/>
-          <a:p>
-            <a:fld id="{FD66F34B-9C4D-8640-BB34-4C24A79C9FFB}" type="slidenum">
-              <a:rPr lang="en-US" smtClean="0"/>
-              <a:t>7</a:t>
-            </a:fld>
-            <a:endParaRPr lang="en-US"/>
-          </a:p>
-        </p:txBody>
-      </p:sp>
-    </p:spTree>
-    <p:extLst>
-      <p:ext uri="{BB962C8B-B14F-4D97-AF65-F5344CB8AC3E}">
-        <p14:creationId xmlns:p14="http://schemas.microsoft.com/office/powerpoint/2010/main" val="2174548988"/>
-      </p:ext>
-    </p:extLst>
-  </p:cSld>
-  <p:clrMapOvr>
-    <a:masterClrMapping/>
-  </p:clrMapOvr>
-</p:notes>
-</file>
-
-<file path=ppt/notesSlides/notesSlide20.xml><?xml version="1.0" encoding="utf-8"?>
+<file path=ppt/notesSlides/notesSlide21.xml><?xml version="1.0" encoding="utf-8"?>
 <p:notes xmlns:a="http://schemas.openxmlformats.org/drawingml/2006/main" xmlns:r="http://schemas.openxmlformats.org/officeDocument/2006/relationships" xmlns:p="http://schemas.openxmlformats.org/presentationml/2006/main">
   <p:cSld>
     <p:spTree>
@@ -3292,7 +3380,7 @@
                 <a:latin typeface="Times New Roman" panose="02020603050405020304" pitchFamily="18" charset="0"/>
               </a:rPr>
               <a:pPr/>
-              <a:t>26</a:t>
+              <a:t>30</a:t>
             </a:fld>
             <a:endParaRPr lang="en-US">
               <a:latin typeface="Times New Roman" panose="02020603050405020304" pitchFamily="18" charset="0"/>
@@ -3313,7 +3401,7 @@
 </p:notes>
 </file>
 
-<file path=ppt/notesSlides/notesSlide21.xml><?xml version="1.0" encoding="utf-8"?>
+<file path=ppt/notesSlides/notesSlide22.xml><?xml version="1.0" encoding="utf-8"?>
 <p:notes xmlns:a="http://schemas.openxmlformats.org/drawingml/2006/main" xmlns:r="http://schemas.openxmlformats.org/officeDocument/2006/relationships" xmlns:p="http://schemas.openxmlformats.org/presentationml/2006/main">
   <p:cSld>
     <p:spTree>
@@ -3524,7 +3612,7 @@
                 <a:latin typeface="Times New Roman" panose="02020603050405020304" pitchFamily="18" charset="0"/>
               </a:rPr>
               <a:pPr/>
-              <a:t>27</a:t>
+              <a:t>31</a:t>
             </a:fld>
             <a:endParaRPr lang="en-US">
               <a:latin typeface="Times New Roman" panose="02020603050405020304" pitchFamily="18" charset="0"/>
@@ -3545,7 +3633,7 @@
 </p:notes>
 </file>
 
-<file path=ppt/notesSlides/notesSlide22.xml><?xml version="1.0" encoding="utf-8"?>
+<file path=ppt/notesSlides/notesSlide23.xml><?xml version="1.0" encoding="utf-8"?>
 <p:notes xmlns:a="http://schemas.openxmlformats.org/drawingml/2006/main" xmlns:r="http://schemas.openxmlformats.org/officeDocument/2006/relationships" xmlns:p="http://schemas.openxmlformats.org/presentationml/2006/main">
   <p:cSld>
     <p:spTree>
@@ -3756,7 +3844,7 @@
                 <a:latin typeface="Times New Roman" panose="02020603050405020304" pitchFamily="18" charset="0"/>
               </a:rPr>
               <a:pPr/>
-              <a:t>28</a:t>
+              <a:t>32</a:t>
             </a:fld>
             <a:endParaRPr lang="en-US">
               <a:latin typeface="Times New Roman" panose="02020603050405020304" pitchFamily="18" charset="0"/>
@@ -3777,7 +3865,7 @@
 </p:notes>
 </file>
 
-<file path=ppt/notesSlides/notesSlide23.xml><?xml version="1.0" encoding="utf-8"?>
+<file path=ppt/notesSlides/notesSlide24.xml><?xml version="1.0" encoding="utf-8"?>
 <p:notes xmlns:a="http://schemas.openxmlformats.org/drawingml/2006/main" xmlns:r="http://schemas.openxmlformats.org/officeDocument/2006/relationships" xmlns:p="http://schemas.openxmlformats.org/presentationml/2006/main">
   <p:cSld>
     <p:spTree>
@@ -3988,7 +4076,7 @@
                 <a:latin typeface="Times New Roman" panose="02020603050405020304" pitchFamily="18" charset="0"/>
               </a:rPr>
               <a:pPr/>
-              <a:t>29</a:t>
+              <a:t>33</a:t>
             </a:fld>
             <a:endParaRPr lang="en-US">
               <a:latin typeface="Times New Roman" panose="02020603050405020304" pitchFamily="18" charset="0"/>
@@ -4009,7 +4097,7 @@
 </p:notes>
 </file>
 
-<file path=ppt/notesSlides/notesSlide24.xml><?xml version="1.0" encoding="utf-8"?>
+<file path=ppt/notesSlides/notesSlide25.xml><?xml version="1.0" encoding="utf-8"?>
 <p:notes xmlns:a="http://schemas.openxmlformats.org/drawingml/2006/main" xmlns:r="http://schemas.openxmlformats.org/officeDocument/2006/relationships" xmlns:p="http://schemas.openxmlformats.org/presentationml/2006/main">
   <p:cSld>
     <p:spTree>
@@ -4220,7 +4308,7 @@
                 <a:latin typeface="Times New Roman" panose="02020603050405020304" pitchFamily="18" charset="0"/>
               </a:rPr>
               <a:pPr/>
-              <a:t>30</a:t>
+              <a:t>34</a:t>
             </a:fld>
             <a:endParaRPr lang="en-US">
               <a:latin typeface="Times New Roman" panose="02020603050405020304" pitchFamily="18" charset="0"/>
@@ -4241,7 +4329,7 @@
 </p:notes>
 </file>
 
-<file path=ppt/notesSlides/notesSlide25.xml><?xml version="1.0" encoding="utf-8"?>
+<file path=ppt/notesSlides/notesSlide26.xml><?xml version="1.0" encoding="utf-8"?>
 <p:notes xmlns:a="http://schemas.openxmlformats.org/drawingml/2006/main" xmlns:r="http://schemas.openxmlformats.org/officeDocument/2006/relationships" xmlns:p="http://schemas.openxmlformats.org/presentationml/2006/main">
   <p:cSld>
     <p:spTree>
@@ -4452,7 +4540,7 @@
                 <a:latin typeface="Times New Roman" panose="02020603050405020304" pitchFamily="18" charset="0"/>
               </a:rPr>
               <a:pPr/>
-              <a:t>31</a:t>
+              <a:t>35</a:t>
             </a:fld>
             <a:endParaRPr lang="en-US">
               <a:latin typeface="Times New Roman" panose="02020603050405020304" pitchFamily="18" charset="0"/>
@@ -4464,94 +4552,6 @@
     <p:extLst>
       <p:ext uri="{BB962C8B-B14F-4D97-AF65-F5344CB8AC3E}">
         <p14:creationId xmlns:p14="http://schemas.microsoft.com/office/powerpoint/2010/main" val="1679275366"/>
-      </p:ext>
-    </p:extLst>
-  </p:cSld>
-  <p:clrMapOvr>
-    <a:masterClrMapping/>
-  </p:clrMapOvr>
-</p:notes>
-</file>
-
-<file path=ppt/notesSlides/notesSlide26.xml><?xml version="1.0" encoding="utf-8"?>
-<p:notes xmlns:a="http://schemas.openxmlformats.org/drawingml/2006/main" xmlns:r="http://schemas.openxmlformats.org/officeDocument/2006/relationships" xmlns:p="http://schemas.openxmlformats.org/presentationml/2006/main">
-  <p:cSld>
-    <p:spTree>
-      <p:nvGrpSpPr>
-        <p:cNvPr id="1" name=""/>
-        <p:cNvGrpSpPr/>
-        <p:nvPr/>
-      </p:nvGrpSpPr>
-      <p:grpSpPr>
-        <a:xfrm>
-          <a:off x="0" y="0"/>
-          <a:ext cx="0" cy="0"/>
-          <a:chOff x="0" y="0"/>
-          <a:chExt cx="0" cy="0"/>
-        </a:xfrm>
-      </p:grpSpPr>
-      <p:sp>
-        <p:nvSpPr>
-          <p:cNvPr id="2" name="Slide Image Placeholder 1"/>
-          <p:cNvSpPr>
-            <a:spLocks noGrp="1" noRot="1" noChangeAspect="1"/>
-          </p:cNvSpPr>
-          <p:nvPr>
-            <p:ph type="sldImg"/>
-          </p:nvPr>
-        </p:nvSpPr>
-        <p:spPr/>
-      </p:sp>
-      <p:sp>
-        <p:nvSpPr>
-          <p:cNvPr id="3" name="Notes Placeholder 2"/>
-          <p:cNvSpPr>
-            <a:spLocks noGrp="1"/>
-          </p:cNvSpPr>
-          <p:nvPr>
-            <p:ph type="body" idx="1"/>
-          </p:nvPr>
-        </p:nvSpPr>
-        <p:spPr/>
-        <p:txBody>
-          <a:bodyPr/>
-          <a:lstStyle/>
-          <a:p>
-            <a:r>
-              <a:rPr lang="en-US" dirty="0" smtClean="0"/>
-              <a:t>Biases here?</a:t>
-            </a:r>
-            <a:endParaRPr lang="en-US" dirty="0"/>
-          </a:p>
-        </p:txBody>
-      </p:sp>
-      <p:sp>
-        <p:nvSpPr>
-          <p:cNvPr id="4" name="Slide Number Placeholder 3"/>
-          <p:cNvSpPr>
-            <a:spLocks noGrp="1"/>
-          </p:cNvSpPr>
-          <p:nvPr>
-            <p:ph type="sldNum" sz="quarter" idx="10"/>
-          </p:nvPr>
-        </p:nvSpPr>
-        <p:spPr/>
-        <p:txBody>
-          <a:bodyPr/>
-          <a:lstStyle/>
-          <a:p>
-            <a:fld id="{FD66F34B-9C4D-8640-BB34-4C24A79C9FFB}" type="slidenum">
-              <a:rPr lang="en-US" smtClean="0"/>
-              <a:t>35</a:t>
-            </a:fld>
-            <a:endParaRPr lang="en-US"/>
-          </a:p>
-        </p:txBody>
-      </p:sp>
-    </p:spTree>
-    <p:extLst>
-      <p:ext uri="{BB962C8B-B14F-4D97-AF65-F5344CB8AC3E}">
-        <p14:creationId xmlns:p14="http://schemas.microsoft.com/office/powerpoint/2010/main" val="386608305"/>
       </p:ext>
     </p:extLst>
   </p:cSld>
@@ -4630,7 +4630,95 @@
           <a:p>
             <a:fld id="{FD66F34B-9C4D-8640-BB34-4C24A79C9FFB}" type="slidenum">
               <a:rPr lang="en-US" smtClean="0"/>
-              <a:t>36</a:t>
+              <a:t>39</a:t>
+            </a:fld>
+            <a:endParaRPr lang="en-US"/>
+          </a:p>
+        </p:txBody>
+      </p:sp>
+    </p:spTree>
+    <p:extLst>
+      <p:ext uri="{BB962C8B-B14F-4D97-AF65-F5344CB8AC3E}">
+        <p14:creationId xmlns:p14="http://schemas.microsoft.com/office/powerpoint/2010/main" val="386608305"/>
+      </p:ext>
+    </p:extLst>
+  </p:cSld>
+  <p:clrMapOvr>
+    <a:masterClrMapping/>
+  </p:clrMapOvr>
+</p:notes>
+</file>
+
+<file path=ppt/notesSlides/notesSlide28.xml><?xml version="1.0" encoding="utf-8"?>
+<p:notes xmlns:a="http://schemas.openxmlformats.org/drawingml/2006/main" xmlns:r="http://schemas.openxmlformats.org/officeDocument/2006/relationships" xmlns:p="http://schemas.openxmlformats.org/presentationml/2006/main">
+  <p:cSld>
+    <p:spTree>
+      <p:nvGrpSpPr>
+        <p:cNvPr id="1" name=""/>
+        <p:cNvGrpSpPr/>
+        <p:nvPr/>
+      </p:nvGrpSpPr>
+      <p:grpSpPr>
+        <a:xfrm>
+          <a:off x="0" y="0"/>
+          <a:ext cx="0" cy="0"/>
+          <a:chOff x="0" y="0"/>
+          <a:chExt cx="0" cy="0"/>
+        </a:xfrm>
+      </p:grpSpPr>
+      <p:sp>
+        <p:nvSpPr>
+          <p:cNvPr id="2" name="Slide Image Placeholder 1"/>
+          <p:cNvSpPr>
+            <a:spLocks noGrp="1" noRot="1" noChangeAspect="1"/>
+          </p:cNvSpPr>
+          <p:nvPr>
+            <p:ph type="sldImg"/>
+          </p:nvPr>
+        </p:nvSpPr>
+        <p:spPr/>
+      </p:sp>
+      <p:sp>
+        <p:nvSpPr>
+          <p:cNvPr id="3" name="Notes Placeholder 2"/>
+          <p:cNvSpPr>
+            <a:spLocks noGrp="1"/>
+          </p:cNvSpPr>
+          <p:nvPr>
+            <p:ph type="body" idx="1"/>
+          </p:nvPr>
+        </p:nvSpPr>
+        <p:spPr/>
+        <p:txBody>
+          <a:bodyPr/>
+          <a:lstStyle/>
+          <a:p>
+            <a:r>
+              <a:rPr lang="en-US" dirty="0" smtClean="0"/>
+              <a:t>Biases here?</a:t>
+            </a:r>
+            <a:endParaRPr lang="en-US" dirty="0"/>
+          </a:p>
+        </p:txBody>
+      </p:sp>
+      <p:sp>
+        <p:nvSpPr>
+          <p:cNvPr id="4" name="Slide Number Placeholder 3"/>
+          <p:cNvSpPr>
+            <a:spLocks noGrp="1"/>
+          </p:cNvSpPr>
+          <p:nvPr>
+            <p:ph type="sldNum" sz="quarter" idx="10"/>
+          </p:nvPr>
+        </p:nvSpPr>
+        <p:spPr/>
+        <p:txBody>
+          <a:bodyPr/>
+          <a:lstStyle/>
+          <a:p>
+            <a:fld id="{FD66F34B-9C4D-8640-BB34-4C24A79C9FFB}" type="slidenum">
+              <a:rPr lang="en-US" smtClean="0"/>
+              <a:t>40</a:t>
             </a:fld>
             <a:endParaRPr lang="en-US"/>
           </a:p>
@@ -5187,19 +5275,7 @@
           <a:p>
             <a:r>
               <a:rPr lang="en-US" dirty="0" smtClean="0"/>
-              <a:t>Sample 1 is centered but not representative of true diversity. Sample 2 is biased (in this case,</a:t>
-            </a:r>
-            <a:r>
-              <a:rPr lang="en-US" baseline="0" dirty="0" smtClean="0"/>
-              <a:t> medical treatment, individuals who benefit more than most). Sample 3 is good (broadly representative in terms of risk, </a:t>
-            </a:r>
-            <a:r>
-              <a:rPr lang="en-US" baseline="0" dirty="0" err="1" smtClean="0"/>
-              <a:t>responsivity</a:t>
-            </a:r>
-            <a:r>
-              <a:rPr lang="en-US" baseline="0" dirty="0" smtClean="0"/>
-              <a:t>, and vulnerability)</a:t>
+              <a:t>https://www.usablestats.com/calcs/2samplet&amp;summary=1</a:t>
             </a:r>
             <a:endParaRPr lang="en-US" dirty="0"/>
           </a:p>
@@ -5220,8 +5296,9 @@
           <a:bodyPr/>
           <a:lstStyle/>
           <a:p>
-            <a:fld id="{FD66F34B-9C4D-8640-BB34-4C24A79C9FFB}" type="slidenum">
+            <a:fld id="{45CE00E4-D1E5-4A3B-AF78-0F2489D36710}" type="slidenum">
               <a:rPr lang="en-US" smtClean="0"/>
+              <a:pPr/>
               <a:t>11</a:t>
             </a:fld>
             <a:endParaRPr lang="en-US"/>
@@ -5231,7 +5308,7 @@
     </p:spTree>
     <p:extLst>
       <p:ext uri="{BB962C8B-B14F-4D97-AF65-F5344CB8AC3E}">
-        <p14:creationId xmlns:p14="http://schemas.microsoft.com/office/powerpoint/2010/main" val="1812644066"/>
+        <p14:creationId xmlns:p14="http://schemas.microsoft.com/office/powerpoint/2010/main" val="1162704901"/>
       </p:ext>
     </p:extLst>
   </p:cSld>
@@ -5287,7 +5364,19 @@
           <a:p>
             <a:r>
               <a:rPr lang="en-US" dirty="0" smtClean="0"/>
-              <a:t>What is worst is if the results are understood and applied without taking the sampling bias into account</a:t>
+              <a:t>Sample 1 is centered but not representative of true diversity. Sample 2 is biased (in this case,</a:t>
+            </a:r>
+            <a:r>
+              <a:rPr lang="en-US" baseline="0" dirty="0" smtClean="0"/>
+              <a:t> medical treatment, individuals who benefit more than most). Sample 3 is good (broadly representative in terms of risk, </a:t>
+            </a:r>
+            <a:r>
+              <a:rPr lang="en-US" baseline="0" dirty="0" err="1" smtClean="0"/>
+              <a:t>responsivity</a:t>
+            </a:r>
+            <a:r>
+              <a:rPr lang="en-US" baseline="0" dirty="0" smtClean="0"/>
+              <a:t>, and vulnerability)</a:t>
             </a:r>
             <a:endParaRPr lang="en-US" dirty="0"/>
           </a:p>
@@ -5310,7 +5399,7 @@
           <a:p>
             <a:fld id="{FD66F34B-9C4D-8640-BB34-4C24A79C9FFB}" type="slidenum">
               <a:rPr lang="en-US" smtClean="0"/>
-              <a:t>12</a:t>
+              <a:t>15</a:t>
             </a:fld>
             <a:endParaRPr lang="en-US"/>
           </a:p>
@@ -5319,7 +5408,7 @@
     </p:spTree>
     <p:extLst>
       <p:ext uri="{BB962C8B-B14F-4D97-AF65-F5344CB8AC3E}">
-        <p14:creationId xmlns:p14="http://schemas.microsoft.com/office/powerpoint/2010/main" val="3923463176"/>
+        <p14:creationId xmlns:p14="http://schemas.microsoft.com/office/powerpoint/2010/main" val="1812644066"/>
       </p:ext>
     </p:extLst>
   </p:cSld>
@@ -5373,6 +5462,10 @@
           <a:bodyPr/>
           <a:lstStyle/>
           <a:p>
+            <a:r>
+              <a:rPr lang="en-US" dirty="0" smtClean="0"/>
+              <a:t>What is worst is if the results are understood and applied without taking the sampling bias into account</a:t>
+            </a:r>
             <a:endParaRPr lang="en-US" dirty="0"/>
           </a:p>
         </p:txBody>
@@ -5392,9 +5485,9 @@
           <a:bodyPr/>
           <a:lstStyle/>
           <a:p>
-            <a:fld id="{01E1901B-601C-024E-95CE-E29C7123EE44}" type="slidenum">
+            <a:fld id="{FD66F34B-9C4D-8640-BB34-4C24A79C9FFB}" type="slidenum">
               <a:rPr lang="en-US" smtClean="0"/>
-              <a:t>13</a:t>
+              <a:t>16</a:t>
             </a:fld>
             <a:endParaRPr lang="en-US"/>
           </a:p>
@@ -5403,7 +5496,7 @@
     </p:spTree>
     <p:extLst>
       <p:ext uri="{BB962C8B-B14F-4D97-AF65-F5344CB8AC3E}">
-        <p14:creationId xmlns:p14="http://schemas.microsoft.com/office/powerpoint/2010/main" val="3175656336"/>
+        <p14:creationId xmlns:p14="http://schemas.microsoft.com/office/powerpoint/2010/main" val="3923463176"/>
       </p:ext>
     </p:extLst>
   </p:cSld>
@@ -5478,7 +5571,7 @@
           <a:p>
             <a:fld id="{01E1901B-601C-024E-95CE-E29C7123EE44}" type="slidenum">
               <a:rPr lang="en-US" smtClean="0"/>
-              <a:t>14</a:t>
+              <a:t>17</a:t>
             </a:fld>
             <a:endParaRPr lang="en-US"/>
           </a:p>
@@ -6014,7 +6107,7 @@
             <a:fld id="{FA3C144B-2939-9A49-B014-915EC3E81866}" type="datetime1">
               <a:rPr lang="en-US" smtClean="0"/>
               <a:pPr/>
-              <a:t>1/20/15</a:t>
+              <a:t>1/25/15</a:t>
             </a:fld>
             <a:endParaRPr lang="en-US" dirty="0"/>
           </a:p>
@@ -6443,7 +6536,7 @@
           <a:p>
             <a:fld id="{76838339-A875-5E45-AB3F-AAABD270346A}" type="datetime1">
               <a:rPr lang="en-US" smtClean="0"/>
-              <a:t>1/20/15</a:t>
+              <a:t>1/25/15</a:t>
             </a:fld>
             <a:endParaRPr lang="en-US"/>
           </a:p>
@@ -6729,7 +6822,7 @@
             <a:fld id="{FA3C144B-2939-9A49-B014-915EC3E81866}" type="datetime1">
               <a:rPr lang="en-US" smtClean="0"/>
               <a:pPr/>
-              <a:t>1/20/15</a:t>
+              <a:t>1/25/15</a:t>
             </a:fld>
             <a:endParaRPr lang="en-US" dirty="0"/>
           </a:p>
@@ -7211,7 +7304,7 @@
           <a:p>
             <a:fld id="{A73F672F-A5FB-5745-934A-1BF51CA5539C}" type="datetime1">
               <a:rPr lang="en-US" smtClean="0"/>
-              <a:t>1/20/15</a:t>
+              <a:t>1/25/15</a:t>
             </a:fld>
             <a:endParaRPr lang="en-US"/>
           </a:p>
@@ -7553,7 +7646,7 @@
             <a:fld id="{FA3C144B-2939-9A49-B014-915EC3E81866}" type="datetime1">
               <a:rPr lang="en-US" smtClean="0"/>
               <a:pPr/>
-              <a:t>1/20/15</a:t>
+              <a:t>1/25/15</a:t>
             </a:fld>
             <a:endParaRPr lang="en-US" dirty="0"/>
           </a:p>
@@ -8017,7 +8110,7 @@
           <a:p>
             <a:fld id="{6AFE6A63-5EBE-3E48-B0AE-DF655A1ECE76}" type="datetime1">
               <a:rPr lang="en-US" smtClean="0"/>
-              <a:t>1/20/15</a:t>
+              <a:t>1/25/15</a:t>
             </a:fld>
             <a:endParaRPr lang="en-US"/>
           </a:p>
@@ -8336,7 +8429,7 @@
           <a:p>
             <a:fld id="{4A019F0C-9D18-B54A-9AC9-18AA74EDB034}" type="datetime1">
               <a:rPr lang="en-US" smtClean="0"/>
-              <a:t>1/20/15</a:t>
+              <a:t>1/25/15</a:t>
             </a:fld>
             <a:endParaRPr lang="en-US"/>
           </a:p>
@@ -8646,7 +8739,7 @@
             <a:fld id="{FA3C144B-2939-9A49-B014-915EC3E81866}" type="datetime1">
               <a:rPr lang="en-US" smtClean="0"/>
               <a:pPr/>
-              <a:t>1/20/15</a:t>
+              <a:t>1/25/15</a:t>
             </a:fld>
             <a:endParaRPr lang="en-US" dirty="0"/>
           </a:p>
@@ -8909,7 +9002,7 @@
           <a:p>
             <a:fld id="{FA3C144B-2939-9A49-B014-915EC3E81866}" type="datetime1">
               <a:rPr lang="en-US" smtClean="0"/>
-              <a:t>1/20/15</a:t>
+              <a:t>1/25/15</a:t>
             </a:fld>
             <a:endParaRPr lang="en-US" dirty="0"/>
           </a:p>
@@ -9171,7 +9264,7 @@
           <a:p>
             <a:fld id="{31ABE473-7551-0F4A-ACC5-906E2044C6C8}" type="datetimeFigureOut">
               <a:rPr lang="en-US" smtClean="0"/>
-              <a:t>1/20/15</a:t>
+              <a:t>1/25/15</a:t>
             </a:fld>
             <a:endParaRPr lang="en-US"/>
           </a:p>
@@ -9372,7 +9465,7 @@
           <a:p>
             <a:fld id="{7053BEFA-1175-F644-B249-7D41D72BD3FF}" type="datetime1">
               <a:rPr lang="en-US" smtClean="0"/>
-              <a:t>1/20/15</a:t>
+              <a:t>1/25/15</a:t>
             </a:fld>
             <a:endParaRPr lang="en-US"/>
           </a:p>
@@ -9669,7 +9762,7 @@
             <a:fld id="{ABA7F654-FAA3-42C5-9ACE-29CD9B89CF50}" type="datetimeFigureOut">
               <a:rPr lang="en-US" smtClean="0"/>
               <a:pPr/>
-              <a:t>1/20/15</a:t>
+              <a:t>1/25/15</a:t>
             </a:fld>
             <a:endParaRPr lang="en-US"/>
           </a:p>
@@ -9805,7 +9898,7 @@
             <a:fld id="{FA3C144B-2939-9A49-B014-915EC3E81866}" type="datetime1">
               <a:rPr lang="en-US" smtClean="0"/>
               <a:pPr/>
-              <a:t>1/20/15</a:t>
+              <a:t>1/25/15</a:t>
             </a:fld>
             <a:endParaRPr lang="en-US" dirty="0"/>
           </a:p>
@@ -10022,7 +10115,7 @@
             <a:fld id="{FA3C144B-2939-9A49-B014-915EC3E81866}" type="datetime1">
               <a:rPr lang="en-US" smtClean="0"/>
               <a:pPr/>
-              <a:t>1/20/15</a:t>
+              <a:t>1/25/15</a:t>
             </a:fld>
             <a:endParaRPr lang="en-US" dirty="0"/>
           </a:p>
@@ -10267,7 +10360,7 @@
             <a:fld id="{FA3C144B-2939-9A49-B014-915EC3E81866}" type="datetime1">
               <a:rPr lang="en-US" smtClean="0"/>
               <a:pPr/>
-              <a:t>1/20/15</a:t>
+              <a:t>1/25/15</a:t>
             </a:fld>
             <a:endParaRPr lang="en-US" dirty="0"/>
           </a:p>
@@ -10645,7 +10738,7 @@
           <a:p>
             <a:fld id="{111EEF3B-ABF2-AA4E-9E24-0C6256942674}" type="datetime1">
               <a:rPr lang="en-US" smtClean="0"/>
-              <a:t>1/20/15</a:t>
+              <a:t>1/25/15</a:t>
             </a:fld>
             <a:endParaRPr lang="en-US"/>
           </a:p>
@@ -10809,7 +10902,7 @@
             <a:fld id="{FA3C144B-2939-9A49-B014-915EC3E81866}" type="datetime1">
               <a:rPr lang="en-US" smtClean="0"/>
               <a:pPr/>
-              <a:t>1/20/15</a:t>
+              <a:t>1/25/15</a:t>
             </a:fld>
             <a:endParaRPr lang="en-US" dirty="0"/>
           </a:p>
@@ -11226,7 +11319,7 @@
             <a:fld id="{FA3C144B-2939-9A49-B014-915EC3E81866}" type="datetime1">
               <a:rPr lang="en-US" smtClean="0"/>
               <a:pPr/>
-              <a:t>1/20/15</a:t>
+              <a:t>1/25/15</a:t>
             </a:fld>
             <a:endParaRPr lang="en-US" dirty="0"/>
           </a:p>
@@ -11542,7 +11635,7 @@
             <a:fld id="{FA3C144B-2939-9A49-B014-915EC3E81866}" type="datetime1">
               <a:rPr lang="en-US" smtClean="0"/>
               <a:pPr/>
-              <a:t>1/20/15</a:t>
+              <a:t>1/25/15</a:t>
             </a:fld>
             <a:endParaRPr lang="en-US" dirty="0"/>
           </a:p>
@@ -12208,7 +12301,7 @@
             <a:fld id="{FA3C144B-2939-9A49-B014-915EC3E81866}" type="datetime1">
               <a:rPr lang="en-US" smtClean="0"/>
               <a:pPr/>
-              <a:t>1/20/15</a:t>
+              <a:t>1/25/15</a:t>
             </a:fld>
             <a:endParaRPr lang="en-US" dirty="0"/>
           </a:p>
@@ -12936,11 +13029,7 @@
           <a:p>
             <a:r>
               <a:rPr lang="en-US" dirty="0" smtClean="0"/>
-              <a:t>Acquiring Data: </a:t>
-            </a:r>
-            <a:r>
-              <a:rPr lang="en-US" dirty="0" smtClean="0"/>
-              <a:t>Theory</a:t>
+              <a:t>Acquiring Data: Theory</a:t>
             </a:r>
             <a:endParaRPr lang="en-US" dirty="0"/>
           </a:p>
@@ -13372,7 +13461,7 @@
           <a:p>
             <a:fld id="{7053BEFA-1175-F644-B249-7D41D72BD3FF}" type="datetime1">
               <a:rPr lang="en-US" smtClean="0"/>
-              <a:t>1/20/15</a:t>
+              <a:t>1/25/15</a:t>
             </a:fld>
             <a:endParaRPr lang="en-US"/>
           </a:p>
@@ -13474,7 +13563,7 @@
           <a:p>
             <a:r>
               <a:rPr lang="en-US" dirty="0" smtClean="0"/>
-              <a:t>What Makes a Good Sample?</a:t>
+              <a:t>Survey</a:t>
             </a:r>
             <a:endParaRPr lang="en-US" dirty="0"/>
           </a:p>
@@ -13482,7 +13571,7 @@
       </p:sp>
       <p:sp>
         <p:nvSpPr>
-          <p:cNvPr id="3" name="Content Placeholder 2"/>
+          <p:cNvPr id="4" name="Content Placeholder 2"/>
           <p:cNvSpPr>
             <a:spLocks noGrp="1"/>
           </p:cNvSpPr>
@@ -13490,7 +13579,12 @@
             <p:ph idx="1"/>
           </p:nvPr>
         </p:nvSpPr>
-        <p:spPr/>
+        <p:spPr>
+          <a:xfrm>
+            <a:off x="1554408" y="1459754"/>
+            <a:ext cx="7132391" cy="5245846"/>
+          </a:xfrm>
+        </p:spPr>
         <p:txBody>
           <a:bodyPr/>
           <a:lstStyle/>
@@ -13500,173 +13594,75 @@
             </a:pPr>
             <a:r>
               <a:rPr lang="en-US" dirty="0" smtClean="0"/>
-              <a:t>Representative of the population</a:t>
+              <a:t>How many hours of sleep did you get last night?</a:t>
             </a:r>
           </a:p>
           <a:p>
             <a:pPr marL="0" indent="0">
               <a:buNone/>
             </a:pPr>
-            <a:r>
-              <a:rPr lang="en-US" dirty="0" smtClean="0"/>
-              <a:t>(Along dimensions that matter to the question being asked)</a:t>
-            </a:r>
-          </a:p>
-        </p:txBody>
-      </p:sp>
-      <p:sp>
-        <p:nvSpPr>
-          <p:cNvPr id="4" name="Date Placeholder 3"/>
-          <p:cNvSpPr>
-            <a:spLocks noGrp="1"/>
-          </p:cNvSpPr>
-          <p:nvPr>
-            <p:ph type="dt" sz="half" idx="10"/>
-          </p:nvPr>
-        </p:nvSpPr>
-        <p:spPr/>
-        <p:txBody>
-          <a:bodyPr/>
-          <a:lstStyle/>
-          <a:p>
-            <a:fld id="{7053BEFA-1175-F644-B249-7D41D72BD3FF}" type="datetime1">
-              <a:rPr lang="en-US" smtClean="0"/>
-              <a:t>1/20/15</a:t>
-            </a:fld>
-            <a:endParaRPr lang="en-US"/>
-          </a:p>
-        </p:txBody>
-      </p:sp>
-      <p:sp>
-        <p:nvSpPr>
-          <p:cNvPr id="5" name="Footer Placeholder 4"/>
-          <p:cNvSpPr>
-            <a:spLocks noGrp="1"/>
-          </p:cNvSpPr>
-          <p:nvPr>
-            <p:ph type="ftr" sz="quarter" idx="11"/>
-          </p:nvPr>
-        </p:nvSpPr>
-        <p:spPr/>
-        <p:txBody>
-          <a:bodyPr/>
-          <a:lstStyle/>
-          <a:p>
+            <a:endParaRPr lang="en-US" dirty="0" smtClean="0"/>
+          </a:p>
+          <a:p>
+            <a:pPr marL="0" indent="0">
+              <a:buNone/>
+            </a:pPr>
+            <a:r>
+              <a:rPr lang="en-US" dirty="0"/>
+              <a:t>http://</a:t>
+            </a:r>
+            <a:r>
+              <a:rPr lang="en-US" dirty="0" err="1"/>
+              <a:t>tinyurl.com</a:t>
+            </a:r>
+            <a:r>
+              <a:rPr lang="en-US" dirty="0"/>
+              <a:t>/k6xwvnm</a:t>
+            </a:r>
+          </a:p>
+          <a:p>
+            <a:pPr marL="0" indent="0">
+              <a:buNone/>
+            </a:pPr>
             <a:endParaRPr lang="en-US" dirty="0"/>
           </a:p>
-        </p:txBody>
-      </p:sp>
-      <p:sp>
-        <p:nvSpPr>
-          <p:cNvPr id="6" name="Slide Number Placeholder 5"/>
-          <p:cNvSpPr>
-            <a:spLocks noGrp="1"/>
-          </p:cNvSpPr>
-          <p:nvPr>
-            <p:ph type="sldNum" sz="quarter" idx="12"/>
-          </p:nvPr>
-        </p:nvSpPr>
-        <p:spPr/>
-        <p:txBody>
-          <a:bodyPr/>
-          <a:lstStyle/>
-          <a:p>
-            <a:fld id="{17E276FA-8F89-B34D-A726-BE3FA1F8DD97}" type="slidenum">
-              <a:rPr lang="en-US" smtClean="0"/>
-              <a:t>11</a:t>
-            </a:fld>
+          <a:p>
+            <a:pPr marL="0" indent="0">
+              <a:buNone/>
+            </a:pPr>
             <a:endParaRPr lang="en-US" dirty="0"/>
           </a:p>
         </p:txBody>
       </p:sp>
-      <p:pic>
-        <p:nvPicPr>
-          <p:cNvPr id="8" name="Picture 7" descr="Screen Shot 2014-01-22 at 1.14.06 PM.png"/>
-          <p:cNvPicPr>
-            <a:picLocks noChangeAspect="1"/>
-          </p:cNvPicPr>
+      <p:sp>
+        <p:nvSpPr>
+          <p:cNvPr id="5" name="TextBox 4"/>
+          <p:cNvSpPr txBox="1"/>
           <p:nvPr/>
-        </p:nvPicPr>
-        <p:blipFill rotWithShape="1">
-          <a:blip r:embed="rId3">
-            <a:extLst>
-              <a:ext uri="{28A0092B-C50C-407E-A947-70E740481C1C}">
-                <a14:useLocalDpi xmlns:a14="http://schemas.microsoft.com/office/drawing/2010/main" val="0"/>
-              </a:ext>
-            </a:extLst>
-          </a:blip>
-          <a:srcRect b="34588"/>
-          <a:stretch/>
-        </p:blipFill>
+        </p:nvSpPr>
         <p:spPr>
           <a:xfrm>
-            <a:off x="-790067" y="3363842"/>
-            <a:ext cx="7346411" cy="2863287"/>
+            <a:off x="122123" y="6488668"/>
+            <a:ext cx="3313728" cy="369332"/>
           </a:xfrm>
           <a:prstGeom prst="rect">
             <a:avLst/>
           </a:prstGeom>
-        </p:spPr>
-      </p:pic>
-      <p:sp>
-        <p:nvSpPr>
-          <p:cNvPr id="7" name="TextBox 6"/>
-          <p:cNvSpPr txBox="1"/>
-          <p:nvPr/>
-        </p:nvSpPr>
-        <p:spPr>
-          <a:xfrm>
-            <a:off x="5837027" y="3363842"/>
-            <a:ext cx="3263215" cy="1754327"/>
-          </a:xfrm>
-          <a:prstGeom prst="rect">
-            <a:avLst/>
-          </a:prstGeom>
-          <a:solidFill>
-            <a:schemeClr val="bg1"/>
-          </a:solidFill>
-        </p:spPr>
-        <p:txBody>
-          <a:bodyPr wrap="square" rtlCol="0">
+          <a:noFill/>
+        </p:spPr>
+        <p:txBody>
+          <a:bodyPr wrap="none" rtlCol="0">
             <a:spAutoFit/>
           </a:bodyPr>
           <a:lstStyle/>
           <a:p>
             <a:r>
               <a:rPr lang="en-US" dirty="0" smtClean="0"/>
-              <a:t>Figure 1: </a:t>
+              <a:t>Content borrowed from Bill </a:t>
             </a:r>
             <a:r>
               <a:rPr lang="en-US" dirty="0" err="1" smtClean="0"/>
-              <a:t>Kravitz</a:t>
-            </a:r>
-            <a:r>
-              <a:rPr lang="en-US" dirty="0" smtClean="0"/>
-              <a:t> </a:t>
-            </a:r>
-            <a:r>
-              <a:rPr lang="en-US" i="1" dirty="0" smtClean="0"/>
-              <a:t>et al</a:t>
-            </a:r>
-            <a:r>
-              <a:rPr lang="en-US" dirty="0" smtClean="0"/>
-              <a:t>, (2004) Evidence-based medicine, heterogeneity of treatment effects, and the trouble with averages. </a:t>
-            </a:r>
-            <a:r>
-              <a:rPr lang="en-US" i="1" dirty="0" smtClean="0"/>
-              <a:t>The Milbank Quarterly</a:t>
-            </a:r>
-            <a:r>
-              <a:rPr lang="en-US" dirty="0" smtClean="0"/>
-              <a:t> </a:t>
-            </a:r>
-            <a:r>
-              <a:rPr lang="en-US" b="1" dirty="0" smtClean="0"/>
-              <a:t>82</a:t>
-            </a:r>
-            <a:r>
-              <a:rPr lang="en-US" dirty="0" smtClean="0"/>
-              <a:t>(4):661-687</a:t>
+              <a:t>Thies</a:t>
             </a:r>
             <a:endParaRPr lang="en-US" dirty="0"/>
           </a:p>
@@ -13675,7 +13671,7 @@
     </p:spTree>
     <p:extLst>
       <p:ext uri="{BB962C8B-B14F-4D97-AF65-F5344CB8AC3E}">
-        <p14:creationId xmlns:p14="http://schemas.microsoft.com/office/powerpoint/2010/main" val="3988407931"/>
+        <p14:creationId xmlns:p14="http://schemas.microsoft.com/office/powerpoint/2010/main" val="2773256530"/>
       </p:ext>
     </p:extLst>
   </p:cSld>
@@ -13709,188 +13705,34 @@
           <a:chExt cx="0" cy="0"/>
         </a:xfrm>
       </p:grpSpPr>
-      <p:sp>
-        <p:nvSpPr>
-          <p:cNvPr id="2" name="Title 1"/>
-          <p:cNvSpPr>
-            <a:spLocks noGrp="1"/>
-          </p:cNvSpPr>
-          <p:nvPr>
-            <p:ph type="title"/>
-          </p:nvPr>
-        </p:nvSpPr>
-        <p:spPr/>
-        <p:txBody>
-          <a:bodyPr/>
-          <a:lstStyle/>
-          <a:p>
-            <a:r>
-              <a:rPr lang="en-US" dirty="0" smtClean="0"/>
-              <a:t>Example: </a:t>
-            </a:r>
-            <a:br>
-              <a:rPr lang="en-US" dirty="0" smtClean="0"/>
-            </a:br>
-            <a:r>
-              <a:rPr lang="en-US" dirty="0" smtClean="0"/>
-              <a:t>Medical Treatment Studies</a:t>
-            </a:r>
-            <a:endParaRPr lang="en-US" dirty="0"/>
-          </a:p>
-        </p:txBody>
-      </p:sp>
-      <p:sp>
-        <p:nvSpPr>
-          <p:cNvPr id="3" name="Content Placeholder 2"/>
-          <p:cNvSpPr>
-            <a:spLocks noGrp="1"/>
-          </p:cNvSpPr>
-          <p:nvPr>
-            <p:ph idx="1"/>
-          </p:nvPr>
-        </p:nvSpPr>
-        <p:spPr/>
-        <p:txBody>
-          <a:bodyPr/>
-          <a:lstStyle/>
-          <a:p>
-            <a:pPr marL="0" indent="0">
-              <a:buNone/>
-            </a:pPr>
-            <a:r>
-              <a:rPr lang="en-US" dirty="0" smtClean="0"/>
-              <a:t>For medical treatment we care about</a:t>
-            </a:r>
-          </a:p>
-          <a:p>
-            <a:pPr marL="0" indent="0">
-              <a:buNone/>
-            </a:pPr>
-            <a:endParaRPr lang="en-US" dirty="0" smtClean="0"/>
-          </a:p>
-          <a:p>
-            <a:pPr marL="0" indent="0">
-              <a:buNone/>
-            </a:pPr>
-            <a:r>
-              <a:rPr lang="en-US" i="1" dirty="0" smtClean="0"/>
-              <a:t>Risk without treatment </a:t>
-            </a:r>
-            <a:r>
-              <a:rPr lang="en-US" dirty="0" smtClean="0"/>
-              <a:t>(baseline risk if untreated)</a:t>
-            </a:r>
-          </a:p>
-          <a:p>
-            <a:pPr marL="0" indent="0">
-              <a:buNone/>
-            </a:pPr>
-            <a:r>
-              <a:rPr lang="en-US" i="1" dirty="0" smtClean="0"/>
-              <a:t>Responsiveness &amp; Vulnerability  to treatment  </a:t>
-            </a:r>
-            <a:r>
-              <a:rPr lang="en-US" dirty="0" smtClean="0"/>
-              <a:t>(could be affected by  biological or environmental differences) One is </a:t>
-            </a:r>
-            <a:r>
-              <a:rPr lang="en-US" dirty="0" err="1" smtClean="0"/>
-              <a:t>neg</a:t>
-            </a:r>
-            <a:r>
-              <a:rPr lang="en-US" dirty="0" smtClean="0"/>
-              <a:t>; one pos. </a:t>
-            </a:r>
-          </a:p>
-          <a:p>
-            <a:pPr marL="0" indent="0">
-              <a:buNone/>
-            </a:pPr>
-            <a:endParaRPr lang="en-US" dirty="0" smtClean="0"/>
-          </a:p>
-          <a:p>
-            <a:pPr marL="0" indent="0">
-              <a:buNone/>
-            </a:pPr>
-            <a:endParaRPr lang="en-US" i="1" dirty="0" smtClean="0"/>
-          </a:p>
-          <a:p>
-            <a:pPr marL="0" indent="0">
-              <a:buNone/>
-            </a:pPr>
-            <a:endParaRPr lang="en-US" dirty="0"/>
-          </a:p>
-        </p:txBody>
-      </p:sp>
-      <p:sp>
-        <p:nvSpPr>
-          <p:cNvPr id="4" name="Date Placeholder 3"/>
-          <p:cNvSpPr>
-            <a:spLocks noGrp="1"/>
-          </p:cNvSpPr>
-          <p:nvPr>
-            <p:ph type="dt" sz="half" idx="10"/>
-          </p:nvPr>
-        </p:nvSpPr>
-        <p:spPr/>
-        <p:txBody>
-          <a:bodyPr/>
-          <a:lstStyle/>
-          <a:p>
-            <a:fld id="{7053BEFA-1175-F644-B249-7D41D72BD3FF}" type="datetime1">
-              <a:rPr lang="en-US" smtClean="0"/>
-              <a:t>1/20/15</a:t>
-            </a:fld>
-            <a:endParaRPr lang="en-US"/>
-          </a:p>
-        </p:txBody>
-      </p:sp>
-      <p:sp>
-        <p:nvSpPr>
-          <p:cNvPr id="5" name="Footer Placeholder 4"/>
-          <p:cNvSpPr>
-            <a:spLocks noGrp="1"/>
-          </p:cNvSpPr>
-          <p:nvPr>
-            <p:ph type="ftr" sz="quarter" idx="11"/>
-          </p:nvPr>
-        </p:nvSpPr>
-        <p:spPr/>
-        <p:txBody>
-          <a:bodyPr/>
-          <a:lstStyle/>
-          <a:p>
-            <a:endParaRPr lang="en-US" dirty="0"/>
-          </a:p>
-        </p:txBody>
-      </p:sp>
-      <p:sp>
-        <p:nvSpPr>
-          <p:cNvPr id="6" name="Slide Number Placeholder 5"/>
-          <p:cNvSpPr>
-            <a:spLocks noGrp="1"/>
-          </p:cNvSpPr>
-          <p:nvPr>
-            <p:ph type="sldNum" sz="quarter" idx="12"/>
-          </p:nvPr>
-        </p:nvSpPr>
-        <p:spPr/>
-        <p:txBody>
-          <a:bodyPr/>
-          <a:lstStyle/>
-          <a:p>
-            <a:fld id="{17E276FA-8F89-B34D-A726-BE3FA1F8DD97}" type="slidenum">
-              <a:rPr lang="en-US" smtClean="0"/>
-              <a:t>12</a:t>
-            </a:fld>
-            <a:endParaRPr lang="en-US" dirty="0"/>
-          </a:p>
-        </p:txBody>
-      </p:sp>
+      <p:pic>
+        <p:nvPicPr>
+          <p:cNvPr id="2" name="Picture 1"/>
+          <p:cNvPicPr>
+            <a:picLocks noChangeAspect="1"/>
+          </p:cNvPicPr>
+          <p:nvPr/>
+        </p:nvPicPr>
+        <p:blipFill>
+          <a:blip r:embed="rId2"/>
+          <a:stretch>
+            <a:fillRect/>
+          </a:stretch>
+        </p:blipFill>
+        <p:spPr>
+          <a:xfrm>
+            <a:off x="-95250" y="238125"/>
+            <a:ext cx="9334500" cy="6381750"/>
+          </a:xfrm>
+          <a:prstGeom prst="rect">
+            <a:avLst/>
+          </a:prstGeom>
+        </p:spPr>
+      </p:pic>
     </p:spTree>
     <p:extLst>
       <p:ext uri="{BB962C8B-B14F-4D97-AF65-F5344CB8AC3E}">
-        <p14:creationId xmlns:p14="http://schemas.microsoft.com/office/powerpoint/2010/main" val="3025751220"/>
+        <p14:creationId xmlns:p14="http://schemas.microsoft.com/office/powerpoint/2010/main" val="3140600880"/>
       </p:ext>
     </p:extLst>
   </p:cSld>
@@ -13924,129 +13766,34 @@
           <a:chExt cx="0" cy="0"/>
         </a:xfrm>
       </p:grpSpPr>
-      <p:sp>
-        <p:nvSpPr>
-          <p:cNvPr id="2" name="Oval 1"/>
-          <p:cNvSpPr>
-            <a:spLocks noChangeArrowheads="1"/>
-          </p:cNvSpPr>
+      <p:pic>
+        <p:nvPicPr>
+          <p:cNvPr id="2" name="Picture 1"/>
+          <p:cNvPicPr>
+            <a:picLocks noChangeAspect="1"/>
+          </p:cNvPicPr>
           <p:nvPr/>
-        </p:nvSpPr>
-        <p:spPr bwMode="auto">
-          <a:xfrm>
-            <a:off x="-2675304" y="841182"/>
-            <a:ext cx="14079125" cy="5347908"/>
-          </a:xfrm>
-          <a:prstGeom prst="ellipse">
-            <a:avLst/>
-          </a:prstGeom>
-          <a:solidFill>
-            <a:srgbClr val="FFFF75">
-              <a:alpha val="25000"/>
-            </a:srgbClr>
-          </a:solidFill>
-          <a:ln w="9525">
-            <a:solidFill>
-              <a:srgbClr val="000000"/>
-            </a:solidFill>
-            <a:round/>
-            <a:headEnd/>
-            <a:tailEnd/>
-          </a:ln>
-        </p:spPr>
-        <p:txBody>
-          <a:bodyPr vert="horz" wrap="square" lIns="91440" tIns="45720" rIns="91440" bIns="45720" numCol="1" anchor="t" anchorCtr="0" compatLnSpc="1">
-            <a:prstTxWarp prst="textNoShape">
-              <a:avLst/>
-            </a:prstTxWarp>
-          </a:bodyPr>
-          <a:lstStyle/>
-          <a:p>
-            <a:endParaRPr lang="en-US"/>
-          </a:p>
-        </p:txBody>
-      </p:sp>
-      <p:sp>
-        <p:nvSpPr>
-          <p:cNvPr id="21" name="TextBox 20"/>
-          <p:cNvSpPr txBox="1"/>
-          <p:nvPr/>
-        </p:nvSpPr>
+        </p:nvPicPr>
+        <p:blipFill>
+          <a:blip r:embed="rId2"/>
+          <a:stretch>
+            <a:fillRect/>
+          </a:stretch>
+        </p:blipFill>
         <p:spPr>
           <a:xfrm>
-            <a:off x="5821321" y="1980930"/>
-            <a:ext cx="3330851" cy="461665"/>
+            <a:off x="61912" y="342900"/>
+            <a:ext cx="9020175" cy="6172200"/>
           </a:xfrm>
           <a:prstGeom prst="rect">
             <a:avLst/>
           </a:prstGeom>
-          <a:noFill/>
-        </p:spPr>
-        <p:txBody>
-          <a:bodyPr wrap="square" rtlCol="0">
-            <a:spAutoFit/>
-          </a:bodyPr>
-          <a:lstStyle/>
-          <a:p>
-            <a:r>
-              <a:rPr lang="en-US" sz="2400" dirty="0" smtClean="0"/>
-              <a:t>General Population</a:t>
-            </a:r>
-            <a:endParaRPr lang="en-US" sz="2400" dirty="0"/>
-          </a:p>
-        </p:txBody>
-      </p:sp>
-      <p:sp>
-        <p:nvSpPr>
-          <p:cNvPr id="4" name="Title 1"/>
-          <p:cNvSpPr txBox="1">
-            <a:spLocks/>
-          </p:cNvSpPr>
-          <p:nvPr/>
-        </p:nvSpPr>
-        <p:spPr>
-          <a:xfrm>
-            <a:off x="954132" y="310162"/>
-            <a:ext cx="6280441" cy="990107"/>
-          </a:xfrm>
-          <a:prstGeom prst="rect">
-            <a:avLst/>
-          </a:prstGeom>
-        </p:spPr>
-        <p:txBody>
-          <a:bodyPr/>
-          <a:lstStyle>
-            <a:lvl1pPr algn="l" defTabSz="457200" rtl="0" eaLnBrk="1" latinLnBrk="0" hangingPunct="1">
-              <a:lnSpc>
-                <a:spcPts val="3400"/>
-              </a:lnSpc>
-              <a:spcBef>
-                <a:spcPts val="0"/>
-              </a:spcBef>
-              <a:buNone/>
-              <a:defRPr sz="3200" b="0" i="0" kern="1200">
-                <a:solidFill>
-                  <a:schemeClr val="accent1"/>
-                </a:solidFill>
-                <a:latin typeface="Helvetica"/>
-                <a:ea typeface="+mj-ea"/>
-                <a:cs typeface="Helvetica"/>
-              </a:defRPr>
-            </a:lvl1pPr>
-          </a:lstStyle>
-          <a:p>
-            <a:r>
-              <a:rPr lang="en-US" dirty="0" smtClean="0"/>
-              <a:t>Example: Lyme Disease</a:t>
-            </a:r>
-            <a:endParaRPr lang="en-US" dirty="0"/>
-          </a:p>
-        </p:txBody>
-      </p:sp>
+        </p:spPr>
+      </p:pic>
     </p:spTree>
     <p:extLst>
       <p:ext uri="{BB962C8B-B14F-4D97-AF65-F5344CB8AC3E}">
-        <p14:creationId xmlns:p14="http://schemas.microsoft.com/office/powerpoint/2010/main" val="3977096423"/>
+        <p14:creationId xmlns:p14="http://schemas.microsoft.com/office/powerpoint/2010/main" val="3260665516"/>
       </p:ext>
     </p:extLst>
   </p:cSld>
@@ -14080,128 +13827,71 @@
           <a:chExt cx="0" cy="0"/>
         </a:xfrm>
       </p:grpSpPr>
-      <p:sp>
-        <p:nvSpPr>
-          <p:cNvPr id="2" name="Oval 1"/>
-          <p:cNvSpPr>
-            <a:spLocks noChangeArrowheads="1"/>
-          </p:cNvSpPr>
+      <p:grpSp>
+        <p:nvGrpSpPr>
+          <p:cNvPr id="4" name="Group 3"/>
+          <p:cNvGrpSpPr/>
           <p:nvPr/>
-        </p:nvSpPr>
-        <p:spPr bwMode="auto">
+        </p:nvGrpSpPr>
+        <p:grpSpPr>
           <a:xfrm>
-            <a:off x="-2675304" y="841182"/>
-            <a:ext cx="14079125" cy="5347908"/>
+            <a:off x="1524000" y="19050"/>
+            <a:ext cx="5872163" cy="6835344"/>
+            <a:chOff x="1900237" y="19050"/>
+            <a:chExt cx="5348288" cy="6225540"/>
           </a:xfrm>
-          <a:prstGeom prst="ellipse">
-            <a:avLst/>
-          </a:prstGeom>
-          <a:solidFill>
-            <a:srgbClr val="FFFF75">
-              <a:alpha val="25000"/>
-            </a:srgbClr>
-          </a:solidFill>
-          <a:ln w="9525">
-            <a:solidFill>
-              <a:srgbClr val="000000"/>
-            </a:solidFill>
-            <a:round/>
-            <a:headEnd/>
-            <a:tailEnd/>
-          </a:ln>
-        </p:spPr>
-        <p:txBody>
-          <a:bodyPr vert="horz" wrap="square" lIns="91440" tIns="45720" rIns="91440" bIns="45720" numCol="1" anchor="t" anchorCtr="0" compatLnSpc="1">
-            <a:prstTxWarp prst="textNoShape">
+        </p:grpSpPr>
+        <p:pic>
+          <p:nvPicPr>
+            <p:cNvPr id="2" name="Picture 1"/>
+            <p:cNvPicPr>
+              <a:picLocks noChangeAspect="1"/>
+            </p:cNvPicPr>
+            <p:nvPr/>
+          </p:nvPicPr>
+          <p:blipFill rotWithShape="1">
+            <a:blip r:embed="rId2"/>
+            <a:srcRect b="11430"/>
+            <a:stretch/>
+          </p:blipFill>
+          <p:spPr>
+            <a:xfrm>
+              <a:off x="1900237" y="19050"/>
+              <a:ext cx="5343525" cy="6040374"/>
+            </a:xfrm>
+            <a:prstGeom prst="rect">
               <a:avLst/>
-            </a:prstTxWarp>
-          </a:bodyPr>
-          <a:lstStyle/>
-          <a:p>
-            <a:endParaRPr lang="en-US"/>
-          </a:p>
-        </p:txBody>
-      </p:sp>
-      <p:sp>
-        <p:nvSpPr>
-          <p:cNvPr id="4" name="Oval 3"/>
-          <p:cNvSpPr/>
-          <p:nvPr/>
-        </p:nvSpPr>
-        <p:spPr>
-          <a:xfrm>
-            <a:off x="447098" y="949290"/>
-            <a:ext cx="5191794" cy="5097982"/>
-          </a:xfrm>
-          <a:prstGeom prst="ellipse">
-            <a:avLst/>
-          </a:prstGeom>
-          <a:solidFill>
-            <a:schemeClr val="accent2">
-              <a:lumMod val="60000"/>
-              <a:lumOff val="40000"/>
-            </a:schemeClr>
-          </a:solidFill>
-        </p:spPr>
-        <p:style>
-          <a:lnRef idx="2">
-            <a:schemeClr val="accent2">
-              <a:shade val="50000"/>
-            </a:schemeClr>
-          </a:lnRef>
-          <a:fillRef idx="1">
-            <a:schemeClr val="accent2"/>
-          </a:fillRef>
-          <a:effectRef idx="0">
-            <a:schemeClr val="accent2"/>
-          </a:effectRef>
-          <a:fontRef idx="minor">
-            <a:schemeClr val="lt1"/>
-          </a:fontRef>
-        </p:style>
-        <p:txBody>
-          <a:bodyPr rtlCol="0" anchor="ctr"/>
-          <a:lstStyle/>
-          <a:p>
-            <a:pPr algn="ctr"/>
-            <a:endParaRPr lang="en-US"/>
-          </a:p>
-        </p:txBody>
-      </p:sp>
-      <p:sp>
-        <p:nvSpPr>
-          <p:cNvPr id="5" name="TextBox 4"/>
-          <p:cNvSpPr txBox="1"/>
-          <p:nvPr/>
-        </p:nvSpPr>
-        <p:spPr>
-          <a:xfrm>
-            <a:off x="1497203" y="44773"/>
-            <a:ext cx="5123499" cy="830997"/>
-          </a:xfrm>
-          <a:prstGeom prst="rect">
-            <a:avLst/>
-          </a:prstGeom>
-          <a:noFill/>
-        </p:spPr>
-        <p:txBody>
-          <a:bodyPr wrap="square" rtlCol="0">
-            <a:spAutoFit/>
-          </a:bodyPr>
-          <a:lstStyle/>
-          <a:p>
-            <a:r>
-              <a:rPr lang="en-US" sz="2400" dirty="0" smtClean="0"/>
-              <a:t>The CDC Estimates 300,000 per year contract Lyme disease </a:t>
-            </a:r>
-            <a:endParaRPr lang="en-US" sz="2400" dirty="0"/>
-          </a:p>
-        </p:txBody>
-      </p:sp>
+            </a:prstGeom>
+          </p:spPr>
+        </p:pic>
+        <p:pic>
+          <p:nvPicPr>
+            <p:cNvPr id="3" name="Picture 2"/>
+            <p:cNvPicPr>
+              <a:picLocks noChangeAspect="1"/>
+            </p:cNvPicPr>
+            <p:nvPr/>
+          </p:nvPicPr>
+          <p:blipFill rotWithShape="1">
+            <a:blip r:embed="rId2"/>
+            <a:srcRect t="92235"/>
+            <a:stretch/>
+          </p:blipFill>
+          <p:spPr>
+            <a:xfrm>
+              <a:off x="1905000" y="5715000"/>
+              <a:ext cx="5343525" cy="529590"/>
+            </a:xfrm>
+            <a:prstGeom prst="rect">
+              <a:avLst/>
+            </a:prstGeom>
+          </p:spPr>
+        </p:pic>
+      </p:grpSp>
     </p:spTree>
     <p:extLst>
       <p:ext uri="{BB962C8B-B14F-4D97-AF65-F5344CB8AC3E}">
-        <p14:creationId xmlns:p14="http://schemas.microsoft.com/office/powerpoint/2010/main" val="498113008"/>
+        <p14:creationId xmlns:p14="http://schemas.microsoft.com/office/powerpoint/2010/main" val="2552178161"/>
       </p:ext>
     </p:extLst>
   </p:cSld>
@@ -14237,211 +13927,172 @@
       </p:grpSpPr>
       <p:sp>
         <p:nvSpPr>
-          <p:cNvPr id="21" name="Oval 20"/>
-          <p:cNvSpPr>
-            <a:spLocks noChangeArrowheads="1"/>
-          </p:cNvSpPr>
+          <p:cNvPr id="2" name="Title 1"/>
+          <p:cNvSpPr>
+            <a:spLocks noGrp="1"/>
+          </p:cNvSpPr>
+          <p:nvPr>
+            <p:ph type="title"/>
+          </p:nvPr>
+        </p:nvSpPr>
+        <p:spPr/>
+        <p:txBody>
+          <a:bodyPr/>
+          <a:lstStyle/>
+          <a:p>
+            <a:r>
+              <a:rPr lang="en-US" dirty="0" smtClean="0"/>
+              <a:t>What Makes a Good Sample?</a:t>
+            </a:r>
+            <a:endParaRPr lang="en-US" dirty="0"/>
+          </a:p>
+        </p:txBody>
+      </p:sp>
+      <p:sp>
+        <p:nvSpPr>
+          <p:cNvPr id="3" name="Content Placeholder 2"/>
+          <p:cNvSpPr>
+            <a:spLocks noGrp="1"/>
+          </p:cNvSpPr>
+          <p:nvPr>
+            <p:ph idx="1"/>
+          </p:nvPr>
+        </p:nvSpPr>
+        <p:spPr/>
+        <p:txBody>
+          <a:bodyPr/>
+          <a:lstStyle/>
+          <a:p>
+            <a:pPr marL="0" indent="0">
+              <a:buNone/>
+            </a:pPr>
+            <a:r>
+              <a:rPr lang="en-US" dirty="0" smtClean="0"/>
+              <a:t>Representative of the population</a:t>
+            </a:r>
+          </a:p>
+          <a:p>
+            <a:pPr marL="0" indent="0">
+              <a:buNone/>
+            </a:pPr>
+            <a:r>
+              <a:rPr lang="en-US" dirty="0" smtClean="0"/>
+              <a:t>(Along dimensions that matter to the question being asked)</a:t>
+            </a:r>
+          </a:p>
+        </p:txBody>
+      </p:sp>
+      <p:sp>
+        <p:nvSpPr>
+          <p:cNvPr id="4" name="Date Placeholder 3"/>
+          <p:cNvSpPr>
+            <a:spLocks noGrp="1"/>
+          </p:cNvSpPr>
+          <p:nvPr>
+            <p:ph type="dt" sz="half" idx="10"/>
+          </p:nvPr>
+        </p:nvSpPr>
+        <p:spPr/>
+        <p:txBody>
+          <a:bodyPr/>
+          <a:lstStyle/>
+          <a:p>
+            <a:fld id="{7053BEFA-1175-F644-B249-7D41D72BD3FF}" type="datetime1">
+              <a:rPr lang="en-US" smtClean="0"/>
+              <a:t>1/25/15</a:t>
+            </a:fld>
+            <a:endParaRPr lang="en-US"/>
+          </a:p>
+        </p:txBody>
+      </p:sp>
+      <p:sp>
+        <p:nvSpPr>
+          <p:cNvPr id="5" name="Footer Placeholder 4"/>
+          <p:cNvSpPr>
+            <a:spLocks noGrp="1"/>
+          </p:cNvSpPr>
+          <p:nvPr>
+            <p:ph type="ftr" sz="quarter" idx="11"/>
+          </p:nvPr>
+        </p:nvSpPr>
+        <p:spPr/>
+        <p:txBody>
+          <a:bodyPr/>
+          <a:lstStyle/>
+          <a:p>
+            <a:endParaRPr lang="en-US" dirty="0"/>
+          </a:p>
+        </p:txBody>
+      </p:sp>
+      <p:sp>
+        <p:nvSpPr>
+          <p:cNvPr id="6" name="Slide Number Placeholder 5"/>
+          <p:cNvSpPr>
+            <a:spLocks noGrp="1"/>
+          </p:cNvSpPr>
+          <p:nvPr>
+            <p:ph type="sldNum" sz="quarter" idx="12"/>
+          </p:nvPr>
+        </p:nvSpPr>
+        <p:spPr/>
+        <p:txBody>
+          <a:bodyPr/>
+          <a:lstStyle/>
+          <a:p>
+            <a:fld id="{17E276FA-8F89-B34D-A726-BE3FA1F8DD97}" type="slidenum">
+              <a:rPr lang="en-US" smtClean="0"/>
+              <a:t>15</a:t>
+            </a:fld>
+            <a:endParaRPr lang="en-US" dirty="0"/>
+          </a:p>
+        </p:txBody>
+      </p:sp>
+      <p:pic>
+        <p:nvPicPr>
+          <p:cNvPr id="8" name="Picture 7" descr="Screen Shot 2014-01-22 at 1.14.06 PM.png"/>
+          <p:cNvPicPr>
+            <a:picLocks noChangeAspect="1"/>
+          </p:cNvPicPr>
           <p:nvPr/>
-        </p:nvSpPr>
-        <p:spPr bwMode="auto">
-          <a:xfrm>
-            <a:off x="-2675304" y="841182"/>
-            <a:ext cx="14079125" cy="5347908"/>
-          </a:xfrm>
-          <a:prstGeom prst="ellipse">
-            <a:avLst/>
-          </a:prstGeom>
-          <a:solidFill>
-            <a:srgbClr val="FFFF75">
-              <a:alpha val="25000"/>
-            </a:srgbClr>
-          </a:solidFill>
-          <a:ln w="9525">
-            <a:solidFill>
-              <a:srgbClr val="000000"/>
-            </a:solidFill>
-            <a:round/>
-            <a:headEnd/>
-            <a:tailEnd/>
-          </a:ln>
-        </p:spPr>
-        <p:txBody>
-          <a:bodyPr vert="horz" wrap="square" lIns="91440" tIns="45720" rIns="91440" bIns="45720" numCol="1" anchor="t" anchorCtr="0" compatLnSpc="1">
-            <a:prstTxWarp prst="textNoShape">
-              <a:avLst/>
-            </a:prstTxWarp>
-          </a:bodyPr>
-          <a:lstStyle/>
-          <a:p>
-            <a:endParaRPr lang="en-US"/>
-          </a:p>
-        </p:txBody>
-      </p:sp>
-      <p:sp>
-        <p:nvSpPr>
-          <p:cNvPr id="4" name="Oval 3"/>
-          <p:cNvSpPr/>
-          <p:nvPr/>
-        </p:nvSpPr>
+        </p:nvPicPr>
+        <p:blipFill rotWithShape="1">
+          <a:blip r:embed="rId3">
+            <a:extLst>
+              <a:ext uri="{28A0092B-C50C-407E-A947-70E740481C1C}">
+                <a14:useLocalDpi xmlns:a14="http://schemas.microsoft.com/office/drawing/2010/main" val="0"/>
+              </a:ext>
+            </a:extLst>
+          </a:blip>
+          <a:srcRect b="34588"/>
+          <a:stretch/>
+        </p:blipFill>
         <p:spPr>
           <a:xfrm>
-            <a:off x="447098" y="949290"/>
-            <a:ext cx="5191794" cy="5097982"/>
-          </a:xfrm>
-          <a:prstGeom prst="ellipse">
-            <a:avLst/>
-          </a:prstGeom>
-          <a:solidFill>
-            <a:schemeClr val="accent2">
-              <a:lumMod val="60000"/>
-              <a:lumOff val="40000"/>
-            </a:schemeClr>
-          </a:solidFill>
-        </p:spPr>
-        <p:style>
-          <a:lnRef idx="2">
-            <a:schemeClr val="accent2">
-              <a:shade val="50000"/>
-            </a:schemeClr>
-          </a:lnRef>
-          <a:fillRef idx="1">
-            <a:schemeClr val="accent2"/>
-          </a:fillRef>
-          <a:effectRef idx="0">
-            <a:schemeClr val="accent2"/>
-          </a:effectRef>
-          <a:fontRef idx="minor">
-            <a:schemeClr val="lt1"/>
-          </a:fontRef>
-        </p:style>
-        <p:txBody>
-          <a:bodyPr rtlCol="0" anchor="ctr"/>
-          <a:lstStyle/>
-          <a:p>
-            <a:pPr algn="ctr"/>
-            <a:endParaRPr lang="en-US"/>
-          </a:p>
-        </p:txBody>
-      </p:sp>
-      <p:sp>
-        <p:nvSpPr>
-          <p:cNvPr id="23" name="TextBox 22"/>
-          <p:cNvSpPr txBox="1"/>
-          <p:nvPr/>
-        </p:nvSpPr>
-        <p:spPr>
-          <a:xfrm>
-            <a:off x="4857936" y="3094971"/>
-            <a:ext cx="3978674" cy="2308324"/>
+            <a:off x="-790067" y="3363842"/>
+            <a:ext cx="7346411" cy="2863287"/>
           </a:xfrm>
           <a:prstGeom prst="rect">
             <a:avLst/>
           </a:prstGeom>
-          <a:noFill/>
-        </p:spPr>
-        <p:txBody>
-          <a:bodyPr wrap="square" rtlCol="0">
-            <a:spAutoFit/>
-          </a:bodyPr>
-          <a:lstStyle/>
-          <a:p>
-            <a:pPr algn="ctr"/>
-            <a:r>
-              <a:rPr lang="en-US" sz="2400" dirty="0" smtClean="0"/>
-              <a:t>Our study (yellow circle) examines 3090 individuals drawn from those with chronic Lyme disease, a population that has not been studied previously</a:t>
-            </a:r>
-            <a:endParaRPr lang="en-US" sz="2400" dirty="0"/>
-          </a:p>
-        </p:txBody>
-      </p:sp>
-      <p:sp>
-        <p:nvSpPr>
-          <p:cNvPr id="16" name="Oval 15"/>
-          <p:cNvSpPr/>
+        </p:spPr>
+      </p:pic>
+      <p:sp>
+        <p:nvSpPr>
+          <p:cNvPr id="7" name="TextBox 6"/>
+          <p:cNvSpPr txBox="1"/>
           <p:nvPr/>
         </p:nvSpPr>
         <p:spPr>
           <a:xfrm>
-            <a:off x="4222930" y="3415008"/>
-            <a:ext cx="51918" cy="50980"/>
-          </a:xfrm>
-          <a:prstGeom prst="ellipse">
-            <a:avLst/>
-          </a:prstGeom>
-          <a:solidFill>
-            <a:srgbClr val="FFFF00"/>
-          </a:solidFill>
-        </p:spPr>
-        <p:style>
-          <a:lnRef idx="2">
-            <a:schemeClr val="accent6">
-              <a:shade val="50000"/>
-            </a:schemeClr>
-          </a:lnRef>
-          <a:fillRef idx="1">
-            <a:schemeClr val="accent6"/>
-          </a:fillRef>
-          <a:effectRef idx="0">
-            <a:schemeClr val="accent6"/>
-          </a:effectRef>
-          <a:fontRef idx="minor">
-            <a:schemeClr val="lt1"/>
-          </a:fontRef>
-        </p:style>
-        <p:txBody>
-          <a:bodyPr rtlCol="0" anchor="ctr"/>
-          <a:lstStyle/>
-          <a:p>
-            <a:pPr algn="ctr"/>
-            <a:endParaRPr lang="en-US"/>
-          </a:p>
-        </p:txBody>
-      </p:sp>
-      <p:cxnSp>
-        <p:nvCxnSpPr>
-          <p:cNvPr id="24" name="Straight Connector 23"/>
-          <p:cNvCxnSpPr/>
-          <p:nvPr/>
-        </p:nvCxnSpPr>
-        <p:spPr>
-          <a:xfrm>
-            <a:off x="4407422" y="3415008"/>
-            <a:ext cx="653643" cy="0"/>
-          </a:xfrm>
-          <a:prstGeom prst="line">
-            <a:avLst/>
-          </a:prstGeom>
-        </p:spPr>
-        <p:style>
-          <a:lnRef idx="1">
-            <a:schemeClr val="accent5"/>
-          </a:lnRef>
-          <a:fillRef idx="0">
-            <a:schemeClr val="accent5"/>
-          </a:fillRef>
-          <a:effectRef idx="0">
-            <a:schemeClr val="accent5"/>
-          </a:effectRef>
-          <a:fontRef idx="minor">
-            <a:schemeClr val="tx1"/>
-          </a:fontRef>
-        </p:style>
-      </p:cxnSp>
-      <p:sp>
-        <p:nvSpPr>
-          <p:cNvPr id="18" name="TextBox 17"/>
-          <p:cNvSpPr txBox="1"/>
-          <p:nvPr/>
-        </p:nvSpPr>
-        <p:spPr>
-          <a:xfrm>
-            <a:off x="1497203" y="44773"/>
-            <a:ext cx="5123499" cy="830997"/>
+            <a:off x="5837027" y="3363842"/>
+            <a:ext cx="3263215" cy="1754327"/>
           </a:xfrm>
           <a:prstGeom prst="rect">
             <a:avLst/>
           </a:prstGeom>
-          <a:noFill/>
+          <a:solidFill>
+            <a:schemeClr val="bg1"/>
+          </a:solidFill>
         </p:spPr>
         <p:txBody>
           <a:bodyPr wrap="square" rtlCol="0">
@@ -14450,60 +14101,49 @@
           <a:lstStyle/>
           <a:p>
             <a:r>
-              <a:rPr lang="en-US" sz="2400" dirty="0" smtClean="0"/>
-              <a:t>The CDC Estimates 300,000 per year contract Lyme disease </a:t>
-            </a:r>
-            <a:endParaRPr lang="en-US" sz="2400" dirty="0"/>
-          </a:p>
-        </p:txBody>
-      </p:sp>
-      <p:sp>
-        <p:nvSpPr>
-          <p:cNvPr id="27" name="Oval 26"/>
-          <p:cNvSpPr/>
-          <p:nvPr/>
-        </p:nvSpPr>
-        <p:spPr>
-          <a:xfrm>
-            <a:off x="4111226" y="3315127"/>
-            <a:ext cx="316699" cy="310977"/>
-          </a:xfrm>
-          <a:prstGeom prst="ellipse">
-            <a:avLst/>
-          </a:prstGeom>
-          <a:solidFill>
-            <a:srgbClr val="FFFF00"/>
-          </a:solidFill>
-        </p:spPr>
-        <p:style>
-          <a:lnRef idx="2">
-            <a:schemeClr val="accent3">
-              <a:shade val="50000"/>
-            </a:schemeClr>
-          </a:lnRef>
-          <a:fillRef idx="1">
-            <a:schemeClr val="accent3"/>
-          </a:fillRef>
-          <a:effectRef idx="0">
-            <a:schemeClr val="accent3"/>
-          </a:effectRef>
-          <a:fontRef idx="minor">
-            <a:schemeClr val="lt1"/>
-          </a:fontRef>
-        </p:style>
-        <p:txBody>
-          <a:bodyPr rtlCol="0" anchor="ctr"/>
-          <a:lstStyle/>
-          <a:p>
-            <a:pPr algn="ctr"/>
-            <a:endParaRPr lang="en-US"/>
+              <a:rPr lang="en-US" dirty="0" smtClean="0"/>
+              <a:t>Figure 1: </a:t>
+            </a:r>
+            <a:r>
+              <a:rPr lang="en-US" dirty="0" err="1" smtClean="0"/>
+              <a:t>Kravitz</a:t>
+            </a:r>
+            <a:r>
+              <a:rPr lang="en-US" dirty="0" smtClean="0"/>
+              <a:t> </a:t>
+            </a:r>
+            <a:r>
+              <a:rPr lang="en-US" i="1" dirty="0" smtClean="0"/>
+              <a:t>et al</a:t>
+            </a:r>
+            <a:r>
+              <a:rPr lang="en-US" dirty="0" smtClean="0"/>
+              <a:t>, (2004) Evidence-based medicine, heterogeneity of treatment effects, and the trouble with averages. </a:t>
+            </a:r>
+            <a:r>
+              <a:rPr lang="en-US" i="1" dirty="0" smtClean="0"/>
+              <a:t>The Milbank Quarterly</a:t>
+            </a:r>
+            <a:r>
+              <a:rPr lang="en-US" dirty="0" smtClean="0"/>
+              <a:t> </a:t>
+            </a:r>
+            <a:r>
+              <a:rPr lang="en-US" b="1" dirty="0" smtClean="0"/>
+              <a:t>82</a:t>
+            </a:r>
+            <a:r>
+              <a:rPr lang="en-US" dirty="0" smtClean="0"/>
+              <a:t>(4):661-687</a:t>
+            </a:r>
+            <a:endParaRPr lang="en-US" dirty="0"/>
           </a:p>
         </p:txBody>
       </p:sp>
     </p:spTree>
     <p:extLst>
       <p:ext uri="{BB962C8B-B14F-4D97-AF65-F5344CB8AC3E}">
-        <p14:creationId xmlns:p14="http://schemas.microsoft.com/office/powerpoint/2010/main" val="1175561141"/>
+        <p14:creationId xmlns:p14="http://schemas.microsoft.com/office/powerpoint/2010/main" val="3988407931"/>
       </p:ext>
     </p:extLst>
   </p:cSld>
@@ -14547,19 +14187,21 @@
             <p:ph type="title"/>
           </p:nvPr>
         </p:nvSpPr>
-        <p:spPr>
-          <a:xfrm>
-            <a:off x="954132" y="310162"/>
-            <a:ext cx="7223615" cy="990107"/>
-          </a:xfrm>
-        </p:spPr>
+        <p:spPr/>
         <p:txBody>
           <a:bodyPr/>
           <a:lstStyle/>
           <a:p>
             <a:r>
               <a:rPr lang="en-US" dirty="0" smtClean="0"/>
-              <a:t>Using Secondary Data for Verification</a:t>
+              <a:t>Example: </a:t>
+            </a:r>
+            <a:br>
+              <a:rPr lang="en-US" dirty="0" smtClean="0"/>
+            </a:br>
+            <a:r>
+              <a:rPr lang="en-US" dirty="0" smtClean="0"/>
+              <a:t>Medical Treatment Studies</a:t>
             </a:r>
             <a:endParaRPr lang="en-US" dirty="0"/>
           </a:p>
@@ -14585,41 +14227,64 @@
             </a:pPr>
             <a:r>
               <a:rPr lang="en-US" dirty="0" smtClean="0"/>
-              <a:t>How do you determine the quality of the sample you have?</a:t>
-            </a:r>
-          </a:p>
-          <a:p>
-            <a:pPr>
-              <a:buFontTx/>
-              <a:buChar char="-"/>
+              <a:t>For medical treatment we care about</a:t>
+            </a:r>
+          </a:p>
+          <a:p>
+            <a:pPr marL="0" indent="0">
+              <a:buNone/>
             </a:pPr>
+            <a:endParaRPr lang="en-US" dirty="0" smtClean="0"/>
+          </a:p>
+          <a:p>
+            <a:pPr marL="0" indent="0">
+              <a:buNone/>
+            </a:pPr>
+            <a:r>
+              <a:rPr lang="en-US" i="1" dirty="0" smtClean="0"/>
+              <a:t>Risk without treatment </a:t>
+            </a:r>
             <a:r>
               <a:rPr lang="en-US" dirty="0" smtClean="0"/>
-              <a:t>Compare demographics to ‘known, good’ samples (</a:t>
-            </a:r>
+              <a:t>(baseline risk if untreated)</a:t>
+            </a:r>
+          </a:p>
+          <a:p>
+            <a:pPr marL="0" indent="0">
+              <a:buNone/>
+            </a:pPr>
             <a:r>
               <a:rPr lang="en-US" i="1" dirty="0" smtClean="0"/>
-              <a:t>e.g.</a:t>
+              <a:t>Responsiveness &amp; Vulnerability  to treatment  </a:t>
             </a:r>
             <a:r>
               <a:rPr lang="en-US" dirty="0" smtClean="0"/>
-              <a:t>, census data)</a:t>
-            </a:r>
-          </a:p>
-          <a:p>
-            <a:pPr>
-              <a:buFontTx/>
-              <a:buChar char="-"/>
+              <a:t>(could be affected by  biological or environmental differences) One is </a:t>
+            </a:r>
+            <a:r>
+              <a:rPr lang="en-US" dirty="0" err="1" smtClean="0"/>
+              <a:t>neg</a:t>
+            </a:r>
+            <a:r>
+              <a:rPr lang="en-US" dirty="0" smtClean="0"/>
+              <a:t>; one pos. </a:t>
+            </a:r>
+          </a:p>
+          <a:p>
+            <a:pPr marL="0" indent="0">
+              <a:buNone/>
             </a:pPr>
-            <a:r>
-              <a:rPr lang="en-US" dirty="0" smtClean="0"/>
-              <a:t>Needs to relate to variables of interest</a:t>
-            </a:r>
-          </a:p>
-          <a:p>
-            <a:pPr>
-              <a:buFontTx/>
-              <a:buChar char="-"/>
+            <a:endParaRPr lang="en-US" dirty="0" smtClean="0"/>
+          </a:p>
+          <a:p>
+            <a:pPr marL="0" indent="0">
+              <a:buNone/>
+            </a:pPr>
+            <a:endParaRPr lang="en-US" i="1" dirty="0" smtClean="0"/>
+          </a:p>
+          <a:p>
+            <a:pPr marL="0" indent="0">
+              <a:buNone/>
             </a:pPr>
             <a:endParaRPr lang="en-US" dirty="0"/>
           </a:p>
@@ -14642,7 +14307,7 @@
           <a:p>
             <a:fld id="{7053BEFA-1175-F644-B249-7D41D72BD3FF}" type="datetime1">
               <a:rPr lang="en-US" smtClean="0"/>
-              <a:t>1/20/15</a:t>
+              <a:t>1/25/15</a:t>
             </a:fld>
             <a:endParaRPr lang="en-US"/>
           </a:p>
@@ -14693,7 +14358,7 @@
     </p:spTree>
     <p:extLst>
       <p:ext uri="{BB962C8B-B14F-4D97-AF65-F5344CB8AC3E}">
-        <p14:creationId xmlns:p14="http://schemas.microsoft.com/office/powerpoint/2010/main" val="2784711497"/>
+        <p14:creationId xmlns:p14="http://schemas.microsoft.com/office/powerpoint/2010/main" val="3025751220"/>
       </p:ext>
     </p:extLst>
   </p:cSld>
@@ -14729,7 +14394,7 @@
       </p:grpSpPr>
       <p:sp>
         <p:nvSpPr>
-          <p:cNvPr id="21" name="Oval 20"/>
+          <p:cNvPr id="2" name="Oval 1"/>
           <p:cNvSpPr>
             <a:spLocks noChangeArrowheads="1"/>
           </p:cNvSpPr>
@@ -14771,100 +14436,14 @@
       </p:sp>
       <p:sp>
         <p:nvSpPr>
-          <p:cNvPr id="4" name="Oval 3"/>
-          <p:cNvSpPr/>
+          <p:cNvPr id="21" name="TextBox 20"/>
+          <p:cNvSpPr txBox="1"/>
           <p:nvPr/>
         </p:nvSpPr>
         <p:spPr>
           <a:xfrm>
-            <a:off x="447098" y="949290"/>
-            <a:ext cx="5191794" cy="5097982"/>
-          </a:xfrm>
-          <a:prstGeom prst="ellipse">
-            <a:avLst/>
-          </a:prstGeom>
-          <a:solidFill>
-            <a:schemeClr val="accent2">
-              <a:lumMod val="60000"/>
-              <a:lumOff val="40000"/>
-            </a:schemeClr>
-          </a:solidFill>
-        </p:spPr>
-        <p:style>
-          <a:lnRef idx="2">
-            <a:schemeClr val="accent2">
-              <a:shade val="50000"/>
-            </a:schemeClr>
-          </a:lnRef>
-          <a:fillRef idx="1">
-            <a:schemeClr val="accent2"/>
-          </a:fillRef>
-          <a:effectRef idx="0">
-            <a:schemeClr val="accent2"/>
-          </a:effectRef>
-          <a:fontRef idx="minor">
-            <a:schemeClr val="lt1"/>
-          </a:fontRef>
-        </p:style>
-        <p:txBody>
-          <a:bodyPr rtlCol="0" anchor="ctr"/>
-          <a:lstStyle/>
-          <a:p>
-            <a:pPr algn="ctr"/>
-            <a:endParaRPr lang="en-US"/>
-          </a:p>
-        </p:txBody>
-      </p:sp>
-      <p:sp>
-        <p:nvSpPr>
-          <p:cNvPr id="6" name="Oval 5"/>
-          <p:cNvSpPr/>
-          <p:nvPr/>
-        </p:nvSpPr>
-        <p:spPr>
-          <a:xfrm>
-            <a:off x="2877906" y="3865429"/>
-            <a:ext cx="519179" cy="509798"/>
-          </a:xfrm>
-          <a:prstGeom prst="ellipse">
-            <a:avLst/>
-          </a:prstGeom>
-        </p:spPr>
-        <p:style>
-          <a:lnRef idx="2">
-            <a:schemeClr val="accent3">
-              <a:shade val="50000"/>
-            </a:schemeClr>
-          </a:lnRef>
-          <a:fillRef idx="1">
-            <a:schemeClr val="accent3"/>
-          </a:fillRef>
-          <a:effectRef idx="0">
-            <a:schemeClr val="accent3"/>
-          </a:effectRef>
-          <a:fontRef idx="minor">
-            <a:schemeClr val="lt1"/>
-          </a:fontRef>
-        </p:style>
-        <p:txBody>
-          <a:bodyPr rtlCol="0" anchor="ctr"/>
-          <a:lstStyle/>
-          <a:p>
-            <a:pPr algn="ctr"/>
-            <a:endParaRPr lang="en-US"/>
-          </a:p>
-        </p:txBody>
-      </p:sp>
-      <p:sp>
-        <p:nvSpPr>
-          <p:cNvPr id="7" name="TextBox 6"/>
-          <p:cNvSpPr txBox="1"/>
-          <p:nvPr/>
-        </p:nvSpPr>
-        <p:spPr>
-          <a:xfrm>
-            <a:off x="786819" y="2265660"/>
-            <a:ext cx="4702050" cy="1200328"/>
+            <a:off x="5821321" y="1980930"/>
+            <a:ext cx="3330851" cy="461665"/>
           </a:xfrm>
           <a:prstGeom prst="rect">
             <a:avLst/>
@@ -14877,14 +14456,9 @@
           </a:bodyPr>
           <a:lstStyle/>
           <a:p>
-            <a:pPr algn="ctr"/>
-            <a:r>
-              <a:rPr lang="en-US" sz="2400" dirty="0"/>
-              <a:t>T</a:t>
-            </a:r>
             <a:r>
               <a:rPr lang="en-US" sz="2400" dirty="0" smtClean="0"/>
-              <a:t>he 5,000 cases on which our current understanding of Lyme Disease is based</a:t>
+              <a:t>General Population</a:t>
             </a:r>
             <a:endParaRPr lang="en-US" sz="2400" dirty="0"/>
           </a:p>
@@ -14892,157 +14466,55 @@
       </p:sp>
       <p:sp>
         <p:nvSpPr>
-          <p:cNvPr id="16" name="Oval 15"/>
-          <p:cNvSpPr/>
+          <p:cNvPr id="4" name="Title 1"/>
+          <p:cNvSpPr txBox="1">
+            <a:spLocks/>
+          </p:cNvSpPr>
           <p:nvPr/>
         </p:nvSpPr>
         <p:spPr>
           <a:xfrm>
-            <a:off x="4222930" y="3415008"/>
-            <a:ext cx="51918" cy="50980"/>
-          </a:xfrm>
-          <a:prstGeom prst="ellipse">
-            <a:avLst/>
-          </a:prstGeom>
-          <a:solidFill>
-            <a:srgbClr val="FFFF00"/>
-          </a:solidFill>
-        </p:spPr>
-        <p:style>
-          <a:lnRef idx="2">
-            <a:schemeClr val="accent6">
-              <a:shade val="50000"/>
-            </a:schemeClr>
-          </a:lnRef>
-          <a:fillRef idx="1">
-            <a:schemeClr val="accent6"/>
-          </a:fillRef>
-          <a:effectRef idx="0">
-            <a:schemeClr val="accent6"/>
-          </a:effectRef>
-          <a:fontRef idx="minor">
-            <a:schemeClr val="lt1"/>
-          </a:fontRef>
-        </p:style>
-        <p:txBody>
-          <a:bodyPr rtlCol="0" anchor="ctr"/>
-          <a:lstStyle/>
-          <a:p>
-            <a:pPr algn="ctr"/>
-            <a:endParaRPr lang="en-US"/>
-          </a:p>
-        </p:txBody>
-      </p:sp>
-      <p:cxnSp>
-        <p:nvCxnSpPr>
-          <p:cNvPr id="17" name="Straight Connector 16"/>
-          <p:cNvCxnSpPr>
-            <a:endCxn id="7" idx="2"/>
-          </p:cNvCxnSpPr>
-          <p:nvPr/>
-        </p:nvCxnSpPr>
-        <p:spPr>
-          <a:xfrm flipV="1">
-            <a:off x="3137844" y="3465988"/>
-            <a:ext cx="0" cy="259345"/>
-          </a:xfrm>
-          <a:prstGeom prst="line">
-            <a:avLst/>
-          </a:prstGeom>
-          <a:ln/>
-        </p:spPr>
-        <p:style>
-          <a:lnRef idx="1">
-            <a:schemeClr val="accent1"/>
-          </a:lnRef>
-          <a:fillRef idx="0">
-            <a:schemeClr val="accent1"/>
-          </a:fillRef>
-          <a:effectRef idx="0">
-            <a:schemeClr val="accent1"/>
-          </a:effectRef>
-          <a:fontRef idx="minor">
-            <a:schemeClr val="tx1"/>
-          </a:fontRef>
-        </p:style>
-      </p:cxnSp>
-      <p:sp>
-        <p:nvSpPr>
-          <p:cNvPr id="18" name="TextBox 17"/>
-          <p:cNvSpPr txBox="1"/>
-          <p:nvPr/>
-        </p:nvSpPr>
-        <p:spPr>
-          <a:xfrm>
-            <a:off x="1497203" y="44773"/>
-            <a:ext cx="5123499" cy="830997"/>
+            <a:off x="954132" y="310162"/>
+            <a:ext cx="6280441" cy="990107"/>
           </a:xfrm>
           <a:prstGeom prst="rect">
             <a:avLst/>
           </a:prstGeom>
-          <a:noFill/>
-        </p:spPr>
-        <p:txBody>
-          <a:bodyPr wrap="square" rtlCol="0">
-            <a:spAutoFit/>
-          </a:bodyPr>
-          <a:lstStyle/>
-          <a:p>
-            <a:r>
-              <a:rPr lang="en-US" sz="2400" dirty="0" smtClean="0"/>
-              <a:t>The CDC Estimates 300,000 per year contract Lyme disease </a:t>
-            </a:r>
-            <a:endParaRPr lang="en-US" sz="2400" dirty="0"/>
-          </a:p>
-        </p:txBody>
-      </p:sp>
-      <p:sp>
-        <p:nvSpPr>
-          <p:cNvPr id="9" name="Oval 8"/>
-          <p:cNvSpPr/>
-          <p:nvPr/>
-        </p:nvSpPr>
-        <p:spPr>
-          <a:xfrm>
-            <a:off x="4111226" y="3315127"/>
-            <a:ext cx="316699" cy="310977"/>
-          </a:xfrm>
-          <a:prstGeom prst="ellipse">
-            <a:avLst/>
-          </a:prstGeom>
-          <a:solidFill>
-            <a:srgbClr val="FFFF00"/>
-          </a:solidFill>
-        </p:spPr>
-        <p:style>
-          <a:lnRef idx="2">
-            <a:schemeClr val="accent3">
-              <a:shade val="50000"/>
-            </a:schemeClr>
-          </a:lnRef>
-          <a:fillRef idx="1">
-            <a:schemeClr val="accent3"/>
-          </a:fillRef>
-          <a:effectRef idx="0">
-            <a:schemeClr val="accent3"/>
-          </a:effectRef>
-          <a:fontRef idx="minor">
-            <a:schemeClr val="lt1"/>
-          </a:fontRef>
-        </p:style>
-        <p:txBody>
-          <a:bodyPr rtlCol="0" anchor="ctr"/>
-          <a:lstStyle/>
-          <a:p>
-            <a:pPr algn="ctr"/>
-            <a:endParaRPr lang="en-US"/>
+        </p:spPr>
+        <p:txBody>
+          <a:bodyPr/>
+          <a:lstStyle>
+            <a:lvl1pPr algn="l" defTabSz="457200" rtl="0" eaLnBrk="1" latinLnBrk="0" hangingPunct="1">
+              <a:lnSpc>
+                <a:spcPts val="3400"/>
+              </a:lnSpc>
+              <a:spcBef>
+                <a:spcPts val="0"/>
+              </a:spcBef>
+              <a:buNone/>
+              <a:defRPr sz="3200" b="0" i="0" kern="1200">
+                <a:solidFill>
+                  <a:schemeClr val="accent1"/>
+                </a:solidFill>
+                <a:latin typeface="Helvetica"/>
+                <a:ea typeface="+mj-ea"/>
+                <a:cs typeface="Helvetica"/>
+              </a:defRPr>
+            </a:lvl1pPr>
+          </a:lstStyle>
+          <a:p>
+            <a:r>
+              <a:rPr lang="en-US" dirty="0" smtClean="0"/>
+              <a:t>Example: Lyme Disease</a:t>
+            </a:r>
+            <a:endParaRPr lang="en-US" dirty="0"/>
           </a:p>
         </p:txBody>
       </p:sp>
     </p:spTree>
     <p:extLst>
       <p:ext uri="{BB962C8B-B14F-4D97-AF65-F5344CB8AC3E}">
-        <p14:creationId xmlns:p14="http://schemas.microsoft.com/office/powerpoint/2010/main" val="3900445274"/>
+        <p14:creationId xmlns:p14="http://schemas.microsoft.com/office/powerpoint/2010/main" val="3977096423"/>
       </p:ext>
     </p:extLst>
   </p:cSld>
@@ -15078,7 +14550,7 @@
       </p:grpSpPr>
       <p:sp>
         <p:nvSpPr>
-          <p:cNvPr id="21" name="Oval 20"/>
+          <p:cNvPr id="2" name="Oval 1"/>
           <p:cNvSpPr>
             <a:spLocks noChangeArrowheads="1"/>
           </p:cNvSpPr>
@@ -15166,199 +14638,7 @@
       </p:sp>
       <p:sp>
         <p:nvSpPr>
-          <p:cNvPr id="6" name="Oval 5"/>
-          <p:cNvSpPr/>
-          <p:nvPr/>
-        </p:nvSpPr>
-        <p:spPr>
-          <a:xfrm>
-            <a:off x="2877906" y="3865429"/>
-            <a:ext cx="519179" cy="509798"/>
-          </a:xfrm>
-          <a:prstGeom prst="ellipse">
-            <a:avLst/>
-          </a:prstGeom>
-        </p:spPr>
-        <p:style>
-          <a:lnRef idx="2">
-            <a:schemeClr val="accent3">
-              <a:shade val="50000"/>
-            </a:schemeClr>
-          </a:lnRef>
-          <a:fillRef idx="1">
-            <a:schemeClr val="accent3"/>
-          </a:fillRef>
-          <a:effectRef idx="0">
-            <a:schemeClr val="accent3"/>
-          </a:effectRef>
-          <a:fontRef idx="minor">
-            <a:schemeClr val="lt1"/>
-          </a:fontRef>
-        </p:style>
-        <p:txBody>
-          <a:bodyPr rtlCol="0" anchor="ctr"/>
-          <a:lstStyle/>
-          <a:p>
-            <a:pPr algn="ctr"/>
-            <a:endParaRPr lang="en-US"/>
-          </a:p>
-        </p:txBody>
-      </p:sp>
-      <p:sp>
-        <p:nvSpPr>
-          <p:cNvPr id="8" name="Oval 7"/>
-          <p:cNvSpPr/>
-          <p:nvPr/>
-        </p:nvSpPr>
-        <p:spPr>
-          <a:xfrm>
-            <a:off x="3248561" y="3927161"/>
-            <a:ext cx="83069" cy="81568"/>
-          </a:xfrm>
-          <a:prstGeom prst="ellipse">
-            <a:avLst/>
-          </a:prstGeom>
-        </p:spPr>
-        <p:style>
-          <a:lnRef idx="2">
-            <a:schemeClr val="accent1">
-              <a:shade val="50000"/>
-            </a:schemeClr>
-          </a:lnRef>
-          <a:fillRef idx="1">
-            <a:schemeClr val="accent1"/>
-          </a:fillRef>
-          <a:effectRef idx="0">
-            <a:schemeClr val="accent1"/>
-          </a:effectRef>
-          <a:fontRef idx="minor">
-            <a:schemeClr val="lt1"/>
-          </a:fontRef>
-        </p:style>
-        <p:txBody>
-          <a:bodyPr rtlCol="0" anchor="ctr"/>
-          <a:lstStyle/>
-          <a:p>
-            <a:pPr algn="ctr"/>
-            <a:endParaRPr lang="en-US"/>
-          </a:p>
-        </p:txBody>
-      </p:sp>
-      <p:sp>
-        <p:nvSpPr>
-          <p:cNvPr id="9" name="TextBox 8"/>
-          <p:cNvSpPr txBox="1"/>
-          <p:nvPr/>
-        </p:nvSpPr>
-        <p:spPr>
-          <a:xfrm>
-            <a:off x="1720555" y="4526406"/>
-            <a:ext cx="4332658" cy="830997"/>
-          </a:xfrm>
-          <a:prstGeom prst="rect">
-            <a:avLst/>
-          </a:prstGeom>
-          <a:noFill/>
-        </p:spPr>
-        <p:txBody>
-          <a:bodyPr wrap="square" rtlCol="0">
-            <a:spAutoFit/>
-          </a:bodyPr>
-          <a:lstStyle/>
-          <a:p>
-            <a:pPr algn="ctr"/>
-            <a:r>
-              <a:rPr lang="en-US" sz="2400" dirty="0" smtClean="0"/>
-              <a:t>Of these, </a:t>
-            </a:r>
-            <a:r>
-              <a:rPr lang="en-US" sz="2400" dirty="0"/>
-              <a:t>the CDC found just </a:t>
-            </a:r>
-            <a:r>
-              <a:rPr lang="en-US" sz="2400" dirty="0" smtClean="0"/>
-              <a:t>21 (1/2 %) had chronic Lyme disease</a:t>
-            </a:r>
-            <a:endParaRPr lang="en-US" sz="2400" dirty="0"/>
-          </a:p>
-        </p:txBody>
-      </p:sp>
-      <p:cxnSp>
-        <p:nvCxnSpPr>
-          <p:cNvPr id="15" name="Straight Connector 14"/>
-          <p:cNvCxnSpPr/>
-          <p:nvPr/>
-        </p:nvCxnSpPr>
-        <p:spPr>
-          <a:xfrm flipV="1">
-            <a:off x="3289135" y="4088578"/>
-            <a:ext cx="0" cy="540254"/>
-          </a:xfrm>
-          <a:prstGeom prst="line">
-            <a:avLst/>
-          </a:prstGeom>
-        </p:spPr>
-        <p:style>
-          <a:lnRef idx="1">
-            <a:schemeClr val="accent1"/>
-          </a:lnRef>
-          <a:fillRef idx="0">
-            <a:schemeClr val="accent1"/>
-          </a:fillRef>
-          <a:effectRef idx="0">
-            <a:schemeClr val="accent1"/>
-          </a:effectRef>
-          <a:fontRef idx="minor">
-            <a:schemeClr val="tx1"/>
-          </a:fontRef>
-        </p:style>
-      </p:cxnSp>
-      <p:sp>
-        <p:nvSpPr>
-          <p:cNvPr id="16" name="Oval 15"/>
-          <p:cNvSpPr/>
-          <p:nvPr/>
-        </p:nvSpPr>
-        <p:spPr>
-          <a:xfrm>
-            <a:off x="4222930" y="3415008"/>
-            <a:ext cx="51918" cy="50980"/>
-          </a:xfrm>
-          <a:prstGeom prst="ellipse">
-            <a:avLst/>
-          </a:prstGeom>
-          <a:solidFill>
-            <a:srgbClr val="FFFF00"/>
-          </a:solidFill>
-        </p:spPr>
-        <p:style>
-          <a:lnRef idx="2">
-            <a:schemeClr val="accent6">
-              <a:shade val="50000"/>
-            </a:schemeClr>
-          </a:lnRef>
-          <a:fillRef idx="1">
-            <a:schemeClr val="accent6"/>
-          </a:fillRef>
-          <a:effectRef idx="0">
-            <a:schemeClr val="accent6"/>
-          </a:effectRef>
-          <a:fontRef idx="minor">
-            <a:schemeClr val="lt1"/>
-          </a:fontRef>
-        </p:style>
-        <p:txBody>
-          <a:bodyPr rtlCol="0" anchor="ctr"/>
-          <a:lstStyle/>
-          <a:p>
-            <a:pPr algn="ctr"/>
-            <a:endParaRPr lang="en-US"/>
-          </a:p>
-        </p:txBody>
-      </p:sp>
-      <p:sp>
-        <p:nvSpPr>
-          <p:cNvPr id="18" name="TextBox 17"/>
+          <p:cNvPr id="5" name="TextBox 4"/>
           <p:cNvSpPr txBox="1"/>
           <p:nvPr/>
         </p:nvSpPr>
@@ -15386,53 +14666,10 @@
           </a:p>
         </p:txBody>
       </p:sp>
-      <p:sp>
-        <p:nvSpPr>
-          <p:cNvPr id="10" name="Oval 9"/>
-          <p:cNvSpPr/>
-          <p:nvPr/>
-        </p:nvSpPr>
-        <p:spPr>
-          <a:xfrm>
-            <a:off x="4111226" y="3315127"/>
-            <a:ext cx="316699" cy="310977"/>
-          </a:xfrm>
-          <a:prstGeom prst="ellipse">
-            <a:avLst/>
-          </a:prstGeom>
-          <a:solidFill>
-            <a:srgbClr val="FFFF00"/>
-          </a:solidFill>
-        </p:spPr>
-        <p:style>
-          <a:lnRef idx="2">
-            <a:schemeClr val="accent3">
-              <a:shade val="50000"/>
-            </a:schemeClr>
-          </a:lnRef>
-          <a:fillRef idx="1">
-            <a:schemeClr val="accent3"/>
-          </a:fillRef>
-          <a:effectRef idx="0">
-            <a:schemeClr val="accent3"/>
-          </a:effectRef>
-          <a:fontRef idx="minor">
-            <a:schemeClr val="lt1"/>
-          </a:fontRef>
-        </p:style>
-        <p:txBody>
-          <a:bodyPr rtlCol="0" anchor="ctr"/>
-          <a:lstStyle/>
-          <a:p>
-            <a:pPr algn="ctr"/>
-            <a:endParaRPr lang="en-US"/>
-          </a:p>
-        </p:txBody>
-      </p:sp>
     </p:spTree>
     <p:extLst>
       <p:ext uri="{BB962C8B-B14F-4D97-AF65-F5344CB8AC3E}">
-        <p14:creationId xmlns:p14="http://schemas.microsoft.com/office/powerpoint/2010/main" val="3899320676"/>
+        <p14:creationId xmlns:p14="http://schemas.microsoft.com/office/powerpoint/2010/main" val="498113008"/>
       </p:ext>
     </p:extLst>
   </p:cSld>
@@ -15468,139 +14705,66 @@
       </p:grpSpPr>
       <p:sp>
         <p:nvSpPr>
-          <p:cNvPr id="6" name="Title 5"/>
-          <p:cNvSpPr>
-            <a:spLocks noGrp="1"/>
-          </p:cNvSpPr>
-          <p:nvPr>
-            <p:ph type="title"/>
-          </p:nvPr>
-        </p:nvSpPr>
-        <p:spPr/>
-        <p:txBody>
-          <a:bodyPr/>
-          <a:lstStyle/>
-          <a:p>
-            <a:r>
-              <a:rPr lang="en-US" dirty="0" smtClean="0"/>
-              <a:t>But what if your population looks like this?</a:t>
-            </a:r>
-            <a:endParaRPr lang="en-US" dirty="0"/>
-          </a:p>
-        </p:txBody>
-      </p:sp>
-      <p:sp>
-        <p:nvSpPr>
-          <p:cNvPr id="4" name="Date Placeholder 3"/>
-          <p:cNvSpPr>
-            <a:spLocks noGrp="1"/>
-          </p:cNvSpPr>
-          <p:nvPr>
-            <p:ph type="dt" sz="half" idx="10"/>
-          </p:nvPr>
-        </p:nvSpPr>
-        <p:spPr/>
-        <p:txBody>
-          <a:bodyPr/>
-          <a:lstStyle/>
-          <a:p>
-            <a:fld id="{111EEF3B-ABF2-AA4E-9E24-0C6256942674}" type="datetime1">
-              <a:rPr lang="en-US" smtClean="0"/>
-              <a:t>1/20/15</a:t>
-            </a:fld>
-            <a:endParaRPr lang="en-US"/>
-          </a:p>
-        </p:txBody>
-      </p:sp>
-      <p:sp>
-        <p:nvSpPr>
-          <p:cNvPr id="5" name="Slide Number Placeholder 4"/>
-          <p:cNvSpPr>
-            <a:spLocks noGrp="1"/>
-          </p:cNvSpPr>
-          <p:nvPr>
-            <p:ph type="sldNum" sz="quarter" idx="12"/>
-          </p:nvPr>
-        </p:nvSpPr>
-        <p:spPr/>
-        <p:txBody>
-          <a:bodyPr/>
-          <a:lstStyle/>
-          <a:p>
-            <a:fld id="{17E276FA-8F89-B34D-A726-BE3FA1F8DD97}" type="slidenum">
-              <a:rPr lang="en-US" smtClean="0"/>
-              <a:t>19</a:t>
-            </a:fld>
-            <a:endParaRPr lang="en-US" dirty="0"/>
-          </a:p>
-        </p:txBody>
-      </p:sp>
-      <p:sp>
-        <p:nvSpPr>
-          <p:cNvPr id="8" name="Oval 7"/>
-          <p:cNvSpPr/>
+          <p:cNvPr id="21" name="Oval 20"/>
+          <p:cNvSpPr>
+            <a:spLocks noChangeArrowheads="1"/>
+          </p:cNvSpPr>
           <p:nvPr/>
         </p:nvSpPr>
-        <p:spPr>
+        <p:spPr bwMode="auto">
           <a:xfrm>
-            <a:off x="1854200" y="1750556"/>
-            <a:ext cx="4394200" cy="4262331"/>
+            <a:off x="-2675304" y="841182"/>
+            <a:ext cx="14079125" cy="5347908"/>
           </a:xfrm>
           <a:prstGeom prst="ellipse">
             <a:avLst/>
           </a:prstGeom>
-          <a:gradFill flip="none" rotWithShape="1">
-            <a:gsLst>
-              <a:gs pos="0">
-                <a:schemeClr val="accent1"/>
-              </a:gs>
-              <a:gs pos="100000">
-                <a:srgbClr val="FFFFFF"/>
-              </a:gs>
-            </a:gsLst>
-            <a:lin ang="3180000" scaled="0"/>
-            <a:tileRect/>
-          </a:gradFill>
-        </p:spPr>
-        <p:style>
-          <a:lnRef idx="2">
-            <a:schemeClr val="accent1">
-              <a:shade val="50000"/>
-            </a:schemeClr>
-          </a:lnRef>
-          <a:fillRef idx="1">
-            <a:schemeClr val="accent1"/>
-          </a:fillRef>
-          <a:effectRef idx="0">
-            <a:schemeClr val="accent1"/>
-          </a:effectRef>
-          <a:fontRef idx="minor">
-            <a:schemeClr val="lt1"/>
-          </a:fontRef>
-        </p:style>
-        <p:txBody>
-          <a:bodyPr rtlCol="0" anchor="ctr"/>
-          <a:lstStyle/>
-          <a:p>
-            <a:pPr algn="ctr"/>
-            <a:endParaRPr lang="en-US" sz="3200" dirty="0"/>
-          </a:p>
-        </p:txBody>
-      </p:sp>
-      <p:sp>
-        <p:nvSpPr>
-          <p:cNvPr id="7" name="Oval 6"/>
+          <a:solidFill>
+            <a:srgbClr val="FFFF75">
+              <a:alpha val="25000"/>
+            </a:srgbClr>
+          </a:solidFill>
+          <a:ln w="9525">
+            <a:solidFill>
+              <a:srgbClr val="000000"/>
+            </a:solidFill>
+            <a:round/>
+            <a:headEnd/>
+            <a:tailEnd/>
+          </a:ln>
+        </p:spPr>
+        <p:txBody>
+          <a:bodyPr vert="horz" wrap="square" lIns="91440" tIns="45720" rIns="91440" bIns="45720" numCol="1" anchor="t" anchorCtr="0" compatLnSpc="1">
+            <a:prstTxWarp prst="textNoShape">
+              <a:avLst/>
+            </a:prstTxWarp>
+          </a:bodyPr>
+          <a:lstStyle/>
+          <a:p>
+            <a:endParaRPr lang="en-US"/>
+          </a:p>
+        </p:txBody>
+      </p:sp>
+      <p:sp>
+        <p:nvSpPr>
+          <p:cNvPr id="4" name="Oval 3"/>
           <p:cNvSpPr/>
           <p:nvPr/>
         </p:nvSpPr>
         <p:spPr>
           <a:xfrm>
-            <a:off x="4136337" y="4216400"/>
-            <a:ext cx="727569" cy="733143"/>
+            <a:off x="447098" y="949290"/>
+            <a:ext cx="5191794" cy="5097982"/>
           </a:xfrm>
           <a:prstGeom prst="ellipse">
             <a:avLst/>
           </a:prstGeom>
+          <a:solidFill>
+            <a:schemeClr val="accent2">
+              <a:lumMod val="60000"/>
+              <a:lumOff val="40000"/>
+            </a:schemeClr>
+          </a:solidFill>
         </p:spPr>
         <p:style>
           <a:lnRef idx="2">
@@ -15623,36 +14787,70 @@
           <a:lstStyle/>
           <a:p>
             <a:pPr algn="ctr"/>
-            <a:endParaRPr lang="en-US" sz="3200" dirty="0"/>
-          </a:p>
-        </p:txBody>
-      </p:sp>
-      <p:sp>
-        <p:nvSpPr>
-          <p:cNvPr id="12" name="Oval 11"/>
+            <a:endParaRPr lang="en-US"/>
+          </a:p>
+        </p:txBody>
+      </p:sp>
+      <p:sp>
+        <p:nvSpPr>
+          <p:cNvPr id="23" name="TextBox 22"/>
+          <p:cNvSpPr txBox="1"/>
+          <p:nvPr/>
+        </p:nvSpPr>
+        <p:spPr>
+          <a:xfrm>
+            <a:off x="4857936" y="3094971"/>
+            <a:ext cx="3978674" cy="2308324"/>
+          </a:xfrm>
+          <a:prstGeom prst="rect">
+            <a:avLst/>
+          </a:prstGeom>
+          <a:noFill/>
+        </p:spPr>
+        <p:txBody>
+          <a:bodyPr wrap="square" rtlCol="0">
+            <a:spAutoFit/>
+          </a:bodyPr>
+          <a:lstStyle/>
+          <a:p>
+            <a:pPr algn="ctr"/>
+            <a:r>
+              <a:rPr lang="en-US" sz="2400" dirty="0" smtClean="0"/>
+              <a:t>Our study (yellow circle) examines 3090 individuals drawn from those with chronic Lyme disease, a population that has not been studied previously</a:t>
+            </a:r>
+            <a:endParaRPr lang="en-US" sz="2400" dirty="0"/>
+          </a:p>
+        </p:txBody>
+      </p:sp>
+      <p:sp>
+        <p:nvSpPr>
+          <p:cNvPr id="16" name="Oval 15"/>
           <p:cNvSpPr/>
           <p:nvPr/>
         </p:nvSpPr>
         <p:spPr>
           <a:xfrm>
-            <a:off x="3346379" y="4837293"/>
-            <a:ext cx="727569" cy="733143"/>
+            <a:off x="4222930" y="3415008"/>
+            <a:ext cx="51918" cy="50980"/>
           </a:xfrm>
           <a:prstGeom prst="ellipse">
             <a:avLst/>
           </a:prstGeom>
+          <a:solidFill>
+            <a:srgbClr val="FFFF00"/>
+          </a:solidFill>
         </p:spPr>
         <p:style>
           <a:lnRef idx="2">
-            <a:schemeClr val="accent2">
+            <a:schemeClr val="accent6">
               <a:shade val="50000"/>
             </a:schemeClr>
           </a:lnRef>
           <a:fillRef idx="1">
-            <a:schemeClr val="accent2"/>
+            <a:schemeClr val="accent6"/>
           </a:fillRef>
           <a:effectRef idx="0">
-            <a:schemeClr val="accent2"/>
+            <a:schemeClr val="accent6"/>
           </a:effectRef>
           <a:fontRef idx="minor">
             <a:schemeClr val="lt1"/>
@@ -15663,36 +14861,99 @@
           <a:lstStyle/>
           <a:p>
             <a:pPr algn="ctr"/>
-            <a:endParaRPr lang="en-US" sz="3200" dirty="0"/>
-          </a:p>
-        </p:txBody>
-      </p:sp>
-      <p:sp>
-        <p:nvSpPr>
-          <p:cNvPr id="13" name="Oval 12"/>
+            <a:endParaRPr lang="en-US"/>
+          </a:p>
+        </p:txBody>
+      </p:sp>
+      <p:cxnSp>
+        <p:nvCxnSpPr>
+          <p:cNvPr id="24" name="Straight Connector 23"/>
+          <p:cNvCxnSpPr/>
+          <p:nvPr/>
+        </p:nvCxnSpPr>
+        <p:spPr>
+          <a:xfrm>
+            <a:off x="4407422" y="3415008"/>
+            <a:ext cx="653643" cy="0"/>
+          </a:xfrm>
+          <a:prstGeom prst="line">
+            <a:avLst/>
+          </a:prstGeom>
+        </p:spPr>
+        <p:style>
+          <a:lnRef idx="1">
+            <a:schemeClr val="accent5"/>
+          </a:lnRef>
+          <a:fillRef idx="0">
+            <a:schemeClr val="accent5"/>
+          </a:fillRef>
+          <a:effectRef idx="0">
+            <a:schemeClr val="accent5"/>
+          </a:effectRef>
+          <a:fontRef idx="minor">
+            <a:schemeClr val="tx1"/>
+          </a:fontRef>
+        </p:style>
+      </p:cxnSp>
+      <p:sp>
+        <p:nvSpPr>
+          <p:cNvPr id="18" name="TextBox 17"/>
+          <p:cNvSpPr txBox="1"/>
+          <p:nvPr/>
+        </p:nvSpPr>
+        <p:spPr>
+          <a:xfrm>
+            <a:off x="1497203" y="44773"/>
+            <a:ext cx="5123499" cy="830997"/>
+          </a:xfrm>
+          <a:prstGeom prst="rect">
+            <a:avLst/>
+          </a:prstGeom>
+          <a:noFill/>
+        </p:spPr>
+        <p:txBody>
+          <a:bodyPr wrap="square" rtlCol="0">
+            <a:spAutoFit/>
+          </a:bodyPr>
+          <a:lstStyle/>
+          <a:p>
+            <a:r>
+              <a:rPr lang="en-US" sz="2400" dirty="0" smtClean="0"/>
+              <a:t>The CDC Estimates 300,000 per year contract Lyme disease </a:t>
+            </a:r>
+            <a:endParaRPr lang="en-US" sz="2400" dirty="0"/>
+          </a:p>
+        </p:txBody>
+      </p:sp>
+      <p:sp>
+        <p:nvSpPr>
+          <p:cNvPr id="27" name="Oval 26"/>
           <p:cNvSpPr/>
           <p:nvPr/>
         </p:nvSpPr>
         <p:spPr>
           <a:xfrm>
-            <a:off x="4652521" y="3392628"/>
-            <a:ext cx="727569" cy="733143"/>
+            <a:off x="4111226" y="3315127"/>
+            <a:ext cx="316699" cy="310977"/>
           </a:xfrm>
           <a:prstGeom prst="ellipse">
             <a:avLst/>
           </a:prstGeom>
+          <a:solidFill>
+            <a:srgbClr val="FFFF00"/>
+          </a:solidFill>
         </p:spPr>
         <p:style>
           <a:lnRef idx="2">
-            <a:schemeClr val="accent2">
+            <a:schemeClr val="accent3">
               <a:shade val="50000"/>
             </a:schemeClr>
           </a:lnRef>
           <a:fillRef idx="1">
-            <a:schemeClr val="accent2"/>
+            <a:schemeClr val="accent3"/>
           </a:fillRef>
           <a:effectRef idx="0">
-            <a:schemeClr val="accent2"/>
+            <a:schemeClr val="accent3"/>
           </a:effectRef>
           <a:fontRef idx="minor">
             <a:schemeClr val="lt1"/>
@@ -15703,94 +14964,14 @@
           <a:lstStyle/>
           <a:p>
             <a:pPr algn="ctr"/>
-            <a:endParaRPr lang="en-US" sz="3200" dirty="0"/>
-          </a:p>
-        </p:txBody>
-      </p:sp>
-      <p:sp>
-        <p:nvSpPr>
-          <p:cNvPr id="14" name="Oval 13"/>
-          <p:cNvSpPr/>
-          <p:nvPr/>
-        </p:nvSpPr>
-        <p:spPr>
-          <a:xfrm>
-            <a:off x="5016305" y="4216400"/>
-            <a:ext cx="727569" cy="733143"/>
-          </a:xfrm>
-          <a:prstGeom prst="ellipse">
-            <a:avLst/>
-          </a:prstGeom>
-        </p:spPr>
-        <p:style>
-          <a:lnRef idx="2">
-            <a:schemeClr val="accent2">
-              <a:shade val="50000"/>
-            </a:schemeClr>
-          </a:lnRef>
-          <a:fillRef idx="1">
-            <a:schemeClr val="accent2"/>
-          </a:fillRef>
-          <a:effectRef idx="0">
-            <a:schemeClr val="accent2"/>
-          </a:effectRef>
-          <a:fontRef idx="minor">
-            <a:schemeClr val="lt1"/>
-          </a:fontRef>
-        </p:style>
-        <p:txBody>
-          <a:bodyPr rtlCol="0" anchor="ctr"/>
-          <a:lstStyle/>
-          <a:p>
-            <a:pPr algn="ctr"/>
-            <a:endParaRPr lang="en-US" sz="3200" dirty="0"/>
-          </a:p>
-        </p:txBody>
-      </p:sp>
-      <p:sp>
-        <p:nvSpPr>
-          <p:cNvPr id="15" name="Oval 14"/>
-          <p:cNvSpPr/>
-          <p:nvPr/>
-        </p:nvSpPr>
-        <p:spPr>
-          <a:xfrm>
-            <a:off x="3408768" y="2117127"/>
-            <a:ext cx="727569" cy="733143"/>
-          </a:xfrm>
-          <a:prstGeom prst="ellipse">
-            <a:avLst/>
-          </a:prstGeom>
-        </p:spPr>
-        <p:style>
-          <a:lnRef idx="2">
-            <a:schemeClr val="accent2">
-              <a:shade val="50000"/>
-            </a:schemeClr>
-          </a:lnRef>
-          <a:fillRef idx="1">
-            <a:schemeClr val="accent2"/>
-          </a:fillRef>
-          <a:effectRef idx="0">
-            <a:schemeClr val="accent2"/>
-          </a:effectRef>
-          <a:fontRef idx="minor">
-            <a:schemeClr val="lt1"/>
-          </a:fontRef>
-        </p:style>
-        <p:txBody>
-          <a:bodyPr rtlCol="0" anchor="ctr"/>
-          <a:lstStyle/>
-          <a:p>
-            <a:pPr algn="ctr"/>
-            <a:endParaRPr lang="en-US" sz="3200" dirty="0"/>
+            <a:endParaRPr lang="en-US"/>
           </a:p>
         </p:txBody>
       </p:sp>
     </p:spTree>
     <p:extLst>
       <p:ext uri="{BB962C8B-B14F-4D97-AF65-F5344CB8AC3E}">
-        <p14:creationId xmlns:p14="http://schemas.microsoft.com/office/powerpoint/2010/main" val="3084035957"/>
+        <p14:creationId xmlns:p14="http://schemas.microsoft.com/office/powerpoint/2010/main" val="1175561141"/>
       </p:ext>
     </p:extLst>
   </p:cSld>
@@ -15920,7 +15101,7 @@
           <a:p>
             <a:fld id="{7053BEFA-1175-F644-B249-7D41D72BD3FF}" type="datetime1">
               <a:rPr lang="en-US" smtClean="0"/>
-              <a:t>1/21/15</a:t>
+              <a:t>1/25/15</a:t>
             </a:fld>
             <a:endParaRPr lang="en-US"/>
           </a:p>
@@ -16007,359 +15188,161 @@
       </p:grpSpPr>
       <p:sp>
         <p:nvSpPr>
-          <p:cNvPr id="21" name="Oval 20"/>
-          <p:cNvSpPr>
-            <a:spLocks noChangeArrowheads="1"/>
-          </p:cNvSpPr>
-          <p:nvPr/>
-        </p:nvSpPr>
-        <p:spPr bwMode="auto">
-          <a:xfrm>
-            <a:off x="-2675304" y="841182"/>
-            <a:ext cx="14079125" cy="5347908"/>
-          </a:xfrm>
-          <a:prstGeom prst="ellipse">
-            <a:avLst/>
-          </a:prstGeom>
-          <a:solidFill>
-            <a:srgbClr val="FFFF75">
-              <a:alpha val="25000"/>
-            </a:srgbClr>
-          </a:solidFill>
-          <a:ln w="9525">
-            <a:solidFill>
-              <a:srgbClr val="000000"/>
-            </a:solidFill>
-            <a:round/>
-            <a:headEnd/>
-            <a:tailEnd/>
-          </a:ln>
-        </p:spPr>
-        <p:txBody>
-          <a:bodyPr vert="horz" wrap="square" lIns="91440" tIns="45720" rIns="91440" bIns="45720" numCol="1" anchor="t" anchorCtr="0" compatLnSpc="1">
-            <a:prstTxWarp prst="textNoShape">
-              <a:avLst/>
-            </a:prstTxWarp>
-          </a:bodyPr>
-          <a:lstStyle/>
-          <a:p>
-            <a:endParaRPr lang="en-US"/>
-          </a:p>
-        </p:txBody>
-      </p:sp>
-      <p:sp>
-        <p:nvSpPr>
-          <p:cNvPr id="4" name="Oval 3"/>
-          <p:cNvSpPr/>
-          <p:nvPr/>
+          <p:cNvPr id="2" name="Title 1"/>
+          <p:cNvSpPr>
+            <a:spLocks noGrp="1"/>
+          </p:cNvSpPr>
+          <p:nvPr>
+            <p:ph type="title"/>
+          </p:nvPr>
         </p:nvSpPr>
         <p:spPr>
           <a:xfrm>
-            <a:off x="447098" y="949290"/>
-            <a:ext cx="5191794" cy="5097982"/>
+            <a:off x="954132" y="310162"/>
+            <a:ext cx="7223615" cy="990107"/>
           </a:xfrm>
-          <a:prstGeom prst="ellipse">
-            <a:avLst/>
-          </a:prstGeom>
-          <a:solidFill>
-            <a:schemeClr val="accent2">
-              <a:lumMod val="60000"/>
-              <a:lumOff val="40000"/>
-            </a:schemeClr>
-          </a:solidFill>
-        </p:spPr>
-        <p:style>
-          <a:lnRef idx="2">
-            <a:schemeClr val="accent2">
-              <a:shade val="50000"/>
-            </a:schemeClr>
-          </a:lnRef>
-          <a:fillRef idx="1">
-            <a:schemeClr val="accent2"/>
-          </a:fillRef>
-          <a:effectRef idx="0">
-            <a:schemeClr val="accent2"/>
-          </a:effectRef>
-          <a:fontRef idx="minor">
-            <a:schemeClr val="lt1"/>
-          </a:fontRef>
-        </p:style>
-        <p:txBody>
-          <a:bodyPr rtlCol="0" anchor="ctr"/>
-          <a:lstStyle/>
-          <a:p>
-            <a:pPr algn="ctr"/>
+        </p:spPr>
+        <p:txBody>
+          <a:bodyPr/>
+          <a:lstStyle/>
+          <a:p>
+            <a:r>
+              <a:rPr lang="en-US" dirty="0" smtClean="0"/>
+              <a:t>Using Secondary Data for Verification</a:t>
+            </a:r>
+            <a:endParaRPr lang="en-US" dirty="0"/>
+          </a:p>
+        </p:txBody>
+      </p:sp>
+      <p:sp>
+        <p:nvSpPr>
+          <p:cNvPr id="3" name="Content Placeholder 2"/>
+          <p:cNvSpPr>
+            <a:spLocks noGrp="1"/>
+          </p:cNvSpPr>
+          <p:nvPr>
+            <p:ph idx="1"/>
+          </p:nvPr>
+        </p:nvSpPr>
+        <p:spPr/>
+        <p:txBody>
+          <a:bodyPr/>
+          <a:lstStyle/>
+          <a:p>
+            <a:pPr marL="0" indent="0">
+              <a:buNone/>
+            </a:pPr>
+            <a:r>
+              <a:rPr lang="en-US" dirty="0" smtClean="0"/>
+              <a:t>How do you determine the quality of the sample you have?</a:t>
+            </a:r>
+          </a:p>
+          <a:p>
+            <a:pPr>
+              <a:buFontTx/>
+              <a:buChar char="-"/>
+            </a:pPr>
+            <a:r>
+              <a:rPr lang="en-US" dirty="0" smtClean="0"/>
+              <a:t>Compare demographics to ‘known, good’ samples (</a:t>
+            </a:r>
+            <a:r>
+              <a:rPr lang="en-US" i="1" dirty="0" smtClean="0"/>
+              <a:t>e.g.</a:t>
+            </a:r>
+            <a:r>
+              <a:rPr lang="en-US" dirty="0" smtClean="0"/>
+              <a:t>, census data)</a:t>
+            </a:r>
+          </a:p>
+          <a:p>
+            <a:pPr>
+              <a:buFontTx/>
+              <a:buChar char="-"/>
+            </a:pPr>
+            <a:r>
+              <a:rPr lang="en-US" dirty="0" smtClean="0"/>
+              <a:t>Needs to relate to variables of interest</a:t>
+            </a:r>
+          </a:p>
+          <a:p>
+            <a:pPr>
+              <a:buFontTx/>
+              <a:buChar char="-"/>
+            </a:pPr>
+            <a:endParaRPr lang="en-US" dirty="0"/>
+          </a:p>
+        </p:txBody>
+      </p:sp>
+      <p:sp>
+        <p:nvSpPr>
+          <p:cNvPr id="4" name="Date Placeholder 3"/>
+          <p:cNvSpPr>
+            <a:spLocks noGrp="1"/>
+          </p:cNvSpPr>
+          <p:nvPr>
+            <p:ph type="dt" sz="half" idx="10"/>
+          </p:nvPr>
+        </p:nvSpPr>
+        <p:spPr/>
+        <p:txBody>
+          <a:bodyPr/>
+          <a:lstStyle/>
+          <a:p>
+            <a:fld id="{7053BEFA-1175-F644-B249-7D41D72BD3FF}" type="datetime1">
+              <a:rPr lang="en-US" smtClean="0"/>
+              <a:t>1/25/15</a:t>
+            </a:fld>
             <a:endParaRPr lang="en-US"/>
           </a:p>
         </p:txBody>
       </p:sp>
       <p:sp>
         <p:nvSpPr>
-          <p:cNvPr id="6" name="Oval 5"/>
-          <p:cNvSpPr/>
-          <p:nvPr/>
-        </p:nvSpPr>
-        <p:spPr>
-          <a:xfrm>
-            <a:off x="2877906" y="3865429"/>
-            <a:ext cx="519179" cy="509798"/>
-          </a:xfrm>
-          <a:prstGeom prst="ellipse">
-            <a:avLst/>
-          </a:prstGeom>
-        </p:spPr>
-        <p:style>
-          <a:lnRef idx="2">
-            <a:schemeClr val="accent3">
-              <a:shade val="50000"/>
-            </a:schemeClr>
-          </a:lnRef>
-          <a:fillRef idx="1">
-            <a:schemeClr val="accent3"/>
-          </a:fillRef>
-          <a:effectRef idx="0">
-            <a:schemeClr val="accent3"/>
-          </a:effectRef>
-          <a:fontRef idx="minor">
-            <a:schemeClr val="lt1"/>
-          </a:fontRef>
-        </p:style>
-        <p:txBody>
-          <a:bodyPr rtlCol="0" anchor="ctr"/>
-          <a:lstStyle/>
-          <a:p>
-            <a:pPr algn="ctr"/>
-            <a:endParaRPr lang="en-US"/>
-          </a:p>
-        </p:txBody>
-      </p:sp>
-      <p:sp>
-        <p:nvSpPr>
-          <p:cNvPr id="9" name="TextBox 8"/>
-          <p:cNvSpPr txBox="1"/>
-          <p:nvPr/>
-        </p:nvSpPr>
-        <p:spPr>
-          <a:xfrm>
-            <a:off x="1720555" y="4526406"/>
-            <a:ext cx="4332658" cy="830997"/>
-          </a:xfrm>
-          <a:prstGeom prst="rect">
-            <a:avLst/>
-          </a:prstGeom>
-          <a:noFill/>
-        </p:spPr>
-        <p:txBody>
-          <a:bodyPr wrap="square" rtlCol="0">
-            <a:spAutoFit/>
-          </a:bodyPr>
-          <a:lstStyle/>
-          <a:p>
-            <a:pPr algn="ctr"/>
-            <a:r>
-              <a:rPr lang="en-US" sz="2400" dirty="0" smtClean="0"/>
-              <a:t>Of these, </a:t>
-            </a:r>
-            <a:r>
-              <a:rPr lang="en-US" sz="2400" dirty="0"/>
-              <a:t>the CDC found just </a:t>
-            </a:r>
-            <a:r>
-              <a:rPr lang="en-US" sz="2400" dirty="0" smtClean="0"/>
-              <a:t>21 (1/2 %) had chronic Lyme disease</a:t>
-            </a:r>
-            <a:endParaRPr lang="en-US" sz="2400" dirty="0"/>
-          </a:p>
-        </p:txBody>
-      </p:sp>
-      <p:sp>
-        <p:nvSpPr>
-          <p:cNvPr id="16" name="Oval 15"/>
-          <p:cNvSpPr/>
-          <p:nvPr/>
-        </p:nvSpPr>
-        <p:spPr>
-          <a:xfrm>
-            <a:off x="4222930" y="3415008"/>
-            <a:ext cx="51918" cy="50980"/>
-          </a:xfrm>
-          <a:prstGeom prst="ellipse">
-            <a:avLst/>
-          </a:prstGeom>
-          <a:solidFill>
-            <a:srgbClr val="FFFF00"/>
-          </a:solidFill>
-        </p:spPr>
-        <p:style>
-          <a:lnRef idx="2">
-            <a:schemeClr val="accent6">
-              <a:shade val="50000"/>
-            </a:schemeClr>
-          </a:lnRef>
-          <a:fillRef idx="1">
-            <a:schemeClr val="accent6"/>
-          </a:fillRef>
-          <a:effectRef idx="0">
-            <a:schemeClr val="accent6"/>
-          </a:effectRef>
-          <a:fontRef idx="minor">
-            <a:schemeClr val="lt1"/>
-          </a:fontRef>
-        </p:style>
-        <p:txBody>
-          <a:bodyPr rtlCol="0" anchor="ctr"/>
-          <a:lstStyle/>
-          <a:p>
-            <a:pPr algn="ctr"/>
-            <a:endParaRPr lang="en-US"/>
-          </a:p>
-        </p:txBody>
-      </p:sp>
-      <p:sp>
-        <p:nvSpPr>
-          <p:cNvPr id="18" name="TextBox 17"/>
-          <p:cNvSpPr txBox="1"/>
-          <p:nvPr/>
-        </p:nvSpPr>
-        <p:spPr>
-          <a:xfrm>
-            <a:off x="1497203" y="44773"/>
-            <a:ext cx="5123499" cy="830997"/>
-          </a:xfrm>
-          <a:prstGeom prst="rect">
-            <a:avLst/>
-          </a:prstGeom>
-          <a:noFill/>
-        </p:spPr>
-        <p:txBody>
-          <a:bodyPr wrap="square" rtlCol="0">
-            <a:spAutoFit/>
-          </a:bodyPr>
-          <a:lstStyle/>
-          <a:p>
-            <a:r>
-              <a:rPr lang="en-US" sz="2400" dirty="0" smtClean="0"/>
-              <a:t>The CDC Estimates 300,000 per year contract Lyme disease </a:t>
-            </a:r>
-            <a:endParaRPr lang="en-US" sz="2400" dirty="0"/>
-          </a:p>
-        </p:txBody>
-      </p:sp>
-      <p:sp>
-        <p:nvSpPr>
-          <p:cNvPr id="10" name="Oval 9"/>
-          <p:cNvSpPr/>
-          <p:nvPr/>
-        </p:nvSpPr>
-        <p:spPr>
-          <a:xfrm>
-            <a:off x="3137229" y="2522583"/>
-            <a:ext cx="1869046" cy="1835274"/>
-          </a:xfrm>
-          <a:prstGeom prst="ellipse">
-            <a:avLst/>
-          </a:prstGeom>
-        </p:spPr>
-        <p:style>
-          <a:lnRef idx="2">
-            <a:schemeClr val="accent1">
-              <a:shade val="50000"/>
-            </a:schemeClr>
-          </a:lnRef>
-          <a:fillRef idx="1">
-            <a:schemeClr val="accent1"/>
-          </a:fillRef>
-          <a:effectRef idx="0">
-            <a:schemeClr val="accent1"/>
-          </a:effectRef>
-          <a:fontRef idx="minor">
-            <a:schemeClr val="lt1"/>
-          </a:fontRef>
-        </p:style>
-        <p:txBody>
-          <a:bodyPr rtlCol="0" anchor="ctr"/>
-          <a:lstStyle/>
-          <a:p>
-            <a:pPr algn="ctr"/>
-            <a:endParaRPr lang="en-US"/>
-          </a:p>
-        </p:txBody>
-      </p:sp>
-      <p:sp>
-        <p:nvSpPr>
-          <p:cNvPr id="11" name="TextBox 10"/>
-          <p:cNvSpPr txBox="1"/>
-          <p:nvPr/>
-        </p:nvSpPr>
-        <p:spPr>
-          <a:xfrm>
-            <a:off x="5638892" y="1447704"/>
-            <a:ext cx="2836228" cy="2308324"/>
-          </a:xfrm>
-          <a:prstGeom prst="rect">
-            <a:avLst/>
-          </a:prstGeom>
-          <a:noFill/>
-        </p:spPr>
-        <p:txBody>
-          <a:bodyPr wrap="square" rtlCol="0">
-            <a:spAutoFit/>
-          </a:bodyPr>
-          <a:lstStyle/>
-          <a:p>
-            <a:pPr algn="ctr"/>
-            <a:r>
-              <a:rPr lang="en-US" sz="2400" dirty="0" smtClean="0"/>
-              <a:t>But estimates suggest that approximately 36% of people with Lyme disease develop chronic symptoms</a:t>
-            </a:r>
-            <a:endParaRPr lang="en-US" sz="2400" dirty="0"/>
-          </a:p>
-        </p:txBody>
-      </p:sp>
-      <p:sp>
-        <p:nvSpPr>
-          <p:cNvPr id="12" name="Oval 11"/>
-          <p:cNvSpPr/>
-          <p:nvPr/>
-        </p:nvSpPr>
-        <p:spPr>
-          <a:xfrm>
-            <a:off x="3248561" y="3927161"/>
-            <a:ext cx="83069" cy="81568"/>
-          </a:xfrm>
-          <a:prstGeom prst="ellipse">
-            <a:avLst/>
-          </a:prstGeom>
-        </p:spPr>
-        <p:style>
-          <a:lnRef idx="2">
-            <a:schemeClr val="accent1">
-              <a:shade val="50000"/>
-            </a:schemeClr>
-          </a:lnRef>
-          <a:fillRef idx="1">
-            <a:schemeClr val="accent1"/>
-          </a:fillRef>
-          <a:effectRef idx="0">
-            <a:schemeClr val="accent1"/>
-          </a:effectRef>
-          <a:fontRef idx="minor">
-            <a:schemeClr val="lt1"/>
-          </a:fontRef>
-        </p:style>
-        <p:txBody>
-          <a:bodyPr rtlCol="0" anchor="ctr"/>
-          <a:lstStyle/>
-          <a:p>
-            <a:pPr algn="ctr"/>
-            <a:endParaRPr lang="en-US"/>
+          <p:cNvPr id="5" name="Footer Placeholder 4"/>
+          <p:cNvSpPr>
+            <a:spLocks noGrp="1"/>
+          </p:cNvSpPr>
+          <p:nvPr>
+            <p:ph type="ftr" sz="quarter" idx="11"/>
+          </p:nvPr>
+        </p:nvSpPr>
+        <p:spPr/>
+        <p:txBody>
+          <a:bodyPr/>
+          <a:lstStyle/>
+          <a:p>
+            <a:endParaRPr lang="en-US" dirty="0"/>
+          </a:p>
+        </p:txBody>
+      </p:sp>
+      <p:sp>
+        <p:nvSpPr>
+          <p:cNvPr id="6" name="Slide Number Placeholder 5"/>
+          <p:cNvSpPr>
+            <a:spLocks noGrp="1"/>
+          </p:cNvSpPr>
+          <p:nvPr>
+            <p:ph type="sldNum" sz="quarter" idx="12"/>
+          </p:nvPr>
+        </p:nvSpPr>
+        <p:spPr/>
+        <p:txBody>
+          <a:bodyPr/>
+          <a:lstStyle/>
+          <a:p>
+            <a:fld id="{17E276FA-8F89-B34D-A726-BE3FA1F8DD97}" type="slidenum">
+              <a:rPr lang="en-US" smtClean="0"/>
+              <a:t>20</a:t>
+            </a:fld>
+            <a:endParaRPr lang="en-US" dirty="0"/>
           </a:p>
         </p:txBody>
       </p:sp>
     </p:spTree>
     <p:extLst>
       <p:ext uri="{BB962C8B-B14F-4D97-AF65-F5344CB8AC3E}">
-        <p14:creationId xmlns:p14="http://schemas.microsoft.com/office/powerpoint/2010/main" val="902038134"/>
+        <p14:creationId xmlns:p14="http://schemas.microsoft.com/office/powerpoint/2010/main" val="2784711497"/>
       </p:ext>
     </p:extLst>
   </p:cSld>
@@ -16521,46 +15504,16 @@
           </a:p>
         </p:txBody>
       </p:sp>
-      <p:cxnSp>
-        <p:nvCxnSpPr>
-          <p:cNvPr id="20" name="Straight Connector 19"/>
-          <p:cNvCxnSpPr/>
-          <p:nvPr/>
-        </p:nvCxnSpPr>
-        <p:spPr>
-          <a:xfrm flipH="1" flipV="1">
-            <a:off x="4035138" y="2648033"/>
-            <a:ext cx="3462" cy="247567"/>
-          </a:xfrm>
-          <a:prstGeom prst="line">
-            <a:avLst/>
-          </a:prstGeom>
-        </p:spPr>
-        <p:style>
-          <a:lnRef idx="1">
-            <a:schemeClr val="accent5"/>
-          </a:lnRef>
-          <a:fillRef idx="0">
-            <a:schemeClr val="accent5"/>
-          </a:fillRef>
-          <a:effectRef idx="0">
-            <a:schemeClr val="accent5"/>
-          </a:effectRef>
-          <a:fontRef idx="minor">
-            <a:schemeClr val="tx1"/>
-          </a:fontRef>
-        </p:style>
-      </p:cxnSp>
-      <p:sp>
-        <p:nvSpPr>
-          <p:cNvPr id="23" name="TextBox 22"/>
+      <p:sp>
+        <p:nvSpPr>
+          <p:cNvPr id="7" name="TextBox 6"/>
           <p:cNvSpPr txBox="1"/>
           <p:nvPr/>
         </p:nvSpPr>
         <p:spPr>
           <a:xfrm>
-            <a:off x="4857936" y="3094971"/>
-            <a:ext cx="3978674" cy="2308324"/>
+            <a:off x="786819" y="2265660"/>
+            <a:ext cx="4702050" cy="1200328"/>
           </a:xfrm>
           <a:prstGeom prst="rect">
             <a:avLst/>
@@ -16575,8 +15528,12 @@
           <a:p>
             <a:pPr algn="ctr"/>
             <a:r>
+              <a:rPr lang="en-US" sz="2400" dirty="0"/>
+              <a:t>T</a:t>
+            </a:r>
+            <a:r>
               <a:rPr lang="en-US" sz="2400" dirty="0" smtClean="0"/>
-              <a:t>Our study (yellow circle) examines 3090 individuals drawn from those with chronic Lyme disease, a population that has not been studied previously</a:t>
+              <a:t>he 5,000 cases on which our current understanding of Lyme Disease is based</a:t>
             </a:r>
             <a:endParaRPr lang="en-US" sz="2400" dirty="0"/>
           </a:p>
@@ -16627,28 +15584,31 @@
       </p:sp>
       <p:cxnSp>
         <p:nvCxnSpPr>
-          <p:cNvPr id="24" name="Straight Connector 23"/>
-          <p:cNvCxnSpPr/>
+          <p:cNvPr id="17" name="Straight Connector 16"/>
+          <p:cNvCxnSpPr>
+            <a:endCxn id="7" idx="2"/>
+          </p:cNvCxnSpPr>
           <p:nvPr/>
         </p:nvCxnSpPr>
         <p:spPr>
-          <a:xfrm>
-            <a:off x="4407422" y="3415008"/>
-            <a:ext cx="653643" cy="0"/>
+          <a:xfrm flipV="1">
+            <a:off x="3137844" y="3465988"/>
+            <a:ext cx="0" cy="259345"/>
           </a:xfrm>
           <a:prstGeom prst="line">
             <a:avLst/>
           </a:prstGeom>
+          <a:ln/>
         </p:spPr>
         <p:style>
           <a:lnRef idx="1">
-            <a:schemeClr val="accent5"/>
+            <a:schemeClr val="accent1"/>
           </a:lnRef>
           <a:fillRef idx="0">
-            <a:schemeClr val="accent5"/>
+            <a:schemeClr val="accent1"/>
           </a:fillRef>
           <a:effectRef idx="0">
-            <a:schemeClr val="accent5"/>
+            <a:schemeClr val="accent1"/>
           </a:effectRef>
           <a:fontRef idx="minor">
             <a:schemeClr val="tx1"/>
@@ -16687,87 +15647,7 @@
       </p:sp>
       <p:sp>
         <p:nvSpPr>
-          <p:cNvPr id="22" name="Oval 21"/>
-          <p:cNvSpPr/>
-          <p:nvPr/>
-        </p:nvSpPr>
-        <p:spPr>
-          <a:xfrm>
-            <a:off x="3248561" y="3927161"/>
-            <a:ext cx="83069" cy="81568"/>
-          </a:xfrm>
-          <a:prstGeom prst="ellipse">
-            <a:avLst/>
-          </a:prstGeom>
-        </p:spPr>
-        <p:style>
-          <a:lnRef idx="2">
-            <a:schemeClr val="accent1">
-              <a:shade val="50000"/>
-            </a:schemeClr>
-          </a:lnRef>
-          <a:fillRef idx="1">
-            <a:schemeClr val="accent1"/>
-          </a:fillRef>
-          <a:effectRef idx="0">
-            <a:schemeClr val="accent1"/>
-          </a:effectRef>
-          <a:fontRef idx="minor">
-            <a:schemeClr val="lt1"/>
-          </a:fontRef>
-        </p:style>
-        <p:txBody>
-          <a:bodyPr rtlCol="0" anchor="ctr"/>
-          <a:lstStyle/>
-          <a:p>
-            <a:pPr algn="ctr"/>
-            <a:endParaRPr lang="en-US"/>
-          </a:p>
-        </p:txBody>
-      </p:sp>
-      <p:sp>
-        <p:nvSpPr>
-          <p:cNvPr id="26" name="Oval 25"/>
-          <p:cNvSpPr/>
-          <p:nvPr/>
-        </p:nvSpPr>
-        <p:spPr>
-          <a:xfrm>
-            <a:off x="3137229" y="2522583"/>
-            <a:ext cx="1869046" cy="1835274"/>
-          </a:xfrm>
-          <a:prstGeom prst="ellipse">
-            <a:avLst/>
-          </a:prstGeom>
-        </p:spPr>
-        <p:style>
-          <a:lnRef idx="2">
-            <a:schemeClr val="accent1">
-              <a:shade val="50000"/>
-            </a:schemeClr>
-          </a:lnRef>
-          <a:fillRef idx="1">
-            <a:schemeClr val="accent1"/>
-          </a:fillRef>
-          <a:effectRef idx="0">
-            <a:schemeClr val="accent1"/>
-          </a:effectRef>
-          <a:fontRef idx="minor">
-            <a:schemeClr val="lt1"/>
-          </a:fontRef>
-        </p:style>
-        <p:txBody>
-          <a:bodyPr rtlCol="0" anchor="ctr"/>
-          <a:lstStyle/>
-          <a:p>
-            <a:pPr algn="ctr"/>
-            <a:endParaRPr lang="en-US"/>
-          </a:p>
-        </p:txBody>
-      </p:sp>
-      <p:sp>
-        <p:nvSpPr>
-          <p:cNvPr id="27" name="Oval 26"/>
+          <p:cNvPr id="9" name="Oval 8"/>
           <p:cNvSpPr/>
           <p:nvPr/>
         </p:nvSpPr>
@@ -16811,7 +15691,7 @@
     </p:spTree>
     <p:extLst>
       <p:ext uri="{BB962C8B-B14F-4D97-AF65-F5344CB8AC3E}">
-        <p14:creationId xmlns:p14="http://schemas.microsoft.com/office/powerpoint/2010/main" val="451365115"/>
+        <p14:creationId xmlns:p14="http://schemas.microsoft.com/office/powerpoint/2010/main" val="3900445274"/>
       </p:ext>
     </p:extLst>
   </p:cSld>
@@ -16847,6 +15727,1594 @@
       </p:grpSpPr>
       <p:sp>
         <p:nvSpPr>
+          <p:cNvPr id="21" name="Oval 20"/>
+          <p:cNvSpPr>
+            <a:spLocks noChangeArrowheads="1"/>
+          </p:cNvSpPr>
+          <p:nvPr/>
+        </p:nvSpPr>
+        <p:spPr bwMode="auto">
+          <a:xfrm>
+            <a:off x="-2675304" y="841182"/>
+            <a:ext cx="14079125" cy="5347908"/>
+          </a:xfrm>
+          <a:prstGeom prst="ellipse">
+            <a:avLst/>
+          </a:prstGeom>
+          <a:solidFill>
+            <a:srgbClr val="FFFF75">
+              <a:alpha val="25000"/>
+            </a:srgbClr>
+          </a:solidFill>
+          <a:ln w="9525">
+            <a:solidFill>
+              <a:srgbClr val="000000"/>
+            </a:solidFill>
+            <a:round/>
+            <a:headEnd/>
+            <a:tailEnd/>
+          </a:ln>
+        </p:spPr>
+        <p:txBody>
+          <a:bodyPr vert="horz" wrap="square" lIns="91440" tIns="45720" rIns="91440" bIns="45720" numCol="1" anchor="t" anchorCtr="0" compatLnSpc="1">
+            <a:prstTxWarp prst="textNoShape">
+              <a:avLst/>
+            </a:prstTxWarp>
+          </a:bodyPr>
+          <a:lstStyle/>
+          <a:p>
+            <a:endParaRPr lang="en-US"/>
+          </a:p>
+        </p:txBody>
+      </p:sp>
+      <p:sp>
+        <p:nvSpPr>
+          <p:cNvPr id="4" name="Oval 3"/>
+          <p:cNvSpPr/>
+          <p:nvPr/>
+        </p:nvSpPr>
+        <p:spPr>
+          <a:xfrm>
+            <a:off x="447098" y="949290"/>
+            <a:ext cx="5191794" cy="5097982"/>
+          </a:xfrm>
+          <a:prstGeom prst="ellipse">
+            <a:avLst/>
+          </a:prstGeom>
+          <a:solidFill>
+            <a:schemeClr val="accent2">
+              <a:lumMod val="60000"/>
+              <a:lumOff val="40000"/>
+            </a:schemeClr>
+          </a:solidFill>
+        </p:spPr>
+        <p:style>
+          <a:lnRef idx="2">
+            <a:schemeClr val="accent2">
+              <a:shade val="50000"/>
+            </a:schemeClr>
+          </a:lnRef>
+          <a:fillRef idx="1">
+            <a:schemeClr val="accent2"/>
+          </a:fillRef>
+          <a:effectRef idx="0">
+            <a:schemeClr val="accent2"/>
+          </a:effectRef>
+          <a:fontRef idx="minor">
+            <a:schemeClr val="lt1"/>
+          </a:fontRef>
+        </p:style>
+        <p:txBody>
+          <a:bodyPr rtlCol="0" anchor="ctr"/>
+          <a:lstStyle/>
+          <a:p>
+            <a:pPr algn="ctr"/>
+            <a:endParaRPr lang="en-US"/>
+          </a:p>
+        </p:txBody>
+      </p:sp>
+      <p:sp>
+        <p:nvSpPr>
+          <p:cNvPr id="6" name="Oval 5"/>
+          <p:cNvSpPr/>
+          <p:nvPr/>
+        </p:nvSpPr>
+        <p:spPr>
+          <a:xfrm>
+            <a:off x="2877906" y="3865429"/>
+            <a:ext cx="519179" cy="509798"/>
+          </a:xfrm>
+          <a:prstGeom prst="ellipse">
+            <a:avLst/>
+          </a:prstGeom>
+        </p:spPr>
+        <p:style>
+          <a:lnRef idx="2">
+            <a:schemeClr val="accent3">
+              <a:shade val="50000"/>
+            </a:schemeClr>
+          </a:lnRef>
+          <a:fillRef idx="1">
+            <a:schemeClr val="accent3"/>
+          </a:fillRef>
+          <a:effectRef idx="0">
+            <a:schemeClr val="accent3"/>
+          </a:effectRef>
+          <a:fontRef idx="minor">
+            <a:schemeClr val="lt1"/>
+          </a:fontRef>
+        </p:style>
+        <p:txBody>
+          <a:bodyPr rtlCol="0" anchor="ctr"/>
+          <a:lstStyle/>
+          <a:p>
+            <a:pPr algn="ctr"/>
+            <a:endParaRPr lang="en-US"/>
+          </a:p>
+        </p:txBody>
+      </p:sp>
+      <p:sp>
+        <p:nvSpPr>
+          <p:cNvPr id="8" name="Oval 7"/>
+          <p:cNvSpPr/>
+          <p:nvPr/>
+        </p:nvSpPr>
+        <p:spPr>
+          <a:xfrm>
+            <a:off x="3248561" y="3927161"/>
+            <a:ext cx="83069" cy="81568"/>
+          </a:xfrm>
+          <a:prstGeom prst="ellipse">
+            <a:avLst/>
+          </a:prstGeom>
+        </p:spPr>
+        <p:style>
+          <a:lnRef idx="2">
+            <a:schemeClr val="accent1">
+              <a:shade val="50000"/>
+            </a:schemeClr>
+          </a:lnRef>
+          <a:fillRef idx="1">
+            <a:schemeClr val="accent1"/>
+          </a:fillRef>
+          <a:effectRef idx="0">
+            <a:schemeClr val="accent1"/>
+          </a:effectRef>
+          <a:fontRef idx="minor">
+            <a:schemeClr val="lt1"/>
+          </a:fontRef>
+        </p:style>
+        <p:txBody>
+          <a:bodyPr rtlCol="0" anchor="ctr"/>
+          <a:lstStyle/>
+          <a:p>
+            <a:pPr algn="ctr"/>
+            <a:endParaRPr lang="en-US"/>
+          </a:p>
+        </p:txBody>
+      </p:sp>
+      <p:sp>
+        <p:nvSpPr>
+          <p:cNvPr id="9" name="TextBox 8"/>
+          <p:cNvSpPr txBox="1"/>
+          <p:nvPr/>
+        </p:nvSpPr>
+        <p:spPr>
+          <a:xfrm>
+            <a:off x="1720555" y="4526406"/>
+            <a:ext cx="4332658" cy="830997"/>
+          </a:xfrm>
+          <a:prstGeom prst="rect">
+            <a:avLst/>
+          </a:prstGeom>
+          <a:noFill/>
+        </p:spPr>
+        <p:txBody>
+          <a:bodyPr wrap="square" rtlCol="0">
+            <a:spAutoFit/>
+          </a:bodyPr>
+          <a:lstStyle/>
+          <a:p>
+            <a:pPr algn="ctr"/>
+            <a:r>
+              <a:rPr lang="en-US" sz="2400" dirty="0" smtClean="0"/>
+              <a:t>Of these, </a:t>
+            </a:r>
+            <a:r>
+              <a:rPr lang="en-US" sz="2400" dirty="0"/>
+              <a:t>the CDC found just </a:t>
+            </a:r>
+            <a:r>
+              <a:rPr lang="en-US" sz="2400" dirty="0" smtClean="0"/>
+              <a:t>21 (1/2 %) had chronic Lyme disease</a:t>
+            </a:r>
+            <a:endParaRPr lang="en-US" sz="2400" dirty="0"/>
+          </a:p>
+        </p:txBody>
+      </p:sp>
+      <p:cxnSp>
+        <p:nvCxnSpPr>
+          <p:cNvPr id="15" name="Straight Connector 14"/>
+          <p:cNvCxnSpPr/>
+          <p:nvPr/>
+        </p:nvCxnSpPr>
+        <p:spPr>
+          <a:xfrm flipV="1">
+            <a:off x="3289135" y="4088578"/>
+            <a:ext cx="0" cy="540254"/>
+          </a:xfrm>
+          <a:prstGeom prst="line">
+            <a:avLst/>
+          </a:prstGeom>
+        </p:spPr>
+        <p:style>
+          <a:lnRef idx="1">
+            <a:schemeClr val="accent1"/>
+          </a:lnRef>
+          <a:fillRef idx="0">
+            <a:schemeClr val="accent1"/>
+          </a:fillRef>
+          <a:effectRef idx="0">
+            <a:schemeClr val="accent1"/>
+          </a:effectRef>
+          <a:fontRef idx="minor">
+            <a:schemeClr val="tx1"/>
+          </a:fontRef>
+        </p:style>
+      </p:cxnSp>
+      <p:sp>
+        <p:nvSpPr>
+          <p:cNvPr id="16" name="Oval 15"/>
+          <p:cNvSpPr/>
+          <p:nvPr/>
+        </p:nvSpPr>
+        <p:spPr>
+          <a:xfrm>
+            <a:off x="4222930" y="3415008"/>
+            <a:ext cx="51918" cy="50980"/>
+          </a:xfrm>
+          <a:prstGeom prst="ellipse">
+            <a:avLst/>
+          </a:prstGeom>
+          <a:solidFill>
+            <a:srgbClr val="FFFF00"/>
+          </a:solidFill>
+        </p:spPr>
+        <p:style>
+          <a:lnRef idx="2">
+            <a:schemeClr val="accent6">
+              <a:shade val="50000"/>
+            </a:schemeClr>
+          </a:lnRef>
+          <a:fillRef idx="1">
+            <a:schemeClr val="accent6"/>
+          </a:fillRef>
+          <a:effectRef idx="0">
+            <a:schemeClr val="accent6"/>
+          </a:effectRef>
+          <a:fontRef idx="minor">
+            <a:schemeClr val="lt1"/>
+          </a:fontRef>
+        </p:style>
+        <p:txBody>
+          <a:bodyPr rtlCol="0" anchor="ctr"/>
+          <a:lstStyle/>
+          <a:p>
+            <a:pPr algn="ctr"/>
+            <a:endParaRPr lang="en-US"/>
+          </a:p>
+        </p:txBody>
+      </p:sp>
+      <p:sp>
+        <p:nvSpPr>
+          <p:cNvPr id="18" name="TextBox 17"/>
+          <p:cNvSpPr txBox="1"/>
+          <p:nvPr/>
+        </p:nvSpPr>
+        <p:spPr>
+          <a:xfrm>
+            <a:off x="1497203" y="44773"/>
+            <a:ext cx="5123499" cy="830997"/>
+          </a:xfrm>
+          <a:prstGeom prst="rect">
+            <a:avLst/>
+          </a:prstGeom>
+          <a:noFill/>
+        </p:spPr>
+        <p:txBody>
+          <a:bodyPr wrap="square" rtlCol="0">
+            <a:spAutoFit/>
+          </a:bodyPr>
+          <a:lstStyle/>
+          <a:p>
+            <a:r>
+              <a:rPr lang="en-US" sz="2400" dirty="0" smtClean="0"/>
+              <a:t>The CDC Estimates 300,000 per year contract Lyme disease </a:t>
+            </a:r>
+            <a:endParaRPr lang="en-US" sz="2400" dirty="0"/>
+          </a:p>
+        </p:txBody>
+      </p:sp>
+      <p:sp>
+        <p:nvSpPr>
+          <p:cNvPr id="10" name="Oval 9"/>
+          <p:cNvSpPr/>
+          <p:nvPr/>
+        </p:nvSpPr>
+        <p:spPr>
+          <a:xfrm>
+            <a:off x="4111226" y="3315127"/>
+            <a:ext cx="316699" cy="310977"/>
+          </a:xfrm>
+          <a:prstGeom prst="ellipse">
+            <a:avLst/>
+          </a:prstGeom>
+          <a:solidFill>
+            <a:srgbClr val="FFFF00"/>
+          </a:solidFill>
+        </p:spPr>
+        <p:style>
+          <a:lnRef idx="2">
+            <a:schemeClr val="accent3">
+              <a:shade val="50000"/>
+            </a:schemeClr>
+          </a:lnRef>
+          <a:fillRef idx="1">
+            <a:schemeClr val="accent3"/>
+          </a:fillRef>
+          <a:effectRef idx="0">
+            <a:schemeClr val="accent3"/>
+          </a:effectRef>
+          <a:fontRef idx="minor">
+            <a:schemeClr val="lt1"/>
+          </a:fontRef>
+        </p:style>
+        <p:txBody>
+          <a:bodyPr rtlCol="0" anchor="ctr"/>
+          <a:lstStyle/>
+          <a:p>
+            <a:pPr algn="ctr"/>
+            <a:endParaRPr lang="en-US"/>
+          </a:p>
+        </p:txBody>
+      </p:sp>
+    </p:spTree>
+    <p:extLst>
+      <p:ext uri="{BB962C8B-B14F-4D97-AF65-F5344CB8AC3E}">
+        <p14:creationId xmlns:p14="http://schemas.microsoft.com/office/powerpoint/2010/main" val="3899320676"/>
+      </p:ext>
+    </p:extLst>
+  </p:cSld>
+  <p:clrMapOvr>
+    <a:masterClrMapping/>
+  </p:clrMapOvr>
+  <p:timing>
+    <p:tnLst>
+      <p:par>
+        <p:cTn xmlns:p14="http://schemas.microsoft.com/office/powerpoint/2010/main" id="1" dur="indefinite" restart="never" nodeType="tmRoot"/>
+      </p:par>
+    </p:tnLst>
+  </p:timing>
+</p:sld>
+</file>
+
+<file path=ppt/slides/slide23.xml><?xml version="1.0" encoding="utf-8"?>
+<p:sld xmlns:a="http://schemas.openxmlformats.org/drawingml/2006/main" xmlns:r="http://schemas.openxmlformats.org/officeDocument/2006/relationships" xmlns:p="http://schemas.openxmlformats.org/presentationml/2006/main">
+  <p:cSld>
+    <p:spTree>
+      <p:nvGrpSpPr>
+        <p:cNvPr id="1" name=""/>
+        <p:cNvGrpSpPr/>
+        <p:nvPr/>
+      </p:nvGrpSpPr>
+      <p:grpSpPr>
+        <a:xfrm>
+          <a:off x="0" y="0"/>
+          <a:ext cx="0" cy="0"/>
+          <a:chOff x="0" y="0"/>
+          <a:chExt cx="0" cy="0"/>
+        </a:xfrm>
+      </p:grpSpPr>
+      <p:sp>
+        <p:nvSpPr>
+          <p:cNvPr id="6" name="Title 5"/>
+          <p:cNvSpPr>
+            <a:spLocks noGrp="1"/>
+          </p:cNvSpPr>
+          <p:nvPr>
+            <p:ph type="title"/>
+          </p:nvPr>
+        </p:nvSpPr>
+        <p:spPr/>
+        <p:txBody>
+          <a:bodyPr/>
+          <a:lstStyle/>
+          <a:p>
+            <a:r>
+              <a:rPr lang="en-US" dirty="0" smtClean="0"/>
+              <a:t>But what if your population looks like this?</a:t>
+            </a:r>
+            <a:endParaRPr lang="en-US" dirty="0"/>
+          </a:p>
+        </p:txBody>
+      </p:sp>
+      <p:sp>
+        <p:nvSpPr>
+          <p:cNvPr id="4" name="Date Placeholder 3"/>
+          <p:cNvSpPr>
+            <a:spLocks noGrp="1"/>
+          </p:cNvSpPr>
+          <p:nvPr>
+            <p:ph type="dt" sz="half" idx="10"/>
+          </p:nvPr>
+        </p:nvSpPr>
+        <p:spPr/>
+        <p:txBody>
+          <a:bodyPr/>
+          <a:lstStyle/>
+          <a:p>
+            <a:fld id="{111EEF3B-ABF2-AA4E-9E24-0C6256942674}" type="datetime1">
+              <a:rPr lang="en-US" smtClean="0"/>
+              <a:t>1/25/15</a:t>
+            </a:fld>
+            <a:endParaRPr lang="en-US"/>
+          </a:p>
+        </p:txBody>
+      </p:sp>
+      <p:sp>
+        <p:nvSpPr>
+          <p:cNvPr id="5" name="Slide Number Placeholder 4"/>
+          <p:cNvSpPr>
+            <a:spLocks noGrp="1"/>
+          </p:cNvSpPr>
+          <p:nvPr>
+            <p:ph type="sldNum" sz="quarter" idx="12"/>
+          </p:nvPr>
+        </p:nvSpPr>
+        <p:spPr/>
+        <p:txBody>
+          <a:bodyPr/>
+          <a:lstStyle/>
+          <a:p>
+            <a:fld id="{17E276FA-8F89-B34D-A726-BE3FA1F8DD97}" type="slidenum">
+              <a:rPr lang="en-US" smtClean="0"/>
+              <a:t>23</a:t>
+            </a:fld>
+            <a:endParaRPr lang="en-US" dirty="0"/>
+          </a:p>
+        </p:txBody>
+      </p:sp>
+      <p:sp>
+        <p:nvSpPr>
+          <p:cNvPr id="8" name="Oval 7"/>
+          <p:cNvSpPr/>
+          <p:nvPr/>
+        </p:nvSpPr>
+        <p:spPr>
+          <a:xfrm>
+            <a:off x="1854200" y="1750556"/>
+            <a:ext cx="4394200" cy="4262331"/>
+          </a:xfrm>
+          <a:prstGeom prst="ellipse">
+            <a:avLst/>
+          </a:prstGeom>
+          <a:gradFill flip="none" rotWithShape="1">
+            <a:gsLst>
+              <a:gs pos="0">
+                <a:schemeClr val="accent1"/>
+              </a:gs>
+              <a:gs pos="100000">
+                <a:srgbClr val="FFFFFF"/>
+              </a:gs>
+            </a:gsLst>
+            <a:lin ang="3180000" scaled="0"/>
+            <a:tileRect/>
+          </a:gradFill>
+        </p:spPr>
+        <p:style>
+          <a:lnRef idx="2">
+            <a:schemeClr val="accent1">
+              <a:shade val="50000"/>
+            </a:schemeClr>
+          </a:lnRef>
+          <a:fillRef idx="1">
+            <a:schemeClr val="accent1"/>
+          </a:fillRef>
+          <a:effectRef idx="0">
+            <a:schemeClr val="accent1"/>
+          </a:effectRef>
+          <a:fontRef idx="minor">
+            <a:schemeClr val="lt1"/>
+          </a:fontRef>
+        </p:style>
+        <p:txBody>
+          <a:bodyPr rtlCol="0" anchor="ctr"/>
+          <a:lstStyle/>
+          <a:p>
+            <a:pPr algn="ctr"/>
+            <a:endParaRPr lang="en-US" sz="3200" dirty="0"/>
+          </a:p>
+        </p:txBody>
+      </p:sp>
+      <p:sp>
+        <p:nvSpPr>
+          <p:cNvPr id="7" name="Oval 6"/>
+          <p:cNvSpPr/>
+          <p:nvPr/>
+        </p:nvSpPr>
+        <p:spPr>
+          <a:xfrm>
+            <a:off x="4136337" y="4216400"/>
+            <a:ext cx="727569" cy="733143"/>
+          </a:xfrm>
+          <a:prstGeom prst="ellipse">
+            <a:avLst/>
+          </a:prstGeom>
+        </p:spPr>
+        <p:style>
+          <a:lnRef idx="2">
+            <a:schemeClr val="accent2">
+              <a:shade val="50000"/>
+            </a:schemeClr>
+          </a:lnRef>
+          <a:fillRef idx="1">
+            <a:schemeClr val="accent2"/>
+          </a:fillRef>
+          <a:effectRef idx="0">
+            <a:schemeClr val="accent2"/>
+          </a:effectRef>
+          <a:fontRef idx="minor">
+            <a:schemeClr val="lt1"/>
+          </a:fontRef>
+        </p:style>
+        <p:txBody>
+          <a:bodyPr rtlCol="0" anchor="ctr"/>
+          <a:lstStyle/>
+          <a:p>
+            <a:pPr algn="ctr"/>
+            <a:endParaRPr lang="en-US" sz="3200" dirty="0"/>
+          </a:p>
+        </p:txBody>
+      </p:sp>
+      <p:sp>
+        <p:nvSpPr>
+          <p:cNvPr id="12" name="Oval 11"/>
+          <p:cNvSpPr/>
+          <p:nvPr/>
+        </p:nvSpPr>
+        <p:spPr>
+          <a:xfrm>
+            <a:off x="3346379" y="4837293"/>
+            <a:ext cx="727569" cy="733143"/>
+          </a:xfrm>
+          <a:prstGeom prst="ellipse">
+            <a:avLst/>
+          </a:prstGeom>
+        </p:spPr>
+        <p:style>
+          <a:lnRef idx="2">
+            <a:schemeClr val="accent2">
+              <a:shade val="50000"/>
+            </a:schemeClr>
+          </a:lnRef>
+          <a:fillRef idx="1">
+            <a:schemeClr val="accent2"/>
+          </a:fillRef>
+          <a:effectRef idx="0">
+            <a:schemeClr val="accent2"/>
+          </a:effectRef>
+          <a:fontRef idx="minor">
+            <a:schemeClr val="lt1"/>
+          </a:fontRef>
+        </p:style>
+        <p:txBody>
+          <a:bodyPr rtlCol="0" anchor="ctr"/>
+          <a:lstStyle/>
+          <a:p>
+            <a:pPr algn="ctr"/>
+            <a:endParaRPr lang="en-US" sz="3200" dirty="0"/>
+          </a:p>
+        </p:txBody>
+      </p:sp>
+      <p:sp>
+        <p:nvSpPr>
+          <p:cNvPr id="13" name="Oval 12"/>
+          <p:cNvSpPr/>
+          <p:nvPr/>
+        </p:nvSpPr>
+        <p:spPr>
+          <a:xfrm>
+            <a:off x="4652521" y="3392628"/>
+            <a:ext cx="727569" cy="733143"/>
+          </a:xfrm>
+          <a:prstGeom prst="ellipse">
+            <a:avLst/>
+          </a:prstGeom>
+        </p:spPr>
+        <p:style>
+          <a:lnRef idx="2">
+            <a:schemeClr val="accent2">
+              <a:shade val="50000"/>
+            </a:schemeClr>
+          </a:lnRef>
+          <a:fillRef idx="1">
+            <a:schemeClr val="accent2"/>
+          </a:fillRef>
+          <a:effectRef idx="0">
+            <a:schemeClr val="accent2"/>
+          </a:effectRef>
+          <a:fontRef idx="minor">
+            <a:schemeClr val="lt1"/>
+          </a:fontRef>
+        </p:style>
+        <p:txBody>
+          <a:bodyPr rtlCol="0" anchor="ctr"/>
+          <a:lstStyle/>
+          <a:p>
+            <a:pPr algn="ctr"/>
+            <a:endParaRPr lang="en-US" sz="3200" dirty="0"/>
+          </a:p>
+        </p:txBody>
+      </p:sp>
+      <p:sp>
+        <p:nvSpPr>
+          <p:cNvPr id="14" name="Oval 13"/>
+          <p:cNvSpPr/>
+          <p:nvPr/>
+        </p:nvSpPr>
+        <p:spPr>
+          <a:xfrm>
+            <a:off x="5016305" y="4216400"/>
+            <a:ext cx="727569" cy="733143"/>
+          </a:xfrm>
+          <a:prstGeom prst="ellipse">
+            <a:avLst/>
+          </a:prstGeom>
+        </p:spPr>
+        <p:style>
+          <a:lnRef idx="2">
+            <a:schemeClr val="accent2">
+              <a:shade val="50000"/>
+            </a:schemeClr>
+          </a:lnRef>
+          <a:fillRef idx="1">
+            <a:schemeClr val="accent2"/>
+          </a:fillRef>
+          <a:effectRef idx="0">
+            <a:schemeClr val="accent2"/>
+          </a:effectRef>
+          <a:fontRef idx="minor">
+            <a:schemeClr val="lt1"/>
+          </a:fontRef>
+        </p:style>
+        <p:txBody>
+          <a:bodyPr rtlCol="0" anchor="ctr"/>
+          <a:lstStyle/>
+          <a:p>
+            <a:pPr algn="ctr"/>
+            <a:endParaRPr lang="en-US" sz="3200" dirty="0"/>
+          </a:p>
+        </p:txBody>
+      </p:sp>
+      <p:sp>
+        <p:nvSpPr>
+          <p:cNvPr id="15" name="Oval 14"/>
+          <p:cNvSpPr/>
+          <p:nvPr/>
+        </p:nvSpPr>
+        <p:spPr>
+          <a:xfrm>
+            <a:off x="3408768" y="2117127"/>
+            <a:ext cx="727569" cy="733143"/>
+          </a:xfrm>
+          <a:prstGeom prst="ellipse">
+            <a:avLst/>
+          </a:prstGeom>
+        </p:spPr>
+        <p:style>
+          <a:lnRef idx="2">
+            <a:schemeClr val="accent2">
+              <a:shade val="50000"/>
+            </a:schemeClr>
+          </a:lnRef>
+          <a:fillRef idx="1">
+            <a:schemeClr val="accent2"/>
+          </a:fillRef>
+          <a:effectRef idx="0">
+            <a:schemeClr val="accent2"/>
+          </a:effectRef>
+          <a:fontRef idx="minor">
+            <a:schemeClr val="lt1"/>
+          </a:fontRef>
+        </p:style>
+        <p:txBody>
+          <a:bodyPr rtlCol="0" anchor="ctr"/>
+          <a:lstStyle/>
+          <a:p>
+            <a:pPr algn="ctr"/>
+            <a:endParaRPr lang="en-US" sz="3200" dirty="0"/>
+          </a:p>
+        </p:txBody>
+      </p:sp>
+    </p:spTree>
+    <p:extLst>
+      <p:ext uri="{BB962C8B-B14F-4D97-AF65-F5344CB8AC3E}">
+        <p14:creationId xmlns:p14="http://schemas.microsoft.com/office/powerpoint/2010/main" val="3084035957"/>
+      </p:ext>
+    </p:extLst>
+  </p:cSld>
+  <p:clrMapOvr>
+    <a:masterClrMapping/>
+  </p:clrMapOvr>
+  <p:timing>
+    <p:tnLst>
+      <p:par>
+        <p:cTn xmlns:p14="http://schemas.microsoft.com/office/powerpoint/2010/main" id="1" dur="indefinite" restart="never" nodeType="tmRoot"/>
+      </p:par>
+    </p:tnLst>
+  </p:timing>
+</p:sld>
+</file>
+
+<file path=ppt/slides/slide24.xml><?xml version="1.0" encoding="utf-8"?>
+<p:sld xmlns:a="http://schemas.openxmlformats.org/drawingml/2006/main" xmlns:r="http://schemas.openxmlformats.org/officeDocument/2006/relationships" xmlns:p="http://schemas.openxmlformats.org/presentationml/2006/main">
+  <p:cSld>
+    <p:spTree>
+      <p:nvGrpSpPr>
+        <p:cNvPr id="1" name=""/>
+        <p:cNvGrpSpPr/>
+        <p:nvPr/>
+      </p:nvGrpSpPr>
+      <p:grpSpPr>
+        <a:xfrm>
+          <a:off x="0" y="0"/>
+          <a:ext cx="0" cy="0"/>
+          <a:chOff x="0" y="0"/>
+          <a:chExt cx="0" cy="0"/>
+        </a:xfrm>
+      </p:grpSpPr>
+      <p:sp>
+        <p:nvSpPr>
+          <p:cNvPr id="21" name="Oval 20"/>
+          <p:cNvSpPr>
+            <a:spLocks noChangeArrowheads="1"/>
+          </p:cNvSpPr>
+          <p:nvPr/>
+        </p:nvSpPr>
+        <p:spPr bwMode="auto">
+          <a:xfrm>
+            <a:off x="-2675304" y="841182"/>
+            <a:ext cx="14079125" cy="5347908"/>
+          </a:xfrm>
+          <a:prstGeom prst="ellipse">
+            <a:avLst/>
+          </a:prstGeom>
+          <a:solidFill>
+            <a:srgbClr val="FFFF75">
+              <a:alpha val="25000"/>
+            </a:srgbClr>
+          </a:solidFill>
+          <a:ln w="9525">
+            <a:solidFill>
+              <a:srgbClr val="000000"/>
+            </a:solidFill>
+            <a:round/>
+            <a:headEnd/>
+            <a:tailEnd/>
+          </a:ln>
+        </p:spPr>
+        <p:txBody>
+          <a:bodyPr vert="horz" wrap="square" lIns="91440" tIns="45720" rIns="91440" bIns="45720" numCol="1" anchor="t" anchorCtr="0" compatLnSpc="1">
+            <a:prstTxWarp prst="textNoShape">
+              <a:avLst/>
+            </a:prstTxWarp>
+          </a:bodyPr>
+          <a:lstStyle/>
+          <a:p>
+            <a:endParaRPr lang="en-US"/>
+          </a:p>
+        </p:txBody>
+      </p:sp>
+      <p:sp>
+        <p:nvSpPr>
+          <p:cNvPr id="4" name="Oval 3"/>
+          <p:cNvSpPr/>
+          <p:nvPr/>
+        </p:nvSpPr>
+        <p:spPr>
+          <a:xfrm>
+            <a:off x="447098" y="949290"/>
+            <a:ext cx="5191794" cy="5097982"/>
+          </a:xfrm>
+          <a:prstGeom prst="ellipse">
+            <a:avLst/>
+          </a:prstGeom>
+          <a:solidFill>
+            <a:schemeClr val="accent2">
+              <a:lumMod val="60000"/>
+              <a:lumOff val="40000"/>
+            </a:schemeClr>
+          </a:solidFill>
+        </p:spPr>
+        <p:style>
+          <a:lnRef idx="2">
+            <a:schemeClr val="accent2">
+              <a:shade val="50000"/>
+            </a:schemeClr>
+          </a:lnRef>
+          <a:fillRef idx="1">
+            <a:schemeClr val="accent2"/>
+          </a:fillRef>
+          <a:effectRef idx="0">
+            <a:schemeClr val="accent2"/>
+          </a:effectRef>
+          <a:fontRef idx="minor">
+            <a:schemeClr val="lt1"/>
+          </a:fontRef>
+        </p:style>
+        <p:txBody>
+          <a:bodyPr rtlCol="0" anchor="ctr"/>
+          <a:lstStyle/>
+          <a:p>
+            <a:pPr algn="ctr"/>
+            <a:endParaRPr lang="en-US"/>
+          </a:p>
+        </p:txBody>
+      </p:sp>
+      <p:sp>
+        <p:nvSpPr>
+          <p:cNvPr id="6" name="Oval 5"/>
+          <p:cNvSpPr/>
+          <p:nvPr/>
+        </p:nvSpPr>
+        <p:spPr>
+          <a:xfrm>
+            <a:off x="2877906" y="3865429"/>
+            <a:ext cx="519179" cy="509798"/>
+          </a:xfrm>
+          <a:prstGeom prst="ellipse">
+            <a:avLst/>
+          </a:prstGeom>
+        </p:spPr>
+        <p:style>
+          <a:lnRef idx="2">
+            <a:schemeClr val="accent3">
+              <a:shade val="50000"/>
+            </a:schemeClr>
+          </a:lnRef>
+          <a:fillRef idx="1">
+            <a:schemeClr val="accent3"/>
+          </a:fillRef>
+          <a:effectRef idx="0">
+            <a:schemeClr val="accent3"/>
+          </a:effectRef>
+          <a:fontRef idx="minor">
+            <a:schemeClr val="lt1"/>
+          </a:fontRef>
+        </p:style>
+        <p:txBody>
+          <a:bodyPr rtlCol="0" anchor="ctr"/>
+          <a:lstStyle/>
+          <a:p>
+            <a:pPr algn="ctr"/>
+            <a:endParaRPr lang="en-US"/>
+          </a:p>
+        </p:txBody>
+      </p:sp>
+      <p:sp>
+        <p:nvSpPr>
+          <p:cNvPr id="9" name="TextBox 8"/>
+          <p:cNvSpPr txBox="1"/>
+          <p:nvPr/>
+        </p:nvSpPr>
+        <p:spPr>
+          <a:xfrm>
+            <a:off x="1720555" y="4526406"/>
+            <a:ext cx="4332658" cy="830997"/>
+          </a:xfrm>
+          <a:prstGeom prst="rect">
+            <a:avLst/>
+          </a:prstGeom>
+          <a:noFill/>
+        </p:spPr>
+        <p:txBody>
+          <a:bodyPr wrap="square" rtlCol="0">
+            <a:spAutoFit/>
+          </a:bodyPr>
+          <a:lstStyle/>
+          <a:p>
+            <a:pPr algn="ctr"/>
+            <a:r>
+              <a:rPr lang="en-US" sz="2400" dirty="0" smtClean="0"/>
+              <a:t>Of these, </a:t>
+            </a:r>
+            <a:r>
+              <a:rPr lang="en-US" sz="2400" dirty="0"/>
+              <a:t>the CDC found just </a:t>
+            </a:r>
+            <a:r>
+              <a:rPr lang="en-US" sz="2400" dirty="0" smtClean="0"/>
+              <a:t>21 (1/2 %) had chronic Lyme disease</a:t>
+            </a:r>
+            <a:endParaRPr lang="en-US" sz="2400" dirty="0"/>
+          </a:p>
+        </p:txBody>
+      </p:sp>
+      <p:sp>
+        <p:nvSpPr>
+          <p:cNvPr id="16" name="Oval 15"/>
+          <p:cNvSpPr/>
+          <p:nvPr/>
+        </p:nvSpPr>
+        <p:spPr>
+          <a:xfrm>
+            <a:off x="4222930" y="3415008"/>
+            <a:ext cx="51918" cy="50980"/>
+          </a:xfrm>
+          <a:prstGeom prst="ellipse">
+            <a:avLst/>
+          </a:prstGeom>
+          <a:solidFill>
+            <a:srgbClr val="FFFF00"/>
+          </a:solidFill>
+        </p:spPr>
+        <p:style>
+          <a:lnRef idx="2">
+            <a:schemeClr val="accent6">
+              <a:shade val="50000"/>
+            </a:schemeClr>
+          </a:lnRef>
+          <a:fillRef idx="1">
+            <a:schemeClr val="accent6"/>
+          </a:fillRef>
+          <a:effectRef idx="0">
+            <a:schemeClr val="accent6"/>
+          </a:effectRef>
+          <a:fontRef idx="minor">
+            <a:schemeClr val="lt1"/>
+          </a:fontRef>
+        </p:style>
+        <p:txBody>
+          <a:bodyPr rtlCol="0" anchor="ctr"/>
+          <a:lstStyle/>
+          <a:p>
+            <a:pPr algn="ctr"/>
+            <a:endParaRPr lang="en-US"/>
+          </a:p>
+        </p:txBody>
+      </p:sp>
+      <p:sp>
+        <p:nvSpPr>
+          <p:cNvPr id="18" name="TextBox 17"/>
+          <p:cNvSpPr txBox="1"/>
+          <p:nvPr/>
+        </p:nvSpPr>
+        <p:spPr>
+          <a:xfrm>
+            <a:off x="1497203" y="44773"/>
+            <a:ext cx="5123499" cy="830997"/>
+          </a:xfrm>
+          <a:prstGeom prst="rect">
+            <a:avLst/>
+          </a:prstGeom>
+          <a:noFill/>
+        </p:spPr>
+        <p:txBody>
+          <a:bodyPr wrap="square" rtlCol="0">
+            <a:spAutoFit/>
+          </a:bodyPr>
+          <a:lstStyle/>
+          <a:p>
+            <a:r>
+              <a:rPr lang="en-US" sz="2400" dirty="0" smtClean="0"/>
+              <a:t>The CDC Estimates 300,000 per year contract Lyme disease </a:t>
+            </a:r>
+            <a:endParaRPr lang="en-US" sz="2400" dirty="0"/>
+          </a:p>
+        </p:txBody>
+      </p:sp>
+      <p:sp>
+        <p:nvSpPr>
+          <p:cNvPr id="10" name="Oval 9"/>
+          <p:cNvSpPr/>
+          <p:nvPr/>
+        </p:nvSpPr>
+        <p:spPr>
+          <a:xfrm>
+            <a:off x="3137229" y="2522583"/>
+            <a:ext cx="1869046" cy="1835274"/>
+          </a:xfrm>
+          <a:prstGeom prst="ellipse">
+            <a:avLst/>
+          </a:prstGeom>
+        </p:spPr>
+        <p:style>
+          <a:lnRef idx="2">
+            <a:schemeClr val="accent1">
+              <a:shade val="50000"/>
+            </a:schemeClr>
+          </a:lnRef>
+          <a:fillRef idx="1">
+            <a:schemeClr val="accent1"/>
+          </a:fillRef>
+          <a:effectRef idx="0">
+            <a:schemeClr val="accent1"/>
+          </a:effectRef>
+          <a:fontRef idx="minor">
+            <a:schemeClr val="lt1"/>
+          </a:fontRef>
+        </p:style>
+        <p:txBody>
+          <a:bodyPr rtlCol="0" anchor="ctr"/>
+          <a:lstStyle/>
+          <a:p>
+            <a:pPr algn="ctr"/>
+            <a:endParaRPr lang="en-US"/>
+          </a:p>
+        </p:txBody>
+      </p:sp>
+      <p:sp>
+        <p:nvSpPr>
+          <p:cNvPr id="11" name="TextBox 10"/>
+          <p:cNvSpPr txBox="1"/>
+          <p:nvPr/>
+        </p:nvSpPr>
+        <p:spPr>
+          <a:xfrm>
+            <a:off x="5638892" y="1447704"/>
+            <a:ext cx="2836228" cy="2308324"/>
+          </a:xfrm>
+          <a:prstGeom prst="rect">
+            <a:avLst/>
+          </a:prstGeom>
+          <a:noFill/>
+        </p:spPr>
+        <p:txBody>
+          <a:bodyPr wrap="square" rtlCol="0">
+            <a:spAutoFit/>
+          </a:bodyPr>
+          <a:lstStyle/>
+          <a:p>
+            <a:pPr algn="ctr"/>
+            <a:r>
+              <a:rPr lang="en-US" sz="2400" dirty="0" smtClean="0"/>
+              <a:t>But estimates suggest that approximately 36% of people with Lyme disease develop chronic symptoms</a:t>
+            </a:r>
+            <a:endParaRPr lang="en-US" sz="2400" dirty="0"/>
+          </a:p>
+        </p:txBody>
+      </p:sp>
+      <p:sp>
+        <p:nvSpPr>
+          <p:cNvPr id="12" name="Oval 11"/>
+          <p:cNvSpPr/>
+          <p:nvPr/>
+        </p:nvSpPr>
+        <p:spPr>
+          <a:xfrm>
+            <a:off x="3248561" y="3927161"/>
+            <a:ext cx="83069" cy="81568"/>
+          </a:xfrm>
+          <a:prstGeom prst="ellipse">
+            <a:avLst/>
+          </a:prstGeom>
+        </p:spPr>
+        <p:style>
+          <a:lnRef idx="2">
+            <a:schemeClr val="accent1">
+              <a:shade val="50000"/>
+            </a:schemeClr>
+          </a:lnRef>
+          <a:fillRef idx="1">
+            <a:schemeClr val="accent1"/>
+          </a:fillRef>
+          <a:effectRef idx="0">
+            <a:schemeClr val="accent1"/>
+          </a:effectRef>
+          <a:fontRef idx="minor">
+            <a:schemeClr val="lt1"/>
+          </a:fontRef>
+        </p:style>
+        <p:txBody>
+          <a:bodyPr rtlCol="0" anchor="ctr"/>
+          <a:lstStyle/>
+          <a:p>
+            <a:pPr algn="ctr"/>
+            <a:endParaRPr lang="en-US"/>
+          </a:p>
+        </p:txBody>
+      </p:sp>
+    </p:spTree>
+    <p:extLst>
+      <p:ext uri="{BB962C8B-B14F-4D97-AF65-F5344CB8AC3E}">
+        <p14:creationId xmlns:p14="http://schemas.microsoft.com/office/powerpoint/2010/main" val="902038134"/>
+      </p:ext>
+    </p:extLst>
+  </p:cSld>
+  <p:clrMapOvr>
+    <a:masterClrMapping/>
+  </p:clrMapOvr>
+  <p:timing>
+    <p:tnLst>
+      <p:par>
+        <p:cTn xmlns:p14="http://schemas.microsoft.com/office/powerpoint/2010/main" id="1" dur="indefinite" restart="never" nodeType="tmRoot"/>
+      </p:par>
+    </p:tnLst>
+  </p:timing>
+</p:sld>
+</file>
+
+<file path=ppt/slides/slide25.xml><?xml version="1.0" encoding="utf-8"?>
+<p:sld xmlns:a="http://schemas.openxmlformats.org/drawingml/2006/main" xmlns:r="http://schemas.openxmlformats.org/officeDocument/2006/relationships" xmlns:p="http://schemas.openxmlformats.org/presentationml/2006/main">
+  <p:cSld>
+    <p:spTree>
+      <p:nvGrpSpPr>
+        <p:cNvPr id="1" name=""/>
+        <p:cNvGrpSpPr/>
+        <p:nvPr/>
+      </p:nvGrpSpPr>
+      <p:grpSpPr>
+        <a:xfrm>
+          <a:off x="0" y="0"/>
+          <a:ext cx="0" cy="0"/>
+          <a:chOff x="0" y="0"/>
+          <a:chExt cx="0" cy="0"/>
+        </a:xfrm>
+      </p:grpSpPr>
+      <p:sp>
+        <p:nvSpPr>
+          <p:cNvPr id="21" name="Oval 20"/>
+          <p:cNvSpPr>
+            <a:spLocks noChangeArrowheads="1"/>
+          </p:cNvSpPr>
+          <p:nvPr/>
+        </p:nvSpPr>
+        <p:spPr bwMode="auto">
+          <a:xfrm>
+            <a:off x="-2675304" y="841182"/>
+            <a:ext cx="14079125" cy="5347908"/>
+          </a:xfrm>
+          <a:prstGeom prst="ellipse">
+            <a:avLst/>
+          </a:prstGeom>
+          <a:solidFill>
+            <a:srgbClr val="FFFF75">
+              <a:alpha val="25000"/>
+            </a:srgbClr>
+          </a:solidFill>
+          <a:ln w="9525">
+            <a:solidFill>
+              <a:srgbClr val="000000"/>
+            </a:solidFill>
+            <a:round/>
+            <a:headEnd/>
+            <a:tailEnd/>
+          </a:ln>
+        </p:spPr>
+        <p:txBody>
+          <a:bodyPr vert="horz" wrap="square" lIns="91440" tIns="45720" rIns="91440" bIns="45720" numCol="1" anchor="t" anchorCtr="0" compatLnSpc="1">
+            <a:prstTxWarp prst="textNoShape">
+              <a:avLst/>
+            </a:prstTxWarp>
+          </a:bodyPr>
+          <a:lstStyle/>
+          <a:p>
+            <a:endParaRPr lang="en-US"/>
+          </a:p>
+        </p:txBody>
+      </p:sp>
+      <p:sp>
+        <p:nvSpPr>
+          <p:cNvPr id="4" name="Oval 3"/>
+          <p:cNvSpPr/>
+          <p:nvPr/>
+        </p:nvSpPr>
+        <p:spPr>
+          <a:xfrm>
+            <a:off x="447098" y="949290"/>
+            <a:ext cx="5191794" cy="5097982"/>
+          </a:xfrm>
+          <a:prstGeom prst="ellipse">
+            <a:avLst/>
+          </a:prstGeom>
+          <a:solidFill>
+            <a:schemeClr val="accent2">
+              <a:lumMod val="60000"/>
+              <a:lumOff val="40000"/>
+            </a:schemeClr>
+          </a:solidFill>
+        </p:spPr>
+        <p:style>
+          <a:lnRef idx="2">
+            <a:schemeClr val="accent2">
+              <a:shade val="50000"/>
+            </a:schemeClr>
+          </a:lnRef>
+          <a:fillRef idx="1">
+            <a:schemeClr val="accent2"/>
+          </a:fillRef>
+          <a:effectRef idx="0">
+            <a:schemeClr val="accent2"/>
+          </a:effectRef>
+          <a:fontRef idx="minor">
+            <a:schemeClr val="lt1"/>
+          </a:fontRef>
+        </p:style>
+        <p:txBody>
+          <a:bodyPr rtlCol="0" anchor="ctr"/>
+          <a:lstStyle/>
+          <a:p>
+            <a:pPr algn="ctr"/>
+            <a:endParaRPr lang="en-US"/>
+          </a:p>
+        </p:txBody>
+      </p:sp>
+      <p:sp>
+        <p:nvSpPr>
+          <p:cNvPr id="6" name="Oval 5"/>
+          <p:cNvSpPr/>
+          <p:nvPr/>
+        </p:nvSpPr>
+        <p:spPr>
+          <a:xfrm>
+            <a:off x="2877906" y="3865429"/>
+            <a:ext cx="519179" cy="509798"/>
+          </a:xfrm>
+          <a:prstGeom prst="ellipse">
+            <a:avLst/>
+          </a:prstGeom>
+        </p:spPr>
+        <p:style>
+          <a:lnRef idx="2">
+            <a:schemeClr val="accent3">
+              <a:shade val="50000"/>
+            </a:schemeClr>
+          </a:lnRef>
+          <a:fillRef idx="1">
+            <a:schemeClr val="accent3"/>
+          </a:fillRef>
+          <a:effectRef idx="0">
+            <a:schemeClr val="accent3"/>
+          </a:effectRef>
+          <a:fontRef idx="minor">
+            <a:schemeClr val="lt1"/>
+          </a:fontRef>
+        </p:style>
+        <p:txBody>
+          <a:bodyPr rtlCol="0" anchor="ctr"/>
+          <a:lstStyle/>
+          <a:p>
+            <a:pPr algn="ctr"/>
+            <a:endParaRPr lang="en-US"/>
+          </a:p>
+        </p:txBody>
+      </p:sp>
+      <p:cxnSp>
+        <p:nvCxnSpPr>
+          <p:cNvPr id="20" name="Straight Connector 19"/>
+          <p:cNvCxnSpPr/>
+          <p:nvPr/>
+        </p:nvCxnSpPr>
+        <p:spPr>
+          <a:xfrm flipH="1" flipV="1">
+            <a:off x="4035138" y="2648033"/>
+            <a:ext cx="3462" cy="247567"/>
+          </a:xfrm>
+          <a:prstGeom prst="line">
+            <a:avLst/>
+          </a:prstGeom>
+        </p:spPr>
+        <p:style>
+          <a:lnRef idx="1">
+            <a:schemeClr val="accent5"/>
+          </a:lnRef>
+          <a:fillRef idx="0">
+            <a:schemeClr val="accent5"/>
+          </a:fillRef>
+          <a:effectRef idx="0">
+            <a:schemeClr val="accent5"/>
+          </a:effectRef>
+          <a:fontRef idx="minor">
+            <a:schemeClr val="tx1"/>
+          </a:fontRef>
+        </p:style>
+      </p:cxnSp>
+      <p:sp>
+        <p:nvSpPr>
+          <p:cNvPr id="23" name="TextBox 22"/>
+          <p:cNvSpPr txBox="1"/>
+          <p:nvPr/>
+        </p:nvSpPr>
+        <p:spPr>
+          <a:xfrm>
+            <a:off x="4857936" y="3094971"/>
+            <a:ext cx="3978674" cy="2308324"/>
+          </a:xfrm>
+          <a:prstGeom prst="rect">
+            <a:avLst/>
+          </a:prstGeom>
+          <a:noFill/>
+        </p:spPr>
+        <p:txBody>
+          <a:bodyPr wrap="square" rtlCol="0">
+            <a:spAutoFit/>
+          </a:bodyPr>
+          <a:lstStyle/>
+          <a:p>
+            <a:pPr algn="ctr"/>
+            <a:r>
+              <a:rPr lang="en-US" sz="2400" dirty="0" smtClean="0"/>
+              <a:t>Our study (yellow circle) examines 3090 individuals drawn from those with chronic Lyme disease, a population that has not been studied previously</a:t>
+            </a:r>
+            <a:endParaRPr lang="en-US" sz="2400" dirty="0"/>
+          </a:p>
+        </p:txBody>
+      </p:sp>
+      <p:sp>
+        <p:nvSpPr>
+          <p:cNvPr id="16" name="Oval 15"/>
+          <p:cNvSpPr/>
+          <p:nvPr/>
+        </p:nvSpPr>
+        <p:spPr>
+          <a:xfrm>
+            <a:off x="4222930" y="3415008"/>
+            <a:ext cx="51918" cy="50980"/>
+          </a:xfrm>
+          <a:prstGeom prst="ellipse">
+            <a:avLst/>
+          </a:prstGeom>
+          <a:solidFill>
+            <a:srgbClr val="FFFF00"/>
+          </a:solidFill>
+        </p:spPr>
+        <p:style>
+          <a:lnRef idx="2">
+            <a:schemeClr val="accent6">
+              <a:shade val="50000"/>
+            </a:schemeClr>
+          </a:lnRef>
+          <a:fillRef idx="1">
+            <a:schemeClr val="accent6"/>
+          </a:fillRef>
+          <a:effectRef idx="0">
+            <a:schemeClr val="accent6"/>
+          </a:effectRef>
+          <a:fontRef idx="minor">
+            <a:schemeClr val="lt1"/>
+          </a:fontRef>
+        </p:style>
+        <p:txBody>
+          <a:bodyPr rtlCol="0" anchor="ctr"/>
+          <a:lstStyle/>
+          <a:p>
+            <a:pPr algn="ctr"/>
+            <a:endParaRPr lang="en-US"/>
+          </a:p>
+        </p:txBody>
+      </p:sp>
+      <p:cxnSp>
+        <p:nvCxnSpPr>
+          <p:cNvPr id="24" name="Straight Connector 23"/>
+          <p:cNvCxnSpPr/>
+          <p:nvPr/>
+        </p:nvCxnSpPr>
+        <p:spPr>
+          <a:xfrm>
+            <a:off x="4407422" y="3415008"/>
+            <a:ext cx="653643" cy="0"/>
+          </a:xfrm>
+          <a:prstGeom prst="line">
+            <a:avLst/>
+          </a:prstGeom>
+        </p:spPr>
+        <p:style>
+          <a:lnRef idx="1">
+            <a:schemeClr val="accent5"/>
+          </a:lnRef>
+          <a:fillRef idx="0">
+            <a:schemeClr val="accent5"/>
+          </a:fillRef>
+          <a:effectRef idx="0">
+            <a:schemeClr val="accent5"/>
+          </a:effectRef>
+          <a:fontRef idx="minor">
+            <a:schemeClr val="tx1"/>
+          </a:fontRef>
+        </p:style>
+      </p:cxnSp>
+      <p:sp>
+        <p:nvSpPr>
+          <p:cNvPr id="18" name="TextBox 17"/>
+          <p:cNvSpPr txBox="1"/>
+          <p:nvPr/>
+        </p:nvSpPr>
+        <p:spPr>
+          <a:xfrm>
+            <a:off x="1497203" y="44773"/>
+            <a:ext cx="5123499" cy="830997"/>
+          </a:xfrm>
+          <a:prstGeom prst="rect">
+            <a:avLst/>
+          </a:prstGeom>
+          <a:noFill/>
+        </p:spPr>
+        <p:txBody>
+          <a:bodyPr wrap="square" rtlCol="0">
+            <a:spAutoFit/>
+          </a:bodyPr>
+          <a:lstStyle/>
+          <a:p>
+            <a:r>
+              <a:rPr lang="en-US" sz="2400" dirty="0" smtClean="0"/>
+              <a:t>The CDC Estimates 300,000 per year contract Lyme disease </a:t>
+            </a:r>
+            <a:endParaRPr lang="en-US" sz="2400" dirty="0"/>
+          </a:p>
+        </p:txBody>
+      </p:sp>
+      <p:sp>
+        <p:nvSpPr>
+          <p:cNvPr id="22" name="Oval 21"/>
+          <p:cNvSpPr/>
+          <p:nvPr/>
+        </p:nvSpPr>
+        <p:spPr>
+          <a:xfrm>
+            <a:off x="3248561" y="3927161"/>
+            <a:ext cx="83069" cy="81568"/>
+          </a:xfrm>
+          <a:prstGeom prst="ellipse">
+            <a:avLst/>
+          </a:prstGeom>
+        </p:spPr>
+        <p:style>
+          <a:lnRef idx="2">
+            <a:schemeClr val="accent1">
+              <a:shade val="50000"/>
+            </a:schemeClr>
+          </a:lnRef>
+          <a:fillRef idx="1">
+            <a:schemeClr val="accent1"/>
+          </a:fillRef>
+          <a:effectRef idx="0">
+            <a:schemeClr val="accent1"/>
+          </a:effectRef>
+          <a:fontRef idx="minor">
+            <a:schemeClr val="lt1"/>
+          </a:fontRef>
+        </p:style>
+        <p:txBody>
+          <a:bodyPr rtlCol="0" anchor="ctr"/>
+          <a:lstStyle/>
+          <a:p>
+            <a:pPr algn="ctr"/>
+            <a:endParaRPr lang="en-US"/>
+          </a:p>
+        </p:txBody>
+      </p:sp>
+      <p:sp>
+        <p:nvSpPr>
+          <p:cNvPr id="26" name="Oval 25"/>
+          <p:cNvSpPr/>
+          <p:nvPr/>
+        </p:nvSpPr>
+        <p:spPr>
+          <a:xfrm>
+            <a:off x="3137229" y="2522583"/>
+            <a:ext cx="1869046" cy="1835274"/>
+          </a:xfrm>
+          <a:prstGeom prst="ellipse">
+            <a:avLst/>
+          </a:prstGeom>
+        </p:spPr>
+        <p:style>
+          <a:lnRef idx="2">
+            <a:schemeClr val="accent1">
+              <a:shade val="50000"/>
+            </a:schemeClr>
+          </a:lnRef>
+          <a:fillRef idx="1">
+            <a:schemeClr val="accent1"/>
+          </a:fillRef>
+          <a:effectRef idx="0">
+            <a:schemeClr val="accent1"/>
+          </a:effectRef>
+          <a:fontRef idx="minor">
+            <a:schemeClr val="lt1"/>
+          </a:fontRef>
+        </p:style>
+        <p:txBody>
+          <a:bodyPr rtlCol="0" anchor="ctr"/>
+          <a:lstStyle/>
+          <a:p>
+            <a:pPr algn="ctr"/>
+            <a:endParaRPr lang="en-US"/>
+          </a:p>
+        </p:txBody>
+      </p:sp>
+      <p:sp>
+        <p:nvSpPr>
+          <p:cNvPr id="27" name="Oval 26"/>
+          <p:cNvSpPr/>
+          <p:nvPr/>
+        </p:nvSpPr>
+        <p:spPr>
+          <a:xfrm>
+            <a:off x="4111226" y="3315127"/>
+            <a:ext cx="316699" cy="310977"/>
+          </a:xfrm>
+          <a:prstGeom prst="ellipse">
+            <a:avLst/>
+          </a:prstGeom>
+          <a:solidFill>
+            <a:srgbClr val="FFFF00"/>
+          </a:solidFill>
+        </p:spPr>
+        <p:style>
+          <a:lnRef idx="2">
+            <a:schemeClr val="accent3">
+              <a:shade val="50000"/>
+            </a:schemeClr>
+          </a:lnRef>
+          <a:fillRef idx="1">
+            <a:schemeClr val="accent3"/>
+          </a:fillRef>
+          <a:effectRef idx="0">
+            <a:schemeClr val="accent3"/>
+          </a:effectRef>
+          <a:fontRef idx="minor">
+            <a:schemeClr val="lt1"/>
+          </a:fontRef>
+        </p:style>
+        <p:txBody>
+          <a:bodyPr rtlCol="0" anchor="ctr"/>
+          <a:lstStyle/>
+          <a:p>
+            <a:pPr algn="ctr"/>
+            <a:endParaRPr lang="en-US"/>
+          </a:p>
+        </p:txBody>
+      </p:sp>
+    </p:spTree>
+    <p:extLst>
+      <p:ext uri="{BB962C8B-B14F-4D97-AF65-F5344CB8AC3E}">
+        <p14:creationId xmlns:p14="http://schemas.microsoft.com/office/powerpoint/2010/main" val="451365115"/>
+      </p:ext>
+    </p:extLst>
+  </p:cSld>
+  <p:clrMapOvr>
+    <a:masterClrMapping/>
+  </p:clrMapOvr>
+  <p:timing>
+    <p:tnLst>
+      <p:par>
+        <p:cTn xmlns:p14="http://schemas.microsoft.com/office/powerpoint/2010/main" id="1" dur="indefinite" restart="never" nodeType="tmRoot"/>
+      </p:par>
+    </p:tnLst>
+  </p:timing>
+</p:sld>
+</file>
+
+<file path=ppt/slides/slide26.xml><?xml version="1.0" encoding="utf-8"?>
+<p:sld xmlns:a="http://schemas.openxmlformats.org/drawingml/2006/main" xmlns:r="http://schemas.openxmlformats.org/officeDocument/2006/relationships" xmlns:p="http://schemas.openxmlformats.org/presentationml/2006/main">
+  <p:cSld>
+    <p:spTree>
+      <p:nvGrpSpPr>
+        <p:cNvPr id="1" name=""/>
+        <p:cNvGrpSpPr/>
+        <p:nvPr/>
+      </p:nvGrpSpPr>
+      <p:grpSpPr>
+        <a:xfrm>
+          <a:off x="0" y="0"/>
+          <a:ext cx="0" cy="0"/>
+          <a:chOff x="0" y="0"/>
+          <a:chExt cx="0" cy="0"/>
+        </a:xfrm>
+      </p:grpSpPr>
+      <p:sp>
+        <p:nvSpPr>
           <p:cNvPr id="2" name="Title 1"/>
           <p:cNvSpPr>
             <a:spLocks noGrp="1"/>
@@ -16987,7 +17455,7 @@
 </p:sld>
 </file>
 
-<file path=ppt/slides/slide23.xml><?xml version="1.0" encoding="utf-8"?>
+<file path=ppt/slides/slide27.xml><?xml version="1.0" encoding="utf-8"?>
 <p:sld xmlns:a="http://schemas.openxmlformats.org/drawingml/2006/main" xmlns:r="http://schemas.openxmlformats.org/officeDocument/2006/relationships" xmlns:p="http://schemas.openxmlformats.org/presentationml/2006/main">
   <p:cSld>
     <p:spTree>
@@ -17366,7 +17834,7 @@
 </p:sld>
 </file>
 
-<file path=ppt/slides/slide24.xml><?xml version="1.0" encoding="utf-8"?>
+<file path=ppt/slides/slide28.xml><?xml version="1.0" encoding="utf-8"?>
 <p:sld xmlns:a="http://schemas.openxmlformats.org/drawingml/2006/main" xmlns:r="http://schemas.openxmlformats.org/officeDocument/2006/relationships" xmlns:p="http://schemas.openxmlformats.org/presentationml/2006/main">
   <p:cSld>
     <p:spTree>
@@ -17921,7 +18389,7 @@
 </p:sld>
 </file>
 
-<file path=ppt/slides/slide25.xml><?xml version="1.0" encoding="utf-8"?>
+<file path=ppt/slides/slide29.xml><?xml version="1.0" encoding="utf-8"?>
 <p:sld xmlns:a="http://schemas.openxmlformats.org/drawingml/2006/main" xmlns:r="http://schemas.openxmlformats.org/officeDocument/2006/relationships" xmlns:p="http://schemas.openxmlformats.org/presentationml/2006/main">
   <p:cSld>
     <p:spTree>
@@ -18180,7 +18648,172 @@
 </p:sld>
 </file>
 
-<file path=ppt/slides/slide26.xml><?xml version="1.0" encoding="utf-8"?>
+<file path=ppt/slides/slide3.xml><?xml version="1.0" encoding="utf-8"?>
+<p:sld xmlns:a="http://schemas.openxmlformats.org/drawingml/2006/main" xmlns:r="http://schemas.openxmlformats.org/officeDocument/2006/relationships" xmlns:p="http://schemas.openxmlformats.org/presentationml/2006/main">
+  <p:cSld>
+    <p:spTree>
+      <p:nvGrpSpPr>
+        <p:cNvPr id="1" name=""/>
+        <p:cNvGrpSpPr/>
+        <p:nvPr/>
+      </p:nvGrpSpPr>
+      <p:grpSpPr>
+        <a:xfrm>
+          <a:off x="0" y="0"/>
+          <a:ext cx="0" cy="0"/>
+          <a:chOff x="0" y="0"/>
+          <a:chExt cx="0" cy="0"/>
+        </a:xfrm>
+      </p:grpSpPr>
+      <p:sp>
+        <p:nvSpPr>
+          <p:cNvPr id="2" name="Title 1"/>
+          <p:cNvSpPr>
+            <a:spLocks noGrp="1"/>
+          </p:cNvSpPr>
+          <p:nvPr>
+            <p:ph type="title"/>
+          </p:nvPr>
+        </p:nvSpPr>
+        <p:spPr/>
+        <p:txBody>
+          <a:bodyPr/>
+          <a:lstStyle/>
+          <a:p>
+            <a:r>
+              <a:rPr lang="en-US" dirty="0" smtClean="0"/>
+              <a:t>Quick aside: Questions for Byte 2</a:t>
+            </a:r>
+            <a:endParaRPr lang="en-US" dirty="0"/>
+          </a:p>
+        </p:txBody>
+      </p:sp>
+      <p:sp>
+        <p:nvSpPr>
+          <p:cNvPr id="3" name="Content Placeholder 2"/>
+          <p:cNvSpPr>
+            <a:spLocks noGrp="1"/>
+          </p:cNvSpPr>
+          <p:nvPr>
+            <p:ph idx="1"/>
+          </p:nvPr>
+        </p:nvSpPr>
+        <p:spPr/>
+        <p:txBody>
+          <a:bodyPr/>
+          <a:lstStyle/>
+          <a:p>
+            <a:pPr marL="0" indent="0">
+              <a:buNone/>
+            </a:pPr>
+            <a:r>
+              <a:rPr lang="en-US" dirty="0" smtClean="0"/>
+              <a:t>Question 2 : </a:t>
+            </a:r>
+            <a:endParaRPr lang="en-US" dirty="0"/>
+          </a:p>
+          <a:p>
+            <a:pPr marL="0" indent="0">
+              <a:buNone/>
+            </a:pPr>
+            <a:r>
+              <a:rPr lang="en-US" dirty="0"/>
+              <a:t>The answer to this question should focus on a specific expectation or assumption and does require you to list several (although we hope you have explored other assumptions during this </a:t>
+            </a:r>
+            <a:r>
+              <a:rPr lang="en-US" dirty="0" smtClean="0"/>
+              <a:t>assignment</a:t>
+            </a:r>
+            <a:endParaRPr lang="en-US" dirty="0"/>
+          </a:p>
+        </p:txBody>
+      </p:sp>
+      <p:sp>
+        <p:nvSpPr>
+          <p:cNvPr id="4" name="Date Placeholder 3"/>
+          <p:cNvSpPr>
+            <a:spLocks noGrp="1"/>
+          </p:cNvSpPr>
+          <p:nvPr>
+            <p:ph type="dt" sz="half" idx="10"/>
+          </p:nvPr>
+        </p:nvSpPr>
+        <p:spPr/>
+        <p:txBody>
+          <a:bodyPr/>
+          <a:lstStyle/>
+          <a:p>
+            <a:fld id="{7053BEFA-1175-F644-B249-7D41D72BD3FF}" type="datetime1">
+              <a:rPr lang="en-US" smtClean="0"/>
+              <a:t>1/25/15</a:t>
+            </a:fld>
+            <a:endParaRPr lang="en-US"/>
+          </a:p>
+        </p:txBody>
+      </p:sp>
+      <p:sp>
+        <p:nvSpPr>
+          <p:cNvPr id="5" name="Footer Placeholder 4"/>
+          <p:cNvSpPr>
+            <a:spLocks noGrp="1"/>
+          </p:cNvSpPr>
+          <p:nvPr>
+            <p:ph type="ftr" sz="quarter" idx="11"/>
+          </p:nvPr>
+        </p:nvSpPr>
+        <p:spPr/>
+        <p:txBody>
+          <a:bodyPr/>
+          <a:lstStyle/>
+          <a:p>
+            <a:endParaRPr lang="en-US" dirty="0"/>
+          </a:p>
+        </p:txBody>
+      </p:sp>
+      <p:sp>
+        <p:nvSpPr>
+          <p:cNvPr id="6" name="Slide Number Placeholder 5"/>
+          <p:cNvSpPr>
+            <a:spLocks noGrp="1"/>
+          </p:cNvSpPr>
+          <p:nvPr>
+            <p:ph type="sldNum" sz="quarter" idx="12"/>
+          </p:nvPr>
+        </p:nvSpPr>
+        <p:spPr/>
+        <p:txBody>
+          <a:bodyPr/>
+          <a:lstStyle/>
+          <a:p>
+            <a:fld id="{17E276FA-8F89-B34D-A726-BE3FA1F8DD97}" type="slidenum">
+              <a:rPr lang="en-US" smtClean="0"/>
+              <a:t>3</a:t>
+            </a:fld>
+            <a:endParaRPr lang="en-US" dirty="0"/>
+          </a:p>
+        </p:txBody>
+      </p:sp>
+    </p:spTree>
+    <p:extLst>
+      <p:ext uri="{BB962C8B-B14F-4D97-AF65-F5344CB8AC3E}">
+        <p14:creationId xmlns:p14="http://schemas.microsoft.com/office/powerpoint/2010/main" val="852269471"/>
+      </p:ext>
+    </p:extLst>
+  </p:cSld>
+  <p:clrMapOvr>
+    <a:masterClrMapping/>
+  </p:clrMapOvr>
+  <p:timing>
+    <p:tnLst>
+      <p:par>
+        <p:cTn xmlns:p14="http://schemas.microsoft.com/office/powerpoint/2010/main" id="1" dur="indefinite" restart="never" nodeType="tmRoot"/>
+      </p:par>
+    </p:tnLst>
+  </p:timing>
+</p:sld>
+</file>
+
+<file path=ppt/slides/slide30.xml><?xml version="1.0" encoding="utf-8"?>
 <p:sld xmlns:a="http://schemas.openxmlformats.org/drawingml/2006/main" xmlns:r="http://schemas.openxmlformats.org/officeDocument/2006/relationships" xmlns:p="http://schemas.openxmlformats.org/presentationml/2006/main">
   <p:cSld>
     <p:spTree>
@@ -18342,7 +18975,7 @@
 </p:sld>
 </file>
 
-<file path=ppt/slides/slide27.xml><?xml version="1.0" encoding="utf-8"?>
+<file path=ppt/slides/slide31.xml><?xml version="1.0" encoding="utf-8"?>
 <p:sld xmlns:a="http://schemas.openxmlformats.org/drawingml/2006/main" xmlns:r="http://schemas.openxmlformats.org/officeDocument/2006/relationships" xmlns:p="http://schemas.openxmlformats.org/presentationml/2006/main">
   <p:cSld>
     <p:spTree>
@@ -18604,7 +19237,7 @@
 </p:sld>
 </file>
 
-<file path=ppt/slides/slide28.xml><?xml version="1.0" encoding="utf-8"?>
+<file path=ppt/slides/slide32.xml><?xml version="1.0" encoding="utf-8"?>
 <p:sld xmlns:a="http://schemas.openxmlformats.org/drawingml/2006/main" xmlns:r="http://schemas.openxmlformats.org/officeDocument/2006/relationships" xmlns:p="http://schemas.openxmlformats.org/presentationml/2006/main">
   <p:cSld>
     <p:spTree>
@@ -18832,7 +19465,7 @@
 </p:sld>
 </file>
 
-<file path=ppt/slides/slide29.xml><?xml version="1.0" encoding="utf-8"?>
+<file path=ppt/slides/slide33.xml><?xml version="1.0" encoding="utf-8"?>
 <p:sld xmlns:a="http://schemas.openxmlformats.org/drawingml/2006/main" xmlns:r="http://schemas.openxmlformats.org/officeDocument/2006/relationships" xmlns:p="http://schemas.openxmlformats.org/presentationml/2006/main">
   <p:cSld>
     <p:spTree>
@@ -19076,172 +19709,7 @@
 </p:sld>
 </file>
 
-<file path=ppt/slides/slide3.xml><?xml version="1.0" encoding="utf-8"?>
-<p:sld xmlns:a="http://schemas.openxmlformats.org/drawingml/2006/main" xmlns:r="http://schemas.openxmlformats.org/officeDocument/2006/relationships" xmlns:p="http://schemas.openxmlformats.org/presentationml/2006/main">
-  <p:cSld>
-    <p:spTree>
-      <p:nvGrpSpPr>
-        <p:cNvPr id="1" name=""/>
-        <p:cNvGrpSpPr/>
-        <p:nvPr/>
-      </p:nvGrpSpPr>
-      <p:grpSpPr>
-        <a:xfrm>
-          <a:off x="0" y="0"/>
-          <a:ext cx="0" cy="0"/>
-          <a:chOff x="0" y="0"/>
-          <a:chExt cx="0" cy="0"/>
-        </a:xfrm>
-      </p:grpSpPr>
-      <p:sp>
-        <p:nvSpPr>
-          <p:cNvPr id="2" name="Title 1"/>
-          <p:cNvSpPr>
-            <a:spLocks noGrp="1"/>
-          </p:cNvSpPr>
-          <p:nvPr>
-            <p:ph type="title"/>
-          </p:nvPr>
-        </p:nvSpPr>
-        <p:spPr/>
-        <p:txBody>
-          <a:bodyPr/>
-          <a:lstStyle/>
-          <a:p>
-            <a:r>
-              <a:rPr lang="en-US" dirty="0" smtClean="0"/>
-              <a:t>Quick aside: Questions for Byte 2</a:t>
-            </a:r>
-            <a:endParaRPr lang="en-US" dirty="0"/>
-          </a:p>
-        </p:txBody>
-      </p:sp>
-      <p:sp>
-        <p:nvSpPr>
-          <p:cNvPr id="3" name="Content Placeholder 2"/>
-          <p:cNvSpPr>
-            <a:spLocks noGrp="1"/>
-          </p:cNvSpPr>
-          <p:nvPr>
-            <p:ph idx="1"/>
-          </p:nvPr>
-        </p:nvSpPr>
-        <p:spPr/>
-        <p:txBody>
-          <a:bodyPr/>
-          <a:lstStyle/>
-          <a:p>
-            <a:pPr marL="0" indent="0">
-              <a:buNone/>
-            </a:pPr>
-            <a:r>
-              <a:rPr lang="en-US" dirty="0" smtClean="0"/>
-              <a:t>Question 2 : </a:t>
-            </a:r>
-            <a:endParaRPr lang="en-US" dirty="0"/>
-          </a:p>
-          <a:p>
-            <a:pPr marL="0" indent="0">
-              <a:buNone/>
-            </a:pPr>
-            <a:r>
-              <a:rPr lang="en-US" dirty="0"/>
-              <a:t>The answer to this question should focus on a specific expectation or assumption and does require you to list several (although we hope you have explored other assumptions during this </a:t>
-            </a:r>
-            <a:r>
-              <a:rPr lang="en-US" dirty="0" smtClean="0"/>
-              <a:t>assignment</a:t>
-            </a:r>
-            <a:endParaRPr lang="en-US" dirty="0"/>
-          </a:p>
-        </p:txBody>
-      </p:sp>
-      <p:sp>
-        <p:nvSpPr>
-          <p:cNvPr id="4" name="Date Placeholder 3"/>
-          <p:cNvSpPr>
-            <a:spLocks noGrp="1"/>
-          </p:cNvSpPr>
-          <p:nvPr>
-            <p:ph type="dt" sz="half" idx="10"/>
-          </p:nvPr>
-        </p:nvSpPr>
-        <p:spPr/>
-        <p:txBody>
-          <a:bodyPr/>
-          <a:lstStyle/>
-          <a:p>
-            <a:fld id="{7053BEFA-1175-F644-B249-7D41D72BD3FF}" type="datetime1">
-              <a:rPr lang="en-US" smtClean="0"/>
-              <a:t>1/21/15</a:t>
-            </a:fld>
-            <a:endParaRPr lang="en-US"/>
-          </a:p>
-        </p:txBody>
-      </p:sp>
-      <p:sp>
-        <p:nvSpPr>
-          <p:cNvPr id="5" name="Footer Placeholder 4"/>
-          <p:cNvSpPr>
-            <a:spLocks noGrp="1"/>
-          </p:cNvSpPr>
-          <p:nvPr>
-            <p:ph type="ftr" sz="quarter" idx="11"/>
-          </p:nvPr>
-        </p:nvSpPr>
-        <p:spPr/>
-        <p:txBody>
-          <a:bodyPr/>
-          <a:lstStyle/>
-          <a:p>
-            <a:endParaRPr lang="en-US" dirty="0"/>
-          </a:p>
-        </p:txBody>
-      </p:sp>
-      <p:sp>
-        <p:nvSpPr>
-          <p:cNvPr id="6" name="Slide Number Placeholder 5"/>
-          <p:cNvSpPr>
-            <a:spLocks noGrp="1"/>
-          </p:cNvSpPr>
-          <p:nvPr>
-            <p:ph type="sldNum" sz="quarter" idx="12"/>
-          </p:nvPr>
-        </p:nvSpPr>
-        <p:spPr/>
-        <p:txBody>
-          <a:bodyPr/>
-          <a:lstStyle/>
-          <a:p>
-            <a:fld id="{17E276FA-8F89-B34D-A726-BE3FA1F8DD97}" type="slidenum">
-              <a:rPr lang="en-US" smtClean="0"/>
-              <a:t>3</a:t>
-            </a:fld>
-            <a:endParaRPr lang="en-US" dirty="0"/>
-          </a:p>
-        </p:txBody>
-      </p:sp>
-    </p:spTree>
-    <p:extLst>
-      <p:ext uri="{BB962C8B-B14F-4D97-AF65-F5344CB8AC3E}">
-        <p14:creationId xmlns:p14="http://schemas.microsoft.com/office/powerpoint/2010/main" val="852269471"/>
-      </p:ext>
-    </p:extLst>
-  </p:cSld>
-  <p:clrMapOvr>
-    <a:masterClrMapping/>
-  </p:clrMapOvr>
-  <p:timing>
-    <p:tnLst>
-      <p:par>
-        <p:cTn xmlns:p14="http://schemas.microsoft.com/office/powerpoint/2010/main" id="1" dur="indefinite" restart="never" nodeType="tmRoot"/>
-      </p:par>
-    </p:tnLst>
-  </p:timing>
-</p:sld>
-</file>
-
-<file path=ppt/slides/slide30.xml><?xml version="1.0" encoding="utf-8"?>
+<file path=ppt/slides/slide34.xml><?xml version="1.0" encoding="utf-8"?>
 <p:sld xmlns:a="http://schemas.openxmlformats.org/drawingml/2006/main" xmlns:r="http://schemas.openxmlformats.org/officeDocument/2006/relationships" xmlns:p="http://schemas.openxmlformats.org/presentationml/2006/main">
   <p:cSld>
     <p:spTree>
@@ -19566,7 +20034,7 @@
 </p:sld>
 </file>
 
-<file path=ppt/slides/slide31.xml><?xml version="1.0" encoding="utf-8"?>
+<file path=ppt/slides/slide35.xml><?xml version="1.0" encoding="utf-8"?>
 <p:sld xmlns:a="http://schemas.openxmlformats.org/drawingml/2006/main" xmlns:r="http://schemas.openxmlformats.org/officeDocument/2006/relationships" xmlns:p="http://schemas.openxmlformats.org/presentationml/2006/main">
   <p:cSld>
     <p:spTree>
@@ -19806,767 +20274,6 @@
 </p:sld>
 </file>
 
-<file path=ppt/slides/slide32.xml><?xml version="1.0" encoding="utf-8"?>
-<p:sld xmlns:a="http://schemas.openxmlformats.org/drawingml/2006/main" xmlns:r="http://schemas.openxmlformats.org/officeDocument/2006/relationships" xmlns:p="http://schemas.openxmlformats.org/presentationml/2006/main">
-  <p:cSld>
-    <p:spTree>
-      <p:nvGrpSpPr>
-        <p:cNvPr id="1" name=""/>
-        <p:cNvGrpSpPr/>
-        <p:nvPr/>
-      </p:nvGrpSpPr>
-      <p:grpSpPr>
-        <a:xfrm>
-          <a:off x="0" y="0"/>
-          <a:ext cx="0" cy="0"/>
-          <a:chOff x="0" y="0"/>
-          <a:chExt cx="0" cy="0"/>
-        </a:xfrm>
-      </p:grpSpPr>
-      <p:sp>
-        <p:nvSpPr>
-          <p:cNvPr id="2" name="Title 1"/>
-          <p:cNvSpPr>
-            <a:spLocks noGrp="1"/>
-          </p:cNvSpPr>
-          <p:nvPr>
-            <p:ph type="title"/>
-          </p:nvPr>
-        </p:nvSpPr>
-        <p:spPr/>
-        <p:txBody>
-          <a:bodyPr/>
-          <a:lstStyle/>
-          <a:p>
-            <a:r>
-              <a:rPr lang="en-US" dirty="0" smtClean="0"/>
-              <a:t>Was there selection bias in our Lyme Disease sample?</a:t>
-            </a:r>
-            <a:endParaRPr lang="en-US" dirty="0"/>
-          </a:p>
-        </p:txBody>
-      </p:sp>
-      <p:sp>
-        <p:nvSpPr>
-          <p:cNvPr id="3" name="Content Placeholder 2"/>
-          <p:cNvSpPr>
-            <a:spLocks noGrp="1"/>
-          </p:cNvSpPr>
-          <p:nvPr>
-            <p:ph idx="1"/>
-          </p:nvPr>
-        </p:nvSpPr>
-        <p:spPr/>
-        <p:txBody>
-          <a:bodyPr/>
-          <a:lstStyle/>
-          <a:p>
-            <a:pPr marL="0" indent="0">
-              <a:buNone/>
-            </a:pPr>
-            <a:r>
-              <a:rPr lang="en-US" dirty="0" smtClean="0"/>
-              <a:t>We surveyed people in online mailing lists &amp; used ‘snowball’ sampling</a:t>
-            </a:r>
-          </a:p>
-          <a:p>
-            <a:pPr marL="0" indent="0">
-              <a:buNone/>
-            </a:pPr>
-            <a:r>
-              <a:rPr lang="en-US" dirty="0" smtClean="0"/>
-              <a:t>Other options?</a:t>
-            </a:r>
-          </a:p>
-          <a:p>
-            <a:pPr lvl="1"/>
-            <a:endParaRPr lang="en-US" dirty="0" smtClean="0"/>
-          </a:p>
-        </p:txBody>
-      </p:sp>
-      <p:sp>
-        <p:nvSpPr>
-          <p:cNvPr id="4" name="Date Placeholder 3"/>
-          <p:cNvSpPr>
-            <a:spLocks noGrp="1"/>
-          </p:cNvSpPr>
-          <p:nvPr>
-            <p:ph type="dt" sz="half" idx="10"/>
-          </p:nvPr>
-        </p:nvSpPr>
-        <p:spPr/>
-        <p:txBody>
-          <a:bodyPr/>
-          <a:lstStyle/>
-          <a:p>
-            <a:fld id="{7053BEFA-1175-F644-B249-7D41D72BD3FF}" type="datetime1">
-              <a:rPr lang="en-US" smtClean="0"/>
-              <a:t>1/20/15</a:t>
-            </a:fld>
-            <a:endParaRPr lang="en-US"/>
-          </a:p>
-        </p:txBody>
-      </p:sp>
-      <p:sp>
-        <p:nvSpPr>
-          <p:cNvPr id="5" name="Footer Placeholder 4"/>
-          <p:cNvSpPr>
-            <a:spLocks noGrp="1"/>
-          </p:cNvSpPr>
-          <p:nvPr>
-            <p:ph type="ftr" sz="quarter" idx="11"/>
-          </p:nvPr>
-        </p:nvSpPr>
-        <p:spPr/>
-        <p:txBody>
-          <a:bodyPr/>
-          <a:lstStyle/>
-          <a:p>
-            <a:endParaRPr lang="en-US" dirty="0"/>
-          </a:p>
-        </p:txBody>
-      </p:sp>
-      <p:sp>
-        <p:nvSpPr>
-          <p:cNvPr id="6" name="Slide Number Placeholder 5"/>
-          <p:cNvSpPr>
-            <a:spLocks noGrp="1"/>
-          </p:cNvSpPr>
-          <p:nvPr>
-            <p:ph type="sldNum" sz="quarter" idx="12"/>
-          </p:nvPr>
-        </p:nvSpPr>
-        <p:spPr/>
-        <p:txBody>
-          <a:bodyPr/>
-          <a:lstStyle/>
-          <a:p>
-            <a:fld id="{17E276FA-8F89-B34D-A726-BE3FA1F8DD97}" type="slidenum">
-              <a:rPr lang="en-US" smtClean="0"/>
-              <a:t>32</a:t>
-            </a:fld>
-            <a:endParaRPr lang="en-US" dirty="0"/>
-          </a:p>
-        </p:txBody>
-      </p:sp>
-    </p:spTree>
-    <p:extLst>
-      <p:ext uri="{BB962C8B-B14F-4D97-AF65-F5344CB8AC3E}">
-        <p14:creationId xmlns:p14="http://schemas.microsoft.com/office/powerpoint/2010/main" val="1980455543"/>
-      </p:ext>
-    </p:extLst>
-  </p:cSld>
-  <p:clrMapOvr>
-    <a:masterClrMapping/>
-  </p:clrMapOvr>
-  <p:timing>
-    <p:tnLst>
-      <p:par>
-        <p:cTn xmlns:p14="http://schemas.microsoft.com/office/powerpoint/2010/main" id="1" dur="indefinite" restart="never" nodeType="tmRoot"/>
-      </p:par>
-    </p:tnLst>
-  </p:timing>
-</p:sld>
-</file>
-
-<file path=ppt/slides/slide33.xml><?xml version="1.0" encoding="utf-8"?>
-<p:sld xmlns:a="http://schemas.openxmlformats.org/drawingml/2006/main" xmlns:r="http://schemas.openxmlformats.org/officeDocument/2006/relationships" xmlns:p="http://schemas.openxmlformats.org/presentationml/2006/main">
-  <p:cSld>
-    <p:spTree>
-      <p:nvGrpSpPr>
-        <p:cNvPr id="1" name=""/>
-        <p:cNvGrpSpPr/>
-        <p:nvPr/>
-      </p:nvGrpSpPr>
-      <p:grpSpPr>
-        <a:xfrm>
-          <a:off x="0" y="0"/>
-          <a:ext cx="0" cy="0"/>
-          <a:chOff x="0" y="0"/>
-          <a:chExt cx="0" cy="0"/>
-        </a:xfrm>
-      </p:grpSpPr>
-      <p:sp>
-        <p:nvSpPr>
-          <p:cNvPr id="2" name="Title 1"/>
-          <p:cNvSpPr>
-            <a:spLocks noGrp="1"/>
-          </p:cNvSpPr>
-          <p:nvPr>
-            <p:ph type="title"/>
-          </p:nvPr>
-        </p:nvSpPr>
-        <p:spPr/>
-        <p:txBody>
-          <a:bodyPr/>
-          <a:lstStyle/>
-          <a:p>
-            <a:r>
-              <a:rPr lang="en-US" dirty="0" smtClean="0"/>
-              <a:t>Was there selection bias in our Lyme </a:t>
-            </a:r>
-            <a:r>
-              <a:rPr lang="en-US" smtClean="0"/>
-              <a:t>Disease sample?</a:t>
-            </a:r>
-            <a:endParaRPr lang="en-US" dirty="0"/>
-          </a:p>
-        </p:txBody>
-      </p:sp>
-      <p:sp>
-        <p:nvSpPr>
-          <p:cNvPr id="3" name="Content Placeholder 2"/>
-          <p:cNvSpPr>
-            <a:spLocks noGrp="1"/>
-          </p:cNvSpPr>
-          <p:nvPr>
-            <p:ph idx="1"/>
-          </p:nvPr>
-        </p:nvSpPr>
-        <p:spPr/>
-        <p:txBody>
-          <a:bodyPr/>
-          <a:lstStyle/>
-          <a:p>
-            <a:pPr marL="0" indent="0">
-              <a:buNone/>
-            </a:pPr>
-            <a:r>
-              <a:rPr lang="en-US" dirty="0" smtClean="0"/>
-              <a:t>We surveyed people in online mailing lists &amp; used ‘snowball’ sampling</a:t>
-            </a:r>
-          </a:p>
-          <a:p>
-            <a:pPr marL="0" indent="0">
-              <a:buNone/>
-            </a:pPr>
-            <a:r>
-              <a:rPr lang="en-US" dirty="0" smtClean="0"/>
-              <a:t>Other options?</a:t>
-            </a:r>
-          </a:p>
-          <a:p>
-            <a:pPr lvl="1"/>
-            <a:r>
-              <a:rPr lang="en-US" dirty="0" smtClean="0"/>
-              <a:t>Randomly call phone numbers in different regions</a:t>
-            </a:r>
-          </a:p>
-          <a:p>
-            <a:pPr lvl="1"/>
-            <a:r>
-              <a:rPr lang="en-US" dirty="0" smtClean="0"/>
-              <a:t>Hang out in doctors’ offices</a:t>
-            </a:r>
-          </a:p>
-          <a:p>
-            <a:pPr lvl="1"/>
-            <a:r>
-              <a:rPr lang="en-US" dirty="0" smtClean="0"/>
-              <a:t>Advertise on buses and billboards</a:t>
-            </a:r>
-          </a:p>
-          <a:p>
-            <a:pPr lvl="1"/>
-            <a:endParaRPr lang="en-US" dirty="0" smtClean="0"/>
-          </a:p>
-        </p:txBody>
-      </p:sp>
-      <p:sp>
-        <p:nvSpPr>
-          <p:cNvPr id="4" name="Date Placeholder 3"/>
-          <p:cNvSpPr>
-            <a:spLocks noGrp="1"/>
-          </p:cNvSpPr>
-          <p:nvPr>
-            <p:ph type="dt" sz="half" idx="10"/>
-          </p:nvPr>
-        </p:nvSpPr>
-        <p:spPr/>
-        <p:txBody>
-          <a:bodyPr/>
-          <a:lstStyle/>
-          <a:p>
-            <a:fld id="{7053BEFA-1175-F644-B249-7D41D72BD3FF}" type="datetime1">
-              <a:rPr lang="en-US" smtClean="0"/>
-              <a:t>1/20/15</a:t>
-            </a:fld>
-            <a:endParaRPr lang="en-US"/>
-          </a:p>
-        </p:txBody>
-      </p:sp>
-      <p:sp>
-        <p:nvSpPr>
-          <p:cNvPr id="5" name="Footer Placeholder 4"/>
-          <p:cNvSpPr>
-            <a:spLocks noGrp="1"/>
-          </p:cNvSpPr>
-          <p:nvPr>
-            <p:ph type="ftr" sz="quarter" idx="11"/>
-          </p:nvPr>
-        </p:nvSpPr>
-        <p:spPr/>
-        <p:txBody>
-          <a:bodyPr/>
-          <a:lstStyle/>
-          <a:p>
-            <a:endParaRPr lang="en-US" dirty="0"/>
-          </a:p>
-        </p:txBody>
-      </p:sp>
-      <p:sp>
-        <p:nvSpPr>
-          <p:cNvPr id="6" name="Slide Number Placeholder 5"/>
-          <p:cNvSpPr>
-            <a:spLocks noGrp="1"/>
-          </p:cNvSpPr>
-          <p:nvPr>
-            <p:ph type="sldNum" sz="quarter" idx="12"/>
-          </p:nvPr>
-        </p:nvSpPr>
-        <p:spPr/>
-        <p:txBody>
-          <a:bodyPr/>
-          <a:lstStyle/>
-          <a:p>
-            <a:fld id="{17E276FA-8F89-B34D-A726-BE3FA1F8DD97}" type="slidenum">
-              <a:rPr lang="en-US" smtClean="0"/>
-              <a:t>33</a:t>
-            </a:fld>
-            <a:endParaRPr lang="en-US" dirty="0"/>
-          </a:p>
-        </p:txBody>
-      </p:sp>
-    </p:spTree>
-    <p:extLst>
-      <p:ext uri="{BB962C8B-B14F-4D97-AF65-F5344CB8AC3E}">
-        <p14:creationId xmlns:p14="http://schemas.microsoft.com/office/powerpoint/2010/main" val="4117045040"/>
-      </p:ext>
-    </p:extLst>
-  </p:cSld>
-  <p:clrMapOvr>
-    <a:masterClrMapping/>
-  </p:clrMapOvr>
-  <p:timing>
-    <p:tnLst>
-      <p:par>
-        <p:cTn xmlns:p14="http://schemas.microsoft.com/office/powerpoint/2010/main" id="1" dur="indefinite" restart="never" nodeType="tmRoot"/>
-      </p:par>
-    </p:tnLst>
-  </p:timing>
-</p:sld>
-</file>
-
-<file path=ppt/slides/slide34.xml><?xml version="1.0" encoding="utf-8"?>
-<p:sld xmlns:a="http://schemas.openxmlformats.org/drawingml/2006/main" xmlns:r="http://schemas.openxmlformats.org/officeDocument/2006/relationships" xmlns:p="http://schemas.openxmlformats.org/presentationml/2006/main">
-  <p:cSld>
-    <p:spTree>
-      <p:nvGrpSpPr>
-        <p:cNvPr id="1" name=""/>
-        <p:cNvGrpSpPr/>
-        <p:nvPr/>
-      </p:nvGrpSpPr>
-      <p:grpSpPr>
-        <a:xfrm>
-          <a:off x="0" y="0"/>
-          <a:ext cx="0" cy="0"/>
-          <a:chOff x="0" y="0"/>
-          <a:chExt cx="0" cy="0"/>
-        </a:xfrm>
-      </p:grpSpPr>
-      <p:sp>
-        <p:nvSpPr>
-          <p:cNvPr id="2" name="Title 1"/>
-          <p:cNvSpPr>
-            <a:spLocks noGrp="1"/>
-          </p:cNvSpPr>
-          <p:nvPr>
-            <p:ph type="title"/>
-          </p:nvPr>
-        </p:nvSpPr>
-        <p:spPr/>
-        <p:txBody>
-          <a:bodyPr/>
-          <a:lstStyle/>
-          <a:p>
-            <a:r>
-              <a:rPr lang="en-US" dirty="0" smtClean="0"/>
-              <a:t>Is there selection bias here?</a:t>
-            </a:r>
-            <a:endParaRPr lang="en-US" dirty="0"/>
-          </a:p>
-        </p:txBody>
-      </p:sp>
-      <p:sp>
-        <p:nvSpPr>
-          <p:cNvPr id="3" name="Content Placeholder 2"/>
-          <p:cNvSpPr>
-            <a:spLocks noGrp="1"/>
-          </p:cNvSpPr>
-          <p:nvPr>
-            <p:ph idx="1"/>
-          </p:nvPr>
-        </p:nvSpPr>
-        <p:spPr/>
-        <p:txBody>
-          <a:bodyPr/>
-          <a:lstStyle/>
-          <a:p>
-            <a:pPr marL="0" indent="0">
-              <a:buNone/>
-            </a:pPr>
-            <a:r>
-              <a:rPr lang="en-US" dirty="0" smtClean="0"/>
-              <a:t>Personal data can piggyback on existing devices (</a:t>
-            </a:r>
-            <a:r>
-              <a:rPr lang="en-US" i="1" dirty="0" smtClean="0"/>
-              <a:t>e.g., </a:t>
-            </a:r>
-            <a:r>
-              <a:rPr lang="en-US" dirty="0"/>
-              <a:t>Make an android app people want to use (</a:t>
-            </a:r>
-            <a:r>
-              <a:rPr lang="en-US" i="1" dirty="0"/>
-              <a:t>e.g. </a:t>
-            </a:r>
-            <a:r>
-              <a:rPr lang="en-US" dirty="0"/>
-              <a:t>battery alerts) and give it free in return for </a:t>
-            </a:r>
-            <a:r>
-              <a:rPr lang="en-US" dirty="0" smtClean="0"/>
-              <a:t>data)</a:t>
-            </a:r>
-          </a:p>
-          <a:p>
-            <a:pPr marL="0" indent="0">
-              <a:buNone/>
-            </a:pPr>
-            <a:r>
-              <a:rPr lang="en-US" dirty="0" smtClean="0"/>
-              <a:t>Public data can too (satellite data for example; or our current work with the Gates building)</a:t>
-            </a:r>
-          </a:p>
-          <a:p>
-            <a:pPr marL="0" indent="0">
-              <a:buNone/>
-            </a:pPr>
-            <a:endParaRPr lang="en-US" dirty="0"/>
-          </a:p>
-          <a:p>
-            <a:pPr marL="0" indent="0">
-              <a:buNone/>
-            </a:pPr>
-            <a:endParaRPr lang="en-US" dirty="0" smtClean="0"/>
-          </a:p>
-        </p:txBody>
-      </p:sp>
-      <p:sp>
-        <p:nvSpPr>
-          <p:cNvPr id="4" name="Date Placeholder 3"/>
-          <p:cNvSpPr>
-            <a:spLocks noGrp="1"/>
-          </p:cNvSpPr>
-          <p:nvPr>
-            <p:ph type="dt" sz="half" idx="10"/>
-          </p:nvPr>
-        </p:nvSpPr>
-        <p:spPr/>
-        <p:txBody>
-          <a:bodyPr/>
-          <a:lstStyle/>
-          <a:p>
-            <a:fld id="{7053BEFA-1175-F644-B249-7D41D72BD3FF}" type="datetime1">
-              <a:rPr lang="en-US" smtClean="0"/>
-              <a:t>1/20/15</a:t>
-            </a:fld>
-            <a:endParaRPr lang="en-US"/>
-          </a:p>
-        </p:txBody>
-      </p:sp>
-      <p:sp>
-        <p:nvSpPr>
-          <p:cNvPr id="5" name="Footer Placeholder 4"/>
-          <p:cNvSpPr>
-            <a:spLocks noGrp="1"/>
-          </p:cNvSpPr>
-          <p:nvPr>
-            <p:ph type="ftr" sz="quarter" idx="11"/>
-          </p:nvPr>
-        </p:nvSpPr>
-        <p:spPr/>
-        <p:txBody>
-          <a:bodyPr/>
-          <a:lstStyle/>
-          <a:p>
-            <a:endParaRPr lang="en-US" dirty="0"/>
-          </a:p>
-        </p:txBody>
-      </p:sp>
-      <p:sp>
-        <p:nvSpPr>
-          <p:cNvPr id="6" name="Slide Number Placeholder 5"/>
-          <p:cNvSpPr>
-            <a:spLocks noGrp="1"/>
-          </p:cNvSpPr>
-          <p:nvPr>
-            <p:ph type="sldNum" sz="quarter" idx="12"/>
-          </p:nvPr>
-        </p:nvSpPr>
-        <p:spPr/>
-        <p:txBody>
-          <a:bodyPr/>
-          <a:lstStyle/>
-          <a:p>
-            <a:fld id="{17E276FA-8F89-B34D-A726-BE3FA1F8DD97}" type="slidenum">
-              <a:rPr lang="en-US" smtClean="0"/>
-              <a:t>34</a:t>
-            </a:fld>
-            <a:endParaRPr lang="en-US" dirty="0"/>
-          </a:p>
-        </p:txBody>
-      </p:sp>
-    </p:spTree>
-    <p:extLst>
-      <p:ext uri="{BB962C8B-B14F-4D97-AF65-F5344CB8AC3E}">
-        <p14:creationId xmlns:p14="http://schemas.microsoft.com/office/powerpoint/2010/main" val="3207510325"/>
-      </p:ext>
-    </p:extLst>
-  </p:cSld>
-  <p:clrMapOvr>
-    <a:masterClrMapping/>
-  </p:clrMapOvr>
-  <p:timing>
-    <p:tnLst>
-      <p:par>
-        <p:cTn xmlns:p14="http://schemas.microsoft.com/office/powerpoint/2010/main" id="1" dur="indefinite" restart="never" nodeType="tmRoot"/>
-      </p:par>
-    </p:tnLst>
-  </p:timing>
-</p:sld>
-</file>
-
-<file path=ppt/slides/slide35.xml><?xml version="1.0" encoding="utf-8"?>
-<p:sld xmlns:a="http://schemas.openxmlformats.org/drawingml/2006/main" xmlns:r="http://schemas.openxmlformats.org/officeDocument/2006/relationships" xmlns:p="http://schemas.openxmlformats.org/presentationml/2006/main">
-  <p:cSld>
-    <p:spTree>
-      <p:nvGrpSpPr>
-        <p:cNvPr id="1" name=""/>
-        <p:cNvGrpSpPr/>
-        <p:nvPr/>
-      </p:nvGrpSpPr>
-      <p:grpSpPr>
-        <a:xfrm>
-          <a:off x="0" y="0"/>
-          <a:ext cx="0" cy="0"/>
-          <a:chOff x="0" y="0"/>
-          <a:chExt cx="0" cy="0"/>
-        </a:xfrm>
-      </p:grpSpPr>
-      <p:sp>
-        <p:nvSpPr>
-          <p:cNvPr id="2" name="Title 1"/>
-          <p:cNvSpPr>
-            <a:spLocks noGrp="1"/>
-          </p:cNvSpPr>
-          <p:nvPr>
-            <p:ph type="title"/>
-          </p:nvPr>
-        </p:nvSpPr>
-        <p:spPr/>
-        <p:txBody>
-          <a:bodyPr/>
-          <a:lstStyle/>
-          <a:p>
-            <a:r>
-              <a:rPr lang="en-US" dirty="0" smtClean="0"/>
-              <a:t>What if you are not doing a survey?</a:t>
-            </a:r>
-            <a:endParaRPr lang="en-US" dirty="0"/>
-          </a:p>
-        </p:txBody>
-      </p:sp>
-      <p:sp>
-        <p:nvSpPr>
-          <p:cNvPr id="3" name="Content Placeholder 2"/>
-          <p:cNvSpPr>
-            <a:spLocks noGrp="1"/>
-          </p:cNvSpPr>
-          <p:nvPr>
-            <p:ph idx="1"/>
-          </p:nvPr>
-        </p:nvSpPr>
-        <p:spPr/>
-        <p:txBody>
-          <a:bodyPr/>
-          <a:lstStyle/>
-          <a:p>
-            <a:pPr marL="0" indent="0">
-              <a:buNone/>
-            </a:pPr>
-            <a:r>
-              <a:rPr lang="en-US" dirty="0" smtClean="0"/>
-              <a:t>Personal data can piggyback on existing devices </a:t>
-            </a:r>
-            <a:r>
-              <a:rPr lang="en-US" b="1" dirty="0" smtClean="0">
-                <a:solidFill>
-                  <a:schemeClr val="accent1"/>
-                </a:solidFill>
-              </a:rPr>
-              <a:t>(</a:t>
-            </a:r>
-            <a:r>
-              <a:rPr lang="en-US" b="1" i="1" dirty="0" smtClean="0">
-                <a:solidFill>
-                  <a:schemeClr val="accent1"/>
-                </a:solidFill>
-              </a:rPr>
-              <a:t>e.g., </a:t>
-            </a:r>
-            <a:r>
-              <a:rPr lang="en-US" b="1" dirty="0">
-                <a:solidFill>
-                  <a:schemeClr val="accent1"/>
-                </a:solidFill>
-              </a:rPr>
-              <a:t>Make an android app people want to use (</a:t>
-            </a:r>
-            <a:r>
-              <a:rPr lang="en-US" b="1" i="1" dirty="0">
-                <a:solidFill>
-                  <a:schemeClr val="accent1"/>
-                </a:solidFill>
-              </a:rPr>
-              <a:t>e.g. </a:t>
-            </a:r>
-            <a:r>
-              <a:rPr lang="en-US" b="1" dirty="0">
-                <a:solidFill>
-                  <a:schemeClr val="accent1"/>
-                </a:solidFill>
-              </a:rPr>
-              <a:t>battery alerts) and give it free in return for </a:t>
-            </a:r>
-            <a:r>
-              <a:rPr lang="en-US" b="1" dirty="0" smtClean="0">
-                <a:solidFill>
-                  <a:schemeClr val="accent1"/>
-                </a:solidFill>
-              </a:rPr>
-              <a:t>data)</a:t>
-            </a:r>
-          </a:p>
-          <a:p>
-            <a:pPr marL="0" indent="0">
-              <a:buNone/>
-            </a:pPr>
-            <a:r>
-              <a:rPr lang="en-US" dirty="0" smtClean="0"/>
-              <a:t>Public data can too (satellite data for example; or our current work with the Gates building)</a:t>
-            </a:r>
-          </a:p>
-          <a:p>
-            <a:pPr marL="0" indent="0">
-              <a:buNone/>
-            </a:pPr>
-            <a:endParaRPr lang="en-US" dirty="0"/>
-          </a:p>
-          <a:p>
-            <a:pPr marL="0" indent="0">
-              <a:buNone/>
-            </a:pPr>
-            <a:endParaRPr lang="en-US" dirty="0" smtClean="0"/>
-          </a:p>
-        </p:txBody>
-      </p:sp>
-      <p:sp>
-        <p:nvSpPr>
-          <p:cNvPr id="4" name="Date Placeholder 3"/>
-          <p:cNvSpPr>
-            <a:spLocks noGrp="1"/>
-          </p:cNvSpPr>
-          <p:nvPr>
-            <p:ph type="dt" sz="half" idx="10"/>
-          </p:nvPr>
-        </p:nvSpPr>
-        <p:spPr/>
-        <p:txBody>
-          <a:bodyPr/>
-          <a:lstStyle/>
-          <a:p>
-            <a:fld id="{7053BEFA-1175-F644-B249-7D41D72BD3FF}" type="datetime1">
-              <a:rPr lang="en-US" smtClean="0"/>
-              <a:t>1/20/15</a:t>
-            </a:fld>
-            <a:endParaRPr lang="en-US"/>
-          </a:p>
-        </p:txBody>
-      </p:sp>
-      <p:sp>
-        <p:nvSpPr>
-          <p:cNvPr id="5" name="Footer Placeholder 4"/>
-          <p:cNvSpPr>
-            <a:spLocks noGrp="1"/>
-          </p:cNvSpPr>
-          <p:nvPr>
-            <p:ph type="ftr" sz="quarter" idx="11"/>
-          </p:nvPr>
-        </p:nvSpPr>
-        <p:spPr/>
-        <p:txBody>
-          <a:bodyPr/>
-          <a:lstStyle/>
-          <a:p>
-            <a:endParaRPr lang="en-US" dirty="0"/>
-          </a:p>
-        </p:txBody>
-      </p:sp>
-      <p:sp>
-        <p:nvSpPr>
-          <p:cNvPr id="6" name="Slide Number Placeholder 5"/>
-          <p:cNvSpPr>
-            <a:spLocks noGrp="1"/>
-          </p:cNvSpPr>
-          <p:nvPr>
-            <p:ph type="sldNum" sz="quarter" idx="12"/>
-          </p:nvPr>
-        </p:nvSpPr>
-        <p:spPr/>
-        <p:txBody>
-          <a:bodyPr/>
-          <a:lstStyle/>
-          <a:p>
-            <a:fld id="{17E276FA-8F89-B34D-A726-BE3FA1F8DD97}" type="slidenum">
-              <a:rPr lang="en-US" smtClean="0"/>
-              <a:t>35</a:t>
-            </a:fld>
-            <a:endParaRPr lang="en-US" dirty="0"/>
-          </a:p>
-        </p:txBody>
-      </p:sp>
-    </p:spTree>
-    <p:extLst>
-      <p:ext uri="{BB962C8B-B14F-4D97-AF65-F5344CB8AC3E}">
-        <p14:creationId xmlns:p14="http://schemas.microsoft.com/office/powerpoint/2010/main" val="1067668576"/>
-      </p:ext>
-    </p:extLst>
-  </p:cSld>
-  <p:clrMapOvr>
-    <a:masterClrMapping/>
-  </p:clrMapOvr>
-  <p:timing>
-    <p:tnLst>
-      <p:par>
-        <p:cTn xmlns:p14="http://schemas.microsoft.com/office/powerpoint/2010/main" id="1" dur="indefinite" restart="never" nodeType="tmRoot"/>
-      </p:par>
-    </p:tnLst>
-  </p:timing>
-</p:sld>
-</file>
-
 <file path=ppt/slides/slide36.xml><?xml version="1.0" encoding="utf-8"?>
 <p:sld xmlns:a="http://schemas.openxmlformats.org/drawingml/2006/main" xmlns:r="http://schemas.openxmlformats.org/officeDocument/2006/relationships" xmlns:p="http://schemas.openxmlformats.org/presentationml/2006/main">
   <p:cSld>
@@ -20601,7 +20308,7 @@
           <a:p>
             <a:r>
               <a:rPr lang="en-US" dirty="0" smtClean="0"/>
-              <a:t>What if you are not doing a survey?</a:t>
+              <a:t>Was there selection bias in our Lyme Disease sample?</a:t>
             </a:r>
             <a:endParaRPr lang="en-US" dirty="0"/>
           </a:p>
@@ -20627,27 +20334,7 @@
             </a:pPr>
             <a:r>
               <a:rPr lang="en-US" dirty="0" smtClean="0"/>
-              <a:t>Personal data can piggyback on existing devices (</a:t>
-            </a:r>
-            <a:r>
-              <a:rPr lang="en-US" i="1" dirty="0" smtClean="0"/>
-              <a:t>e.g., </a:t>
-            </a:r>
-            <a:r>
-              <a:rPr lang="en-US" dirty="0"/>
-              <a:t>Make an android app people want to use (</a:t>
-            </a:r>
-            <a:r>
-              <a:rPr lang="en-US" i="1" dirty="0"/>
-              <a:t>e.g. </a:t>
-            </a:r>
-            <a:r>
-              <a:rPr lang="en-US" dirty="0"/>
-              <a:t>battery alerts) and give it free in return for </a:t>
-            </a:r>
-            <a:r>
-              <a:rPr lang="en-US" dirty="0" smtClean="0"/>
-              <a:t>data)</a:t>
+              <a:t>We surveyed people in online mailing lists &amp; used ‘snowball’ sampling</a:t>
             </a:r>
           </a:p>
           <a:p>
@@ -20656,27 +20343,11 @@
             </a:pPr>
             <a:r>
               <a:rPr lang="en-US" dirty="0" smtClean="0"/>
-              <a:t>Public data can too (satellite data for example; or </a:t>
-            </a:r>
-            <a:r>
-              <a:rPr lang="en-US" b="1" dirty="0" smtClean="0">
-                <a:solidFill>
-                  <a:schemeClr val="accent1"/>
-                </a:solidFill>
-              </a:rPr>
-              <a:t>our current work with the Gates building)</a:t>
-            </a:r>
-          </a:p>
-          <a:p>
-            <a:pPr marL="0" indent="0">
-              <a:buNone/>
-            </a:pPr>
-            <a:endParaRPr lang="en-US" dirty="0"/>
-          </a:p>
-          <a:p>
-            <a:pPr marL="0" indent="0">
-              <a:buNone/>
-            </a:pPr>
+              <a:t>Other options?</a:t>
+            </a:r>
+          </a:p>
+          <a:p>
+            <a:pPr lvl="1"/>
             <a:endParaRPr lang="en-US" dirty="0" smtClean="0"/>
           </a:p>
         </p:txBody>
@@ -20698,7 +20369,7 @@
           <a:p>
             <a:fld id="{7053BEFA-1175-F644-B249-7D41D72BD3FF}" type="datetime1">
               <a:rPr lang="en-US" smtClean="0"/>
-              <a:t>1/20/15</a:t>
+              <a:t>1/25/15</a:t>
             </a:fld>
             <a:endParaRPr lang="en-US"/>
           </a:p>
@@ -20749,7 +20420,7 @@
     </p:spTree>
     <p:extLst>
       <p:ext uri="{BB962C8B-B14F-4D97-AF65-F5344CB8AC3E}">
-        <p14:creationId xmlns:p14="http://schemas.microsoft.com/office/powerpoint/2010/main" val="1158786776"/>
+        <p14:creationId xmlns:p14="http://schemas.microsoft.com/office/powerpoint/2010/main" val="1980455543"/>
       </p:ext>
     </p:extLst>
   </p:cSld>
@@ -20800,7 +20471,11 @@
           <a:p>
             <a:r>
               <a:rPr lang="en-US" dirty="0" smtClean="0"/>
-              <a:t>Bias</a:t>
+              <a:t>Was there selection bias in our Lyme </a:t>
+            </a:r>
+            <a:r>
+              <a:rPr lang="en-US" smtClean="0"/>
+              <a:t>Disease sample?</a:t>
             </a:r>
             <a:endParaRPr lang="en-US" dirty="0"/>
           </a:p>
@@ -20825,23 +20500,43 @@
               <a:buNone/>
             </a:pPr>
             <a:r>
-              <a:rPr lang="en-US" dirty="0"/>
-              <a:t>Address when you </a:t>
-            </a:r>
-            <a:r>
-              <a:rPr lang="en-US" i="1" dirty="0"/>
-              <a:t>plan </a:t>
-            </a:r>
-            <a:r>
-              <a:rPr lang="en-US" dirty="0"/>
-              <a:t>your sample</a:t>
+              <a:rPr lang="en-US" dirty="0" smtClean="0"/>
+              <a:t>We surveyed people in online mailing lists &amp; used ‘snowball’ sampling</a:t>
             </a:r>
           </a:p>
           <a:p>
             <a:pPr marL="0" indent="0">
               <a:buNone/>
             </a:pPr>
-            <a:endParaRPr lang="en-US" dirty="0"/>
+            <a:r>
+              <a:rPr lang="en-US" dirty="0" smtClean="0"/>
+              <a:t>Other options?</a:t>
+            </a:r>
+          </a:p>
+          <a:p>
+            <a:pPr lvl="1"/>
+            <a:r>
+              <a:rPr lang="en-US" dirty="0" smtClean="0"/>
+              <a:t>Randomly call phone numbers in different regions</a:t>
+            </a:r>
+          </a:p>
+          <a:p>
+            <a:pPr lvl="1"/>
+            <a:r>
+              <a:rPr lang="en-US" dirty="0" smtClean="0"/>
+              <a:t>Hang out in doctors’ offices</a:t>
+            </a:r>
+          </a:p>
+          <a:p>
+            <a:pPr lvl="1"/>
+            <a:r>
+              <a:rPr lang="en-US" dirty="0" smtClean="0"/>
+              <a:t>Advertise on buses and billboards</a:t>
+            </a:r>
+          </a:p>
+          <a:p>
+            <a:pPr lvl="1"/>
+            <a:endParaRPr lang="en-US" dirty="0" smtClean="0"/>
           </a:p>
         </p:txBody>
       </p:sp>
@@ -20862,7 +20557,7 @@
           <a:p>
             <a:fld id="{7053BEFA-1175-F644-B249-7D41D72BD3FF}" type="datetime1">
               <a:rPr lang="en-US" smtClean="0"/>
-              <a:t>1/20/15</a:t>
+              <a:t>1/25/15</a:t>
             </a:fld>
             <a:endParaRPr lang="en-US"/>
           </a:p>
@@ -20913,7 +20608,417 @@
     </p:spTree>
     <p:extLst>
       <p:ext uri="{BB962C8B-B14F-4D97-AF65-F5344CB8AC3E}">
-        <p14:creationId xmlns:p14="http://schemas.microsoft.com/office/powerpoint/2010/main" val="2300799934"/>
+        <p14:creationId xmlns:p14="http://schemas.microsoft.com/office/powerpoint/2010/main" val="4117045040"/>
+      </p:ext>
+    </p:extLst>
+  </p:cSld>
+  <p:clrMapOvr>
+    <a:masterClrMapping/>
+  </p:clrMapOvr>
+  <p:timing>
+    <p:tnLst>
+      <p:par>
+        <p:cTn xmlns:p14="http://schemas.microsoft.com/office/powerpoint/2010/main" id="1" dur="indefinite" restart="never" nodeType="tmRoot"/>
+      </p:par>
+    </p:tnLst>
+  </p:timing>
+</p:sld>
+</file>
+
+<file path=ppt/slides/slide38.xml><?xml version="1.0" encoding="utf-8"?>
+<p:sld xmlns:a="http://schemas.openxmlformats.org/drawingml/2006/main" xmlns:r="http://schemas.openxmlformats.org/officeDocument/2006/relationships" xmlns:p="http://schemas.openxmlformats.org/presentationml/2006/main">
+  <p:cSld>
+    <p:spTree>
+      <p:nvGrpSpPr>
+        <p:cNvPr id="1" name=""/>
+        <p:cNvGrpSpPr/>
+        <p:nvPr/>
+      </p:nvGrpSpPr>
+      <p:grpSpPr>
+        <a:xfrm>
+          <a:off x="0" y="0"/>
+          <a:ext cx="0" cy="0"/>
+          <a:chOff x="0" y="0"/>
+          <a:chExt cx="0" cy="0"/>
+        </a:xfrm>
+      </p:grpSpPr>
+      <p:sp>
+        <p:nvSpPr>
+          <p:cNvPr id="2" name="Title 1"/>
+          <p:cNvSpPr>
+            <a:spLocks noGrp="1"/>
+          </p:cNvSpPr>
+          <p:nvPr>
+            <p:ph type="title"/>
+          </p:nvPr>
+        </p:nvSpPr>
+        <p:spPr/>
+        <p:txBody>
+          <a:bodyPr/>
+          <a:lstStyle/>
+          <a:p>
+            <a:r>
+              <a:rPr lang="en-US" dirty="0" smtClean="0"/>
+              <a:t>Is there selection bias here?</a:t>
+            </a:r>
+            <a:endParaRPr lang="en-US" dirty="0"/>
+          </a:p>
+        </p:txBody>
+      </p:sp>
+      <p:sp>
+        <p:nvSpPr>
+          <p:cNvPr id="3" name="Content Placeholder 2"/>
+          <p:cNvSpPr>
+            <a:spLocks noGrp="1"/>
+          </p:cNvSpPr>
+          <p:nvPr>
+            <p:ph idx="1"/>
+          </p:nvPr>
+        </p:nvSpPr>
+        <p:spPr/>
+        <p:txBody>
+          <a:bodyPr/>
+          <a:lstStyle/>
+          <a:p>
+            <a:pPr marL="0" indent="0">
+              <a:buNone/>
+            </a:pPr>
+            <a:r>
+              <a:rPr lang="en-US" dirty="0" smtClean="0"/>
+              <a:t>Personal data can piggyback on existing devices (</a:t>
+            </a:r>
+            <a:r>
+              <a:rPr lang="en-US" i="1" dirty="0" smtClean="0"/>
+              <a:t>e.g., </a:t>
+            </a:r>
+            <a:r>
+              <a:rPr lang="en-US" dirty="0"/>
+              <a:t>Make an android app people want to use (</a:t>
+            </a:r>
+            <a:r>
+              <a:rPr lang="en-US" i="1" dirty="0"/>
+              <a:t>e.g. </a:t>
+            </a:r>
+            <a:r>
+              <a:rPr lang="en-US" dirty="0"/>
+              <a:t>battery alerts) and give it free in return for </a:t>
+            </a:r>
+            <a:r>
+              <a:rPr lang="en-US" dirty="0" smtClean="0"/>
+              <a:t>data)</a:t>
+            </a:r>
+          </a:p>
+          <a:p>
+            <a:pPr marL="0" indent="0">
+              <a:buNone/>
+            </a:pPr>
+            <a:r>
+              <a:rPr lang="en-US" dirty="0" smtClean="0"/>
+              <a:t>Public data can too (satellite data for example; or our current work with the Gates building)</a:t>
+            </a:r>
+          </a:p>
+          <a:p>
+            <a:pPr marL="0" indent="0">
+              <a:buNone/>
+            </a:pPr>
+            <a:endParaRPr lang="en-US" dirty="0"/>
+          </a:p>
+          <a:p>
+            <a:pPr marL="0" indent="0">
+              <a:buNone/>
+            </a:pPr>
+            <a:endParaRPr lang="en-US" dirty="0" smtClean="0"/>
+          </a:p>
+        </p:txBody>
+      </p:sp>
+      <p:sp>
+        <p:nvSpPr>
+          <p:cNvPr id="4" name="Date Placeholder 3"/>
+          <p:cNvSpPr>
+            <a:spLocks noGrp="1"/>
+          </p:cNvSpPr>
+          <p:nvPr>
+            <p:ph type="dt" sz="half" idx="10"/>
+          </p:nvPr>
+        </p:nvSpPr>
+        <p:spPr/>
+        <p:txBody>
+          <a:bodyPr/>
+          <a:lstStyle/>
+          <a:p>
+            <a:fld id="{7053BEFA-1175-F644-B249-7D41D72BD3FF}" type="datetime1">
+              <a:rPr lang="en-US" smtClean="0"/>
+              <a:t>1/25/15</a:t>
+            </a:fld>
+            <a:endParaRPr lang="en-US"/>
+          </a:p>
+        </p:txBody>
+      </p:sp>
+      <p:sp>
+        <p:nvSpPr>
+          <p:cNvPr id="5" name="Footer Placeholder 4"/>
+          <p:cNvSpPr>
+            <a:spLocks noGrp="1"/>
+          </p:cNvSpPr>
+          <p:nvPr>
+            <p:ph type="ftr" sz="quarter" idx="11"/>
+          </p:nvPr>
+        </p:nvSpPr>
+        <p:spPr/>
+        <p:txBody>
+          <a:bodyPr/>
+          <a:lstStyle/>
+          <a:p>
+            <a:endParaRPr lang="en-US" dirty="0"/>
+          </a:p>
+        </p:txBody>
+      </p:sp>
+      <p:sp>
+        <p:nvSpPr>
+          <p:cNvPr id="6" name="Slide Number Placeholder 5"/>
+          <p:cNvSpPr>
+            <a:spLocks noGrp="1"/>
+          </p:cNvSpPr>
+          <p:nvPr>
+            <p:ph type="sldNum" sz="quarter" idx="12"/>
+          </p:nvPr>
+        </p:nvSpPr>
+        <p:spPr/>
+        <p:txBody>
+          <a:bodyPr/>
+          <a:lstStyle/>
+          <a:p>
+            <a:fld id="{17E276FA-8F89-B34D-A726-BE3FA1F8DD97}" type="slidenum">
+              <a:rPr lang="en-US" smtClean="0"/>
+              <a:t>38</a:t>
+            </a:fld>
+            <a:endParaRPr lang="en-US" dirty="0"/>
+          </a:p>
+        </p:txBody>
+      </p:sp>
+    </p:spTree>
+    <p:extLst>
+      <p:ext uri="{BB962C8B-B14F-4D97-AF65-F5344CB8AC3E}">
+        <p14:creationId xmlns:p14="http://schemas.microsoft.com/office/powerpoint/2010/main" val="3207510325"/>
+      </p:ext>
+    </p:extLst>
+  </p:cSld>
+  <p:clrMapOvr>
+    <a:masterClrMapping/>
+  </p:clrMapOvr>
+  <p:timing>
+    <p:tnLst>
+      <p:par>
+        <p:cTn xmlns:p14="http://schemas.microsoft.com/office/powerpoint/2010/main" id="1" dur="indefinite" restart="never" nodeType="tmRoot"/>
+      </p:par>
+    </p:tnLst>
+  </p:timing>
+</p:sld>
+</file>
+
+<file path=ppt/slides/slide39.xml><?xml version="1.0" encoding="utf-8"?>
+<p:sld xmlns:a="http://schemas.openxmlformats.org/drawingml/2006/main" xmlns:r="http://schemas.openxmlformats.org/officeDocument/2006/relationships" xmlns:p="http://schemas.openxmlformats.org/presentationml/2006/main">
+  <p:cSld>
+    <p:spTree>
+      <p:nvGrpSpPr>
+        <p:cNvPr id="1" name=""/>
+        <p:cNvGrpSpPr/>
+        <p:nvPr/>
+      </p:nvGrpSpPr>
+      <p:grpSpPr>
+        <a:xfrm>
+          <a:off x="0" y="0"/>
+          <a:ext cx="0" cy="0"/>
+          <a:chOff x="0" y="0"/>
+          <a:chExt cx="0" cy="0"/>
+        </a:xfrm>
+      </p:grpSpPr>
+      <p:sp>
+        <p:nvSpPr>
+          <p:cNvPr id="2" name="Title 1"/>
+          <p:cNvSpPr>
+            <a:spLocks noGrp="1"/>
+          </p:cNvSpPr>
+          <p:nvPr>
+            <p:ph type="title"/>
+          </p:nvPr>
+        </p:nvSpPr>
+        <p:spPr/>
+        <p:txBody>
+          <a:bodyPr/>
+          <a:lstStyle/>
+          <a:p>
+            <a:r>
+              <a:rPr lang="en-US" dirty="0" smtClean="0"/>
+              <a:t>What if you are not doing a survey?</a:t>
+            </a:r>
+            <a:endParaRPr lang="en-US" dirty="0"/>
+          </a:p>
+        </p:txBody>
+      </p:sp>
+      <p:sp>
+        <p:nvSpPr>
+          <p:cNvPr id="3" name="Content Placeholder 2"/>
+          <p:cNvSpPr>
+            <a:spLocks noGrp="1"/>
+          </p:cNvSpPr>
+          <p:nvPr>
+            <p:ph idx="1"/>
+          </p:nvPr>
+        </p:nvSpPr>
+        <p:spPr/>
+        <p:txBody>
+          <a:bodyPr/>
+          <a:lstStyle/>
+          <a:p>
+            <a:pPr marL="0" indent="0">
+              <a:buNone/>
+            </a:pPr>
+            <a:r>
+              <a:rPr lang="en-US" dirty="0" smtClean="0"/>
+              <a:t>Personal data can piggyback on existing devices </a:t>
+            </a:r>
+            <a:r>
+              <a:rPr lang="en-US" b="1" dirty="0" smtClean="0">
+                <a:solidFill>
+                  <a:schemeClr val="accent1"/>
+                </a:solidFill>
+              </a:rPr>
+              <a:t>(</a:t>
+            </a:r>
+            <a:r>
+              <a:rPr lang="en-US" b="1" i="1" dirty="0" smtClean="0">
+                <a:solidFill>
+                  <a:schemeClr val="accent1"/>
+                </a:solidFill>
+              </a:rPr>
+              <a:t>e.g., </a:t>
+            </a:r>
+            <a:r>
+              <a:rPr lang="en-US" b="1" dirty="0">
+                <a:solidFill>
+                  <a:schemeClr val="accent1"/>
+                </a:solidFill>
+              </a:rPr>
+              <a:t>Make an android app people want to use (</a:t>
+            </a:r>
+            <a:r>
+              <a:rPr lang="en-US" b="1" i="1" dirty="0">
+                <a:solidFill>
+                  <a:schemeClr val="accent1"/>
+                </a:solidFill>
+              </a:rPr>
+              <a:t>e.g. </a:t>
+            </a:r>
+            <a:r>
+              <a:rPr lang="en-US" b="1" dirty="0">
+                <a:solidFill>
+                  <a:schemeClr val="accent1"/>
+                </a:solidFill>
+              </a:rPr>
+              <a:t>battery alerts) and give it free in return for </a:t>
+            </a:r>
+            <a:r>
+              <a:rPr lang="en-US" b="1" dirty="0" smtClean="0">
+                <a:solidFill>
+                  <a:schemeClr val="accent1"/>
+                </a:solidFill>
+              </a:rPr>
+              <a:t>data)</a:t>
+            </a:r>
+          </a:p>
+          <a:p>
+            <a:pPr marL="0" indent="0">
+              <a:buNone/>
+            </a:pPr>
+            <a:r>
+              <a:rPr lang="en-US" dirty="0" smtClean="0"/>
+              <a:t>Public data can too (satellite data for example; or our current work with the Gates building)</a:t>
+            </a:r>
+          </a:p>
+          <a:p>
+            <a:pPr marL="0" indent="0">
+              <a:buNone/>
+            </a:pPr>
+            <a:endParaRPr lang="en-US" dirty="0"/>
+          </a:p>
+          <a:p>
+            <a:pPr marL="0" indent="0">
+              <a:buNone/>
+            </a:pPr>
+            <a:endParaRPr lang="en-US" dirty="0" smtClean="0"/>
+          </a:p>
+        </p:txBody>
+      </p:sp>
+      <p:sp>
+        <p:nvSpPr>
+          <p:cNvPr id="4" name="Date Placeholder 3"/>
+          <p:cNvSpPr>
+            <a:spLocks noGrp="1"/>
+          </p:cNvSpPr>
+          <p:nvPr>
+            <p:ph type="dt" sz="half" idx="10"/>
+          </p:nvPr>
+        </p:nvSpPr>
+        <p:spPr/>
+        <p:txBody>
+          <a:bodyPr/>
+          <a:lstStyle/>
+          <a:p>
+            <a:fld id="{7053BEFA-1175-F644-B249-7D41D72BD3FF}" type="datetime1">
+              <a:rPr lang="en-US" smtClean="0"/>
+              <a:t>1/25/15</a:t>
+            </a:fld>
+            <a:endParaRPr lang="en-US"/>
+          </a:p>
+        </p:txBody>
+      </p:sp>
+      <p:sp>
+        <p:nvSpPr>
+          <p:cNvPr id="5" name="Footer Placeholder 4"/>
+          <p:cNvSpPr>
+            <a:spLocks noGrp="1"/>
+          </p:cNvSpPr>
+          <p:nvPr>
+            <p:ph type="ftr" sz="quarter" idx="11"/>
+          </p:nvPr>
+        </p:nvSpPr>
+        <p:spPr/>
+        <p:txBody>
+          <a:bodyPr/>
+          <a:lstStyle/>
+          <a:p>
+            <a:endParaRPr lang="en-US" dirty="0"/>
+          </a:p>
+        </p:txBody>
+      </p:sp>
+      <p:sp>
+        <p:nvSpPr>
+          <p:cNvPr id="6" name="Slide Number Placeholder 5"/>
+          <p:cNvSpPr>
+            <a:spLocks noGrp="1"/>
+          </p:cNvSpPr>
+          <p:nvPr>
+            <p:ph type="sldNum" sz="quarter" idx="12"/>
+          </p:nvPr>
+        </p:nvSpPr>
+        <p:spPr/>
+        <p:txBody>
+          <a:bodyPr/>
+          <a:lstStyle/>
+          <a:p>
+            <a:fld id="{17E276FA-8F89-B34D-A726-BE3FA1F8DD97}" type="slidenum">
+              <a:rPr lang="en-US" smtClean="0"/>
+              <a:t>39</a:t>
+            </a:fld>
+            <a:endParaRPr lang="en-US" dirty="0"/>
+          </a:p>
+        </p:txBody>
+      </p:sp>
+    </p:spTree>
+    <p:extLst>
+      <p:ext uri="{BB962C8B-B14F-4D97-AF65-F5344CB8AC3E}">
+        <p14:creationId xmlns:p14="http://schemas.microsoft.com/office/powerpoint/2010/main" val="1067668576"/>
       </p:ext>
     </p:extLst>
   </p:cSld>
@@ -21036,7 +21141,7 @@
           <a:p>
             <a:fld id="{7053BEFA-1175-F644-B249-7D41D72BD3FF}" type="datetime1">
               <a:rPr lang="en-US" smtClean="0"/>
-              <a:t>1/21/15</a:t>
+              <a:t>1/25/15</a:t>
             </a:fld>
             <a:endParaRPr lang="en-US"/>
           </a:p>
@@ -21088,6 +21193,369 @@
     <p:extLst>
       <p:ext uri="{BB962C8B-B14F-4D97-AF65-F5344CB8AC3E}">
         <p14:creationId xmlns:p14="http://schemas.microsoft.com/office/powerpoint/2010/main" val="3038711270"/>
+      </p:ext>
+    </p:extLst>
+  </p:cSld>
+  <p:clrMapOvr>
+    <a:masterClrMapping/>
+  </p:clrMapOvr>
+  <p:timing>
+    <p:tnLst>
+      <p:par>
+        <p:cTn xmlns:p14="http://schemas.microsoft.com/office/powerpoint/2010/main" id="1" dur="indefinite" restart="never" nodeType="tmRoot"/>
+      </p:par>
+    </p:tnLst>
+  </p:timing>
+</p:sld>
+</file>
+
+<file path=ppt/slides/slide40.xml><?xml version="1.0" encoding="utf-8"?>
+<p:sld xmlns:a="http://schemas.openxmlformats.org/drawingml/2006/main" xmlns:r="http://schemas.openxmlformats.org/officeDocument/2006/relationships" xmlns:p="http://schemas.openxmlformats.org/presentationml/2006/main">
+  <p:cSld>
+    <p:spTree>
+      <p:nvGrpSpPr>
+        <p:cNvPr id="1" name=""/>
+        <p:cNvGrpSpPr/>
+        <p:nvPr/>
+      </p:nvGrpSpPr>
+      <p:grpSpPr>
+        <a:xfrm>
+          <a:off x="0" y="0"/>
+          <a:ext cx="0" cy="0"/>
+          <a:chOff x="0" y="0"/>
+          <a:chExt cx="0" cy="0"/>
+        </a:xfrm>
+      </p:grpSpPr>
+      <p:sp>
+        <p:nvSpPr>
+          <p:cNvPr id="2" name="Title 1"/>
+          <p:cNvSpPr>
+            <a:spLocks noGrp="1"/>
+          </p:cNvSpPr>
+          <p:nvPr>
+            <p:ph type="title"/>
+          </p:nvPr>
+        </p:nvSpPr>
+        <p:spPr/>
+        <p:txBody>
+          <a:bodyPr/>
+          <a:lstStyle/>
+          <a:p>
+            <a:r>
+              <a:rPr lang="en-US" dirty="0" smtClean="0"/>
+              <a:t>What if you are not doing a survey?</a:t>
+            </a:r>
+            <a:endParaRPr lang="en-US" dirty="0"/>
+          </a:p>
+        </p:txBody>
+      </p:sp>
+      <p:sp>
+        <p:nvSpPr>
+          <p:cNvPr id="3" name="Content Placeholder 2"/>
+          <p:cNvSpPr>
+            <a:spLocks noGrp="1"/>
+          </p:cNvSpPr>
+          <p:nvPr>
+            <p:ph idx="1"/>
+          </p:nvPr>
+        </p:nvSpPr>
+        <p:spPr/>
+        <p:txBody>
+          <a:bodyPr/>
+          <a:lstStyle/>
+          <a:p>
+            <a:pPr marL="0" indent="0">
+              <a:buNone/>
+            </a:pPr>
+            <a:r>
+              <a:rPr lang="en-US" dirty="0" smtClean="0"/>
+              <a:t>Personal data can piggyback on existing devices (</a:t>
+            </a:r>
+            <a:r>
+              <a:rPr lang="en-US" i="1" dirty="0" smtClean="0"/>
+              <a:t>e.g., </a:t>
+            </a:r>
+            <a:r>
+              <a:rPr lang="en-US" dirty="0"/>
+              <a:t>Make an android app people want to use (</a:t>
+            </a:r>
+            <a:r>
+              <a:rPr lang="en-US" i="1" dirty="0"/>
+              <a:t>e.g. </a:t>
+            </a:r>
+            <a:r>
+              <a:rPr lang="en-US" dirty="0"/>
+              <a:t>battery alerts) and give it free in return for </a:t>
+            </a:r>
+            <a:r>
+              <a:rPr lang="en-US" dirty="0" smtClean="0"/>
+              <a:t>data)</a:t>
+            </a:r>
+          </a:p>
+          <a:p>
+            <a:pPr marL="0" indent="0">
+              <a:buNone/>
+            </a:pPr>
+            <a:r>
+              <a:rPr lang="en-US" dirty="0" smtClean="0"/>
+              <a:t>Public data can too (satellite data for example; or </a:t>
+            </a:r>
+            <a:r>
+              <a:rPr lang="en-US" b="1" dirty="0" smtClean="0">
+                <a:solidFill>
+                  <a:schemeClr val="accent1"/>
+                </a:solidFill>
+              </a:rPr>
+              <a:t>our current work with the Gates building)</a:t>
+            </a:r>
+          </a:p>
+          <a:p>
+            <a:pPr marL="0" indent="0">
+              <a:buNone/>
+            </a:pPr>
+            <a:endParaRPr lang="en-US" dirty="0"/>
+          </a:p>
+          <a:p>
+            <a:pPr marL="0" indent="0">
+              <a:buNone/>
+            </a:pPr>
+            <a:endParaRPr lang="en-US" dirty="0" smtClean="0"/>
+          </a:p>
+        </p:txBody>
+      </p:sp>
+      <p:sp>
+        <p:nvSpPr>
+          <p:cNvPr id="4" name="Date Placeholder 3"/>
+          <p:cNvSpPr>
+            <a:spLocks noGrp="1"/>
+          </p:cNvSpPr>
+          <p:nvPr>
+            <p:ph type="dt" sz="half" idx="10"/>
+          </p:nvPr>
+        </p:nvSpPr>
+        <p:spPr/>
+        <p:txBody>
+          <a:bodyPr/>
+          <a:lstStyle/>
+          <a:p>
+            <a:fld id="{7053BEFA-1175-F644-B249-7D41D72BD3FF}" type="datetime1">
+              <a:rPr lang="en-US" smtClean="0"/>
+              <a:t>1/25/15</a:t>
+            </a:fld>
+            <a:endParaRPr lang="en-US"/>
+          </a:p>
+        </p:txBody>
+      </p:sp>
+      <p:sp>
+        <p:nvSpPr>
+          <p:cNvPr id="5" name="Footer Placeholder 4"/>
+          <p:cNvSpPr>
+            <a:spLocks noGrp="1"/>
+          </p:cNvSpPr>
+          <p:nvPr>
+            <p:ph type="ftr" sz="quarter" idx="11"/>
+          </p:nvPr>
+        </p:nvSpPr>
+        <p:spPr/>
+        <p:txBody>
+          <a:bodyPr/>
+          <a:lstStyle/>
+          <a:p>
+            <a:endParaRPr lang="en-US" dirty="0"/>
+          </a:p>
+        </p:txBody>
+      </p:sp>
+      <p:sp>
+        <p:nvSpPr>
+          <p:cNvPr id="6" name="Slide Number Placeholder 5"/>
+          <p:cNvSpPr>
+            <a:spLocks noGrp="1"/>
+          </p:cNvSpPr>
+          <p:nvPr>
+            <p:ph type="sldNum" sz="quarter" idx="12"/>
+          </p:nvPr>
+        </p:nvSpPr>
+        <p:spPr/>
+        <p:txBody>
+          <a:bodyPr/>
+          <a:lstStyle/>
+          <a:p>
+            <a:fld id="{17E276FA-8F89-B34D-A726-BE3FA1F8DD97}" type="slidenum">
+              <a:rPr lang="en-US" smtClean="0"/>
+              <a:t>40</a:t>
+            </a:fld>
+            <a:endParaRPr lang="en-US" dirty="0"/>
+          </a:p>
+        </p:txBody>
+      </p:sp>
+    </p:spTree>
+    <p:extLst>
+      <p:ext uri="{BB962C8B-B14F-4D97-AF65-F5344CB8AC3E}">
+        <p14:creationId xmlns:p14="http://schemas.microsoft.com/office/powerpoint/2010/main" val="1158786776"/>
+      </p:ext>
+    </p:extLst>
+  </p:cSld>
+  <p:clrMapOvr>
+    <a:masterClrMapping/>
+  </p:clrMapOvr>
+  <p:timing>
+    <p:tnLst>
+      <p:par>
+        <p:cTn xmlns:p14="http://schemas.microsoft.com/office/powerpoint/2010/main" id="1" dur="indefinite" restart="never" nodeType="tmRoot"/>
+      </p:par>
+    </p:tnLst>
+  </p:timing>
+</p:sld>
+</file>
+
+<file path=ppt/slides/slide41.xml><?xml version="1.0" encoding="utf-8"?>
+<p:sld xmlns:a="http://schemas.openxmlformats.org/drawingml/2006/main" xmlns:r="http://schemas.openxmlformats.org/officeDocument/2006/relationships" xmlns:p="http://schemas.openxmlformats.org/presentationml/2006/main">
+  <p:cSld>
+    <p:spTree>
+      <p:nvGrpSpPr>
+        <p:cNvPr id="1" name=""/>
+        <p:cNvGrpSpPr/>
+        <p:nvPr/>
+      </p:nvGrpSpPr>
+      <p:grpSpPr>
+        <a:xfrm>
+          <a:off x="0" y="0"/>
+          <a:ext cx="0" cy="0"/>
+          <a:chOff x="0" y="0"/>
+          <a:chExt cx="0" cy="0"/>
+        </a:xfrm>
+      </p:grpSpPr>
+      <p:sp>
+        <p:nvSpPr>
+          <p:cNvPr id="2" name="Title 1"/>
+          <p:cNvSpPr>
+            <a:spLocks noGrp="1"/>
+          </p:cNvSpPr>
+          <p:nvPr>
+            <p:ph type="title"/>
+          </p:nvPr>
+        </p:nvSpPr>
+        <p:spPr/>
+        <p:txBody>
+          <a:bodyPr/>
+          <a:lstStyle/>
+          <a:p>
+            <a:r>
+              <a:rPr lang="en-US" dirty="0" smtClean="0"/>
+              <a:t>Bias</a:t>
+            </a:r>
+            <a:endParaRPr lang="en-US" dirty="0"/>
+          </a:p>
+        </p:txBody>
+      </p:sp>
+      <p:sp>
+        <p:nvSpPr>
+          <p:cNvPr id="3" name="Content Placeholder 2"/>
+          <p:cNvSpPr>
+            <a:spLocks noGrp="1"/>
+          </p:cNvSpPr>
+          <p:nvPr>
+            <p:ph idx="1"/>
+          </p:nvPr>
+        </p:nvSpPr>
+        <p:spPr/>
+        <p:txBody>
+          <a:bodyPr/>
+          <a:lstStyle/>
+          <a:p>
+            <a:pPr marL="0" indent="0">
+              <a:buNone/>
+            </a:pPr>
+            <a:r>
+              <a:rPr lang="en-US" dirty="0"/>
+              <a:t>Address when you </a:t>
+            </a:r>
+            <a:r>
+              <a:rPr lang="en-US" i="1" dirty="0"/>
+              <a:t>plan </a:t>
+            </a:r>
+            <a:r>
+              <a:rPr lang="en-US" dirty="0"/>
+              <a:t>your sample</a:t>
+            </a:r>
+          </a:p>
+          <a:p>
+            <a:pPr marL="0" indent="0">
+              <a:buNone/>
+            </a:pPr>
+            <a:endParaRPr lang="en-US" dirty="0"/>
+          </a:p>
+        </p:txBody>
+      </p:sp>
+      <p:sp>
+        <p:nvSpPr>
+          <p:cNvPr id="4" name="Date Placeholder 3"/>
+          <p:cNvSpPr>
+            <a:spLocks noGrp="1"/>
+          </p:cNvSpPr>
+          <p:nvPr>
+            <p:ph type="dt" sz="half" idx="10"/>
+          </p:nvPr>
+        </p:nvSpPr>
+        <p:spPr/>
+        <p:txBody>
+          <a:bodyPr/>
+          <a:lstStyle/>
+          <a:p>
+            <a:fld id="{7053BEFA-1175-F644-B249-7D41D72BD3FF}" type="datetime1">
+              <a:rPr lang="en-US" smtClean="0"/>
+              <a:t>1/25/15</a:t>
+            </a:fld>
+            <a:endParaRPr lang="en-US"/>
+          </a:p>
+        </p:txBody>
+      </p:sp>
+      <p:sp>
+        <p:nvSpPr>
+          <p:cNvPr id="5" name="Footer Placeholder 4"/>
+          <p:cNvSpPr>
+            <a:spLocks noGrp="1"/>
+          </p:cNvSpPr>
+          <p:nvPr>
+            <p:ph type="ftr" sz="quarter" idx="11"/>
+          </p:nvPr>
+        </p:nvSpPr>
+        <p:spPr/>
+        <p:txBody>
+          <a:bodyPr/>
+          <a:lstStyle/>
+          <a:p>
+            <a:endParaRPr lang="en-US" dirty="0"/>
+          </a:p>
+        </p:txBody>
+      </p:sp>
+      <p:sp>
+        <p:nvSpPr>
+          <p:cNvPr id="6" name="Slide Number Placeholder 5"/>
+          <p:cNvSpPr>
+            <a:spLocks noGrp="1"/>
+          </p:cNvSpPr>
+          <p:nvPr>
+            <p:ph type="sldNum" sz="quarter" idx="12"/>
+          </p:nvPr>
+        </p:nvSpPr>
+        <p:spPr/>
+        <p:txBody>
+          <a:bodyPr/>
+          <a:lstStyle/>
+          <a:p>
+            <a:fld id="{17E276FA-8F89-B34D-A726-BE3FA1F8DD97}" type="slidenum">
+              <a:rPr lang="en-US" smtClean="0"/>
+              <a:t>41</a:t>
+            </a:fld>
+            <a:endParaRPr lang="en-US" dirty="0"/>
+          </a:p>
+        </p:txBody>
+      </p:sp>
+    </p:spTree>
+    <p:extLst>
+      <p:ext uri="{BB962C8B-B14F-4D97-AF65-F5344CB8AC3E}">
+        <p14:creationId xmlns:p14="http://schemas.microsoft.com/office/powerpoint/2010/main" val="2300799934"/>
       </p:ext>
     </p:extLst>
   </p:cSld>
@@ -21180,7 +21648,7 @@
           <a:p>
             <a:fld id="{111EEF3B-ABF2-AA4E-9E24-0C6256942674}" type="datetime1">
               <a:rPr lang="en-US" smtClean="0"/>
-              <a:t>1/20/15</a:t>
+              <a:t>1/25/15</a:t>
             </a:fld>
             <a:endParaRPr lang="en-US"/>
           </a:p>
@@ -21286,7 +21754,7 @@
           <a:p>
             <a:fld id="{111EEF3B-ABF2-AA4E-9E24-0C6256942674}" type="datetime1">
               <a:rPr lang="en-US" smtClean="0"/>
-              <a:t>1/20/15</a:t>
+              <a:t>1/25/15</a:t>
             </a:fld>
             <a:endParaRPr lang="en-US"/>
           </a:p>
@@ -21528,7 +21996,7 @@
           <a:p>
             <a:fld id="{111EEF3B-ABF2-AA4E-9E24-0C6256942674}" type="datetime1">
               <a:rPr lang="en-US" smtClean="0"/>
-              <a:t>1/20/15</a:t>
+              <a:t>1/25/15</a:t>
             </a:fld>
             <a:endParaRPr lang="en-US"/>
           </a:p>
@@ -21866,7 +22334,7 @@
           <a:p>
             <a:fld id="{111EEF3B-ABF2-AA4E-9E24-0C6256942674}" type="datetime1">
               <a:rPr lang="en-US" smtClean="0"/>
-              <a:t>1/20/15</a:t>
+              <a:t>1/25/15</a:t>
             </a:fld>
             <a:endParaRPr lang="en-US"/>
           </a:p>
@@ -24939,7 +25407,7 @@
           <a:p>
             <a:fld id="{7053BEFA-1175-F644-B249-7D41D72BD3FF}" type="datetime1">
               <a:rPr lang="en-US" smtClean="0"/>
-              <a:t>1/20/15</a:t>
+              <a:t>1/25/15</a:t>
             </a:fld>
             <a:endParaRPr lang="en-US"/>
           </a:p>

--- a/Lectures/4 Acquiring.pptx
+++ b/Lectures/4 Acquiring.pptx
@@ -267,11 +267,11 @@
           <c:showBubbleSize val="0"/>
         </c:dLbls>
         <c:gapWidth val="150"/>
-        <c:axId val="-2090802488"/>
-        <c:axId val="-2090776456"/>
+        <c:axId val="-2113574744"/>
+        <c:axId val="-2115381000"/>
       </c:barChart>
       <c:catAx>
-        <c:axId val="-2090802488"/>
+        <c:axId val="-2113574744"/>
         <c:scaling>
           <c:orientation val="minMax"/>
         </c:scaling>
@@ -281,7 +281,7 @@
         <c:majorTickMark val="out"/>
         <c:minorTickMark val="none"/>
         <c:tickLblPos val="nextTo"/>
-        <c:crossAx val="-2090776456"/>
+        <c:crossAx val="-2115381000"/>
         <c:crosses val="autoZero"/>
         <c:auto val="1"/>
         <c:lblAlgn val="ctr"/>
@@ -289,7 +289,7 @@
         <c:noMultiLvlLbl val="0"/>
       </c:catAx>
       <c:valAx>
-        <c:axId val="-2090776456"/>
+        <c:axId val="-2115381000"/>
         <c:scaling>
           <c:orientation val="minMax"/>
         </c:scaling>
@@ -300,7 +300,7 @@
         <c:majorTickMark val="out"/>
         <c:minorTickMark val="none"/>
         <c:tickLblPos val="nextTo"/>
-        <c:crossAx val="-2090802488"/>
+        <c:crossAx val="-2113574744"/>
         <c:crosses val="autoZero"/>
         <c:crossBetween val="between"/>
       </c:valAx>
@@ -445,11 +445,11 @@
           <c:showBubbleSize val="0"/>
         </c:dLbls>
         <c:gapWidth val="150"/>
-        <c:axId val="-2062836888"/>
-        <c:axId val="-2063530984"/>
+        <c:axId val="-2113636072"/>
+        <c:axId val="-2113648232"/>
       </c:barChart>
       <c:catAx>
-        <c:axId val="-2062836888"/>
+        <c:axId val="-2113636072"/>
         <c:scaling>
           <c:orientation val="minMax"/>
         </c:scaling>
@@ -459,7 +459,7 @@
         <c:majorTickMark val="out"/>
         <c:minorTickMark val="none"/>
         <c:tickLblPos val="nextTo"/>
-        <c:crossAx val="-2063530984"/>
+        <c:crossAx val="-2113648232"/>
         <c:crosses val="autoZero"/>
         <c:auto val="1"/>
         <c:lblAlgn val="ctr"/>
@@ -467,7 +467,7 @@
         <c:noMultiLvlLbl val="0"/>
       </c:catAx>
       <c:valAx>
-        <c:axId val="-2063530984"/>
+        <c:axId val="-2113648232"/>
         <c:scaling>
           <c:orientation val="minMax"/>
         </c:scaling>
@@ -478,7 +478,7 @@
         <c:majorTickMark val="out"/>
         <c:minorTickMark val="none"/>
         <c:tickLblPos val="nextTo"/>
-        <c:crossAx val="-2062836888"/>
+        <c:crossAx val="-2113636072"/>
         <c:crosses val="autoZero"/>
         <c:crossBetween val="between"/>
       </c:valAx>
@@ -622,11 +622,11 @@
           <c:showBubbleSize val="0"/>
         </c:dLbls>
         <c:gapWidth val="150"/>
-        <c:axId val="-2059628792"/>
-        <c:axId val="-2059583592"/>
+        <c:axId val="-2115755304"/>
+        <c:axId val="2126082264"/>
       </c:barChart>
       <c:catAx>
-        <c:axId val="-2059628792"/>
+        <c:axId val="-2115755304"/>
         <c:scaling>
           <c:orientation val="minMax"/>
         </c:scaling>
@@ -636,7 +636,7 @@
         <c:majorTickMark val="out"/>
         <c:minorTickMark val="none"/>
         <c:tickLblPos val="nextTo"/>
-        <c:crossAx val="-2059583592"/>
+        <c:crossAx val="2126082264"/>
         <c:crosses val="autoZero"/>
         <c:auto val="1"/>
         <c:lblAlgn val="ctr"/>
@@ -644,7 +644,7 @@
         <c:noMultiLvlLbl val="0"/>
       </c:catAx>
       <c:valAx>
-        <c:axId val="-2059583592"/>
+        <c:axId val="2126082264"/>
         <c:scaling>
           <c:orientation val="minMax"/>
         </c:scaling>
@@ -655,7 +655,7 @@
         <c:majorTickMark val="out"/>
         <c:minorTickMark val="none"/>
         <c:tickLblPos val="nextTo"/>
-        <c:crossAx val="-2059628792"/>
+        <c:crossAx val="-2115755304"/>
         <c:crosses val="autoZero"/>
         <c:crossBetween val="between"/>
       </c:valAx>
@@ -794,11 +794,11 @@
           <c:showBubbleSize val="0"/>
         </c:dLbls>
         <c:gapWidth val="150"/>
-        <c:axId val="-2059861288"/>
-        <c:axId val="-2059858280"/>
+        <c:axId val="-2113604712"/>
+        <c:axId val="-2113601592"/>
       </c:barChart>
       <c:catAx>
-        <c:axId val="-2059861288"/>
+        <c:axId val="-2113604712"/>
         <c:scaling>
           <c:orientation val="minMax"/>
         </c:scaling>
@@ -808,7 +808,7 @@
         <c:majorTickMark val="out"/>
         <c:minorTickMark val="none"/>
         <c:tickLblPos val="nextTo"/>
-        <c:crossAx val="-2059858280"/>
+        <c:crossAx val="-2113601592"/>
         <c:crosses val="autoZero"/>
         <c:auto val="1"/>
         <c:lblAlgn val="ctr"/>
@@ -816,7 +816,7 @@
         <c:noMultiLvlLbl val="0"/>
       </c:catAx>
       <c:valAx>
-        <c:axId val="-2059858280"/>
+        <c:axId val="-2113601592"/>
         <c:scaling>
           <c:orientation val="minMax"/>
         </c:scaling>
@@ -827,7 +827,7 @@
         <c:majorTickMark val="out"/>
         <c:minorTickMark val="none"/>
         <c:tickLblPos val="nextTo"/>
-        <c:crossAx val="-2059861288"/>
+        <c:crossAx val="-2113604712"/>
         <c:crosses val="autoZero"/>
         <c:crossBetween val="between"/>
       </c:valAx>
@@ -971,11 +971,11 @@
           <c:showBubbleSize val="0"/>
         </c:dLbls>
         <c:gapWidth val="150"/>
-        <c:axId val="-2059883512"/>
-        <c:axId val="-2059889192"/>
+        <c:axId val="-2124395752"/>
+        <c:axId val="-2124392744"/>
       </c:barChart>
       <c:catAx>
-        <c:axId val="-2059883512"/>
+        <c:axId val="-2124395752"/>
         <c:scaling>
           <c:orientation val="minMax"/>
         </c:scaling>
@@ -985,7 +985,7 @@
         <c:majorTickMark val="out"/>
         <c:minorTickMark val="none"/>
         <c:tickLblPos val="nextTo"/>
-        <c:crossAx val="-2059889192"/>
+        <c:crossAx val="-2124392744"/>
         <c:crosses val="autoZero"/>
         <c:auto val="1"/>
         <c:lblAlgn val="ctr"/>
@@ -993,7 +993,7 @@
         <c:noMultiLvlLbl val="0"/>
       </c:catAx>
       <c:valAx>
-        <c:axId val="-2059889192"/>
+        <c:axId val="-2124392744"/>
         <c:scaling>
           <c:orientation val="minMax"/>
         </c:scaling>
@@ -1004,7 +1004,7 @@
         <c:majorTickMark val="out"/>
         <c:minorTickMark val="none"/>
         <c:tickLblPos val="nextTo"/>
-        <c:crossAx val="-2059883512"/>
+        <c:crossAx val="-2124395752"/>
         <c:crosses val="autoZero"/>
         <c:crossBetween val="between"/>
       </c:valAx>
@@ -1111,7 +1111,7 @@
           <a:p>
             <a:fld id="{D3AAB66F-B1B7-D045-B4E8-4F60236F228D}" type="datetimeFigureOut">
               <a:rPr lang="en-US" smtClean="0"/>
-              <a:t>1/25/15</a:t>
+              <a:t>2/2/15</a:t>
             </a:fld>
             <a:endParaRPr lang="en-US"/>
           </a:p>
@@ -1277,7 +1277,7 @@
           <a:p>
             <a:fld id="{BCCF8E76-06A6-164E-A6FA-EC32C13EB232}" type="datetimeFigureOut">
               <a:rPr lang="en-US" smtClean="0"/>
-              <a:t>1/25/15</a:t>
+              <a:t>2/2/15</a:t>
             </a:fld>
             <a:endParaRPr lang="en-US"/>
           </a:p>
@@ -6107,7 +6107,7 @@
             <a:fld id="{FA3C144B-2939-9A49-B014-915EC3E81866}" type="datetime1">
               <a:rPr lang="en-US" smtClean="0"/>
               <a:pPr/>
-              <a:t>1/25/15</a:t>
+              <a:t>2/2/15</a:t>
             </a:fld>
             <a:endParaRPr lang="en-US" dirty="0"/>
           </a:p>
@@ -6536,7 +6536,7 @@
           <a:p>
             <a:fld id="{76838339-A875-5E45-AB3F-AAABD270346A}" type="datetime1">
               <a:rPr lang="en-US" smtClean="0"/>
-              <a:t>1/25/15</a:t>
+              <a:t>2/2/15</a:t>
             </a:fld>
             <a:endParaRPr lang="en-US"/>
           </a:p>
@@ -6822,7 +6822,7 @@
             <a:fld id="{FA3C144B-2939-9A49-B014-915EC3E81866}" type="datetime1">
               <a:rPr lang="en-US" smtClean="0"/>
               <a:pPr/>
-              <a:t>1/25/15</a:t>
+              <a:t>2/2/15</a:t>
             </a:fld>
             <a:endParaRPr lang="en-US" dirty="0"/>
           </a:p>
@@ -7304,7 +7304,7 @@
           <a:p>
             <a:fld id="{A73F672F-A5FB-5745-934A-1BF51CA5539C}" type="datetime1">
               <a:rPr lang="en-US" smtClean="0"/>
-              <a:t>1/25/15</a:t>
+              <a:t>2/2/15</a:t>
             </a:fld>
             <a:endParaRPr lang="en-US"/>
           </a:p>
@@ -7646,7 +7646,7 @@
             <a:fld id="{FA3C144B-2939-9A49-B014-915EC3E81866}" type="datetime1">
               <a:rPr lang="en-US" smtClean="0"/>
               <a:pPr/>
-              <a:t>1/25/15</a:t>
+              <a:t>2/2/15</a:t>
             </a:fld>
             <a:endParaRPr lang="en-US" dirty="0"/>
           </a:p>
@@ -8110,7 +8110,7 @@
           <a:p>
             <a:fld id="{6AFE6A63-5EBE-3E48-B0AE-DF655A1ECE76}" type="datetime1">
               <a:rPr lang="en-US" smtClean="0"/>
-              <a:t>1/25/15</a:t>
+              <a:t>2/2/15</a:t>
             </a:fld>
             <a:endParaRPr lang="en-US"/>
           </a:p>
@@ -8429,7 +8429,7 @@
           <a:p>
             <a:fld id="{4A019F0C-9D18-B54A-9AC9-18AA74EDB034}" type="datetime1">
               <a:rPr lang="en-US" smtClean="0"/>
-              <a:t>1/25/15</a:t>
+              <a:t>2/2/15</a:t>
             </a:fld>
             <a:endParaRPr lang="en-US"/>
           </a:p>
@@ -8739,7 +8739,7 @@
             <a:fld id="{FA3C144B-2939-9A49-B014-915EC3E81866}" type="datetime1">
               <a:rPr lang="en-US" smtClean="0"/>
               <a:pPr/>
-              <a:t>1/25/15</a:t>
+              <a:t>2/2/15</a:t>
             </a:fld>
             <a:endParaRPr lang="en-US" dirty="0"/>
           </a:p>
@@ -9002,7 +9002,7 @@
           <a:p>
             <a:fld id="{FA3C144B-2939-9A49-B014-915EC3E81866}" type="datetime1">
               <a:rPr lang="en-US" smtClean="0"/>
-              <a:t>1/25/15</a:t>
+              <a:t>2/2/15</a:t>
             </a:fld>
             <a:endParaRPr lang="en-US" dirty="0"/>
           </a:p>
@@ -9264,7 +9264,7 @@
           <a:p>
             <a:fld id="{31ABE473-7551-0F4A-ACC5-906E2044C6C8}" type="datetimeFigureOut">
               <a:rPr lang="en-US" smtClean="0"/>
-              <a:t>1/25/15</a:t>
+              <a:t>2/2/15</a:t>
             </a:fld>
             <a:endParaRPr lang="en-US"/>
           </a:p>
@@ -9465,7 +9465,7 @@
           <a:p>
             <a:fld id="{7053BEFA-1175-F644-B249-7D41D72BD3FF}" type="datetime1">
               <a:rPr lang="en-US" smtClean="0"/>
-              <a:t>1/25/15</a:t>
+              <a:t>2/2/15</a:t>
             </a:fld>
             <a:endParaRPr lang="en-US"/>
           </a:p>
@@ -9762,7 +9762,7 @@
             <a:fld id="{ABA7F654-FAA3-42C5-9ACE-29CD9B89CF50}" type="datetimeFigureOut">
               <a:rPr lang="en-US" smtClean="0"/>
               <a:pPr/>
-              <a:t>1/25/15</a:t>
+              <a:t>2/2/15</a:t>
             </a:fld>
             <a:endParaRPr lang="en-US"/>
           </a:p>
@@ -9898,7 +9898,7 @@
             <a:fld id="{FA3C144B-2939-9A49-B014-915EC3E81866}" type="datetime1">
               <a:rPr lang="en-US" smtClean="0"/>
               <a:pPr/>
-              <a:t>1/25/15</a:t>
+              <a:t>2/2/15</a:t>
             </a:fld>
             <a:endParaRPr lang="en-US" dirty="0"/>
           </a:p>
@@ -10115,7 +10115,7 @@
             <a:fld id="{FA3C144B-2939-9A49-B014-915EC3E81866}" type="datetime1">
               <a:rPr lang="en-US" smtClean="0"/>
               <a:pPr/>
-              <a:t>1/25/15</a:t>
+              <a:t>2/2/15</a:t>
             </a:fld>
             <a:endParaRPr lang="en-US" dirty="0"/>
           </a:p>
@@ -10360,7 +10360,7 @@
             <a:fld id="{FA3C144B-2939-9A49-B014-915EC3E81866}" type="datetime1">
               <a:rPr lang="en-US" smtClean="0"/>
               <a:pPr/>
-              <a:t>1/25/15</a:t>
+              <a:t>2/2/15</a:t>
             </a:fld>
             <a:endParaRPr lang="en-US" dirty="0"/>
           </a:p>
@@ -10738,7 +10738,7 @@
           <a:p>
             <a:fld id="{111EEF3B-ABF2-AA4E-9E24-0C6256942674}" type="datetime1">
               <a:rPr lang="en-US" smtClean="0"/>
-              <a:t>1/25/15</a:t>
+              <a:t>2/2/15</a:t>
             </a:fld>
             <a:endParaRPr lang="en-US"/>
           </a:p>
@@ -10902,7 +10902,7 @@
             <a:fld id="{FA3C144B-2939-9A49-B014-915EC3E81866}" type="datetime1">
               <a:rPr lang="en-US" smtClean="0"/>
               <a:pPr/>
-              <a:t>1/25/15</a:t>
+              <a:t>2/2/15</a:t>
             </a:fld>
             <a:endParaRPr lang="en-US" dirty="0"/>
           </a:p>
@@ -11319,7 +11319,7 @@
             <a:fld id="{FA3C144B-2939-9A49-B014-915EC3E81866}" type="datetime1">
               <a:rPr lang="en-US" smtClean="0"/>
               <a:pPr/>
-              <a:t>1/25/15</a:t>
+              <a:t>2/2/15</a:t>
             </a:fld>
             <a:endParaRPr lang="en-US" dirty="0"/>
           </a:p>
@@ -11635,7 +11635,7 @@
             <a:fld id="{FA3C144B-2939-9A49-B014-915EC3E81866}" type="datetime1">
               <a:rPr lang="en-US" smtClean="0"/>
               <a:pPr/>
-              <a:t>1/25/15</a:t>
+              <a:t>2/2/15</a:t>
             </a:fld>
             <a:endParaRPr lang="en-US" dirty="0"/>
           </a:p>
@@ -12301,7 +12301,7 @@
             <a:fld id="{FA3C144B-2939-9A49-B014-915EC3E81866}" type="datetime1">
               <a:rPr lang="en-US" smtClean="0"/>
               <a:pPr/>
-              <a:t>1/25/15</a:t>
+              <a:t>2/2/15</a:t>
             </a:fld>
             <a:endParaRPr lang="en-US" dirty="0"/>
           </a:p>
@@ -13461,7 +13461,7 @@
           <a:p>
             <a:fld id="{7053BEFA-1175-F644-B249-7D41D72BD3FF}" type="datetime1">
               <a:rPr lang="en-US" smtClean="0"/>
-              <a:t>1/25/15</a:t>
+              <a:t>2/2/15</a:t>
             </a:fld>
             <a:endParaRPr lang="en-US"/>
           </a:p>
@@ -13999,7 +13999,7 @@
           <a:p>
             <a:fld id="{7053BEFA-1175-F644-B249-7D41D72BD3FF}" type="datetime1">
               <a:rPr lang="en-US" smtClean="0"/>
-              <a:t>1/25/15</a:t>
+              <a:t>2/2/15</a:t>
             </a:fld>
             <a:endParaRPr lang="en-US"/>
           </a:p>
@@ -14307,7 +14307,7 @@
           <a:p>
             <a:fld id="{7053BEFA-1175-F644-B249-7D41D72BD3FF}" type="datetime1">
               <a:rPr lang="en-US" smtClean="0"/>
-              <a:t>1/25/15</a:t>
+              <a:t>2/2/15</a:t>
             </a:fld>
             <a:endParaRPr lang="en-US"/>
           </a:p>
@@ -15101,7 +15101,7 @@
           <a:p>
             <a:fld id="{7053BEFA-1175-F644-B249-7D41D72BD3FF}" type="datetime1">
               <a:rPr lang="en-US" smtClean="0"/>
-              <a:t>1/25/15</a:t>
+              <a:t>2/2/15</a:t>
             </a:fld>
             <a:endParaRPr lang="en-US"/>
           </a:p>
@@ -15291,7 +15291,7 @@
           <a:p>
             <a:fld id="{7053BEFA-1175-F644-B249-7D41D72BD3FF}" type="datetime1">
               <a:rPr lang="en-US" smtClean="0"/>
-              <a:t>1/25/15</a:t>
+              <a:t>2/2/15</a:t>
             </a:fld>
             <a:endParaRPr lang="en-US"/>
           </a:p>
@@ -16155,7 +16155,7 @@
           <a:p>
             <a:fld id="{111EEF3B-ABF2-AA4E-9E24-0C6256942674}" type="datetime1">
               <a:rPr lang="en-US" smtClean="0"/>
-              <a:t>1/25/15</a:t>
+              <a:t>2/2/15</a:t>
             </a:fld>
             <a:endParaRPr lang="en-US"/>
           </a:p>
@@ -18745,7 +18745,7 @@
           <a:p>
             <a:fld id="{7053BEFA-1175-F644-B249-7D41D72BD3FF}" type="datetime1">
               <a:rPr lang="en-US" smtClean="0"/>
-              <a:t>1/25/15</a:t>
+              <a:t>2/2/15</a:t>
             </a:fld>
             <a:endParaRPr lang="en-US"/>
           </a:p>
@@ -20369,7 +20369,7 @@
           <a:p>
             <a:fld id="{7053BEFA-1175-F644-B249-7D41D72BD3FF}" type="datetime1">
               <a:rPr lang="en-US" smtClean="0"/>
-              <a:t>1/25/15</a:t>
+              <a:t>2/2/15</a:t>
             </a:fld>
             <a:endParaRPr lang="en-US"/>
           </a:p>
@@ -20557,7 +20557,7 @@
           <a:p>
             <a:fld id="{7053BEFA-1175-F644-B249-7D41D72BD3FF}" type="datetime1">
               <a:rPr lang="en-US" smtClean="0"/>
-              <a:t>1/25/15</a:t>
+              <a:t>2/2/15</a:t>
             </a:fld>
             <a:endParaRPr lang="en-US"/>
           </a:p>
@@ -20748,7 +20748,7 @@
           <a:p>
             <a:fld id="{7053BEFA-1175-F644-B249-7D41D72BD3FF}" type="datetime1">
               <a:rPr lang="en-US" smtClean="0"/>
-              <a:t>1/25/15</a:t>
+              <a:t>2/2/15</a:t>
             </a:fld>
             <a:endParaRPr lang="en-US"/>
           </a:p>
@@ -20967,7 +20967,7 @@
           <a:p>
             <a:fld id="{7053BEFA-1175-F644-B249-7D41D72BD3FF}" type="datetime1">
               <a:rPr lang="en-US" smtClean="0"/>
-              <a:t>1/25/15</a:t>
+              <a:t>2/2/15</a:t>
             </a:fld>
             <a:endParaRPr lang="en-US"/>
           </a:p>
@@ -21141,7 +21141,7 @@
           <a:p>
             <a:fld id="{7053BEFA-1175-F644-B249-7D41D72BD3FF}" type="datetime1">
               <a:rPr lang="en-US" smtClean="0"/>
-              <a:t>1/25/15</a:t>
+              <a:t>2/2/15</a:t>
             </a:fld>
             <a:endParaRPr lang="en-US"/>
           </a:p>
@@ -21340,7 +21340,7 @@
           <a:p>
             <a:fld id="{7053BEFA-1175-F644-B249-7D41D72BD3FF}" type="datetime1">
               <a:rPr lang="en-US" smtClean="0"/>
-              <a:t>1/25/15</a:t>
+              <a:t>2/2/15</a:t>
             </a:fld>
             <a:endParaRPr lang="en-US"/>
           </a:p>
@@ -21504,7 +21504,7 @@
           <a:p>
             <a:fld id="{7053BEFA-1175-F644-B249-7D41D72BD3FF}" type="datetime1">
               <a:rPr lang="en-US" smtClean="0"/>
-              <a:t>1/25/15</a:t>
+              <a:t>2/2/15</a:t>
             </a:fld>
             <a:endParaRPr lang="en-US"/>
           </a:p>
@@ -21648,7 +21648,7 @@
           <a:p>
             <a:fld id="{111EEF3B-ABF2-AA4E-9E24-0C6256942674}" type="datetime1">
               <a:rPr lang="en-US" smtClean="0"/>
-              <a:t>1/25/15</a:t>
+              <a:t>2/2/15</a:t>
             </a:fld>
             <a:endParaRPr lang="en-US"/>
           </a:p>
@@ -21754,7 +21754,7 @@
           <a:p>
             <a:fld id="{111EEF3B-ABF2-AA4E-9E24-0C6256942674}" type="datetime1">
               <a:rPr lang="en-US" smtClean="0"/>
-              <a:t>1/25/15</a:t>
+              <a:t>2/2/15</a:t>
             </a:fld>
             <a:endParaRPr lang="en-US"/>
           </a:p>
@@ -21996,7 +21996,7 @@
           <a:p>
             <a:fld id="{111EEF3B-ABF2-AA4E-9E24-0C6256942674}" type="datetime1">
               <a:rPr lang="en-US" smtClean="0"/>
-              <a:t>1/25/15</a:t>
+              <a:t>2/2/15</a:t>
             </a:fld>
             <a:endParaRPr lang="en-US"/>
           </a:p>
@@ -22334,7 +22334,7 @@
           <a:p>
             <a:fld id="{111EEF3B-ABF2-AA4E-9E24-0C6256942674}" type="datetime1">
               <a:rPr lang="en-US" smtClean="0"/>
-              <a:t>1/25/15</a:t>
+              <a:t>2/2/15</a:t>
             </a:fld>
             <a:endParaRPr lang="en-US"/>
           </a:p>
@@ -25407,7 +25407,7 @@
           <a:p>
             <a:fld id="{7053BEFA-1175-F644-B249-7D41D72BD3FF}" type="datetime1">
               <a:rPr lang="en-US" smtClean="0"/>
-              <a:t>1/25/15</a:t>
+              <a:t>2/2/15</a:t>
             </a:fld>
             <a:endParaRPr lang="en-US"/>
           </a:p>

--- a/Lectures/4 Acquiring.pptx
+++ b/Lectures/4 Acquiring.pptx
@@ -5,10 +5,10 @@
     <p:sldMasterId id="2147483648" r:id="rId1"/>
   </p:sldMasterIdLst>
   <p:notesMasterIdLst>
-    <p:notesMasterId r:id="rId40"/>
+    <p:notesMasterId r:id="rId41"/>
   </p:notesMasterIdLst>
   <p:handoutMasterIdLst>
-    <p:handoutMasterId r:id="rId41"/>
+    <p:handoutMasterId r:id="rId42"/>
   </p:handoutMasterIdLst>
   <p:sldIdLst>
     <p:sldId id="256" r:id="rId2"/>
@@ -49,6 +49,7 @@
     <p:sldId id="496" r:id="rId37"/>
     <p:sldId id="497" r:id="rId38"/>
     <p:sldId id="479" r:id="rId39"/>
+    <p:sldId id="506" r:id="rId40"/>
   </p:sldIdLst>
   <p:sldSz cx="9144000" cy="6858000" type="screen4x3"/>
   <p:notesSz cx="6858000" cy="9144000"/>
@@ -264,11 +265,11 @@
           <c:showBubbleSize val="0"/>
         </c:dLbls>
         <c:gapWidth val="150"/>
-        <c:axId val="1833883912"/>
-        <c:axId val="1826540872"/>
+        <c:axId val="-2131271256"/>
+        <c:axId val="-2129299592"/>
       </c:barChart>
       <c:catAx>
-        <c:axId val="1833883912"/>
+        <c:axId val="-2131271256"/>
         <c:scaling>
           <c:orientation val="minMax"/>
         </c:scaling>
@@ -278,7 +279,7 @@
         <c:majorTickMark val="out"/>
         <c:minorTickMark val="none"/>
         <c:tickLblPos val="nextTo"/>
-        <c:crossAx val="1826540872"/>
+        <c:crossAx val="-2129299592"/>
         <c:crosses val="autoZero"/>
         <c:auto val="1"/>
         <c:lblAlgn val="ctr"/>
@@ -286,7 +287,7 @@
         <c:noMultiLvlLbl val="0"/>
       </c:catAx>
       <c:valAx>
-        <c:axId val="1826540872"/>
+        <c:axId val="-2129299592"/>
         <c:scaling>
           <c:orientation val="minMax"/>
         </c:scaling>
@@ -297,7 +298,7 @@
         <c:majorTickMark val="out"/>
         <c:minorTickMark val="none"/>
         <c:tickLblPos val="nextTo"/>
-        <c:crossAx val="1833883912"/>
+        <c:crossAx val="-2131271256"/>
         <c:crosses val="autoZero"/>
         <c:crossBetween val="between"/>
       </c:valAx>
@@ -442,11 +443,11 @@
           <c:showBubbleSize val="0"/>
         </c:dLbls>
         <c:gapWidth val="150"/>
-        <c:axId val="-2144783112"/>
-        <c:axId val="-2145219288"/>
+        <c:axId val="-2080938632"/>
+        <c:axId val="-2127408312"/>
       </c:barChart>
       <c:catAx>
-        <c:axId val="-2144783112"/>
+        <c:axId val="-2080938632"/>
         <c:scaling>
           <c:orientation val="minMax"/>
         </c:scaling>
@@ -456,7 +457,7 @@
         <c:majorTickMark val="out"/>
         <c:minorTickMark val="none"/>
         <c:tickLblPos val="nextTo"/>
-        <c:crossAx val="-2145219288"/>
+        <c:crossAx val="-2127408312"/>
         <c:crosses val="autoZero"/>
         <c:auto val="1"/>
         <c:lblAlgn val="ctr"/>
@@ -464,7 +465,7 @@
         <c:noMultiLvlLbl val="0"/>
       </c:catAx>
       <c:valAx>
-        <c:axId val="-2145219288"/>
+        <c:axId val="-2127408312"/>
         <c:scaling>
           <c:orientation val="minMax"/>
         </c:scaling>
@@ -475,7 +476,7 @@
         <c:majorTickMark val="out"/>
         <c:minorTickMark val="none"/>
         <c:tickLblPos val="nextTo"/>
-        <c:crossAx val="-2144783112"/>
+        <c:crossAx val="-2080938632"/>
         <c:crosses val="autoZero"/>
         <c:crossBetween val="between"/>
       </c:valAx>
@@ -619,11 +620,11 @@
           <c:showBubbleSize val="0"/>
         </c:dLbls>
         <c:gapWidth val="150"/>
-        <c:axId val="1867402728"/>
-        <c:axId val="-2139957160"/>
+        <c:axId val="-2115935080"/>
+        <c:axId val="-2131180232"/>
       </c:barChart>
       <c:catAx>
-        <c:axId val="1867402728"/>
+        <c:axId val="-2115935080"/>
         <c:scaling>
           <c:orientation val="minMax"/>
         </c:scaling>
@@ -633,7 +634,7 @@
         <c:majorTickMark val="out"/>
         <c:minorTickMark val="none"/>
         <c:tickLblPos val="nextTo"/>
-        <c:crossAx val="-2139957160"/>
+        <c:crossAx val="-2131180232"/>
         <c:crosses val="autoZero"/>
         <c:auto val="1"/>
         <c:lblAlgn val="ctr"/>
@@ -641,7 +642,7 @@
         <c:noMultiLvlLbl val="0"/>
       </c:catAx>
       <c:valAx>
-        <c:axId val="-2139957160"/>
+        <c:axId val="-2131180232"/>
         <c:scaling>
           <c:orientation val="minMax"/>
         </c:scaling>
@@ -652,7 +653,7 @@
         <c:majorTickMark val="out"/>
         <c:minorTickMark val="none"/>
         <c:tickLblPos val="nextTo"/>
-        <c:crossAx val="1867402728"/>
+        <c:crossAx val="-2115935080"/>
         <c:crosses val="autoZero"/>
         <c:crossBetween val="between"/>
       </c:valAx>
@@ -791,11 +792,11 @@
           <c:showBubbleSize val="0"/>
         </c:dLbls>
         <c:gapWidth val="150"/>
-        <c:axId val="1864957272"/>
-        <c:axId val="1834954376"/>
+        <c:axId val="-2131431016"/>
+        <c:axId val="-2129186936"/>
       </c:barChart>
       <c:catAx>
-        <c:axId val="1864957272"/>
+        <c:axId val="-2131431016"/>
         <c:scaling>
           <c:orientation val="minMax"/>
         </c:scaling>
@@ -805,7 +806,7 @@
         <c:majorTickMark val="out"/>
         <c:minorTickMark val="none"/>
         <c:tickLblPos val="nextTo"/>
-        <c:crossAx val="1834954376"/>
+        <c:crossAx val="-2129186936"/>
         <c:crosses val="autoZero"/>
         <c:auto val="1"/>
         <c:lblAlgn val="ctr"/>
@@ -813,7 +814,7 @@
         <c:noMultiLvlLbl val="0"/>
       </c:catAx>
       <c:valAx>
-        <c:axId val="1834954376"/>
+        <c:axId val="-2129186936"/>
         <c:scaling>
           <c:orientation val="minMax"/>
         </c:scaling>
@@ -824,7 +825,7 @@
         <c:majorTickMark val="out"/>
         <c:minorTickMark val="none"/>
         <c:tickLblPos val="nextTo"/>
-        <c:crossAx val="1864957272"/>
+        <c:crossAx val="-2131431016"/>
         <c:crosses val="autoZero"/>
         <c:crossBetween val="between"/>
       </c:valAx>
@@ -968,11 +969,11 @@
           <c:showBubbleSize val="0"/>
         </c:dLbls>
         <c:gapWidth val="150"/>
-        <c:axId val="1793169880"/>
-        <c:axId val="2119133336"/>
+        <c:axId val="-2080832168"/>
+        <c:axId val="-2131389160"/>
       </c:barChart>
       <c:catAx>
-        <c:axId val="1793169880"/>
+        <c:axId val="-2080832168"/>
         <c:scaling>
           <c:orientation val="minMax"/>
         </c:scaling>
@@ -982,7 +983,7 @@
         <c:majorTickMark val="out"/>
         <c:minorTickMark val="none"/>
         <c:tickLblPos val="nextTo"/>
-        <c:crossAx val="2119133336"/>
+        <c:crossAx val="-2131389160"/>
         <c:crosses val="autoZero"/>
         <c:auto val="1"/>
         <c:lblAlgn val="ctr"/>
@@ -990,7 +991,7 @@
         <c:noMultiLvlLbl val="0"/>
       </c:catAx>
       <c:valAx>
-        <c:axId val="2119133336"/>
+        <c:axId val="-2131389160"/>
         <c:scaling>
           <c:orientation val="minMax"/>
         </c:scaling>
@@ -1001,7 +1002,7 @@
         <c:majorTickMark val="out"/>
         <c:minorTickMark val="none"/>
         <c:tickLblPos val="nextTo"/>
-        <c:crossAx val="1793169880"/>
+        <c:crossAx val="-2080832168"/>
         <c:crosses val="autoZero"/>
         <c:crossBetween val="between"/>
       </c:valAx>
@@ -1108,7 +1109,7 @@
           <a:p>
             <a:fld id="{D3AAB66F-B1B7-D045-B4E8-4F60236F228D}" type="datetimeFigureOut">
               <a:rPr lang="en-US" smtClean="0"/>
-              <a:t>2/14/15</a:t>
+              <a:t>4/21/15</a:t>
             </a:fld>
             <a:endParaRPr lang="en-US"/>
           </a:p>
@@ -1274,7 +1275,7 @@
           <a:p>
             <a:fld id="{BCCF8E76-06A6-164E-A6FA-EC32C13EB232}" type="datetimeFigureOut">
               <a:rPr lang="en-US" smtClean="0"/>
-              <a:t>2/14/15</a:t>
+              <a:t>4/21/15</a:t>
             </a:fld>
             <a:endParaRPr lang="en-US"/>
           </a:p>
@@ -6015,7 +6016,7 @@
             <a:fld id="{FA3C144B-2939-9A49-B014-915EC3E81866}" type="datetime1">
               <a:rPr lang="en-US" smtClean="0"/>
               <a:pPr/>
-              <a:t>2/14/15</a:t>
+              <a:t>4/21/15</a:t>
             </a:fld>
             <a:endParaRPr lang="en-US" dirty="0"/>
           </a:p>
@@ -6444,7 +6445,7 @@
           <a:p>
             <a:fld id="{76838339-A875-5E45-AB3F-AAABD270346A}" type="datetime1">
               <a:rPr lang="en-US" smtClean="0"/>
-              <a:t>2/14/15</a:t>
+              <a:t>4/21/15</a:t>
             </a:fld>
             <a:endParaRPr lang="en-US"/>
           </a:p>
@@ -6730,7 +6731,7 @@
             <a:fld id="{FA3C144B-2939-9A49-B014-915EC3E81866}" type="datetime1">
               <a:rPr lang="en-US" smtClean="0"/>
               <a:pPr/>
-              <a:t>2/14/15</a:t>
+              <a:t>4/21/15</a:t>
             </a:fld>
             <a:endParaRPr lang="en-US" dirty="0"/>
           </a:p>
@@ -7212,7 +7213,7 @@
           <a:p>
             <a:fld id="{A73F672F-A5FB-5745-934A-1BF51CA5539C}" type="datetime1">
               <a:rPr lang="en-US" smtClean="0"/>
-              <a:t>2/14/15</a:t>
+              <a:t>4/21/15</a:t>
             </a:fld>
             <a:endParaRPr lang="en-US"/>
           </a:p>
@@ -7554,7 +7555,7 @@
             <a:fld id="{FA3C144B-2939-9A49-B014-915EC3E81866}" type="datetime1">
               <a:rPr lang="en-US" smtClean="0"/>
               <a:pPr/>
-              <a:t>2/14/15</a:t>
+              <a:t>4/21/15</a:t>
             </a:fld>
             <a:endParaRPr lang="en-US" dirty="0"/>
           </a:p>
@@ -8018,7 +8019,7 @@
           <a:p>
             <a:fld id="{6AFE6A63-5EBE-3E48-B0AE-DF655A1ECE76}" type="datetime1">
               <a:rPr lang="en-US" smtClean="0"/>
-              <a:t>2/14/15</a:t>
+              <a:t>4/21/15</a:t>
             </a:fld>
             <a:endParaRPr lang="en-US"/>
           </a:p>
@@ -8337,7 +8338,7 @@
           <a:p>
             <a:fld id="{4A019F0C-9D18-B54A-9AC9-18AA74EDB034}" type="datetime1">
               <a:rPr lang="en-US" smtClean="0"/>
-              <a:t>2/14/15</a:t>
+              <a:t>4/21/15</a:t>
             </a:fld>
             <a:endParaRPr lang="en-US"/>
           </a:p>
@@ -8647,7 +8648,7 @@
             <a:fld id="{FA3C144B-2939-9A49-B014-915EC3E81866}" type="datetime1">
               <a:rPr lang="en-US" smtClean="0"/>
               <a:pPr/>
-              <a:t>2/14/15</a:t>
+              <a:t>4/21/15</a:t>
             </a:fld>
             <a:endParaRPr lang="en-US" dirty="0"/>
           </a:p>
@@ -8910,7 +8911,7 @@
           <a:p>
             <a:fld id="{FA3C144B-2939-9A49-B014-915EC3E81866}" type="datetime1">
               <a:rPr lang="en-US" smtClean="0"/>
-              <a:t>2/14/15</a:t>
+              <a:t>4/21/15</a:t>
             </a:fld>
             <a:endParaRPr lang="en-US" dirty="0"/>
           </a:p>
@@ -9172,7 +9173,7 @@
           <a:p>
             <a:fld id="{31ABE473-7551-0F4A-ACC5-906E2044C6C8}" type="datetimeFigureOut">
               <a:rPr lang="en-US" smtClean="0"/>
-              <a:t>2/14/15</a:t>
+              <a:t>4/21/15</a:t>
             </a:fld>
             <a:endParaRPr lang="en-US"/>
           </a:p>
@@ -9373,7 +9374,7 @@
           <a:p>
             <a:fld id="{7053BEFA-1175-F644-B249-7D41D72BD3FF}" type="datetime1">
               <a:rPr lang="en-US" smtClean="0"/>
-              <a:t>2/14/15</a:t>
+              <a:t>4/21/15</a:t>
             </a:fld>
             <a:endParaRPr lang="en-US"/>
           </a:p>
@@ -9670,7 +9671,7 @@
             <a:fld id="{ABA7F654-FAA3-42C5-9ACE-29CD9B89CF50}" type="datetimeFigureOut">
               <a:rPr lang="en-US" smtClean="0"/>
               <a:pPr/>
-              <a:t>2/14/15</a:t>
+              <a:t>4/21/15</a:t>
             </a:fld>
             <a:endParaRPr lang="en-US"/>
           </a:p>
@@ -9806,7 +9807,7 @@
             <a:fld id="{FA3C144B-2939-9A49-B014-915EC3E81866}" type="datetime1">
               <a:rPr lang="en-US" smtClean="0"/>
               <a:pPr/>
-              <a:t>2/14/15</a:t>
+              <a:t>4/21/15</a:t>
             </a:fld>
             <a:endParaRPr lang="en-US" dirty="0"/>
           </a:p>
@@ -10023,7 +10024,7 @@
             <a:fld id="{FA3C144B-2939-9A49-B014-915EC3E81866}" type="datetime1">
               <a:rPr lang="en-US" smtClean="0"/>
               <a:pPr/>
-              <a:t>2/14/15</a:t>
+              <a:t>4/21/15</a:t>
             </a:fld>
             <a:endParaRPr lang="en-US" dirty="0"/>
           </a:p>
@@ -10268,7 +10269,7 @@
             <a:fld id="{FA3C144B-2939-9A49-B014-915EC3E81866}" type="datetime1">
               <a:rPr lang="en-US" smtClean="0"/>
               <a:pPr/>
-              <a:t>2/14/15</a:t>
+              <a:t>4/21/15</a:t>
             </a:fld>
             <a:endParaRPr lang="en-US" dirty="0"/>
           </a:p>
@@ -10646,7 +10647,7 @@
           <a:p>
             <a:fld id="{111EEF3B-ABF2-AA4E-9E24-0C6256942674}" type="datetime1">
               <a:rPr lang="en-US" smtClean="0"/>
-              <a:t>2/14/15</a:t>
+              <a:t>4/21/15</a:t>
             </a:fld>
             <a:endParaRPr lang="en-US"/>
           </a:p>
@@ -10810,7 +10811,7 @@
             <a:fld id="{FA3C144B-2939-9A49-B014-915EC3E81866}" type="datetime1">
               <a:rPr lang="en-US" smtClean="0"/>
               <a:pPr/>
-              <a:t>2/14/15</a:t>
+              <a:t>4/21/15</a:t>
             </a:fld>
             <a:endParaRPr lang="en-US" dirty="0"/>
           </a:p>
@@ -11227,7 +11228,7 @@
             <a:fld id="{FA3C144B-2939-9A49-B014-915EC3E81866}" type="datetime1">
               <a:rPr lang="en-US" smtClean="0"/>
               <a:pPr/>
-              <a:t>2/14/15</a:t>
+              <a:t>4/21/15</a:t>
             </a:fld>
             <a:endParaRPr lang="en-US" dirty="0"/>
           </a:p>
@@ -11543,7 +11544,7 @@
             <a:fld id="{FA3C144B-2939-9A49-B014-915EC3E81866}" type="datetime1">
               <a:rPr lang="en-US" smtClean="0"/>
               <a:pPr/>
-              <a:t>2/14/15</a:t>
+              <a:t>4/21/15</a:t>
             </a:fld>
             <a:endParaRPr lang="en-US" dirty="0"/>
           </a:p>
@@ -12209,7 +12210,7 @@
             <a:fld id="{FA3C144B-2939-9A49-B014-915EC3E81866}" type="datetime1">
               <a:rPr lang="en-US" smtClean="0"/>
               <a:pPr/>
-              <a:t>2/14/15</a:t>
+              <a:t>4/21/15</a:t>
             </a:fld>
             <a:endParaRPr lang="en-US" dirty="0"/>
           </a:p>
@@ -13373,7 +13374,7 @@
           <a:p>
             <a:fld id="{7053BEFA-1175-F644-B249-7D41D72BD3FF}" type="datetime1">
               <a:rPr lang="en-US" smtClean="0"/>
-              <a:t>2/14/15</a:t>
+              <a:t>4/21/15</a:t>
             </a:fld>
             <a:endParaRPr lang="en-US"/>
           </a:p>
@@ -13549,7 +13550,7 @@
           <a:p>
             <a:fld id="{7053BEFA-1175-F644-B249-7D41D72BD3FF}" type="datetime1">
               <a:rPr lang="en-US" smtClean="0"/>
-              <a:t>2/14/15</a:t>
+              <a:t>4/21/15</a:t>
             </a:fld>
             <a:endParaRPr lang="en-US"/>
           </a:p>
@@ -13708,7 +13709,7 @@
           <a:p>
             <a:fld id="{7053BEFA-1175-F644-B249-7D41D72BD3FF}" type="datetime1">
               <a:rPr lang="en-US" smtClean="0"/>
-              <a:t>2/14/15</a:t>
+              <a:t>4/21/15</a:t>
             </a:fld>
             <a:endParaRPr lang="en-US"/>
           </a:p>
@@ -14016,7 +14017,7 @@
           <a:p>
             <a:fld id="{7053BEFA-1175-F644-B249-7D41D72BD3FF}" type="datetime1">
               <a:rPr lang="en-US" smtClean="0"/>
-              <a:t>2/14/15</a:t>
+              <a:t>4/21/15</a:t>
             </a:fld>
             <a:endParaRPr lang="en-US"/>
           </a:p>
@@ -14819,7 +14820,7 @@
           <a:p>
             <a:fld id="{7053BEFA-1175-F644-B249-7D41D72BD3FF}" type="datetime1">
               <a:rPr lang="en-US" smtClean="0"/>
-              <a:t>2/14/15</a:t>
+              <a:t>4/21/15</a:t>
             </a:fld>
             <a:endParaRPr lang="en-US"/>
           </a:p>
@@ -15874,7 +15875,7 @@
           <a:p>
             <a:fld id="{111EEF3B-ABF2-AA4E-9E24-0C6256942674}" type="datetime1">
               <a:rPr lang="en-US" smtClean="0"/>
-              <a:t>2/14/15</a:t>
+              <a:t>4/21/15</a:t>
             </a:fld>
             <a:endParaRPr lang="en-US"/>
           </a:p>
@@ -19132,7 +19133,7 @@
           <a:p>
             <a:fld id="{7053BEFA-1175-F644-B249-7D41D72BD3FF}" type="datetime1">
               <a:rPr lang="en-US" smtClean="0"/>
-              <a:t>2/14/15</a:t>
+              <a:t>4/21/15</a:t>
             </a:fld>
             <a:endParaRPr lang="en-US"/>
           </a:p>
@@ -20104,7 +20105,7 @@
           <a:p>
             <a:fld id="{7053BEFA-1175-F644-B249-7D41D72BD3FF}" type="datetime1">
               <a:rPr lang="en-US" smtClean="0"/>
-              <a:t>2/14/15</a:t>
+              <a:t>4/21/15</a:t>
             </a:fld>
             <a:endParaRPr lang="en-US"/>
           </a:p>
@@ -20292,7 +20293,7 @@
           <a:p>
             <a:fld id="{7053BEFA-1175-F644-B249-7D41D72BD3FF}" type="datetime1">
               <a:rPr lang="en-US" smtClean="0"/>
-              <a:t>2/14/15</a:t>
+              <a:t>4/21/15</a:t>
             </a:fld>
             <a:endParaRPr lang="en-US"/>
           </a:p>
@@ -20483,7 +20484,7 @@
           <a:p>
             <a:fld id="{7053BEFA-1175-F644-B249-7D41D72BD3FF}" type="datetime1">
               <a:rPr lang="en-US" smtClean="0"/>
-              <a:t>2/14/15</a:t>
+              <a:t>4/21/15</a:t>
             </a:fld>
             <a:endParaRPr lang="en-US"/>
           </a:p>
@@ -20702,7 +20703,7 @@
           <a:p>
             <a:fld id="{7053BEFA-1175-F644-B249-7D41D72BD3FF}" type="datetime1">
               <a:rPr lang="en-US" smtClean="0"/>
-              <a:t>2/14/15</a:t>
+              <a:t>4/21/15</a:t>
             </a:fld>
             <a:endParaRPr lang="en-US"/>
           </a:p>
@@ -20901,7 +20902,7 @@
           <a:p>
             <a:fld id="{7053BEFA-1175-F644-B249-7D41D72BD3FF}" type="datetime1">
               <a:rPr lang="en-US" smtClean="0"/>
-              <a:t>2/14/15</a:t>
+              <a:t>4/21/15</a:t>
             </a:fld>
             <a:endParaRPr lang="en-US"/>
           </a:p>
@@ -21065,7 +21066,7 @@
           <a:p>
             <a:fld id="{7053BEFA-1175-F644-B249-7D41D72BD3FF}" type="datetime1">
               <a:rPr lang="en-US" smtClean="0"/>
-              <a:t>2/14/15</a:t>
+              <a:t>4/21/15</a:t>
             </a:fld>
             <a:endParaRPr lang="en-US"/>
           </a:p>
@@ -21133,6 +21134,202 @@
 </p:sld>
 </file>
 
+<file path=ppt/slides/slide39.xml><?xml version="1.0" encoding="utf-8"?>
+<p:sld xmlns:a="http://schemas.openxmlformats.org/drawingml/2006/main" xmlns:r="http://schemas.openxmlformats.org/officeDocument/2006/relationships" xmlns:p="http://schemas.openxmlformats.org/presentationml/2006/main">
+  <p:cSld>
+    <p:spTree>
+      <p:nvGrpSpPr>
+        <p:cNvPr id="1" name=""/>
+        <p:cNvGrpSpPr/>
+        <p:nvPr/>
+      </p:nvGrpSpPr>
+      <p:grpSpPr>
+        <a:xfrm>
+          <a:off x="0" y="0"/>
+          <a:ext cx="0" cy="0"/>
+          <a:chOff x="0" y="0"/>
+          <a:chExt cx="0" cy="0"/>
+        </a:xfrm>
+      </p:grpSpPr>
+      <p:sp>
+        <p:nvSpPr>
+          <p:cNvPr id="2" name="Title 1"/>
+          <p:cNvSpPr>
+            <a:spLocks noGrp="1"/>
+          </p:cNvSpPr>
+          <p:nvPr>
+            <p:ph type="title"/>
+          </p:nvPr>
+        </p:nvSpPr>
+        <p:spPr/>
+        <p:txBody>
+          <a:bodyPr/>
+          <a:lstStyle/>
+          <a:p>
+            <a:r>
+              <a:rPr lang="en-US" smtClean="0"/>
+              <a:t>Summary</a:t>
+            </a:r>
+            <a:endParaRPr lang="en-US" dirty="0"/>
+          </a:p>
+        </p:txBody>
+      </p:sp>
+      <p:sp>
+        <p:nvSpPr>
+          <p:cNvPr id="3" name="Content Placeholder 2"/>
+          <p:cNvSpPr>
+            <a:spLocks noGrp="1"/>
+          </p:cNvSpPr>
+          <p:nvPr>
+            <p:ph idx="1"/>
+          </p:nvPr>
+        </p:nvSpPr>
+        <p:spPr/>
+        <p:txBody>
+          <a:bodyPr/>
+          <a:lstStyle/>
+          <a:p>
+            <a:r>
+              <a:rPr lang="en-US" dirty="0" smtClean="0"/>
+              <a:t>Data sampling issues</a:t>
+            </a:r>
+          </a:p>
+          <a:p>
+            <a:pPr lvl="1"/>
+            <a:r>
+              <a:rPr lang="en-US" dirty="0" smtClean="0"/>
+              <a:t>Understand terms: Population, Sample, Random Sampling Error, Bias</a:t>
+            </a:r>
+          </a:p>
+          <a:p>
+            <a:pPr lvl="1"/>
+            <a:r>
+              <a:rPr lang="en-US" dirty="0" smtClean="0"/>
+              <a:t>Understand </a:t>
+            </a:r>
+            <a:r>
+              <a:rPr lang="en-US" dirty="0"/>
+              <a:t>what makes a good </a:t>
+            </a:r>
+            <a:r>
+              <a:rPr lang="en-US" dirty="0" smtClean="0"/>
+              <a:t>sample</a:t>
+            </a:r>
+          </a:p>
+          <a:p>
+            <a:pPr lvl="1"/>
+            <a:r>
+              <a:rPr lang="en-US" dirty="0" smtClean="0"/>
+              <a:t>Understand types of Bias</a:t>
+            </a:r>
+          </a:p>
+          <a:p>
+            <a:pPr lvl="2"/>
+            <a:r>
+              <a:rPr lang="en-US" dirty="0"/>
+              <a:t>Random Bias</a:t>
+            </a:r>
+            <a:r>
+              <a:rPr lang="en-US" dirty="0" smtClean="0"/>
+              <a:t>, Systematic </a:t>
+            </a:r>
+            <a:r>
+              <a:rPr lang="en-US" dirty="0"/>
+              <a:t>Bias, Selection </a:t>
+            </a:r>
+            <a:r>
+              <a:rPr lang="en-US" dirty="0" smtClean="0"/>
+              <a:t>Bias, Non-response Bias</a:t>
+            </a:r>
+            <a:endParaRPr lang="en-US" dirty="0"/>
+          </a:p>
+          <a:p>
+            <a:pPr lvl="1"/>
+            <a:r>
+              <a:rPr lang="en-US" dirty="0" smtClean="0"/>
+              <a:t>Understand how changing population size affects different types of Bias</a:t>
+            </a:r>
+          </a:p>
+        </p:txBody>
+      </p:sp>
+      <p:sp>
+        <p:nvSpPr>
+          <p:cNvPr id="4" name="Date Placeholder 3"/>
+          <p:cNvSpPr>
+            <a:spLocks noGrp="1"/>
+          </p:cNvSpPr>
+          <p:nvPr>
+            <p:ph type="dt" sz="half" idx="10"/>
+          </p:nvPr>
+        </p:nvSpPr>
+        <p:spPr/>
+        <p:txBody>
+          <a:bodyPr/>
+          <a:lstStyle/>
+          <a:p>
+            <a:fld id="{7053BEFA-1175-F644-B249-7D41D72BD3FF}" type="datetime1">
+              <a:rPr lang="en-US" smtClean="0"/>
+              <a:t>4/21/15</a:t>
+            </a:fld>
+            <a:endParaRPr lang="en-US"/>
+          </a:p>
+        </p:txBody>
+      </p:sp>
+      <p:sp>
+        <p:nvSpPr>
+          <p:cNvPr id="5" name="Footer Placeholder 4"/>
+          <p:cNvSpPr>
+            <a:spLocks noGrp="1"/>
+          </p:cNvSpPr>
+          <p:nvPr>
+            <p:ph type="ftr" sz="quarter" idx="11"/>
+          </p:nvPr>
+        </p:nvSpPr>
+        <p:spPr/>
+        <p:txBody>
+          <a:bodyPr/>
+          <a:lstStyle/>
+          <a:p>
+            <a:endParaRPr lang="en-US" dirty="0"/>
+          </a:p>
+        </p:txBody>
+      </p:sp>
+      <p:sp>
+        <p:nvSpPr>
+          <p:cNvPr id="6" name="Slide Number Placeholder 5"/>
+          <p:cNvSpPr>
+            <a:spLocks noGrp="1"/>
+          </p:cNvSpPr>
+          <p:nvPr>
+            <p:ph type="sldNum" sz="quarter" idx="12"/>
+          </p:nvPr>
+        </p:nvSpPr>
+        <p:spPr/>
+        <p:txBody>
+          <a:bodyPr/>
+          <a:lstStyle/>
+          <a:p>
+            <a:fld id="{17E276FA-8F89-B34D-A726-BE3FA1F8DD97}" type="slidenum">
+              <a:rPr lang="en-US" smtClean="0"/>
+              <a:t>39</a:t>
+            </a:fld>
+            <a:endParaRPr lang="en-US" dirty="0"/>
+          </a:p>
+        </p:txBody>
+      </p:sp>
+    </p:spTree>
+    <p:extLst>
+      <p:ext uri="{BB962C8B-B14F-4D97-AF65-F5344CB8AC3E}">
+        <p14:creationId xmlns:p14="http://schemas.microsoft.com/office/powerpoint/2010/main" val="966110585"/>
+      </p:ext>
+    </p:extLst>
+  </p:cSld>
+  <p:clrMapOvr>
+    <a:masterClrMapping/>
+  </p:clrMapOvr>
+</p:sld>
+</file>
+
 <file path=ppt/slides/slide4.xml><?xml version="1.0" encoding="utf-8"?>
 <p:sld xmlns:a="http://schemas.openxmlformats.org/drawingml/2006/main" xmlns:r="http://schemas.openxmlformats.org/officeDocument/2006/relationships" xmlns:p="http://schemas.openxmlformats.org/presentationml/2006/main">
   <p:cSld>
@@ -21230,7 +21427,7 @@
           <a:p>
             <a:fld id="{7053BEFA-1175-F644-B249-7D41D72BD3FF}" type="datetime1">
               <a:rPr lang="en-US" smtClean="0"/>
-              <a:t>2/14/15</a:t>
+              <a:t>4/21/15</a:t>
             </a:fld>
             <a:endParaRPr lang="en-US"/>
           </a:p>
@@ -21404,7 +21601,7 @@
           <a:p>
             <a:fld id="{7053BEFA-1175-F644-B249-7D41D72BD3FF}" type="datetime1">
               <a:rPr lang="en-US" smtClean="0"/>
-              <a:t>2/14/15</a:t>
+              <a:t>4/21/15</a:t>
             </a:fld>
             <a:endParaRPr lang="en-US"/>
           </a:p>
@@ -21548,7 +21745,7 @@
           <a:p>
             <a:fld id="{111EEF3B-ABF2-AA4E-9E24-0C6256942674}" type="datetime1">
               <a:rPr lang="en-US" smtClean="0"/>
-              <a:t>2/14/15</a:t>
+              <a:t>4/21/15</a:t>
             </a:fld>
             <a:endParaRPr lang="en-US"/>
           </a:p>
@@ -21654,7 +21851,7 @@
           <a:p>
             <a:fld id="{111EEF3B-ABF2-AA4E-9E24-0C6256942674}" type="datetime1">
               <a:rPr lang="en-US" smtClean="0"/>
-              <a:t>2/14/15</a:t>
+              <a:t>4/21/15</a:t>
             </a:fld>
             <a:endParaRPr lang="en-US"/>
           </a:p>
@@ -21896,7 +22093,7 @@
           <a:p>
             <a:fld id="{111EEF3B-ABF2-AA4E-9E24-0C6256942674}" type="datetime1">
               <a:rPr lang="en-US" smtClean="0"/>
-              <a:t>2/14/15</a:t>
+              <a:t>4/21/15</a:t>
             </a:fld>
             <a:endParaRPr lang="en-US"/>
           </a:p>
@@ -22234,7 +22431,7 @@
           <a:p>
             <a:fld id="{111EEF3B-ABF2-AA4E-9E24-0C6256942674}" type="datetime1">
               <a:rPr lang="en-US" smtClean="0"/>
-              <a:t>2/14/15</a:t>
+              <a:t>4/21/15</a:t>
             </a:fld>
             <a:endParaRPr lang="en-US"/>
           </a:p>
